--- a/figures/window_etc.pptx
+++ b/figures/window_etc.pptx
@@ -5,12 +5,13 @@
     <p:sldMasterId id="2147483648" r:id="rId1"/>
   </p:sldMasterIdLst>
   <p:notesMasterIdLst>
-    <p:notesMasterId r:id="rId5"/>
+    <p:notesMasterId r:id="rId6"/>
   </p:notesMasterIdLst>
   <p:sldIdLst>
     <p:sldId id="257" r:id="rId2"/>
     <p:sldId id="258" r:id="rId3"/>
     <p:sldId id="260" r:id="rId4"/>
+    <p:sldId id="261" r:id="rId5"/>
   </p:sldIdLst>
   <p:sldSz cx="18288000" cy="13716000"/>
   <p:notesSz cx="6858000" cy="9144000"/>
@@ -194,7 +195,7 @@
           <a:p>
             <a:fld id="{FED0C8A9-03CA-4326-8249-E74BA2E9C657}" type="datetimeFigureOut">
               <a:rPr lang="en-US" smtClean="0"/>
-              <a:t>8/31/2015</a:t>
+              <a:t>9/1/2015</a:t>
             </a:fld>
             <a:endParaRPr lang="en-US"/>
           </a:p>
@@ -727,7 +728,7 @@
           <a:p>
             <a:fld id="{6DD5E1B7-E334-4178-BD21-05C83850FCAF}" type="datetimeFigureOut">
               <a:rPr lang="en-US" smtClean="0"/>
-              <a:t>8/31/2015</a:t>
+              <a:t>9/1/2015</a:t>
             </a:fld>
             <a:endParaRPr lang="en-US"/>
           </a:p>
@@ -897,7 +898,7 @@
           <a:p>
             <a:fld id="{6DD5E1B7-E334-4178-BD21-05C83850FCAF}" type="datetimeFigureOut">
               <a:rPr lang="en-US" smtClean="0"/>
-              <a:t>8/31/2015</a:t>
+              <a:t>9/1/2015</a:t>
             </a:fld>
             <a:endParaRPr lang="en-US"/>
           </a:p>
@@ -1077,7 +1078,7 @@
           <a:p>
             <a:fld id="{6DD5E1B7-E334-4178-BD21-05C83850FCAF}" type="datetimeFigureOut">
               <a:rPr lang="en-US" smtClean="0"/>
-              <a:t>8/31/2015</a:t>
+              <a:t>9/1/2015</a:t>
             </a:fld>
             <a:endParaRPr lang="en-US"/>
           </a:p>
@@ -1247,7 +1248,7 @@
           <a:p>
             <a:fld id="{6DD5E1B7-E334-4178-BD21-05C83850FCAF}" type="datetimeFigureOut">
               <a:rPr lang="en-US" smtClean="0"/>
-              <a:t>8/31/2015</a:t>
+              <a:t>9/1/2015</a:t>
             </a:fld>
             <a:endParaRPr lang="en-US"/>
           </a:p>
@@ -1493,7 +1494,7 @@
           <a:p>
             <a:fld id="{6DD5E1B7-E334-4178-BD21-05C83850FCAF}" type="datetimeFigureOut">
               <a:rPr lang="en-US" smtClean="0"/>
-              <a:t>8/31/2015</a:t>
+              <a:t>9/1/2015</a:t>
             </a:fld>
             <a:endParaRPr lang="en-US"/>
           </a:p>
@@ -1781,7 +1782,7 @@
           <a:p>
             <a:fld id="{6DD5E1B7-E334-4178-BD21-05C83850FCAF}" type="datetimeFigureOut">
               <a:rPr lang="en-US" smtClean="0"/>
-              <a:t>8/31/2015</a:t>
+              <a:t>9/1/2015</a:t>
             </a:fld>
             <a:endParaRPr lang="en-US"/>
           </a:p>
@@ -2203,7 +2204,7 @@
           <a:p>
             <a:fld id="{6DD5E1B7-E334-4178-BD21-05C83850FCAF}" type="datetimeFigureOut">
               <a:rPr lang="en-US" smtClean="0"/>
-              <a:t>8/31/2015</a:t>
+              <a:t>9/1/2015</a:t>
             </a:fld>
             <a:endParaRPr lang="en-US"/>
           </a:p>
@@ -2321,7 +2322,7 @@
           <a:p>
             <a:fld id="{6DD5E1B7-E334-4178-BD21-05C83850FCAF}" type="datetimeFigureOut">
               <a:rPr lang="en-US" smtClean="0"/>
-              <a:t>8/31/2015</a:t>
+              <a:t>9/1/2015</a:t>
             </a:fld>
             <a:endParaRPr lang="en-US"/>
           </a:p>
@@ -2416,7 +2417,7 @@
           <a:p>
             <a:fld id="{6DD5E1B7-E334-4178-BD21-05C83850FCAF}" type="datetimeFigureOut">
               <a:rPr lang="en-US" smtClean="0"/>
-              <a:t>8/31/2015</a:t>
+              <a:t>9/1/2015</a:t>
             </a:fld>
             <a:endParaRPr lang="en-US"/>
           </a:p>
@@ -2693,7 +2694,7 @@
           <a:p>
             <a:fld id="{6DD5E1B7-E334-4178-BD21-05C83850FCAF}" type="datetimeFigureOut">
               <a:rPr lang="en-US" smtClean="0"/>
-              <a:t>8/31/2015</a:t>
+              <a:t>9/1/2015</a:t>
             </a:fld>
             <a:endParaRPr lang="en-US"/>
           </a:p>
@@ -2946,7 +2947,7 @@
           <a:p>
             <a:fld id="{6DD5E1B7-E334-4178-BD21-05C83850FCAF}" type="datetimeFigureOut">
               <a:rPr lang="en-US" smtClean="0"/>
-              <a:t>8/31/2015</a:t>
+              <a:t>9/1/2015</a:t>
             </a:fld>
             <a:endParaRPr lang="en-US"/>
           </a:p>
@@ -3159,7 +3160,7 @@
           <a:p>
             <a:fld id="{6DD5E1B7-E334-4178-BD21-05C83850FCAF}" type="datetimeFigureOut">
               <a:rPr lang="en-US" smtClean="0"/>
-              <a:t>8/31/2015</a:t>
+              <a:t>9/1/2015</a:t>
             </a:fld>
             <a:endParaRPr lang="en-US"/>
           </a:p>
@@ -4942,7 +4943,6 @@
               <a:rPr lang="en-US" sz="4000" b="1" i="1" dirty="0"/>
               <a:t>Xe gas</a:t>
             </a:r>
-            <a:endParaRPr lang="en-US" sz="4000" b="1" i="1" dirty="0"/>
           </a:p>
         </p:txBody>
       </p:sp>
@@ -9939,7 +9939,6 @@
               <a:rPr lang="en-US" sz="4800" b="1" dirty="0"/>
               <a:t> to Ba</a:t>
             </a:r>
-            <a:endParaRPr lang="en-US" sz="4800" b="1" dirty="0"/>
           </a:p>
         </p:txBody>
       </p:sp>
@@ -10081,7 +10080,6 @@
               <a:rPr lang="en-US" sz="4000" b="1" dirty="0"/>
               <a:t> Ion Beam</a:t>
             </a:r>
-            <a:endParaRPr lang="en-US" sz="4000" b="1" dirty="0"/>
           </a:p>
         </p:txBody>
       </p:sp>
@@ -10157,7 +10155,6 @@
               <a:rPr lang="en-US" sz="6400" b="1" dirty="0"/>
               <a:t> Ion Deposition</a:t>
             </a:r>
-            <a:endParaRPr lang="en-US" sz="6400" b="1" dirty="0"/>
           </a:p>
         </p:txBody>
       </p:sp>
@@ -13277,11 +13274,6 @@
               </a:rPr>
               <a:t>Detection</a:t>
             </a:r>
-            <a:endParaRPr lang="en-US" sz="6400" b="1" dirty="0">
-              <a:solidFill>
-                <a:srgbClr val="0000CC"/>
-              </a:solidFill>
-            </a:endParaRPr>
           </a:p>
         </p:txBody>
       </p:sp>
@@ -13816,7 +13808,6 @@
               <a:rPr lang="en-US" sz="4800" dirty="0"/>
               <a:t>To spectrometer/CCD</a:t>
             </a:r>
-            <a:endParaRPr lang="en-US" sz="4800" dirty="0"/>
           </a:p>
         </p:txBody>
       </p:sp>
@@ -14212,7 +14203,6 @@
               <a:rPr lang="en-US" sz="4800" dirty="0"/>
               <a:t>filters</a:t>
             </a:r>
-            <a:endParaRPr lang="en-US" sz="4800" dirty="0"/>
           </a:p>
         </p:txBody>
       </p:sp>
@@ -16900,11 +16890,7 @@
             </a:r>
             <a:r>
               <a:rPr lang="en-US" sz="2400" dirty="0" smtClean="0"/>
-              <a:t> </a:t>
-            </a:r>
-            <a:r>
-              <a:rPr lang="en-US" sz="2400" dirty="0" smtClean="0"/>
-              <a:t>ions</a:t>
+              <a:t> ions</a:t>
             </a:r>
             <a:endParaRPr lang="en-US" sz="2400" dirty="0"/>
           </a:p>
@@ -19891,10 +19877,5858 @@
           </a:p>
         </p:txBody>
       </p:sp>
+      <p:sp>
+        <p:nvSpPr>
+          <p:cNvPr id="10" name="TextBox 9"/>
+          <p:cNvSpPr txBox="1"/>
+          <p:nvPr/>
+        </p:nvSpPr>
+        <p:spPr>
+          <a:xfrm>
+            <a:off x="1371600" y="457200"/>
+            <a:ext cx="776175" cy="646331"/>
+          </a:xfrm>
+          <a:prstGeom prst="rect">
+            <a:avLst/>
+          </a:prstGeom>
+          <a:noFill/>
+        </p:spPr>
+        <p:txBody>
+          <a:bodyPr wrap="none" rtlCol="0">
+            <a:spAutoFit/>
+          </a:bodyPr>
+          <a:lstStyle/>
+          <a:p>
+            <a:r>
+              <a:rPr lang="en-US" dirty="0" smtClean="0"/>
+              <a:t>old</a:t>
+            </a:r>
+            <a:endParaRPr lang="en-US" dirty="0"/>
+          </a:p>
+        </p:txBody>
+      </p:sp>
     </p:spTree>
     <p:extLst>
       <p:ext uri="{BB962C8B-B14F-4D97-AF65-F5344CB8AC3E}">
         <p14:creationId xmlns:p14="http://schemas.microsoft.com/office/powerpoint/2010/main" val="3292249007"/>
+      </p:ext>
+    </p:extLst>
+  </p:cSld>
+  <p:clrMapOvr>
+    <a:masterClrMapping/>
+  </p:clrMapOvr>
+  <p:timing>
+    <p:tnLst>
+      <p:par>
+        <p:cTn id="1" dur="indefinite" restart="never" nodeType="tmRoot">
+          <p:childTnLst>
+            <p:seq concurrent="1" nextAc="seek">
+              <p:cTn id="2" dur="indefinite" nodeType="mainSeq">
+                <p:childTnLst>
+                  <p:par>
+                    <p:cTn id="3" fill="hold">
+                      <p:stCondLst>
+                        <p:cond delay="indefinite"/>
+                        <p:cond evt="onBegin" delay="0">
+                          <p:tn val="2"/>
+                        </p:cond>
+                      </p:stCondLst>
+                      <p:childTnLst>
+                        <p:par>
+                          <p:cTn id="4" fill="hold">
+                            <p:stCondLst>
+                              <p:cond delay="0"/>
+                            </p:stCondLst>
+                            <p:childTnLst>
+                              <p:par>
+                                <p:cTn id="5" presetID="1" presetClass="entr" presetSubtype="0" fill="hold" grpId="0" nodeType="withEffect">
+                                  <p:stCondLst>
+                                    <p:cond delay="0"/>
+                                  </p:stCondLst>
+                                  <p:childTnLst>
+                                    <p:set>
+                                      <p:cBhvr>
+                                        <p:cTn id="6" dur="1" fill="hold">
+                                          <p:stCondLst>
+                                            <p:cond delay="0"/>
+                                          </p:stCondLst>
+                                        </p:cTn>
+                                        <p:tgtEl>
+                                          <p:spTgt spid="70"/>
+                                        </p:tgtEl>
+                                        <p:attrNameLst>
+                                          <p:attrName>style.visibility</p:attrName>
+                                        </p:attrNameLst>
+                                      </p:cBhvr>
+                                      <p:to>
+                                        <p:strVal val="visible"/>
+                                      </p:to>
+                                    </p:set>
+                                  </p:childTnLst>
+                                </p:cTn>
+                              </p:par>
+                              <p:par>
+                                <p:cTn id="7" presetID="1" presetClass="entr" presetSubtype="0" fill="hold" grpId="0" nodeType="withEffect">
+                                  <p:stCondLst>
+                                    <p:cond delay="0"/>
+                                  </p:stCondLst>
+                                  <p:childTnLst>
+                                    <p:set>
+                                      <p:cBhvr>
+                                        <p:cTn id="8" dur="1" fill="hold">
+                                          <p:stCondLst>
+                                            <p:cond delay="0"/>
+                                          </p:stCondLst>
+                                        </p:cTn>
+                                        <p:tgtEl>
+                                          <p:spTgt spid="69"/>
+                                        </p:tgtEl>
+                                        <p:attrNameLst>
+                                          <p:attrName>style.visibility</p:attrName>
+                                        </p:attrNameLst>
+                                      </p:cBhvr>
+                                      <p:to>
+                                        <p:strVal val="visible"/>
+                                      </p:to>
+                                    </p:set>
+                                  </p:childTnLst>
+                                </p:cTn>
+                              </p:par>
+                            </p:childTnLst>
+                          </p:cTn>
+                        </p:par>
+                      </p:childTnLst>
+                    </p:cTn>
+                  </p:par>
+                </p:childTnLst>
+              </p:cTn>
+              <p:prevCondLst>
+                <p:cond evt="onPrev" delay="0">
+                  <p:tgtEl>
+                    <p:sldTgt/>
+                  </p:tgtEl>
+                </p:cond>
+              </p:prevCondLst>
+              <p:nextCondLst>
+                <p:cond evt="onNext" delay="0">
+                  <p:tgtEl>
+                    <p:sldTgt/>
+                  </p:tgtEl>
+                </p:cond>
+              </p:nextCondLst>
+            </p:seq>
+          </p:childTnLst>
+        </p:cTn>
+      </p:par>
+    </p:tnLst>
+    <p:bldLst>
+      <p:bldP spid="69" grpId="0" animBg="1"/>
+      <p:bldP spid="70" grpId="0" animBg="1"/>
+    </p:bldLst>
+  </p:timing>
+</p:sld>
+</file>
+
+<file path=ppt/slides/slide4.xml><?xml version="1.0" encoding="utf-8"?>
+<p:sld xmlns:a="http://schemas.openxmlformats.org/drawingml/2006/main" xmlns:r="http://schemas.openxmlformats.org/officeDocument/2006/relationships" xmlns:p="http://schemas.openxmlformats.org/presentationml/2006/main">
+  <p:cSld>
+    <p:spTree>
+      <p:nvGrpSpPr>
+        <p:cNvPr id="1" name=""/>
+        <p:cNvGrpSpPr/>
+        <p:nvPr/>
+      </p:nvGrpSpPr>
+      <p:grpSpPr>
+        <a:xfrm>
+          <a:off x="0" y="0"/>
+          <a:ext cx="0" cy="0"/>
+          <a:chOff x="0" y="0"/>
+          <a:chExt cx="0" cy="0"/>
+        </a:xfrm>
+      </p:grpSpPr>
+      <p:sp>
+        <p:nvSpPr>
+          <p:cNvPr id="145" name="Oval 144"/>
+          <p:cNvSpPr/>
+          <p:nvPr/>
+        </p:nvSpPr>
+        <p:spPr>
+          <a:xfrm>
+            <a:off x="10348301" y="8139721"/>
+            <a:ext cx="2804437" cy="2804437"/>
+          </a:xfrm>
+          <a:prstGeom prst="ellipse">
+            <a:avLst/>
+          </a:prstGeom>
+          <a:noFill/>
+          <a:ln w="57150">
+            <a:solidFill>
+              <a:schemeClr val="tx1">
+                <a:lumMod val="50000"/>
+                <a:lumOff val="50000"/>
+              </a:schemeClr>
+            </a:solidFill>
+          </a:ln>
+        </p:spPr>
+        <p:style>
+          <a:lnRef idx="2">
+            <a:schemeClr val="accent1">
+              <a:shade val="50000"/>
+            </a:schemeClr>
+          </a:lnRef>
+          <a:fillRef idx="1">
+            <a:schemeClr val="accent1"/>
+          </a:fillRef>
+          <a:effectRef idx="0">
+            <a:schemeClr val="accent1"/>
+          </a:effectRef>
+          <a:fontRef idx="minor">
+            <a:schemeClr val="lt1"/>
+          </a:fontRef>
+        </p:style>
+        <p:txBody>
+          <a:bodyPr rtlCol="0" anchor="ctr"/>
+          <a:lstStyle/>
+          <a:p>
+            <a:pPr algn="ctr"/>
+            <a:endParaRPr lang="en-US"/>
+          </a:p>
+        </p:txBody>
+      </p:sp>
+      <p:sp>
+        <p:nvSpPr>
+          <p:cNvPr id="146" name="Rectangle 145"/>
+          <p:cNvSpPr/>
+          <p:nvPr/>
+        </p:nvSpPr>
+        <p:spPr>
+          <a:xfrm>
+            <a:off x="11098905" y="8052818"/>
+            <a:ext cx="1267104" cy="362982"/>
+          </a:xfrm>
+          <a:prstGeom prst="rect">
+            <a:avLst/>
+          </a:prstGeom>
+          <a:solidFill>
+            <a:schemeClr val="bg1"/>
+          </a:solidFill>
+          <a:ln>
+            <a:noFill/>
+          </a:ln>
+        </p:spPr>
+        <p:style>
+          <a:lnRef idx="2">
+            <a:schemeClr val="accent1">
+              <a:shade val="50000"/>
+            </a:schemeClr>
+          </a:lnRef>
+          <a:fillRef idx="1">
+            <a:schemeClr val="accent1"/>
+          </a:fillRef>
+          <a:effectRef idx="0">
+            <a:schemeClr val="accent1"/>
+          </a:effectRef>
+          <a:fontRef idx="minor">
+            <a:schemeClr val="lt1"/>
+          </a:fontRef>
+        </p:style>
+        <p:txBody>
+          <a:bodyPr rtlCol="0" anchor="ctr"/>
+          <a:lstStyle/>
+          <a:p>
+            <a:pPr algn="ctr"/>
+            <a:endParaRPr lang="en-US"/>
+          </a:p>
+        </p:txBody>
+      </p:sp>
+      <p:sp>
+        <p:nvSpPr>
+          <p:cNvPr id="147" name="Rectangle 146"/>
+          <p:cNvSpPr/>
+          <p:nvPr/>
+        </p:nvSpPr>
+        <p:spPr>
+          <a:xfrm>
+            <a:off x="11123362" y="10668079"/>
+            <a:ext cx="1150086" cy="341235"/>
+          </a:xfrm>
+          <a:prstGeom prst="rect">
+            <a:avLst/>
+          </a:prstGeom>
+          <a:solidFill>
+            <a:schemeClr val="bg1"/>
+          </a:solidFill>
+          <a:ln>
+            <a:noFill/>
+          </a:ln>
+        </p:spPr>
+        <p:style>
+          <a:lnRef idx="2">
+            <a:schemeClr val="accent1">
+              <a:shade val="50000"/>
+            </a:schemeClr>
+          </a:lnRef>
+          <a:fillRef idx="1">
+            <a:schemeClr val="accent1"/>
+          </a:fillRef>
+          <a:effectRef idx="0">
+            <a:schemeClr val="accent1"/>
+          </a:effectRef>
+          <a:fontRef idx="minor">
+            <a:schemeClr val="lt1"/>
+          </a:fontRef>
+        </p:style>
+        <p:txBody>
+          <a:bodyPr rtlCol="0" anchor="ctr"/>
+          <a:lstStyle/>
+          <a:p>
+            <a:pPr algn="ctr"/>
+            <a:endParaRPr lang="en-US"/>
+          </a:p>
+        </p:txBody>
+      </p:sp>
+      <p:sp>
+        <p:nvSpPr>
+          <p:cNvPr id="148" name="Rectangle 147"/>
+          <p:cNvSpPr/>
+          <p:nvPr/>
+        </p:nvSpPr>
+        <p:spPr>
+          <a:xfrm>
+            <a:off x="9948819" y="8817436"/>
+            <a:ext cx="1150086" cy="1301292"/>
+          </a:xfrm>
+          <a:prstGeom prst="rect">
+            <a:avLst/>
+          </a:prstGeom>
+          <a:solidFill>
+            <a:schemeClr val="bg1"/>
+          </a:solidFill>
+          <a:ln>
+            <a:noFill/>
+          </a:ln>
+        </p:spPr>
+        <p:style>
+          <a:lnRef idx="2">
+            <a:schemeClr val="accent1">
+              <a:shade val="50000"/>
+            </a:schemeClr>
+          </a:lnRef>
+          <a:fillRef idx="1">
+            <a:schemeClr val="accent1"/>
+          </a:fillRef>
+          <a:effectRef idx="0">
+            <a:schemeClr val="accent1"/>
+          </a:effectRef>
+          <a:fontRef idx="minor">
+            <a:schemeClr val="lt1"/>
+          </a:fontRef>
+        </p:style>
+        <p:txBody>
+          <a:bodyPr rtlCol="0" anchor="ctr"/>
+          <a:lstStyle/>
+          <a:p>
+            <a:pPr algn="ctr"/>
+            <a:endParaRPr lang="en-US"/>
+          </a:p>
+        </p:txBody>
+      </p:sp>
+      <p:sp>
+        <p:nvSpPr>
+          <p:cNvPr id="149" name="Rectangle 148"/>
+          <p:cNvSpPr/>
+          <p:nvPr/>
+        </p:nvSpPr>
+        <p:spPr>
+          <a:xfrm>
+            <a:off x="12244219" y="8853438"/>
+            <a:ext cx="1150086" cy="1467045"/>
+          </a:xfrm>
+          <a:prstGeom prst="rect">
+            <a:avLst/>
+          </a:prstGeom>
+          <a:solidFill>
+            <a:schemeClr val="bg1"/>
+          </a:solidFill>
+          <a:ln>
+            <a:noFill/>
+          </a:ln>
+        </p:spPr>
+        <p:style>
+          <a:lnRef idx="2">
+            <a:schemeClr val="accent1">
+              <a:shade val="50000"/>
+            </a:schemeClr>
+          </a:lnRef>
+          <a:fillRef idx="1">
+            <a:schemeClr val="accent1"/>
+          </a:fillRef>
+          <a:effectRef idx="0">
+            <a:schemeClr val="accent1"/>
+          </a:effectRef>
+          <a:fontRef idx="minor">
+            <a:schemeClr val="lt1"/>
+          </a:fontRef>
+        </p:style>
+        <p:txBody>
+          <a:bodyPr rtlCol="0" anchor="ctr"/>
+          <a:lstStyle/>
+          <a:p>
+            <a:pPr algn="ctr"/>
+            <a:endParaRPr lang="en-US"/>
+          </a:p>
+        </p:txBody>
+      </p:sp>
+      <p:sp>
+        <p:nvSpPr>
+          <p:cNvPr id="63" name="Rectangle 62"/>
+          <p:cNvSpPr/>
+          <p:nvPr/>
+        </p:nvSpPr>
+        <p:spPr>
+          <a:xfrm>
+            <a:off x="13070582" y="10487427"/>
+            <a:ext cx="93964" cy="607614"/>
+          </a:xfrm>
+          <a:prstGeom prst="rect">
+            <a:avLst/>
+          </a:prstGeom>
+          <a:solidFill>
+            <a:schemeClr val="bg1">
+              <a:lumMod val="65000"/>
+            </a:schemeClr>
+          </a:solidFill>
+          <a:ln>
+            <a:solidFill>
+              <a:schemeClr val="bg1">
+                <a:lumMod val="65000"/>
+              </a:schemeClr>
+            </a:solidFill>
+          </a:ln>
+        </p:spPr>
+        <p:style>
+          <a:lnRef idx="2">
+            <a:schemeClr val="accent1">
+              <a:shade val="50000"/>
+            </a:schemeClr>
+          </a:lnRef>
+          <a:fillRef idx="1">
+            <a:schemeClr val="accent1"/>
+          </a:fillRef>
+          <a:effectRef idx="0">
+            <a:schemeClr val="accent1"/>
+          </a:effectRef>
+          <a:fontRef idx="minor">
+            <a:schemeClr val="lt1"/>
+          </a:fontRef>
+        </p:style>
+        <p:txBody>
+          <a:bodyPr lIns="91440" tIns="45720" rIns="91440" bIns="45720" rtlCol="0" anchor="ctr"/>
+          <a:lstStyle/>
+          <a:p>
+            <a:pPr algn="ctr"/>
+            <a:endParaRPr lang="en-US"/>
+          </a:p>
+        </p:txBody>
+      </p:sp>
+      <p:sp>
+        <p:nvSpPr>
+          <p:cNvPr id="2" name="Rectangle 1"/>
+          <p:cNvSpPr/>
+          <p:nvPr/>
+        </p:nvSpPr>
+        <p:spPr>
+          <a:xfrm>
+            <a:off x="11123362" y="6484542"/>
+            <a:ext cx="977539" cy="702902"/>
+          </a:xfrm>
+          <a:prstGeom prst="rect">
+            <a:avLst/>
+          </a:prstGeom>
+          <a:solidFill>
+            <a:srgbClr val="FF0000">
+              <a:alpha val="50000"/>
+            </a:srgbClr>
+          </a:solidFill>
+          <a:ln>
+            <a:noFill/>
+          </a:ln>
+        </p:spPr>
+        <p:style>
+          <a:lnRef idx="2">
+            <a:schemeClr val="accent1">
+              <a:shade val="50000"/>
+            </a:schemeClr>
+          </a:lnRef>
+          <a:fillRef idx="1">
+            <a:schemeClr val="accent1"/>
+          </a:fillRef>
+          <a:effectRef idx="0">
+            <a:schemeClr val="accent1"/>
+          </a:effectRef>
+          <a:fontRef idx="minor">
+            <a:schemeClr val="lt1"/>
+          </a:fontRef>
+        </p:style>
+        <p:txBody>
+          <a:bodyPr lIns="91440" tIns="45720" rIns="91440" bIns="45720" rtlCol="0" anchor="ctr"/>
+          <a:lstStyle/>
+          <a:p>
+            <a:pPr algn="ctr"/>
+            <a:endParaRPr lang="en-US"/>
+          </a:p>
+        </p:txBody>
+      </p:sp>
+      <p:sp>
+        <p:nvSpPr>
+          <p:cNvPr id="3" name="Rectangle 2"/>
+          <p:cNvSpPr/>
+          <p:nvPr/>
+        </p:nvSpPr>
+        <p:spPr>
+          <a:xfrm>
+            <a:off x="7084282" y="11009315"/>
+            <a:ext cx="1939399" cy="85726"/>
+          </a:xfrm>
+          <a:prstGeom prst="rect">
+            <a:avLst/>
+          </a:prstGeom>
+          <a:solidFill>
+            <a:schemeClr val="bg1">
+              <a:lumMod val="65000"/>
+            </a:schemeClr>
+          </a:solidFill>
+          <a:ln>
+            <a:solidFill>
+              <a:schemeClr val="bg1">
+                <a:lumMod val="65000"/>
+              </a:schemeClr>
+            </a:solidFill>
+          </a:ln>
+        </p:spPr>
+        <p:style>
+          <a:lnRef idx="2">
+            <a:schemeClr val="accent1">
+              <a:shade val="50000"/>
+            </a:schemeClr>
+          </a:lnRef>
+          <a:fillRef idx="1">
+            <a:schemeClr val="accent1"/>
+          </a:fillRef>
+          <a:effectRef idx="0">
+            <a:schemeClr val="accent1"/>
+          </a:effectRef>
+          <a:fontRef idx="minor">
+            <a:schemeClr val="lt1"/>
+          </a:fontRef>
+        </p:style>
+        <p:txBody>
+          <a:bodyPr lIns="91440" tIns="45720" rIns="91440" bIns="45720" rtlCol="0" anchor="ctr"/>
+          <a:lstStyle/>
+          <a:p>
+            <a:pPr algn="ctr"/>
+            <a:endParaRPr lang="en-US"/>
+          </a:p>
+        </p:txBody>
+      </p:sp>
+      <p:sp>
+        <p:nvSpPr>
+          <p:cNvPr id="4" name="Rectangle 3"/>
+          <p:cNvSpPr/>
+          <p:nvPr/>
+        </p:nvSpPr>
+        <p:spPr>
+          <a:xfrm>
+            <a:off x="8997048" y="10042528"/>
+            <a:ext cx="102834" cy="1052514"/>
+          </a:xfrm>
+          <a:prstGeom prst="rect">
+            <a:avLst/>
+          </a:prstGeom>
+          <a:solidFill>
+            <a:schemeClr val="bg1">
+              <a:lumMod val="65000"/>
+            </a:schemeClr>
+          </a:solidFill>
+          <a:ln>
+            <a:solidFill>
+              <a:schemeClr val="bg1">
+                <a:lumMod val="65000"/>
+              </a:schemeClr>
+            </a:solidFill>
+          </a:ln>
+        </p:spPr>
+        <p:style>
+          <a:lnRef idx="2">
+            <a:schemeClr val="accent1">
+              <a:shade val="50000"/>
+            </a:schemeClr>
+          </a:lnRef>
+          <a:fillRef idx="1">
+            <a:schemeClr val="accent1"/>
+          </a:fillRef>
+          <a:effectRef idx="0">
+            <a:schemeClr val="accent1"/>
+          </a:effectRef>
+          <a:fontRef idx="minor">
+            <a:schemeClr val="lt1"/>
+          </a:fontRef>
+        </p:style>
+        <p:txBody>
+          <a:bodyPr lIns="91440" tIns="45720" rIns="91440" bIns="45720" rtlCol="0" anchor="ctr"/>
+          <a:lstStyle/>
+          <a:p>
+            <a:pPr algn="ctr"/>
+            <a:endParaRPr lang="en-US"/>
+          </a:p>
+        </p:txBody>
+      </p:sp>
+      <p:sp>
+        <p:nvSpPr>
+          <p:cNvPr id="5" name="Rectangle 4"/>
+          <p:cNvSpPr/>
+          <p:nvPr/>
+        </p:nvSpPr>
+        <p:spPr>
+          <a:xfrm>
+            <a:off x="9099882" y="10042528"/>
+            <a:ext cx="1295400" cy="76200"/>
+          </a:xfrm>
+          <a:prstGeom prst="rect">
+            <a:avLst/>
+          </a:prstGeom>
+          <a:solidFill>
+            <a:schemeClr val="bg1">
+              <a:lumMod val="65000"/>
+            </a:schemeClr>
+          </a:solidFill>
+          <a:ln>
+            <a:solidFill>
+              <a:schemeClr val="bg1">
+                <a:lumMod val="65000"/>
+              </a:schemeClr>
+            </a:solidFill>
+          </a:ln>
+        </p:spPr>
+        <p:style>
+          <a:lnRef idx="2">
+            <a:schemeClr val="accent1">
+              <a:shade val="50000"/>
+            </a:schemeClr>
+          </a:lnRef>
+          <a:fillRef idx="1">
+            <a:schemeClr val="accent1"/>
+          </a:fillRef>
+          <a:effectRef idx="0">
+            <a:schemeClr val="accent1"/>
+          </a:effectRef>
+          <a:fontRef idx="minor">
+            <a:schemeClr val="lt1"/>
+          </a:fontRef>
+        </p:style>
+        <p:txBody>
+          <a:bodyPr lIns="91440" tIns="45720" rIns="91440" bIns="45720" rtlCol="0" anchor="ctr"/>
+          <a:lstStyle/>
+          <a:p>
+            <a:pPr algn="ctr"/>
+            <a:endParaRPr lang="en-US"/>
+          </a:p>
+        </p:txBody>
+      </p:sp>
+      <p:sp>
+        <p:nvSpPr>
+          <p:cNvPr id="6" name="Rectangle 5"/>
+          <p:cNvSpPr/>
+          <p:nvPr/>
+        </p:nvSpPr>
+        <p:spPr>
+          <a:xfrm>
+            <a:off x="10319083" y="7951791"/>
+            <a:ext cx="693133" cy="101027"/>
+          </a:xfrm>
+          <a:prstGeom prst="rect">
+            <a:avLst/>
+          </a:prstGeom>
+          <a:solidFill>
+            <a:schemeClr val="bg1">
+              <a:lumMod val="65000"/>
+            </a:schemeClr>
+          </a:solidFill>
+          <a:ln>
+            <a:solidFill>
+              <a:schemeClr val="bg1">
+                <a:lumMod val="65000"/>
+              </a:schemeClr>
+            </a:solidFill>
+          </a:ln>
+        </p:spPr>
+        <p:style>
+          <a:lnRef idx="2">
+            <a:schemeClr val="accent1">
+              <a:shade val="50000"/>
+            </a:schemeClr>
+          </a:lnRef>
+          <a:fillRef idx="1">
+            <a:schemeClr val="accent1"/>
+          </a:fillRef>
+          <a:effectRef idx="0">
+            <a:schemeClr val="accent1"/>
+          </a:effectRef>
+          <a:fontRef idx="minor">
+            <a:schemeClr val="lt1"/>
+          </a:fontRef>
+        </p:style>
+        <p:txBody>
+          <a:bodyPr lIns="91440" tIns="45720" rIns="91440" bIns="45720" rtlCol="0" anchor="ctr"/>
+          <a:lstStyle/>
+          <a:p>
+            <a:pPr algn="ctr"/>
+            <a:endParaRPr lang="en-US" dirty="0"/>
+          </a:p>
+        </p:txBody>
+      </p:sp>
+      <p:sp>
+        <p:nvSpPr>
+          <p:cNvPr id="7" name="Rectangle 6"/>
+          <p:cNvSpPr/>
+          <p:nvPr/>
+        </p:nvSpPr>
+        <p:spPr>
+          <a:xfrm>
+            <a:off x="13070582" y="7951791"/>
+            <a:ext cx="105998" cy="783036"/>
+          </a:xfrm>
+          <a:prstGeom prst="rect">
+            <a:avLst/>
+          </a:prstGeom>
+          <a:solidFill>
+            <a:schemeClr val="bg1">
+              <a:lumMod val="65000"/>
+            </a:schemeClr>
+          </a:solidFill>
+          <a:ln>
+            <a:solidFill>
+              <a:schemeClr val="bg1">
+                <a:lumMod val="65000"/>
+              </a:schemeClr>
+            </a:solidFill>
+          </a:ln>
+        </p:spPr>
+        <p:style>
+          <a:lnRef idx="2">
+            <a:schemeClr val="accent1">
+              <a:shade val="50000"/>
+            </a:schemeClr>
+          </a:lnRef>
+          <a:fillRef idx="1">
+            <a:schemeClr val="accent1"/>
+          </a:fillRef>
+          <a:effectRef idx="0">
+            <a:schemeClr val="accent1"/>
+          </a:effectRef>
+          <a:fontRef idx="minor">
+            <a:schemeClr val="lt1"/>
+          </a:fontRef>
+        </p:style>
+        <p:txBody>
+          <a:bodyPr lIns="91440" tIns="45720" rIns="91440" bIns="45720" rtlCol="0" anchor="ctr"/>
+          <a:lstStyle/>
+          <a:p>
+            <a:pPr algn="ctr"/>
+            <a:endParaRPr lang="en-US"/>
+          </a:p>
+        </p:txBody>
+      </p:sp>
+      <p:sp>
+        <p:nvSpPr>
+          <p:cNvPr id="8" name="Rectangle 7"/>
+          <p:cNvSpPr/>
+          <p:nvPr/>
+        </p:nvSpPr>
+        <p:spPr>
+          <a:xfrm>
+            <a:off x="7086600" y="7955159"/>
+            <a:ext cx="1930992" cy="97659"/>
+          </a:xfrm>
+          <a:prstGeom prst="rect">
+            <a:avLst/>
+          </a:prstGeom>
+          <a:solidFill>
+            <a:schemeClr val="bg1">
+              <a:lumMod val="65000"/>
+            </a:schemeClr>
+          </a:solidFill>
+          <a:ln>
+            <a:solidFill>
+              <a:schemeClr val="bg1">
+                <a:lumMod val="65000"/>
+              </a:schemeClr>
+            </a:solidFill>
+          </a:ln>
+        </p:spPr>
+        <p:style>
+          <a:lnRef idx="2">
+            <a:schemeClr val="accent1">
+              <a:shade val="50000"/>
+            </a:schemeClr>
+          </a:lnRef>
+          <a:fillRef idx="1">
+            <a:schemeClr val="accent1"/>
+          </a:fillRef>
+          <a:effectRef idx="0">
+            <a:schemeClr val="accent1"/>
+          </a:effectRef>
+          <a:fontRef idx="minor">
+            <a:schemeClr val="lt1"/>
+          </a:fontRef>
+        </p:style>
+        <p:txBody>
+          <a:bodyPr lIns="91440" tIns="45720" rIns="91440" bIns="45720" rtlCol="0" anchor="ctr"/>
+          <a:lstStyle/>
+          <a:p>
+            <a:pPr algn="ctr"/>
+            <a:endParaRPr lang="en-US"/>
+          </a:p>
+        </p:txBody>
+      </p:sp>
+      <p:sp>
+        <p:nvSpPr>
+          <p:cNvPr id="9" name="Rectangle 8"/>
+          <p:cNvSpPr/>
+          <p:nvPr/>
+        </p:nvSpPr>
+        <p:spPr>
+          <a:xfrm>
+            <a:off x="8997048" y="7951791"/>
+            <a:ext cx="102833" cy="1052514"/>
+          </a:xfrm>
+          <a:prstGeom prst="rect">
+            <a:avLst/>
+          </a:prstGeom>
+          <a:solidFill>
+            <a:schemeClr val="bg1">
+              <a:lumMod val="65000"/>
+            </a:schemeClr>
+          </a:solidFill>
+          <a:ln>
+            <a:solidFill>
+              <a:schemeClr val="bg1">
+                <a:lumMod val="65000"/>
+              </a:schemeClr>
+            </a:solidFill>
+          </a:ln>
+        </p:spPr>
+        <p:style>
+          <a:lnRef idx="2">
+            <a:schemeClr val="accent1">
+              <a:shade val="50000"/>
+            </a:schemeClr>
+          </a:lnRef>
+          <a:fillRef idx="1">
+            <a:schemeClr val="accent1"/>
+          </a:fillRef>
+          <a:effectRef idx="0">
+            <a:schemeClr val="accent1"/>
+          </a:effectRef>
+          <a:fontRef idx="minor">
+            <a:schemeClr val="lt1"/>
+          </a:fontRef>
+        </p:style>
+        <p:txBody>
+          <a:bodyPr lIns="91440" tIns="45720" rIns="91440" bIns="45720" rtlCol="0" anchor="ctr"/>
+          <a:lstStyle/>
+          <a:p>
+            <a:pPr algn="ctr"/>
+            <a:endParaRPr lang="en-US"/>
+          </a:p>
+        </p:txBody>
+      </p:sp>
+      <p:sp>
+        <p:nvSpPr>
+          <p:cNvPr id="11" name="Rectangle 10"/>
+          <p:cNvSpPr/>
+          <p:nvPr/>
+        </p:nvSpPr>
+        <p:spPr>
+          <a:xfrm>
+            <a:off x="10301320" y="7951791"/>
+            <a:ext cx="93962" cy="1052514"/>
+          </a:xfrm>
+          <a:prstGeom prst="rect">
+            <a:avLst/>
+          </a:prstGeom>
+          <a:solidFill>
+            <a:schemeClr val="bg1">
+              <a:lumMod val="65000"/>
+            </a:schemeClr>
+          </a:solidFill>
+          <a:ln>
+            <a:solidFill>
+              <a:schemeClr val="bg1">
+                <a:lumMod val="65000"/>
+              </a:schemeClr>
+            </a:solidFill>
+          </a:ln>
+        </p:spPr>
+        <p:style>
+          <a:lnRef idx="2">
+            <a:schemeClr val="accent1">
+              <a:shade val="50000"/>
+            </a:schemeClr>
+          </a:lnRef>
+          <a:fillRef idx="1">
+            <a:schemeClr val="accent1"/>
+          </a:fillRef>
+          <a:effectRef idx="0">
+            <a:schemeClr val="accent1"/>
+          </a:effectRef>
+          <a:fontRef idx="minor">
+            <a:schemeClr val="lt1"/>
+          </a:fontRef>
+        </p:style>
+        <p:txBody>
+          <a:bodyPr lIns="91440" tIns="45720" rIns="91440" bIns="45720" rtlCol="0" anchor="ctr"/>
+          <a:lstStyle/>
+          <a:p>
+            <a:pPr algn="ctr"/>
+            <a:endParaRPr lang="en-US"/>
+          </a:p>
+        </p:txBody>
+      </p:sp>
+      <p:sp>
+        <p:nvSpPr>
+          <p:cNvPr id="12" name="Rectangle 11"/>
+          <p:cNvSpPr/>
+          <p:nvPr/>
+        </p:nvSpPr>
+        <p:spPr>
+          <a:xfrm>
+            <a:off x="10301320" y="10042527"/>
+            <a:ext cx="93961" cy="1052514"/>
+          </a:xfrm>
+          <a:prstGeom prst="rect">
+            <a:avLst/>
+          </a:prstGeom>
+          <a:solidFill>
+            <a:schemeClr val="bg1">
+              <a:lumMod val="65000"/>
+            </a:schemeClr>
+          </a:solidFill>
+          <a:ln>
+            <a:solidFill>
+              <a:schemeClr val="bg1">
+                <a:lumMod val="65000"/>
+              </a:schemeClr>
+            </a:solidFill>
+          </a:ln>
+        </p:spPr>
+        <p:style>
+          <a:lnRef idx="2">
+            <a:schemeClr val="accent1">
+              <a:shade val="50000"/>
+            </a:schemeClr>
+          </a:lnRef>
+          <a:fillRef idx="1">
+            <a:schemeClr val="accent1"/>
+          </a:fillRef>
+          <a:effectRef idx="0">
+            <a:schemeClr val="accent1"/>
+          </a:effectRef>
+          <a:fontRef idx="minor">
+            <a:schemeClr val="lt1"/>
+          </a:fontRef>
+        </p:style>
+        <p:txBody>
+          <a:bodyPr lIns="91440" tIns="45720" rIns="91440" bIns="45720" rtlCol="0" anchor="ctr"/>
+          <a:lstStyle/>
+          <a:p>
+            <a:pPr algn="ctr"/>
+            <a:endParaRPr lang="en-US"/>
+          </a:p>
+        </p:txBody>
+      </p:sp>
+      <p:pic>
+        <p:nvPicPr>
+          <p:cNvPr id="13" name="Picture 12"/>
+          <p:cNvPicPr>
+            <a:picLocks noChangeAspect="1"/>
+          </p:cNvPicPr>
+          <p:nvPr/>
+        </p:nvPicPr>
+        <p:blipFill>
+          <a:blip r:embed="rId2">
+            <a:extLst>
+              <a:ext uri="{28A0092B-C50C-407E-A947-70E740481C1C}">
+                <a14:useLocalDpi xmlns:a14="http://schemas.microsoft.com/office/drawing/2010/main" val="0"/>
+              </a:ext>
+            </a:extLst>
+          </a:blip>
+          <a:stretch>
+            <a:fillRect/>
+          </a:stretch>
+        </p:blipFill>
+        <p:spPr>
+          <a:xfrm rot="2700000">
+            <a:off x="11580659" y="8188573"/>
+            <a:ext cx="371527" cy="2715004"/>
+          </a:xfrm>
+          <a:prstGeom prst="rect">
+            <a:avLst/>
+          </a:prstGeom>
+        </p:spPr>
+      </p:pic>
+      <p:sp>
+        <p:nvSpPr>
+          <p:cNvPr id="62" name="Rectangle 61"/>
+          <p:cNvSpPr/>
+          <p:nvPr/>
+        </p:nvSpPr>
+        <p:spPr>
+          <a:xfrm>
+            <a:off x="13177640" y="8585203"/>
+            <a:ext cx="109537" cy="1983582"/>
+          </a:xfrm>
+          <a:prstGeom prst="rect">
+            <a:avLst/>
+          </a:prstGeom>
+          <a:solidFill>
+            <a:schemeClr val="bg1"/>
+          </a:solidFill>
+          <a:ln w="19050">
+            <a:solidFill>
+              <a:schemeClr val="tx1"/>
+            </a:solidFill>
+          </a:ln>
+        </p:spPr>
+        <p:style>
+          <a:lnRef idx="2">
+            <a:schemeClr val="accent1">
+              <a:shade val="50000"/>
+            </a:schemeClr>
+          </a:lnRef>
+          <a:fillRef idx="1">
+            <a:schemeClr val="accent1"/>
+          </a:fillRef>
+          <a:effectRef idx="0">
+            <a:schemeClr val="accent1"/>
+          </a:effectRef>
+          <a:fontRef idx="minor">
+            <a:schemeClr val="lt1"/>
+          </a:fontRef>
+        </p:style>
+        <p:txBody>
+          <a:bodyPr lIns="91440" tIns="45720" rIns="91440" bIns="45720" rtlCol="0" anchor="ctr"/>
+          <a:lstStyle/>
+          <a:p>
+            <a:pPr algn="ctr"/>
+            <a:endParaRPr lang="en-US"/>
+          </a:p>
+        </p:txBody>
+      </p:sp>
+      <p:sp>
+        <p:nvSpPr>
+          <p:cNvPr id="64" name="Rectangle 63"/>
+          <p:cNvSpPr/>
+          <p:nvPr/>
+        </p:nvSpPr>
+        <p:spPr>
+          <a:xfrm>
+            <a:off x="12405055" y="7951791"/>
+            <a:ext cx="695324" cy="101027"/>
+          </a:xfrm>
+          <a:prstGeom prst="rect">
+            <a:avLst/>
+          </a:prstGeom>
+          <a:solidFill>
+            <a:schemeClr val="bg1">
+              <a:lumMod val="65000"/>
+            </a:schemeClr>
+          </a:solidFill>
+          <a:ln>
+            <a:solidFill>
+              <a:schemeClr val="bg1">
+                <a:lumMod val="65000"/>
+              </a:schemeClr>
+            </a:solidFill>
+          </a:ln>
+        </p:spPr>
+        <p:style>
+          <a:lnRef idx="2">
+            <a:schemeClr val="accent1">
+              <a:shade val="50000"/>
+            </a:schemeClr>
+          </a:lnRef>
+          <a:fillRef idx="1">
+            <a:schemeClr val="accent1"/>
+          </a:fillRef>
+          <a:effectRef idx="0">
+            <a:schemeClr val="accent1"/>
+          </a:effectRef>
+          <a:fontRef idx="minor">
+            <a:schemeClr val="lt1"/>
+          </a:fontRef>
+        </p:style>
+        <p:txBody>
+          <a:bodyPr lIns="91440" tIns="45720" rIns="91440" bIns="45720" rtlCol="0" anchor="ctr"/>
+          <a:lstStyle/>
+          <a:p>
+            <a:pPr algn="ctr"/>
+            <a:endParaRPr lang="en-US" dirty="0"/>
+          </a:p>
+        </p:txBody>
+      </p:sp>
+      <p:sp>
+        <p:nvSpPr>
+          <p:cNvPr id="65" name="Rectangle 64"/>
+          <p:cNvSpPr/>
+          <p:nvPr/>
+        </p:nvSpPr>
+        <p:spPr>
+          <a:xfrm>
+            <a:off x="10821071" y="7819828"/>
+            <a:ext cx="1743072" cy="118872"/>
+          </a:xfrm>
+          <a:prstGeom prst="rect">
+            <a:avLst/>
+          </a:prstGeom>
+          <a:solidFill>
+            <a:schemeClr val="bg1"/>
+          </a:solidFill>
+          <a:ln w="19050">
+            <a:solidFill>
+              <a:schemeClr val="tx1"/>
+            </a:solidFill>
+          </a:ln>
+        </p:spPr>
+        <p:style>
+          <a:lnRef idx="2">
+            <a:schemeClr val="accent1">
+              <a:shade val="50000"/>
+            </a:schemeClr>
+          </a:lnRef>
+          <a:fillRef idx="1">
+            <a:schemeClr val="accent1"/>
+          </a:fillRef>
+          <a:effectRef idx="0">
+            <a:schemeClr val="accent1"/>
+          </a:effectRef>
+          <a:fontRef idx="minor">
+            <a:schemeClr val="lt1"/>
+          </a:fontRef>
+        </p:style>
+        <p:txBody>
+          <a:bodyPr lIns="91440" tIns="45720" rIns="91440" bIns="45720" rtlCol="0" anchor="ctr"/>
+          <a:lstStyle/>
+          <a:p>
+            <a:pPr algn="ctr"/>
+            <a:endParaRPr lang="en-US"/>
+          </a:p>
+        </p:txBody>
+      </p:sp>
+      <p:sp>
+        <p:nvSpPr>
+          <p:cNvPr id="66" name="Rectangle 65"/>
+          <p:cNvSpPr/>
+          <p:nvPr/>
+        </p:nvSpPr>
+        <p:spPr>
+          <a:xfrm>
+            <a:off x="10834741" y="11100850"/>
+            <a:ext cx="1743072" cy="118872"/>
+          </a:xfrm>
+          <a:prstGeom prst="rect">
+            <a:avLst/>
+          </a:prstGeom>
+          <a:solidFill>
+            <a:schemeClr val="bg1"/>
+          </a:solidFill>
+          <a:ln w="19050">
+            <a:solidFill>
+              <a:schemeClr val="tx1"/>
+            </a:solidFill>
+          </a:ln>
+        </p:spPr>
+        <p:style>
+          <a:lnRef idx="2">
+            <a:schemeClr val="accent1">
+              <a:shade val="50000"/>
+            </a:schemeClr>
+          </a:lnRef>
+          <a:fillRef idx="1">
+            <a:schemeClr val="accent1"/>
+          </a:fillRef>
+          <a:effectRef idx="0">
+            <a:schemeClr val="accent1"/>
+          </a:effectRef>
+          <a:fontRef idx="minor">
+            <a:schemeClr val="lt1"/>
+          </a:fontRef>
+        </p:style>
+        <p:txBody>
+          <a:bodyPr lIns="91440" tIns="45720" rIns="91440" bIns="45720" rtlCol="0" anchor="ctr"/>
+          <a:lstStyle/>
+          <a:p>
+            <a:pPr algn="ctr"/>
+            <a:endParaRPr lang="en-US"/>
+          </a:p>
+        </p:txBody>
+      </p:sp>
+      <p:sp>
+        <p:nvSpPr>
+          <p:cNvPr id="67" name="Rectangle 66"/>
+          <p:cNvSpPr/>
+          <p:nvPr/>
+        </p:nvSpPr>
+        <p:spPr>
+          <a:xfrm>
+            <a:off x="10301320" y="11009315"/>
+            <a:ext cx="693133" cy="85725"/>
+          </a:xfrm>
+          <a:prstGeom prst="rect">
+            <a:avLst/>
+          </a:prstGeom>
+          <a:solidFill>
+            <a:schemeClr val="bg1">
+              <a:lumMod val="65000"/>
+            </a:schemeClr>
+          </a:solidFill>
+          <a:ln>
+            <a:solidFill>
+              <a:schemeClr val="bg1">
+                <a:lumMod val="65000"/>
+              </a:schemeClr>
+            </a:solidFill>
+          </a:ln>
+        </p:spPr>
+        <p:style>
+          <a:lnRef idx="2">
+            <a:schemeClr val="accent1">
+              <a:shade val="50000"/>
+            </a:schemeClr>
+          </a:lnRef>
+          <a:fillRef idx="1">
+            <a:schemeClr val="accent1"/>
+          </a:fillRef>
+          <a:effectRef idx="0">
+            <a:schemeClr val="accent1"/>
+          </a:effectRef>
+          <a:fontRef idx="minor">
+            <a:schemeClr val="lt1"/>
+          </a:fontRef>
+        </p:style>
+        <p:txBody>
+          <a:bodyPr lIns="91440" tIns="45720" rIns="91440" bIns="45720" rtlCol="0" anchor="ctr"/>
+          <a:lstStyle/>
+          <a:p>
+            <a:pPr algn="ctr"/>
+            <a:endParaRPr lang="en-US" dirty="0"/>
+          </a:p>
+        </p:txBody>
+      </p:sp>
+      <p:sp>
+        <p:nvSpPr>
+          <p:cNvPr id="68" name="Rectangle 67"/>
+          <p:cNvSpPr/>
+          <p:nvPr/>
+        </p:nvSpPr>
+        <p:spPr>
+          <a:xfrm>
+            <a:off x="12375258" y="11009315"/>
+            <a:ext cx="695324" cy="85725"/>
+          </a:xfrm>
+          <a:prstGeom prst="rect">
+            <a:avLst/>
+          </a:prstGeom>
+          <a:solidFill>
+            <a:schemeClr val="bg1">
+              <a:lumMod val="65000"/>
+            </a:schemeClr>
+          </a:solidFill>
+          <a:ln>
+            <a:solidFill>
+              <a:schemeClr val="bg1">
+                <a:lumMod val="65000"/>
+              </a:schemeClr>
+            </a:solidFill>
+          </a:ln>
+        </p:spPr>
+        <p:style>
+          <a:lnRef idx="2">
+            <a:schemeClr val="accent1">
+              <a:shade val="50000"/>
+            </a:schemeClr>
+          </a:lnRef>
+          <a:fillRef idx="1">
+            <a:schemeClr val="accent1"/>
+          </a:fillRef>
+          <a:effectRef idx="0">
+            <a:schemeClr val="accent1"/>
+          </a:effectRef>
+          <a:fontRef idx="minor">
+            <a:schemeClr val="lt1"/>
+          </a:fontRef>
+        </p:style>
+        <p:txBody>
+          <a:bodyPr lIns="91440" tIns="45720" rIns="91440" bIns="45720" rtlCol="0" anchor="ctr"/>
+          <a:lstStyle/>
+          <a:p>
+            <a:pPr algn="ctr"/>
+            <a:endParaRPr lang="en-US" dirty="0"/>
+          </a:p>
+        </p:txBody>
+      </p:sp>
+      <p:sp>
+        <p:nvSpPr>
+          <p:cNvPr id="69" name="Rectangle 68"/>
+          <p:cNvSpPr/>
+          <p:nvPr/>
+        </p:nvSpPr>
+        <p:spPr>
+          <a:xfrm>
+            <a:off x="14338984" y="9411988"/>
+            <a:ext cx="1877904" cy="183505"/>
+          </a:xfrm>
+          <a:prstGeom prst="rect">
+            <a:avLst/>
+          </a:prstGeom>
+          <a:solidFill>
+            <a:srgbClr val="33CC33"/>
+          </a:solidFill>
+          <a:ln>
+            <a:solidFill>
+              <a:srgbClr val="33CC33"/>
+            </a:solidFill>
+          </a:ln>
+        </p:spPr>
+        <p:style>
+          <a:lnRef idx="2">
+            <a:schemeClr val="accent1">
+              <a:shade val="50000"/>
+            </a:schemeClr>
+          </a:lnRef>
+          <a:fillRef idx="1">
+            <a:schemeClr val="accent1"/>
+          </a:fillRef>
+          <a:effectRef idx="0">
+            <a:schemeClr val="accent1"/>
+          </a:effectRef>
+          <a:fontRef idx="minor">
+            <a:schemeClr val="lt1"/>
+          </a:fontRef>
+        </p:style>
+        <p:txBody>
+          <a:bodyPr lIns="91440" tIns="45720" rIns="91440" bIns="45720" rtlCol="0" anchor="ctr"/>
+          <a:lstStyle/>
+          <a:p>
+            <a:pPr algn="ctr"/>
+            <a:endParaRPr lang="en-US" dirty="0"/>
+          </a:p>
+        </p:txBody>
+      </p:sp>
+      <p:sp>
+        <p:nvSpPr>
+          <p:cNvPr id="70" name="Isosceles Triangle 69"/>
+          <p:cNvSpPr/>
+          <p:nvPr/>
+        </p:nvSpPr>
+        <p:spPr>
+          <a:xfrm rot="16200000">
+            <a:off x="12921191" y="8179410"/>
+            <a:ext cx="177814" cy="2657772"/>
+          </a:xfrm>
+          <a:prstGeom prst="triangle">
+            <a:avLst/>
+          </a:prstGeom>
+          <a:solidFill>
+            <a:srgbClr val="33CC33"/>
+          </a:solidFill>
+          <a:ln>
+            <a:solidFill>
+              <a:srgbClr val="33CC33"/>
+            </a:solidFill>
+          </a:ln>
+        </p:spPr>
+        <p:style>
+          <a:lnRef idx="2">
+            <a:schemeClr val="accent1">
+              <a:shade val="50000"/>
+            </a:schemeClr>
+          </a:lnRef>
+          <a:fillRef idx="1">
+            <a:schemeClr val="accent1"/>
+          </a:fillRef>
+          <a:effectRef idx="0">
+            <a:schemeClr val="accent1"/>
+          </a:effectRef>
+          <a:fontRef idx="minor">
+            <a:schemeClr val="lt1"/>
+          </a:fontRef>
+        </p:style>
+        <p:txBody>
+          <a:bodyPr lIns="91440" tIns="45720" rIns="91440" bIns="45720" rtlCol="0" anchor="ctr"/>
+          <a:lstStyle/>
+          <a:p>
+            <a:pPr algn="ctr"/>
+            <a:endParaRPr lang="en-US"/>
+          </a:p>
+        </p:txBody>
+      </p:sp>
+      <p:sp>
+        <p:nvSpPr>
+          <p:cNvPr id="71" name="Chord 70"/>
+          <p:cNvSpPr/>
+          <p:nvPr/>
+        </p:nvSpPr>
+        <p:spPr>
+          <a:xfrm rot="10800000">
+            <a:off x="14007087" y="8712811"/>
+            <a:ext cx="432522" cy="1590967"/>
+          </a:xfrm>
+          <a:prstGeom prst="chord">
+            <a:avLst>
+              <a:gd name="adj1" fmla="val 5404137"/>
+              <a:gd name="adj2" fmla="val 16256210"/>
+            </a:avLst>
+          </a:prstGeom>
+          <a:solidFill>
+            <a:schemeClr val="tx2">
+              <a:lumMod val="40000"/>
+              <a:lumOff val="60000"/>
+            </a:schemeClr>
+          </a:solidFill>
+          <a:ln>
+            <a:solidFill>
+              <a:schemeClr val="tx2">
+                <a:lumMod val="40000"/>
+                <a:lumOff val="60000"/>
+              </a:schemeClr>
+            </a:solidFill>
+          </a:ln>
+        </p:spPr>
+        <p:style>
+          <a:lnRef idx="2">
+            <a:schemeClr val="accent1">
+              <a:shade val="50000"/>
+            </a:schemeClr>
+          </a:lnRef>
+          <a:fillRef idx="1">
+            <a:schemeClr val="accent1"/>
+          </a:fillRef>
+          <a:effectRef idx="0">
+            <a:schemeClr val="accent1"/>
+          </a:effectRef>
+          <a:fontRef idx="minor">
+            <a:schemeClr val="lt1"/>
+          </a:fontRef>
+        </p:style>
+        <p:txBody>
+          <a:bodyPr lIns="91440" tIns="45720" rIns="91440" bIns="45720" rtlCol="0" anchor="ctr"/>
+          <a:lstStyle/>
+          <a:p>
+            <a:pPr algn="ctr"/>
+            <a:endParaRPr lang="en-US"/>
+          </a:p>
+        </p:txBody>
+      </p:sp>
+      <p:sp>
+        <p:nvSpPr>
+          <p:cNvPr id="77" name="Isosceles Triangle 76"/>
+          <p:cNvSpPr/>
+          <p:nvPr/>
+        </p:nvSpPr>
+        <p:spPr>
+          <a:xfrm rot="10800000">
+            <a:off x="11156058" y="7471548"/>
+            <a:ext cx="977539" cy="2050072"/>
+          </a:xfrm>
+          <a:prstGeom prst="triangle">
+            <a:avLst/>
+          </a:prstGeom>
+          <a:solidFill>
+            <a:srgbClr val="FF0000">
+              <a:alpha val="50000"/>
+            </a:srgbClr>
+          </a:solidFill>
+          <a:ln>
+            <a:noFill/>
+          </a:ln>
+        </p:spPr>
+        <p:style>
+          <a:lnRef idx="2">
+            <a:schemeClr val="accent1">
+              <a:shade val="50000"/>
+            </a:schemeClr>
+          </a:lnRef>
+          <a:fillRef idx="1">
+            <a:schemeClr val="accent1"/>
+          </a:fillRef>
+          <a:effectRef idx="0">
+            <a:schemeClr val="accent1"/>
+          </a:effectRef>
+          <a:fontRef idx="minor">
+            <a:schemeClr val="lt1"/>
+          </a:fontRef>
+        </p:style>
+        <p:txBody>
+          <a:bodyPr lIns="91440" tIns="45720" rIns="91440" bIns="45720" rtlCol="0" anchor="ctr"/>
+          <a:lstStyle/>
+          <a:p>
+            <a:pPr algn="ctr"/>
+            <a:endParaRPr lang="en-US"/>
+          </a:p>
+        </p:txBody>
+      </p:sp>
+      <p:sp>
+        <p:nvSpPr>
+          <p:cNvPr id="80" name="TextBox 79"/>
+          <p:cNvSpPr txBox="1"/>
+          <p:nvPr/>
+        </p:nvSpPr>
+        <p:spPr>
+          <a:xfrm>
+            <a:off x="12577813" y="6597653"/>
+            <a:ext cx="827342" cy="461665"/>
+          </a:xfrm>
+          <a:prstGeom prst="rect">
+            <a:avLst/>
+          </a:prstGeom>
+          <a:noFill/>
+        </p:spPr>
+        <p:txBody>
+          <a:bodyPr wrap="none" lIns="91440" tIns="45720" rIns="91440" bIns="45720" rtlCol="0">
+            <a:spAutoFit/>
+          </a:bodyPr>
+          <a:lstStyle/>
+          <a:p>
+            <a:r>
+              <a:rPr lang="en-US" sz="2400" dirty="0" smtClean="0"/>
+              <a:t>Filter</a:t>
+            </a:r>
+            <a:endParaRPr lang="en-US" sz="2400" dirty="0"/>
+          </a:p>
+        </p:txBody>
+      </p:sp>
+      <p:cxnSp>
+        <p:nvCxnSpPr>
+          <p:cNvPr id="82" name="Straight Arrow Connector 81"/>
+          <p:cNvCxnSpPr/>
+          <p:nvPr/>
+        </p:nvCxnSpPr>
+        <p:spPr>
+          <a:xfrm>
+            <a:off x="1676400" y="9496326"/>
+            <a:ext cx="7189806" cy="0"/>
+          </a:xfrm>
+          <a:prstGeom prst="straightConnector1">
+            <a:avLst/>
+          </a:prstGeom>
+          <a:ln w="57150">
+            <a:solidFill>
+              <a:srgbClr val="FFC000"/>
+            </a:solidFill>
+            <a:headEnd type="none" w="med" len="med"/>
+            <a:tailEnd type="triangle" w="med" len="med"/>
+          </a:ln>
+        </p:spPr>
+        <p:style>
+          <a:lnRef idx="1">
+            <a:schemeClr val="accent1"/>
+          </a:lnRef>
+          <a:fillRef idx="0">
+            <a:schemeClr val="accent1"/>
+          </a:fillRef>
+          <a:effectRef idx="0">
+            <a:schemeClr val="accent1"/>
+          </a:effectRef>
+          <a:fontRef idx="minor">
+            <a:schemeClr val="tx1"/>
+          </a:fontRef>
+        </p:style>
+      </p:cxnSp>
+      <p:sp>
+        <p:nvSpPr>
+          <p:cNvPr id="84" name="Rectangle 83"/>
+          <p:cNvSpPr/>
+          <p:nvPr/>
+        </p:nvSpPr>
+        <p:spPr>
+          <a:xfrm>
+            <a:off x="5010773" y="8696774"/>
+            <a:ext cx="45719" cy="585488"/>
+          </a:xfrm>
+          <a:prstGeom prst="rect">
+            <a:avLst/>
+          </a:prstGeom>
+          <a:solidFill>
+            <a:schemeClr val="bg1">
+              <a:lumMod val="65000"/>
+            </a:schemeClr>
+          </a:solidFill>
+          <a:ln>
+            <a:solidFill>
+              <a:schemeClr val="bg1">
+                <a:lumMod val="65000"/>
+              </a:schemeClr>
+            </a:solidFill>
+          </a:ln>
+        </p:spPr>
+        <p:style>
+          <a:lnRef idx="2">
+            <a:schemeClr val="accent1">
+              <a:shade val="50000"/>
+            </a:schemeClr>
+          </a:lnRef>
+          <a:fillRef idx="1">
+            <a:schemeClr val="accent1"/>
+          </a:fillRef>
+          <a:effectRef idx="0">
+            <a:schemeClr val="accent1"/>
+          </a:effectRef>
+          <a:fontRef idx="minor">
+            <a:schemeClr val="lt1"/>
+          </a:fontRef>
+        </p:style>
+        <p:txBody>
+          <a:bodyPr rtlCol="0" anchor="ctr"/>
+          <a:lstStyle/>
+          <a:p>
+            <a:pPr algn="ctr"/>
+            <a:endParaRPr lang="en-US"/>
+          </a:p>
+        </p:txBody>
+      </p:sp>
+      <p:sp>
+        <p:nvSpPr>
+          <p:cNvPr id="85" name="Rectangle 84"/>
+          <p:cNvSpPr/>
+          <p:nvPr/>
+        </p:nvSpPr>
+        <p:spPr>
+          <a:xfrm>
+            <a:off x="5140313" y="8696774"/>
+            <a:ext cx="45719" cy="585488"/>
+          </a:xfrm>
+          <a:prstGeom prst="rect">
+            <a:avLst/>
+          </a:prstGeom>
+          <a:solidFill>
+            <a:schemeClr val="bg1">
+              <a:lumMod val="65000"/>
+            </a:schemeClr>
+          </a:solidFill>
+          <a:ln>
+            <a:solidFill>
+              <a:schemeClr val="bg1">
+                <a:lumMod val="65000"/>
+              </a:schemeClr>
+            </a:solidFill>
+          </a:ln>
+        </p:spPr>
+        <p:style>
+          <a:lnRef idx="2">
+            <a:schemeClr val="accent1">
+              <a:shade val="50000"/>
+            </a:schemeClr>
+          </a:lnRef>
+          <a:fillRef idx="1">
+            <a:schemeClr val="accent1"/>
+          </a:fillRef>
+          <a:effectRef idx="0">
+            <a:schemeClr val="accent1"/>
+          </a:effectRef>
+          <a:fontRef idx="minor">
+            <a:schemeClr val="lt1"/>
+          </a:fontRef>
+        </p:style>
+        <p:txBody>
+          <a:bodyPr rtlCol="0" anchor="ctr"/>
+          <a:lstStyle/>
+          <a:p>
+            <a:pPr algn="ctr"/>
+            <a:endParaRPr lang="en-US"/>
+          </a:p>
+        </p:txBody>
+      </p:sp>
+      <p:sp>
+        <p:nvSpPr>
+          <p:cNvPr id="86" name="Rectangle 85"/>
+          <p:cNvSpPr/>
+          <p:nvPr/>
+        </p:nvSpPr>
+        <p:spPr>
+          <a:xfrm>
+            <a:off x="4877423" y="8696774"/>
+            <a:ext cx="45719" cy="585488"/>
+          </a:xfrm>
+          <a:prstGeom prst="rect">
+            <a:avLst/>
+          </a:prstGeom>
+          <a:solidFill>
+            <a:schemeClr val="bg1">
+              <a:lumMod val="65000"/>
+            </a:schemeClr>
+          </a:solidFill>
+          <a:ln>
+            <a:solidFill>
+              <a:schemeClr val="bg1">
+                <a:lumMod val="65000"/>
+              </a:schemeClr>
+            </a:solidFill>
+          </a:ln>
+        </p:spPr>
+        <p:style>
+          <a:lnRef idx="2">
+            <a:schemeClr val="accent1">
+              <a:shade val="50000"/>
+            </a:schemeClr>
+          </a:lnRef>
+          <a:fillRef idx="1">
+            <a:schemeClr val="accent1"/>
+          </a:fillRef>
+          <a:effectRef idx="0">
+            <a:schemeClr val="accent1"/>
+          </a:effectRef>
+          <a:fontRef idx="minor">
+            <a:schemeClr val="lt1"/>
+          </a:fontRef>
+        </p:style>
+        <p:txBody>
+          <a:bodyPr rtlCol="0" anchor="ctr"/>
+          <a:lstStyle/>
+          <a:p>
+            <a:pPr algn="ctr"/>
+            <a:endParaRPr lang="en-US"/>
+          </a:p>
+        </p:txBody>
+      </p:sp>
+      <p:sp>
+        <p:nvSpPr>
+          <p:cNvPr id="87" name="Rectangle 86"/>
+          <p:cNvSpPr/>
+          <p:nvPr/>
+        </p:nvSpPr>
+        <p:spPr>
+          <a:xfrm>
+            <a:off x="5010773" y="9734996"/>
+            <a:ext cx="45719" cy="585488"/>
+          </a:xfrm>
+          <a:prstGeom prst="rect">
+            <a:avLst/>
+          </a:prstGeom>
+          <a:solidFill>
+            <a:schemeClr val="bg1">
+              <a:lumMod val="65000"/>
+            </a:schemeClr>
+          </a:solidFill>
+          <a:ln>
+            <a:solidFill>
+              <a:schemeClr val="bg1">
+                <a:lumMod val="65000"/>
+              </a:schemeClr>
+            </a:solidFill>
+          </a:ln>
+        </p:spPr>
+        <p:style>
+          <a:lnRef idx="2">
+            <a:schemeClr val="accent1">
+              <a:shade val="50000"/>
+            </a:schemeClr>
+          </a:lnRef>
+          <a:fillRef idx="1">
+            <a:schemeClr val="accent1"/>
+          </a:fillRef>
+          <a:effectRef idx="0">
+            <a:schemeClr val="accent1"/>
+          </a:effectRef>
+          <a:fontRef idx="minor">
+            <a:schemeClr val="lt1"/>
+          </a:fontRef>
+        </p:style>
+        <p:txBody>
+          <a:bodyPr rtlCol="0" anchor="ctr"/>
+          <a:lstStyle/>
+          <a:p>
+            <a:pPr algn="ctr"/>
+            <a:endParaRPr lang="en-US"/>
+          </a:p>
+        </p:txBody>
+      </p:sp>
+      <p:sp>
+        <p:nvSpPr>
+          <p:cNvPr id="88" name="Rectangle 87"/>
+          <p:cNvSpPr/>
+          <p:nvPr/>
+        </p:nvSpPr>
+        <p:spPr>
+          <a:xfrm>
+            <a:off x="5140313" y="9734996"/>
+            <a:ext cx="45719" cy="585488"/>
+          </a:xfrm>
+          <a:prstGeom prst="rect">
+            <a:avLst/>
+          </a:prstGeom>
+          <a:solidFill>
+            <a:schemeClr val="bg1">
+              <a:lumMod val="65000"/>
+            </a:schemeClr>
+          </a:solidFill>
+          <a:ln>
+            <a:solidFill>
+              <a:schemeClr val="bg1">
+                <a:lumMod val="65000"/>
+              </a:schemeClr>
+            </a:solidFill>
+          </a:ln>
+        </p:spPr>
+        <p:style>
+          <a:lnRef idx="2">
+            <a:schemeClr val="accent1">
+              <a:shade val="50000"/>
+            </a:schemeClr>
+          </a:lnRef>
+          <a:fillRef idx="1">
+            <a:schemeClr val="accent1"/>
+          </a:fillRef>
+          <a:effectRef idx="0">
+            <a:schemeClr val="accent1"/>
+          </a:effectRef>
+          <a:fontRef idx="minor">
+            <a:schemeClr val="lt1"/>
+          </a:fontRef>
+        </p:style>
+        <p:txBody>
+          <a:bodyPr rtlCol="0" anchor="ctr"/>
+          <a:lstStyle/>
+          <a:p>
+            <a:pPr algn="ctr"/>
+            <a:endParaRPr lang="en-US"/>
+          </a:p>
+        </p:txBody>
+      </p:sp>
+      <p:sp>
+        <p:nvSpPr>
+          <p:cNvPr id="89" name="Rectangle 88"/>
+          <p:cNvSpPr/>
+          <p:nvPr/>
+        </p:nvSpPr>
+        <p:spPr>
+          <a:xfrm>
+            <a:off x="4877423" y="9734996"/>
+            <a:ext cx="45719" cy="585488"/>
+          </a:xfrm>
+          <a:prstGeom prst="rect">
+            <a:avLst/>
+          </a:prstGeom>
+          <a:solidFill>
+            <a:schemeClr val="bg1">
+              <a:lumMod val="65000"/>
+            </a:schemeClr>
+          </a:solidFill>
+          <a:ln>
+            <a:solidFill>
+              <a:schemeClr val="bg1">
+                <a:lumMod val="65000"/>
+              </a:schemeClr>
+            </a:solidFill>
+          </a:ln>
+        </p:spPr>
+        <p:style>
+          <a:lnRef idx="2">
+            <a:schemeClr val="accent1">
+              <a:shade val="50000"/>
+            </a:schemeClr>
+          </a:lnRef>
+          <a:fillRef idx="1">
+            <a:schemeClr val="accent1"/>
+          </a:fillRef>
+          <a:effectRef idx="0">
+            <a:schemeClr val="accent1"/>
+          </a:effectRef>
+          <a:fontRef idx="minor">
+            <a:schemeClr val="lt1"/>
+          </a:fontRef>
+        </p:style>
+        <p:txBody>
+          <a:bodyPr rtlCol="0" anchor="ctr"/>
+          <a:lstStyle/>
+          <a:p>
+            <a:pPr algn="ctr"/>
+            <a:endParaRPr lang="en-US"/>
+          </a:p>
+        </p:txBody>
+      </p:sp>
+      <p:sp>
+        <p:nvSpPr>
+          <p:cNvPr id="90" name="Oval 89"/>
+          <p:cNvSpPr/>
+          <p:nvPr/>
+        </p:nvSpPr>
+        <p:spPr>
+          <a:xfrm>
+            <a:off x="6315959" y="9432429"/>
+            <a:ext cx="76200" cy="76200"/>
+          </a:xfrm>
+          <a:prstGeom prst="ellipse">
+            <a:avLst/>
+          </a:prstGeom>
+          <a:solidFill>
+            <a:srgbClr val="FFCC00"/>
+          </a:solidFill>
+          <a:ln>
+            <a:solidFill>
+              <a:srgbClr val="FF9900"/>
+            </a:solidFill>
+          </a:ln>
+        </p:spPr>
+        <p:style>
+          <a:lnRef idx="2">
+            <a:schemeClr val="accent1">
+              <a:shade val="50000"/>
+            </a:schemeClr>
+          </a:lnRef>
+          <a:fillRef idx="1">
+            <a:schemeClr val="accent1"/>
+          </a:fillRef>
+          <a:effectRef idx="0">
+            <a:schemeClr val="accent1"/>
+          </a:effectRef>
+          <a:fontRef idx="minor">
+            <a:schemeClr val="lt1"/>
+          </a:fontRef>
+        </p:style>
+        <p:txBody>
+          <a:bodyPr rtlCol="0" anchor="ctr"/>
+          <a:lstStyle/>
+          <a:p>
+            <a:pPr algn="ctr"/>
+            <a:endParaRPr lang="en-US"/>
+          </a:p>
+        </p:txBody>
+      </p:sp>
+      <p:sp>
+        <p:nvSpPr>
+          <p:cNvPr id="91" name="Oval 90"/>
+          <p:cNvSpPr/>
+          <p:nvPr/>
+        </p:nvSpPr>
+        <p:spPr>
+          <a:xfrm>
+            <a:off x="4678870" y="9447480"/>
+            <a:ext cx="76200" cy="76200"/>
+          </a:xfrm>
+          <a:prstGeom prst="ellipse">
+            <a:avLst/>
+          </a:prstGeom>
+          <a:solidFill>
+            <a:srgbClr val="FFCC00"/>
+          </a:solidFill>
+          <a:ln>
+            <a:solidFill>
+              <a:srgbClr val="FF9900"/>
+            </a:solidFill>
+          </a:ln>
+        </p:spPr>
+        <p:style>
+          <a:lnRef idx="2">
+            <a:schemeClr val="accent1">
+              <a:shade val="50000"/>
+            </a:schemeClr>
+          </a:lnRef>
+          <a:fillRef idx="1">
+            <a:schemeClr val="accent1"/>
+          </a:fillRef>
+          <a:effectRef idx="0">
+            <a:schemeClr val="accent1"/>
+          </a:effectRef>
+          <a:fontRef idx="minor">
+            <a:schemeClr val="lt1"/>
+          </a:fontRef>
+        </p:style>
+        <p:txBody>
+          <a:bodyPr rtlCol="0" anchor="ctr"/>
+          <a:lstStyle/>
+          <a:p>
+            <a:pPr algn="ctr"/>
+            <a:endParaRPr lang="en-US"/>
+          </a:p>
+        </p:txBody>
+      </p:sp>
+      <p:sp>
+        <p:nvSpPr>
+          <p:cNvPr id="92" name="Oval 91"/>
+          <p:cNvSpPr/>
+          <p:nvPr/>
+        </p:nvSpPr>
+        <p:spPr>
+          <a:xfrm>
+            <a:off x="4927213" y="9447480"/>
+            <a:ext cx="76200" cy="76200"/>
+          </a:xfrm>
+          <a:prstGeom prst="ellipse">
+            <a:avLst/>
+          </a:prstGeom>
+          <a:solidFill>
+            <a:srgbClr val="FFCC00"/>
+          </a:solidFill>
+          <a:ln>
+            <a:solidFill>
+              <a:srgbClr val="FF9900"/>
+            </a:solidFill>
+          </a:ln>
+        </p:spPr>
+        <p:style>
+          <a:lnRef idx="2">
+            <a:schemeClr val="accent1">
+              <a:shade val="50000"/>
+            </a:schemeClr>
+          </a:lnRef>
+          <a:fillRef idx="1">
+            <a:schemeClr val="accent1"/>
+          </a:fillRef>
+          <a:effectRef idx="0">
+            <a:schemeClr val="accent1"/>
+          </a:effectRef>
+          <a:fontRef idx="minor">
+            <a:schemeClr val="lt1"/>
+          </a:fontRef>
+        </p:style>
+        <p:txBody>
+          <a:bodyPr rtlCol="0" anchor="ctr"/>
+          <a:lstStyle/>
+          <a:p>
+            <a:pPr algn="ctr"/>
+            <a:endParaRPr lang="en-US"/>
+          </a:p>
+        </p:txBody>
+      </p:sp>
+      <p:sp>
+        <p:nvSpPr>
+          <p:cNvPr id="93" name="Oval 92"/>
+          <p:cNvSpPr/>
+          <p:nvPr/>
+        </p:nvSpPr>
+        <p:spPr>
+          <a:xfrm>
+            <a:off x="4805294" y="9356448"/>
+            <a:ext cx="76200" cy="76200"/>
+          </a:xfrm>
+          <a:prstGeom prst="ellipse">
+            <a:avLst/>
+          </a:prstGeom>
+          <a:solidFill>
+            <a:srgbClr val="FFCC00"/>
+          </a:solidFill>
+          <a:ln>
+            <a:solidFill>
+              <a:srgbClr val="FF9900"/>
+            </a:solidFill>
+          </a:ln>
+        </p:spPr>
+        <p:style>
+          <a:lnRef idx="2">
+            <a:schemeClr val="accent1">
+              <a:shade val="50000"/>
+            </a:schemeClr>
+          </a:lnRef>
+          <a:fillRef idx="1">
+            <a:schemeClr val="accent1"/>
+          </a:fillRef>
+          <a:effectRef idx="0">
+            <a:schemeClr val="accent1"/>
+          </a:effectRef>
+          <a:fontRef idx="minor">
+            <a:schemeClr val="lt1"/>
+          </a:fontRef>
+        </p:style>
+        <p:txBody>
+          <a:bodyPr rtlCol="0" anchor="ctr"/>
+          <a:lstStyle/>
+          <a:p>
+            <a:pPr algn="ctr"/>
+            <a:endParaRPr lang="en-US"/>
+          </a:p>
+        </p:txBody>
+      </p:sp>
+      <p:sp>
+        <p:nvSpPr>
+          <p:cNvPr id="94" name="Oval 93"/>
+          <p:cNvSpPr/>
+          <p:nvPr/>
+        </p:nvSpPr>
+        <p:spPr>
+          <a:xfrm>
+            <a:off x="5167243" y="9351685"/>
+            <a:ext cx="76200" cy="76200"/>
+          </a:xfrm>
+          <a:prstGeom prst="ellipse">
+            <a:avLst/>
+          </a:prstGeom>
+          <a:solidFill>
+            <a:srgbClr val="FFCC00"/>
+          </a:solidFill>
+          <a:ln>
+            <a:solidFill>
+              <a:srgbClr val="FF9900"/>
+            </a:solidFill>
+          </a:ln>
+        </p:spPr>
+        <p:style>
+          <a:lnRef idx="2">
+            <a:schemeClr val="accent1">
+              <a:shade val="50000"/>
+            </a:schemeClr>
+          </a:lnRef>
+          <a:fillRef idx="1">
+            <a:schemeClr val="accent1"/>
+          </a:fillRef>
+          <a:effectRef idx="0">
+            <a:schemeClr val="accent1"/>
+          </a:effectRef>
+          <a:fontRef idx="minor">
+            <a:schemeClr val="lt1"/>
+          </a:fontRef>
+        </p:style>
+        <p:txBody>
+          <a:bodyPr rtlCol="0" anchor="ctr"/>
+          <a:lstStyle/>
+          <a:p>
+            <a:pPr algn="ctr"/>
+            <a:endParaRPr lang="en-US"/>
+          </a:p>
+        </p:txBody>
+      </p:sp>
+      <p:sp>
+        <p:nvSpPr>
+          <p:cNvPr id="95" name="Oval 94"/>
+          <p:cNvSpPr/>
+          <p:nvPr/>
+        </p:nvSpPr>
+        <p:spPr>
+          <a:xfrm>
+            <a:off x="4866253" y="9542185"/>
+            <a:ext cx="76200" cy="76200"/>
+          </a:xfrm>
+          <a:prstGeom prst="ellipse">
+            <a:avLst/>
+          </a:prstGeom>
+          <a:solidFill>
+            <a:srgbClr val="FFCC00"/>
+          </a:solidFill>
+          <a:ln>
+            <a:solidFill>
+              <a:srgbClr val="FF9900"/>
+            </a:solidFill>
+          </a:ln>
+        </p:spPr>
+        <p:style>
+          <a:lnRef idx="2">
+            <a:schemeClr val="accent1">
+              <a:shade val="50000"/>
+            </a:schemeClr>
+          </a:lnRef>
+          <a:fillRef idx="1">
+            <a:schemeClr val="accent1"/>
+          </a:fillRef>
+          <a:effectRef idx="0">
+            <a:schemeClr val="accent1"/>
+          </a:effectRef>
+          <a:fontRef idx="minor">
+            <a:schemeClr val="lt1"/>
+          </a:fontRef>
+        </p:style>
+        <p:txBody>
+          <a:bodyPr rtlCol="0" anchor="ctr"/>
+          <a:lstStyle/>
+          <a:p>
+            <a:pPr algn="ctr"/>
+            <a:endParaRPr lang="en-US"/>
+          </a:p>
+        </p:txBody>
+      </p:sp>
+      <p:sp>
+        <p:nvSpPr>
+          <p:cNvPr id="96" name="Oval 95"/>
+          <p:cNvSpPr/>
+          <p:nvPr/>
+        </p:nvSpPr>
+        <p:spPr>
+          <a:xfrm>
+            <a:off x="5472044" y="9389240"/>
+            <a:ext cx="76200" cy="76200"/>
+          </a:xfrm>
+          <a:prstGeom prst="ellipse">
+            <a:avLst/>
+          </a:prstGeom>
+          <a:solidFill>
+            <a:srgbClr val="FFCC00"/>
+          </a:solidFill>
+          <a:ln>
+            <a:solidFill>
+              <a:srgbClr val="FF9900"/>
+            </a:solidFill>
+          </a:ln>
+        </p:spPr>
+        <p:style>
+          <a:lnRef idx="2">
+            <a:schemeClr val="accent1">
+              <a:shade val="50000"/>
+            </a:schemeClr>
+          </a:lnRef>
+          <a:fillRef idx="1">
+            <a:schemeClr val="accent1"/>
+          </a:fillRef>
+          <a:effectRef idx="0">
+            <a:schemeClr val="accent1"/>
+          </a:effectRef>
+          <a:fontRef idx="minor">
+            <a:schemeClr val="lt1"/>
+          </a:fontRef>
+        </p:style>
+        <p:txBody>
+          <a:bodyPr rtlCol="0" anchor="ctr"/>
+          <a:lstStyle/>
+          <a:p>
+            <a:pPr algn="ctr"/>
+            <a:endParaRPr lang="en-US"/>
+          </a:p>
+        </p:txBody>
+      </p:sp>
+      <p:sp>
+        <p:nvSpPr>
+          <p:cNvPr id="97" name="Oval 96"/>
+          <p:cNvSpPr/>
+          <p:nvPr/>
+        </p:nvSpPr>
+        <p:spPr>
+          <a:xfrm>
+            <a:off x="5319643" y="9504085"/>
+            <a:ext cx="76200" cy="76200"/>
+          </a:xfrm>
+          <a:prstGeom prst="ellipse">
+            <a:avLst/>
+          </a:prstGeom>
+          <a:solidFill>
+            <a:srgbClr val="FFCC00"/>
+          </a:solidFill>
+          <a:ln>
+            <a:solidFill>
+              <a:srgbClr val="FF9900"/>
+            </a:solidFill>
+          </a:ln>
+        </p:spPr>
+        <p:style>
+          <a:lnRef idx="2">
+            <a:schemeClr val="accent1">
+              <a:shade val="50000"/>
+            </a:schemeClr>
+          </a:lnRef>
+          <a:fillRef idx="1">
+            <a:schemeClr val="accent1"/>
+          </a:fillRef>
+          <a:effectRef idx="0">
+            <a:schemeClr val="accent1"/>
+          </a:effectRef>
+          <a:fontRef idx="minor">
+            <a:schemeClr val="lt1"/>
+          </a:fontRef>
+        </p:style>
+        <p:txBody>
+          <a:bodyPr rtlCol="0" anchor="ctr"/>
+          <a:lstStyle/>
+          <a:p>
+            <a:pPr algn="ctr"/>
+            <a:endParaRPr lang="en-US"/>
+          </a:p>
+        </p:txBody>
+      </p:sp>
+      <p:sp>
+        <p:nvSpPr>
+          <p:cNvPr id="98" name="Oval 97"/>
+          <p:cNvSpPr/>
+          <p:nvPr/>
+        </p:nvSpPr>
+        <p:spPr>
+          <a:xfrm>
+            <a:off x="5865333" y="9397077"/>
+            <a:ext cx="76200" cy="76200"/>
+          </a:xfrm>
+          <a:prstGeom prst="ellipse">
+            <a:avLst/>
+          </a:prstGeom>
+          <a:solidFill>
+            <a:srgbClr val="FFCC00"/>
+          </a:solidFill>
+          <a:ln>
+            <a:solidFill>
+              <a:srgbClr val="FF9900"/>
+            </a:solidFill>
+          </a:ln>
+        </p:spPr>
+        <p:style>
+          <a:lnRef idx="2">
+            <a:schemeClr val="accent1">
+              <a:shade val="50000"/>
+            </a:schemeClr>
+          </a:lnRef>
+          <a:fillRef idx="1">
+            <a:schemeClr val="accent1"/>
+          </a:fillRef>
+          <a:effectRef idx="0">
+            <a:schemeClr val="accent1"/>
+          </a:effectRef>
+          <a:fontRef idx="minor">
+            <a:schemeClr val="lt1"/>
+          </a:fontRef>
+        </p:style>
+        <p:txBody>
+          <a:bodyPr rtlCol="0" anchor="ctr"/>
+          <a:lstStyle/>
+          <a:p>
+            <a:pPr algn="ctr"/>
+            <a:endParaRPr lang="en-US"/>
+          </a:p>
+        </p:txBody>
+      </p:sp>
+      <p:sp>
+        <p:nvSpPr>
+          <p:cNvPr id="99" name="Oval 98"/>
+          <p:cNvSpPr/>
+          <p:nvPr/>
+        </p:nvSpPr>
+        <p:spPr>
+          <a:xfrm>
+            <a:off x="5700644" y="9504085"/>
+            <a:ext cx="76200" cy="76200"/>
+          </a:xfrm>
+          <a:prstGeom prst="ellipse">
+            <a:avLst/>
+          </a:prstGeom>
+          <a:solidFill>
+            <a:srgbClr val="FFCC00"/>
+          </a:solidFill>
+          <a:ln>
+            <a:solidFill>
+              <a:srgbClr val="FF9900"/>
+            </a:solidFill>
+          </a:ln>
+        </p:spPr>
+        <p:style>
+          <a:lnRef idx="2">
+            <a:schemeClr val="accent1">
+              <a:shade val="50000"/>
+            </a:schemeClr>
+          </a:lnRef>
+          <a:fillRef idx="1">
+            <a:schemeClr val="accent1"/>
+          </a:fillRef>
+          <a:effectRef idx="0">
+            <a:schemeClr val="accent1"/>
+          </a:effectRef>
+          <a:fontRef idx="minor">
+            <a:schemeClr val="lt1"/>
+          </a:fontRef>
+        </p:style>
+        <p:txBody>
+          <a:bodyPr rtlCol="0" anchor="ctr"/>
+          <a:lstStyle/>
+          <a:p>
+            <a:pPr algn="ctr"/>
+            <a:endParaRPr lang="en-US"/>
+          </a:p>
+        </p:txBody>
+      </p:sp>
+      <p:sp>
+        <p:nvSpPr>
+          <p:cNvPr id="100" name="Oval 99"/>
+          <p:cNvSpPr/>
+          <p:nvPr/>
+        </p:nvSpPr>
+        <p:spPr>
+          <a:xfrm>
+            <a:off x="6072119" y="9350737"/>
+            <a:ext cx="76200" cy="76200"/>
+          </a:xfrm>
+          <a:prstGeom prst="ellipse">
+            <a:avLst/>
+          </a:prstGeom>
+          <a:solidFill>
+            <a:srgbClr val="FFCC00"/>
+          </a:solidFill>
+          <a:ln>
+            <a:solidFill>
+              <a:srgbClr val="FF9900"/>
+            </a:solidFill>
+          </a:ln>
+        </p:spPr>
+        <p:style>
+          <a:lnRef idx="2">
+            <a:schemeClr val="accent1">
+              <a:shade val="50000"/>
+            </a:schemeClr>
+          </a:lnRef>
+          <a:fillRef idx="1">
+            <a:schemeClr val="accent1"/>
+          </a:fillRef>
+          <a:effectRef idx="0">
+            <a:schemeClr val="accent1"/>
+          </a:effectRef>
+          <a:fontRef idx="minor">
+            <a:schemeClr val="lt1"/>
+          </a:fontRef>
+        </p:style>
+        <p:txBody>
+          <a:bodyPr rtlCol="0" anchor="ctr"/>
+          <a:lstStyle/>
+          <a:p>
+            <a:pPr algn="ctr"/>
+            <a:endParaRPr lang="en-US"/>
+          </a:p>
+        </p:txBody>
+      </p:sp>
+      <p:sp>
+        <p:nvSpPr>
+          <p:cNvPr id="101" name="Oval 100"/>
+          <p:cNvSpPr/>
+          <p:nvPr/>
+        </p:nvSpPr>
+        <p:spPr>
+          <a:xfrm>
+            <a:off x="5986394" y="9480569"/>
+            <a:ext cx="76200" cy="76200"/>
+          </a:xfrm>
+          <a:prstGeom prst="ellipse">
+            <a:avLst/>
+          </a:prstGeom>
+          <a:solidFill>
+            <a:srgbClr val="FFCC00"/>
+          </a:solidFill>
+          <a:ln>
+            <a:solidFill>
+              <a:srgbClr val="FF9900"/>
+            </a:solidFill>
+          </a:ln>
+        </p:spPr>
+        <p:style>
+          <a:lnRef idx="2">
+            <a:schemeClr val="accent1">
+              <a:shade val="50000"/>
+            </a:schemeClr>
+          </a:lnRef>
+          <a:fillRef idx="1">
+            <a:schemeClr val="accent1"/>
+          </a:fillRef>
+          <a:effectRef idx="0">
+            <a:schemeClr val="accent1"/>
+          </a:effectRef>
+          <a:fontRef idx="minor">
+            <a:schemeClr val="lt1"/>
+          </a:fontRef>
+        </p:style>
+        <p:txBody>
+          <a:bodyPr rtlCol="0" anchor="ctr"/>
+          <a:lstStyle/>
+          <a:p>
+            <a:pPr algn="ctr"/>
+            <a:endParaRPr lang="en-US"/>
+          </a:p>
+        </p:txBody>
+      </p:sp>
+      <p:sp>
+        <p:nvSpPr>
+          <p:cNvPr id="102" name="Oval 101"/>
+          <p:cNvSpPr/>
+          <p:nvPr/>
+        </p:nvSpPr>
+        <p:spPr>
+          <a:xfrm>
+            <a:off x="5476805" y="9516436"/>
+            <a:ext cx="76200" cy="76200"/>
+          </a:xfrm>
+          <a:prstGeom prst="ellipse">
+            <a:avLst/>
+          </a:prstGeom>
+          <a:solidFill>
+            <a:srgbClr val="FFCC00"/>
+          </a:solidFill>
+          <a:ln>
+            <a:solidFill>
+              <a:srgbClr val="FF9900"/>
+            </a:solidFill>
+          </a:ln>
+        </p:spPr>
+        <p:style>
+          <a:lnRef idx="2">
+            <a:schemeClr val="accent1">
+              <a:shade val="50000"/>
+            </a:schemeClr>
+          </a:lnRef>
+          <a:fillRef idx="1">
+            <a:schemeClr val="accent1"/>
+          </a:fillRef>
+          <a:effectRef idx="0">
+            <a:schemeClr val="accent1"/>
+          </a:effectRef>
+          <a:fontRef idx="minor">
+            <a:schemeClr val="lt1"/>
+          </a:fontRef>
+        </p:style>
+        <p:txBody>
+          <a:bodyPr rtlCol="0" anchor="ctr"/>
+          <a:lstStyle/>
+          <a:p>
+            <a:pPr algn="ctr"/>
+            <a:endParaRPr lang="en-US"/>
+          </a:p>
+        </p:txBody>
+      </p:sp>
+      <p:sp>
+        <p:nvSpPr>
+          <p:cNvPr id="103" name="Oval 102"/>
+          <p:cNvSpPr/>
+          <p:nvPr/>
+        </p:nvSpPr>
+        <p:spPr>
+          <a:xfrm>
+            <a:off x="6229280" y="9485580"/>
+            <a:ext cx="76200" cy="76200"/>
+          </a:xfrm>
+          <a:prstGeom prst="ellipse">
+            <a:avLst/>
+          </a:prstGeom>
+          <a:solidFill>
+            <a:srgbClr val="FFCC00"/>
+          </a:solidFill>
+          <a:ln>
+            <a:solidFill>
+              <a:srgbClr val="FF9900"/>
+            </a:solidFill>
+          </a:ln>
+        </p:spPr>
+        <p:style>
+          <a:lnRef idx="2">
+            <a:schemeClr val="accent1">
+              <a:shade val="50000"/>
+            </a:schemeClr>
+          </a:lnRef>
+          <a:fillRef idx="1">
+            <a:schemeClr val="accent1"/>
+          </a:fillRef>
+          <a:effectRef idx="0">
+            <a:schemeClr val="accent1"/>
+          </a:effectRef>
+          <a:fontRef idx="minor">
+            <a:schemeClr val="lt1"/>
+          </a:fontRef>
+        </p:style>
+        <p:txBody>
+          <a:bodyPr rtlCol="0" anchor="ctr"/>
+          <a:lstStyle/>
+          <a:p>
+            <a:pPr algn="ctr"/>
+            <a:endParaRPr lang="en-US"/>
+          </a:p>
+        </p:txBody>
+      </p:sp>
+      <p:sp>
+        <p:nvSpPr>
+          <p:cNvPr id="104" name="Oval 103"/>
+          <p:cNvSpPr/>
+          <p:nvPr/>
+        </p:nvSpPr>
+        <p:spPr>
+          <a:xfrm>
+            <a:off x="5624444" y="9404369"/>
+            <a:ext cx="76200" cy="76200"/>
+          </a:xfrm>
+          <a:prstGeom prst="ellipse">
+            <a:avLst/>
+          </a:prstGeom>
+          <a:solidFill>
+            <a:srgbClr val="FFCC00"/>
+          </a:solidFill>
+          <a:ln>
+            <a:solidFill>
+              <a:srgbClr val="FF9900"/>
+            </a:solidFill>
+          </a:ln>
+        </p:spPr>
+        <p:style>
+          <a:lnRef idx="2">
+            <a:schemeClr val="accent1">
+              <a:shade val="50000"/>
+            </a:schemeClr>
+          </a:lnRef>
+          <a:fillRef idx="1">
+            <a:schemeClr val="accent1"/>
+          </a:fillRef>
+          <a:effectRef idx="0">
+            <a:schemeClr val="accent1"/>
+          </a:effectRef>
+          <a:fontRef idx="minor">
+            <a:schemeClr val="lt1"/>
+          </a:fontRef>
+        </p:style>
+        <p:txBody>
+          <a:bodyPr rtlCol="0" anchor="ctr"/>
+          <a:lstStyle/>
+          <a:p>
+            <a:pPr algn="ctr"/>
+            <a:endParaRPr lang="en-US"/>
+          </a:p>
+        </p:txBody>
+      </p:sp>
+      <p:sp>
+        <p:nvSpPr>
+          <p:cNvPr id="105" name="Oval 104"/>
+          <p:cNvSpPr/>
+          <p:nvPr/>
+        </p:nvSpPr>
+        <p:spPr>
+          <a:xfrm>
+            <a:off x="5113903" y="9485580"/>
+            <a:ext cx="76200" cy="76200"/>
+          </a:xfrm>
+          <a:prstGeom prst="ellipse">
+            <a:avLst/>
+          </a:prstGeom>
+          <a:solidFill>
+            <a:srgbClr val="FFCC00"/>
+          </a:solidFill>
+          <a:ln>
+            <a:solidFill>
+              <a:srgbClr val="FF9900"/>
+            </a:solidFill>
+          </a:ln>
+        </p:spPr>
+        <p:style>
+          <a:lnRef idx="2">
+            <a:schemeClr val="accent1">
+              <a:shade val="50000"/>
+            </a:schemeClr>
+          </a:lnRef>
+          <a:fillRef idx="1">
+            <a:schemeClr val="accent1"/>
+          </a:fillRef>
+          <a:effectRef idx="0">
+            <a:schemeClr val="accent1"/>
+          </a:effectRef>
+          <a:fontRef idx="minor">
+            <a:schemeClr val="lt1"/>
+          </a:fontRef>
+        </p:style>
+        <p:txBody>
+          <a:bodyPr rtlCol="0" anchor="ctr"/>
+          <a:lstStyle/>
+          <a:p>
+            <a:pPr algn="ctr"/>
+            <a:endParaRPr lang="en-US"/>
+          </a:p>
+        </p:txBody>
+      </p:sp>
+      <p:sp>
+        <p:nvSpPr>
+          <p:cNvPr id="106" name="TextBox 105"/>
+          <p:cNvSpPr txBox="1"/>
+          <p:nvPr/>
+        </p:nvSpPr>
+        <p:spPr>
+          <a:xfrm>
+            <a:off x="3327943" y="9598111"/>
+            <a:ext cx="1210588" cy="461665"/>
+          </a:xfrm>
+          <a:prstGeom prst="rect">
+            <a:avLst/>
+          </a:prstGeom>
+          <a:solidFill>
+            <a:schemeClr val="bg1"/>
+          </a:solidFill>
+          <a:ln w="28575">
+            <a:noFill/>
+          </a:ln>
+        </p:spPr>
+        <p:txBody>
+          <a:bodyPr wrap="none" rtlCol="0">
+            <a:spAutoFit/>
+          </a:bodyPr>
+          <a:lstStyle/>
+          <a:p>
+            <a:pPr algn="ctr"/>
+            <a:r>
+              <a:rPr lang="en-US" sz="2400" dirty="0" smtClean="0"/>
+              <a:t>Ba</a:t>
+            </a:r>
+            <a:r>
+              <a:rPr lang="en-US" sz="2400" baseline="30000" dirty="0" smtClean="0"/>
+              <a:t>+</a:t>
+            </a:r>
+            <a:r>
+              <a:rPr lang="en-US" sz="2400" dirty="0" smtClean="0"/>
+              <a:t> ions</a:t>
+            </a:r>
+            <a:endParaRPr lang="en-US" sz="2400" dirty="0"/>
+          </a:p>
+        </p:txBody>
+      </p:sp>
+      <p:sp>
+        <p:nvSpPr>
+          <p:cNvPr id="108" name="TextBox 107"/>
+          <p:cNvSpPr txBox="1"/>
+          <p:nvPr/>
+        </p:nvSpPr>
+        <p:spPr>
+          <a:xfrm>
+            <a:off x="3154655" y="8213054"/>
+            <a:ext cx="2190215" cy="461665"/>
+          </a:xfrm>
+          <a:prstGeom prst="rect">
+            <a:avLst/>
+          </a:prstGeom>
+          <a:noFill/>
+        </p:spPr>
+        <p:txBody>
+          <a:bodyPr wrap="none" rtlCol="0">
+            <a:spAutoFit/>
+          </a:bodyPr>
+          <a:lstStyle/>
+          <a:p>
+            <a:r>
+              <a:rPr lang="en-US" sz="2400" dirty="0" smtClean="0"/>
+              <a:t>Induction Plates</a:t>
+            </a:r>
+            <a:endParaRPr lang="en-US" sz="2400" dirty="0"/>
+          </a:p>
+        </p:txBody>
+      </p:sp>
+      <p:sp>
+        <p:nvSpPr>
+          <p:cNvPr id="81" name="Rectangle 80"/>
+          <p:cNvSpPr/>
+          <p:nvPr/>
+        </p:nvSpPr>
+        <p:spPr>
+          <a:xfrm rot="10800000">
+            <a:off x="6405034" y="7168528"/>
+            <a:ext cx="151707" cy="775449"/>
+          </a:xfrm>
+          <a:prstGeom prst="rect">
+            <a:avLst/>
+          </a:prstGeom>
+          <a:solidFill>
+            <a:schemeClr val="bg1">
+              <a:lumMod val="50000"/>
+            </a:schemeClr>
+          </a:solidFill>
+          <a:ln>
+            <a:solidFill>
+              <a:schemeClr val="tx1">
+                <a:lumMod val="50000"/>
+                <a:lumOff val="50000"/>
+              </a:schemeClr>
+            </a:solidFill>
+          </a:ln>
+        </p:spPr>
+        <p:style>
+          <a:lnRef idx="2">
+            <a:schemeClr val="accent1">
+              <a:shade val="50000"/>
+            </a:schemeClr>
+          </a:lnRef>
+          <a:fillRef idx="1">
+            <a:schemeClr val="accent1"/>
+          </a:fillRef>
+          <a:effectRef idx="0">
+            <a:schemeClr val="accent1"/>
+          </a:effectRef>
+          <a:fontRef idx="minor">
+            <a:schemeClr val="lt1"/>
+          </a:fontRef>
+        </p:style>
+        <p:txBody>
+          <a:bodyPr rtlCol="0" anchor="ctr"/>
+          <a:lstStyle/>
+          <a:p>
+            <a:pPr algn="ctr"/>
+            <a:endParaRPr lang="en-US"/>
+          </a:p>
+        </p:txBody>
+      </p:sp>
+      <p:sp>
+        <p:nvSpPr>
+          <p:cNvPr id="83" name="Freeform 82"/>
+          <p:cNvSpPr/>
+          <p:nvPr/>
+        </p:nvSpPr>
+        <p:spPr>
+          <a:xfrm>
+            <a:off x="6111830" y="7817871"/>
+            <a:ext cx="737422" cy="823406"/>
+          </a:xfrm>
+          <a:custGeom>
+            <a:avLst/>
+            <a:gdLst>
+              <a:gd name="connsiteX0" fmla="*/ 0 w 666750"/>
+              <a:gd name="connsiteY0" fmla="*/ 0 h 800100"/>
+              <a:gd name="connsiteX1" fmla="*/ 666750 w 666750"/>
+              <a:gd name="connsiteY1" fmla="*/ 0 h 800100"/>
+              <a:gd name="connsiteX2" fmla="*/ 666750 w 666750"/>
+              <a:gd name="connsiteY2" fmla="*/ 800100 h 800100"/>
+              <a:gd name="connsiteX3" fmla="*/ 9525 w 666750"/>
+              <a:gd name="connsiteY3" fmla="*/ 800100 h 800100"/>
+              <a:gd name="connsiteX4" fmla="*/ 9525 w 666750"/>
+              <a:gd name="connsiteY4" fmla="*/ 619125 h 800100"/>
+              <a:gd name="connsiteX5" fmla="*/ 390525 w 666750"/>
+              <a:gd name="connsiteY5" fmla="*/ 619125 h 800100"/>
+              <a:gd name="connsiteX6" fmla="*/ 485775 w 666750"/>
+              <a:gd name="connsiteY6" fmla="*/ 523875 h 800100"/>
+              <a:gd name="connsiteX7" fmla="*/ 485775 w 666750"/>
+              <a:gd name="connsiteY7" fmla="*/ 295275 h 800100"/>
+              <a:gd name="connsiteX8" fmla="*/ 390525 w 666750"/>
+              <a:gd name="connsiteY8" fmla="*/ 200025 h 800100"/>
+              <a:gd name="connsiteX9" fmla="*/ 9525 w 666750"/>
+              <a:gd name="connsiteY9" fmla="*/ 200025 h 800100"/>
+              <a:gd name="connsiteX10" fmla="*/ 0 w 666750"/>
+              <a:gd name="connsiteY10" fmla="*/ 0 h 800100"/>
+            </a:gdLst>
+            <a:ahLst/>
+            <a:cxnLst>
+              <a:cxn ang="0">
+                <a:pos x="connsiteX0" y="connsiteY0"/>
+              </a:cxn>
+              <a:cxn ang="0">
+                <a:pos x="connsiteX1" y="connsiteY1"/>
+              </a:cxn>
+              <a:cxn ang="0">
+                <a:pos x="connsiteX2" y="connsiteY2"/>
+              </a:cxn>
+              <a:cxn ang="0">
+                <a:pos x="connsiteX3" y="connsiteY3"/>
+              </a:cxn>
+              <a:cxn ang="0">
+                <a:pos x="connsiteX4" y="connsiteY4"/>
+              </a:cxn>
+              <a:cxn ang="0">
+                <a:pos x="connsiteX5" y="connsiteY5"/>
+              </a:cxn>
+              <a:cxn ang="0">
+                <a:pos x="connsiteX6" y="connsiteY6"/>
+              </a:cxn>
+              <a:cxn ang="0">
+                <a:pos x="connsiteX7" y="connsiteY7"/>
+              </a:cxn>
+              <a:cxn ang="0">
+                <a:pos x="connsiteX8" y="connsiteY8"/>
+              </a:cxn>
+              <a:cxn ang="0">
+                <a:pos x="connsiteX9" y="connsiteY9"/>
+              </a:cxn>
+              <a:cxn ang="0">
+                <a:pos x="connsiteX10" y="connsiteY10"/>
+              </a:cxn>
+            </a:cxnLst>
+            <a:rect l="l" t="t" r="r" b="b"/>
+            <a:pathLst>
+              <a:path w="666750" h="800100">
+                <a:moveTo>
+                  <a:pt x="0" y="0"/>
+                </a:moveTo>
+                <a:lnTo>
+                  <a:pt x="666750" y="0"/>
+                </a:lnTo>
+                <a:lnTo>
+                  <a:pt x="666750" y="800100"/>
+                </a:lnTo>
+                <a:lnTo>
+                  <a:pt x="9525" y="800100"/>
+                </a:lnTo>
+                <a:lnTo>
+                  <a:pt x="9525" y="619125"/>
+                </a:lnTo>
+                <a:lnTo>
+                  <a:pt x="390525" y="619125"/>
+                </a:lnTo>
+                <a:lnTo>
+                  <a:pt x="485775" y="523875"/>
+                </a:lnTo>
+                <a:lnTo>
+                  <a:pt x="485775" y="295275"/>
+                </a:lnTo>
+                <a:lnTo>
+                  <a:pt x="390525" y="200025"/>
+                </a:lnTo>
+                <a:lnTo>
+                  <a:pt x="9525" y="200025"/>
+                </a:lnTo>
+                <a:lnTo>
+                  <a:pt x="0" y="0"/>
+                </a:lnTo>
+                <a:close/>
+              </a:path>
+            </a:pathLst>
+          </a:custGeom>
+          <a:solidFill>
+            <a:schemeClr val="bg1">
+              <a:lumMod val="65000"/>
+            </a:schemeClr>
+          </a:solidFill>
+          <a:ln>
+            <a:solidFill>
+              <a:schemeClr val="tx1">
+                <a:lumMod val="50000"/>
+                <a:lumOff val="50000"/>
+              </a:schemeClr>
+            </a:solidFill>
+          </a:ln>
+        </p:spPr>
+        <p:style>
+          <a:lnRef idx="2">
+            <a:schemeClr val="accent1">
+              <a:shade val="50000"/>
+            </a:schemeClr>
+          </a:lnRef>
+          <a:fillRef idx="1">
+            <a:schemeClr val="accent1"/>
+          </a:fillRef>
+          <a:effectRef idx="0">
+            <a:schemeClr val="accent1"/>
+          </a:effectRef>
+          <a:fontRef idx="minor">
+            <a:schemeClr val="lt1"/>
+          </a:fontRef>
+        </p:style>
+        <p:txBody>
+          <a:bodyPr rtlCol="0" anchor="ctr"/>
+          <a:lstStyle/>
+          <a:p>
+            <a:pPr algn="ctr"/>
+            <a:endParaRPr lang="en-US">
+              <a:solidFill>
+                <a:srgbClr val="FF0000"/>
+              </a:solidFill>
+            </a:endParaRPr>
+          </a:p>
+        </p:txBody>
+      </p:sp>
+      <p:sp>
+        <p:nvSpPr>
+          <p:cNvPr id="110" name="Double Wave 109"/>
+          <p:cNvSpPr/>
+          <p:nvPr/>
+        </p:nvSpPr>
+        <p:spPr>
+          <a:xfrm rot="16200000">
+            <a:off x="6377340" y="6983672"/>
+            <a:ext cx="217311" cy="304800"/>
+          </a:xfrm>
+          <a:prstGeom prst="doubleWave">
+            <a:avLst/>
+          </a:prstGeom>
+          <a:solidFill>
+            <a:schemeClr val="bg1">
+              <a:lumMod val="65000"/>
+            </a:schemeClr>
+          </a:solidFill>
+          <a:ln>
+            <a:noFill/>
+          </a:ln>
+        </p:spPr>
+        <p:style>
+          <a:lnRef idx="2">
+            <a:schemeClr val="accent1">
+              <a:shade val="50000"/>
+            </a:schemeClr>
+          </a:lnRef>
+          <a:fillRef idx="1">
+            <a:schemeClr val="accent1"/>
+          </a:fillRef>
+          <a:effectRef idx="0">
+            <a:schemeClr val="accent1"/>
+          </a:effectRef>
+          <a:fontRef idx="minor">
+            <a:schemeClr val="lt1"/>
+          </a:fontRef>
+        </p:style>
+        <p:txBody>
+          <a:bodyPr rtlCol="0" anchor="ctr"/>
+          <a:lstStyle/>
+          <a:p>
+            <a:pPr algn="ctr"/>
+            <a:endParaRPr lang="en-US"/>
+          </a:p>
+        </p:txBody>
+      </p:sp>
+      <p:sp>
+        <p:nvSpPr>
+          <p:cNvPr id="111" name="Double Wave 110"/>
+          <p:cNvSpPr/>
+          <p:nvPr/>
+        </p:nvSpPr>
+        <p:spPr>
+          <a:xfrm rot="16200000">
+            <a:off x="6378639" y="6770069"/>
+            <a:ext cx="217311" cy="304800"/>
+          </a:xfrm>
+          <a:prstGeom prst="doubleWave">
+            <a:avLst/>
+          </a:prstGeom>
+          <a:solidFill>
+            <a:schemeClr val="bg1">
+              <a:lumMod val="65000"/>
+            </a:schemeClr>
+          </a:solidFill>
+          <a:ln>
+            <a:noFill/>
+          </a:ln>
+        </p:spPr>
+        <p:style>
+          <a:lnRef idx="2">
+            <a:schemeClr val="accent1">
+              <a:shade val="50000"/>
+            </a:schemeClr>
+          </a:lnRef>
+          <a:fillRef idx="1">
+            <a:schemeClr val="accent1"/>
+          </a:fillRef>
+          <a:effectRef idx="0">
+            <a:schemeClr val="accent1"/>
+          </a:effectRef>
+          <a:fontRef idx="minor">
+            <a:schemeClr val="lt1"/>
+          </a:fontRef>
+        </p:style>
+        <p:txBody>
+          <a:bodyPr rtlCol="0" anchor="ctr"/>
+          <a:lstStyle/>
+          <a:p>
+            <a:pPr algn="ctr"/>
+            <a:endParaRPr lang="en-US"/>
+          </a:p>
+        </p:txBody>
+      </p:sp>
+      <p:sp>
+        <p:nvSpPr>
+          <p:cNvPr id="112" name="Rectangle 111"/>
+          <p:cNvSpPr/>
+          <p:nvPr/>
+        </p:nvSpPr>
+        <p:spPr>
+          <a:xfrm rot="10800000">
+            <a:off x="6304068" y="6742634"/>
+            <a:ext cx="367665" cy="71179"/>
+          </a:xfrm>
+          <a:prstGeom prst="rect">
+            <a:avLst/>
+          </a:prstGeom>
+          <a:solidFill>
+            <a:schemeClr val="bg1">
+              <a:lumMod val="65000"/>
+            </a:schemeClr>
+          </a:solidFill>
+          <a:ln>
+            <a:solidFill>
+              <a:schemeClr val="tx1">
+                <a:lumMod val="50000"/>
+                <a:lumOff val="50000"/>
+              </a:schemeClr>
+            </a:solidFill>
+          </a:ln>
+        </p:spPr>
+        <p:style>
+          <a:lnRef idx="2">
+            <a:schemeClr val="accent1">
+              <a:shade val="50000"/>
+            </a:schemeClr>
+          </a:lnRef>
+          <a:fillRef idx="1">
+            <a:schemeClr val="accent1"/>
+          </a:fillRef>
+          <a:effectRef idx="0">
+            <a:schemeClr val="accent1"/>
+          </a:effectRef>
+          <a:fontRef idx="minor">
+            <a:schemeClr val="lt1"/>
+          </a:fontRef>
+        </p:style>
+        <p:txBody>
+          <a:bodyPr rtlCol="0" anchor="ctr"/>
+          <a:lstStyle/>
+          <a:p>
+            <a:pPr algn="ctr"/>
+            <a:endParaRPr lang="en-US"/>
+          </a:p>
+        </p:txBody>
+      </p:sp>
+      <p:sp>
+        <p:nvSpPr>
+          <p:cNvPr id="113" name="Rectangle 112"/>
+          <p:cNvSpPr/>
+          <p:nvPr/>
+        </p:nvSpPr>
+        <p:spPr>
+          <a:xfrm rot="10800000">
+            <a:off x="6419406" y="4584986"/>
+            <a:ext cx="151707" cy="2157647"/>
+          </a:xfrm>
+          <a:prstGeom prst="rect">
+            <a:avLst/>
+          </a:prstGeom>
+          <a:solidFill>
+            <a:schemeClr val="bg1">
+              <a:lumMod val="50000"/>
+            </a:schemeClr>
+          </a:solidFill>
+          <a:ln>
+            <a:solidFill>
+              <a:schemeClr val="tx1">
+                <a:lumMod val="50000"/>
+                <a:lumOff val="50000"/>
+              </a:schemeClr>
+            </a:solidFill>
+          </a:ln>
+        </p:spPr>
+        <p:style>
+          <a:lnRef idx="2">
+            <a:schemeClr val="accent1">
+              <a:shade val="50000"/>
+            </a:schemeClr>
+          </a:lnRef>
+          <a:fillRef idx="1">
+            <a:schemeClr val="accent1"/>
+          </a:fillRef>
+          <a:effectRef idx="0">
+            <a:schemeClr val="accent1"/>
+          </a:effectRef>
+          <a:fontRef idx="minor">
+            <a:schemeClr val="lt1"/>
+          </a:fontRef>
+        </p:style>
+        <p:txBody>
+          <a:bodyPr rtlCol="0" anchor="ctr"/>
+          <a:lstStyle/>
+          <a:p>
+            <a:pPr algn="ctr"/>
+            <a:endParaRPr lang="en-US"/>
+          </a:p>
+        </p:txBody>
+      </p:sp>
+      <p:sp>
+        <p:nvSpPr>
+          <p:cNvPr id="114" name="Rectangle 113"/>
+          <p:cNvSpPr/>
+          <p:nvPr/>
+        </p:nvSpPr>
+        <p:spPr>
+          <a:xfrm rot="10800000">
+            <a:off x="6373339" y="4614386"/>
+            <a:ext cx="243840" cy="387725"/>
+          </a:xfrm>
+          <a:prstGeom prst="rect">
+            <a:avLst/>
+          </a:prstGeom>
+          <a:solidFill>
+            <a:schemeClr val="tx1">
+              <a:lumMod val="75000"/>
+              <a:lumOff val="25000"/>
+            </a:schemeClr>
+          </a:solidFill>
+          <a:ln>
+            <a:noFill/>
+          </a:ln>
+        </p:spPr>
+        <p:style>
+          <a:lnRef idx="2">
+            <a:schemeClr val="accent1">
+              <a:shade val="50000"/>
+            </a:schemeClr>
+          </a:lnRef>
+          <a:fillRef idx="1">
+            <a:schemeClr val="accent1"/>
+          </a:fillRef>
+          <a:effectRef idx="0">
+            <a:schemeClr val="accent1"/>
+          </a:effectRef>
+          <a:fontRef idx="minor">
+            <a:schemeClr val="lt1"/>
+          </a:fontRef>
+        </p:style>
+        <p:txBody>
+          <a:bodyPr rtlCol="0" anchor="ctr"/>
+          <a:lstStyle/>
+          <a:p>
+            <a:pPr algn="ctr"/>
+            <a:endParaRPr lang="en-US"/>
+          </a:p>
+        </p:txBody>
+      </p:sp>
+      <p:sp>
+        <p:nvSpPr>
+          <p:cNvPr id="115" name="Double Wave 114"/>
+          <p:cNvSpPr/>
+          <p:nvPr/>
+        </p:nvSpPr>
+        <p:spPr>
+          <a:xfrm rot="16200000">
+            <a:off x="6372580" y="7200981"/>
+            <a:ext cx="217311" cy="304800"/>
+          </a:xfrm>
+          <a:prstGeom prst="doubleWave">
+            <a:avLst/>
+          </a:prstGeom>
+          <a:solidFill>
+            <a:schemeClr val="bg1">
+              <a:lumMod val="65000"/>
+            </a:schemeClr>
+          </a:solidFill>
+          <a:ln>
+            <a:noFill/>
+          </a:ln>
+        </p:spPr>
+        <p:style>
+          <a:lnRef idx="2">
+            <a:schemeClr val="accent1">
+              <a:shade val="50000"/>
+            </a:schemeClr>
+          </a:lnRef>
+          <a:fillRef idx="1">
+            <a:schemeClr val="accent1"/>
+          </a:fillRef>
+          <a:effectRef idx="0">
+            <a:schemeClr val="accent1"/>
+          </a:effectRef>
+          <a:fontRef idx="minor">
+            <a:schemeClr val="lt1"/>
+          </a:fontRef>
+        </p:style>
+        <p:txBody>
+          <a:bodyPr rtlCol="0" anchor="ctr"/>
+          <a:lstStyle/>
+          <a:p>
+            <a:pPr algn="ctr"/>
+            <a:endParaRPr lang="en-US"/>
+          </a:p>
+        </p:txBody>
+      </p:sp>
+      <p:sp>
+        <p:nvSpPr>
+          <p:cNvPr id="116" name="Rectangle 115"/>
+          <p:cNvSpPr/>
+          <p:nvPr/>
+        </p:nvSpPr>
+        <p:spPr>
+          <a:xfrm rot="10800000">
+            <a:off x="6297402" y="7428434"/>
+            <a:ext cx="367665" cy="71179"/>
+          </a:xfrm>
+          <a:prstGeom prst="rect">
+            <a:avLst/>
+          </a:prstGeom>
+          <a:solidFill>
+            <a:schemeClr val="bg1">
+              <a:lumMod val="65000"/>
+            </a:schemeClr>
+          </a:solidFill>
+          <a:ln>
+            <a:solidFill>
+              <a:schemeClr val="tx1">
+                <a:lumMod val="50000"/>
+                <a:lumOff val="50000"/>
+              </a:schemeClr>
+            </a:solidFill>
+          </a:ln>
+        </p:spPr>
+        <p:style>
+          <a:lnRef idx="2">
+            <a:schemeClr val="accent1">
+              <a:shade val="50000"/>
+            </a:schemeClr>
+          </a:lnRef>
+          <a:fillRef idx="1">
+            <a:schemeClr val="accent1"/>
+          </a:fillRef>
+          <a:effectRef idx="0">
+            <a:schemeClr val="accent1"/>
+          </a:effectRef>
+          <a:fontRef idx="minor">
+            <a:schemeClr val="lt1"/>
+          </a:fontRef>
+        </p:style>
+        <p:txBody>
+          <a:bodyPr rtlCol="0" anchor="ctr"/>
+          <a:lstStyle/>
+          <a:p>
+            <a:pPr algn="ctr"/>
+            <a:endParaRPr lang="en-US"/>
+          </a:p>
+        </p:txBody>
+      </p:sp>
+      <p:cxnSp>
+        <p:nvCxnSpPr>
+          <p:cNvPr id="117" name="Straight Arrow Connector 116"/>
+          <p:cNvCxnSpPr/>
+          <p:nvPr/>
+        </p:nvCxnSpPr>
+        <p:spPr>
+          <a:xfrm rot="10800000" flipH="1" flipV="1">
+            <a:off x="6481235" y="6863483"/>
+            <a:ext cx="1" cy="510618"/>
+          </a:xfrm>
+          <a:prstGeom prst="straightConnector1">
+            <a:avLst/>
+          </a:prstGeom>
+          <a:ln w="38100">
+            <a:solidFill>
+              <a:schemeClr val="tx1"/>
+            </a:solidFill>
+            <a:headEnd type="triangle" w="med" len="med"/>
+            <a:tailEnd type="triangle" w="med" len="med"/>
+          </a:ln>
+        </p:spPr>
+        <p:style>
+          <a:lnRef idx="1">
+            <a:schemeClr val="accent1"/>
+          </a:lnRef>
+          <a:fillRef idx="0">
+            <a:schemeClr val="accent1"/>
+          </a:fillRef>
+          <a:effectRef idx="0">
+            <a:schemeClr val="accent1"/>
+          </a:effectRef>
+          <a:fontRef idx="minor">
+            <a:schemeClr val="tx1"/>
+          </a:fontRef>
+        </p:style>
+      </p:cxnSp>
+      <p:sp>
+        <p:nvSpPr>
+          <p:cNvPr id="118" name="Flowchart: Stored Data 117"/>
+          <p:cNvSpPr/>
+          <p:nvPr/>
+        </p:nvSpPr>
+        <p:spPr>
+          <a:xfrm>
+            <a:off x="13499557" y="8450401"/>
+            <a:ext cx="441575" cy="2115786"/>
+          </a:xfrm>
+          <a:prstGeom prst="flowChartOnlineStorage">
+            <a:avLst/>
+          </a:prstGeom>
+          <a:solidFill>
+            <a:schemeClr val="accent1">
+              <a:lumMod val="40000"/>
+              <a:lumOff val="60000"/>
+            </a:schemeClr>
+          </a:solidFill>
+          <a:ln w="19050">
+            <a:solidFill>
+              <a:schemeClr val="accent1">
+                <a:lumMod val="75000"/>
+              </a:schemeClr>
+            </a:solidFill>
+          </a:ln>
+        </p:spPr>
+        <p:style>
+          <a:lnRef idx="2">
+            <a:schemeClr val="accent1">
+              <a:shade val="50000"/>
+            </a:schemeClr>
+          </a:lnRef>
+          <a:fillRef idx="1">
+            <a:schemeClr val="accent1"/>
+          </a:fillRef>
+          <a:effectRef idx="0">
+            <a:schemeClr val="accent1"/>
+          </a:effectRef>
+          <a:fontRef idx="minor">
+            <a:schemeClr val="lt1"/>
+          </a:fontRef>
+        </p:style>
+        <p:txBody>
+          <a:bodyPr rtlCol="0" anchor="ctr"/>
+          <a:lstStyle/>
+          <a:p>
+            <a:pPr algn="ctr"/>
+            <a:endParaRPr lang="en-US"/>
+          </a:p>
+        </p:txBody>
+      </p:sp>
+      <p:sp>
+        <p:nvSpPr>
+          <p:cNvPr id="119" name="Oval 118"/>
+          <p:cNvSpPr/>
+          <p:nvPr/>
+        </p:nvSpPr>
+        <p:spPr>
+          <a:xfrm>
+            <a:off x="13863078" y="8450400"/>
+            <a:ext cx="156110" cy="2115786"/>
+          </a:xfrm>
+          <a:prstGeom prst="ellipse">
+            <a:avLst/>
+          </a:prstGeom>
+          <a:solidFill>
+            <a:schemeClr val="accent1">
+              <a:lumMod val="20000"/>
+              <a:lumOff val="80000"/>
+            </a:schemeClr>
+          </a:solidFill>
+          <a:ln w="19050">
+            <a:solidFill>
+              <a:schemeClr val="accent1">
+                <a:lumMod val="75000"/>
+              </a:schemeClr>
+            </a:solidFill>
+          </a:ln>
+        </p:spPr>
+        <p:style>
+          <a:lnRef idx="2">
+            <a:schemeClr val="accent1">
+              <a:shade val="50000"/>
+            </a:schemeClr>
+          </a:lnRef>
+          <a:fillRef idx="1">
+            <a:schemeClr val="accent1"/>
+          </a:fillRef>
+          <a:effectRef idx="0">
+            <a:schemeClr val="accent1"/>
+          </a:effectRef>
+          <a:fontRef idx="minor">
+            <a:schemeClr val="lt1"/>
+          </a:fontRef>
+        </p:style>
+        <p:txBody>
+          <a:bodyPr rtlCol="0" anchor="ctr"/>
+          <a:lstStyle/>
+          <a:p>
+            <a:pPr algn="ctr"/>
+            <a:endParaRPr lang="en-US"/>
+          </a:p>
+        </p:txBody>
+      </p:sp>
+      <p:sp>
+        <p:nvSpPr>
+          <p:cNvPr id="120" name="TextBox 119"/>
+          <p:cNvSpPr txBox="1"/>
+          <p:nvPr/>
+        </p:nvSpPr>
+        <p:spPr>
+          <a:xfrm>
+            <a:off x="13506244" y="7591153"/>
+            <a:ext cx="1866729" cy="461665"/>
+          </a:xfrm>
+          <a:prstGeom prst="rect">
+            <a:avLst/>
+          </a:prstGeom>
+          <a:noFill/>
+        </p:spPr>
+        <p:txBody>
+          <a:bodyPr wrap="none" rtlCol="0">
+            <a:spAutoFit/>
+          </a:bodyPr>
+          <a:lstStyle/>
+          <a:p>
+            <a:r>
+              <a:rPr lang="en-US" sz="2400" dirty="0" smtClean="0"/>
+              <a:t>Compensator</a:t>
+            </a:r>
+            <a:endParaRPr lang="en-US" sz="2400" dirty="0"/>
+          </a:p>
+        </p:txBody>
+      </p:sp>
+      <p:cxnSp>
+        <p:nvCxnSpPr>
+          <p:cNvPr id="122" name="Straight Arrow Connector 121"/>
+          <p:cNvCxnSpPr/>
+          <p:nvPr/>
+        </p:nvCxnSpPr>
+        <p:spPr>
+          <a:xfrm>
+            <a:off x="13746857" y="7991472"/>
+            <a:ext cx="1" cy="383045"/>
+          </a:xfrm>
+          <a:prstGeom prst="straightConnector1">
+            <a:avLst/>
+          </a:prstGeom>
+          <a:ln w="19050">
+            <a:solidFill>
+              <a:schemeClr val="tx1"/>
+            </a:solidFill>
+            <a:tailEnd type="arrow"/>
+          </a:ln>
+        </p:spPr>
+        <p:style>
+          <a:lnRef idx="1">
+            <a:schemeClr val="accent1"/>
+          </a:lnRef>
+          <a:fillRef idx="0">
+            <a:schemeClr val="accent1"/>
+          </a:fillRef>
+          <a:effectRef idx="0">
+            <a:schemeClr val="accent1"/>
+          </a:effectRef>
+          <a:fontRef idx="minor">
+            <a:schemeClr val="tx1"/>
+          </a:fontRef>
+        </p:style>
+      </p:cxnSp>
+      <p:sp>
+        <p:nvSpPr>
+          <p:cNvPr id="126" name="Right Triangle 125"/>
+          <p:cNvSpPr/>
+          <p:nvPr/>
+        </p:nvSpPr>
+        <p:spPr>
+          <a:xfrm>
+            <a:off x="11123362" y="5495456"/>
+            <a:ext cx="983312" cy="989086"/>
+          </a:xfrm>
+          <a:prstGeom prst="rtTriangle">
+            <a:avLst/>
+          </a:prstGeom>
+          <a:solidFill>
+            <a:srgbClr val="FF0000">
+              <a:alpha val="50000"/>
+            </a:srgbClr>
+          </a:solidFill>
+          <a:ln>
+            <a:noFill/>
+          </a:ln>
+        </p:spPr>
+        <p:style>
+          <a:lnRef idx="2">
+            <a:schemeClr val="accent1">
+              <a:shade val="50000"/>
+            </a:schemeClr>
+          </a:lnRef>
+          <a:fillRef idx="1">
+            <a:schemeClr val="accent1"/>
+          </a:fillRef>
+          <a:effectRef idx="0">
+            <a:schemeClr val="accent1"/>
+          </a:effectRef>
+          <a:fontRef idx="minor">
+            <a:schemeClr val="lt1"/>
+          </a:fontRef>
+        </p:style>
+        <p:txBody>
+          <a:bodyPr rtlCol="0" anchor="ctr"/>
+          <a:lstStyle/>
+          <a:p>
+            <a:pPr algn="ctr"/>
+            <a:endParaRPr lang="en-US"/>
+          </a:p>
+        </p:txBody>
+      </p:sp>
+      <p:sp>
+        <p:nvSpPr>
+          <p:cNvPr id="125" name="Rectangle 124"/>
+          <p:cNvSpPr/>
+          <p:nvPr/>
+        </p:nvSpPr>
+        <p:spPr>
+          <a:xfrm rot="2700000">
+            <a:off x="10821711" y="6007265"/>
+            <a:ext cx="1676400" cy="76200"/>
+          </a:xfrm>
+          <a:prstGeom prst="rect">
+            <a:avLst/>
+          </a:prstGeom>
+          <a:solidFill>
+            <a:schemeClr val="tx1">
+              <a:lumMod val="75000"/>
+              <a:lumOff val="25000"/>
+            </a:schemeClr>
+          </a:solidFill>
+          <a:ln>
+            <a:noFill/>
+          </a:ln>
+        </p:spPr>
+        <p:style>
+          <a:lnRef idx="2">
+            <a:schemeClr val="accent1">
+              <a:shade val="50000"/>
+            </a:schemeClr>
+          </a:lnRef>
+          <a:fillRef idx="1">
+            <a:schemeClr val="accent1"/>
+          </a:fillRef>
+          <a:effectRef idx="0">
+            <a:schemeClr val="accent1"/>
+          </a:effectRef>
+          <a:fontRef idx="minor">
+            <a:schemeClr val="lt1"/>
+          </a:fontRef>
+        </p:style>
+        <p:txBody>
+          <a:bodyPr rtlCol="0" anchor="ctr"/>
+          <a:lstStyle/>
+          <a:p>
+            <a:pPr algn="ctr"/>
+            <a:endParaRPr lang="en-US"/>
+          </a:p>
+        </p:txBody>
+      </p:sp>
+      <p:sp>
+        <p:nvSpPr>
+          <p:cNvPr id="127" name="Rectangle 126"/>
+          <p:cNvSpPr/>
+          <p:nvPr/>
+        </p:nvSpPr>
+        <p:spPr>
+          <a:xfrm rot="5400000">
+            <a:off x="10063092" y="5473866"/>
+            <a:ext cx="977539" cy="1143001"/>
+          </a:xfrm>
+          <a:prstGeom prst="rect">
+            <a:avLst/>
+          </a:prstGeom>
+          <a:solidFill>
+            <a:srgbClr val="FF0000">
+              <a:alpha val="50000"/>
+            </a:srgbClr>
+          </a:solidFill>
+          <a:ln>
+            <a:noFill/>
+          </a:ln>
+        </p:spPr>
+        <p:style>
+          <a:lnRef idx="2">
+            <a:schemeClr val="accent1">
+              <a:shade val="50000"/>
+            </a:schemeClr>
+          </a:lnRef>
+          <a:fillRef idx="1">
+            <a:schemeClr val="accent1"/>
+          </a:fillRef>
+          <a:effectRef idx="0">
+            <a:schemeClr val="accent1"/>
+          </a:effectRef>
+          <a:fontRef idx="minor">
+            <a:schemeClr val="lt1"/>
+          </a:fontRef>
+        </p:style>
+        <p:txBody>
+          <a:bodyPr lIns="91440" tIns="45720" rIns="91440" bIns="45720" rtlCol="0" anchor="ctr"/>
+          <a:lstStyle/>
+          <a:p>
+            <a:pPr algn="ctr"/>
+            <a:endParaRPr lang="en-US"/>
+          </a:p>
+        </p:txBody>
+      </p:sp>
+      <p:sp>
+        <p:nvSpPr>
+          <p:cNvPr id="129" name="Right Triangle 128"/>
+          <p:cNvSpPr/>
+          <p:nvPr/>
+        </p:nvSpPr>
+        <p:spPr>
+          <a:xfrm rot="10800000">
+            <a:off x="8997049" y="5556597"/>
+            <a:ext cx="983312" cy="989086"/>
+          </a:xfrm>
+          <a:prstGeom prst="rtTriangle">
+            <a:avLst/>
+          </a:prstGeom>
+          <a:solidFill>
+            <a:srgbClr val="FF0000">
+              <a:alpha val="50000"/>
+            </a:srgbClr>
+          </a:solidFill>
+          <a:ln>
+            <a:noFill/>
+          </a:ln>
+        </p:spPr>
+        <p:style>
+          <a:lnRef idx="2">
+            <a:schemeClr val="accent1">
+              <a:shade val="50000"/>
+            </a:schemeClr>
+          </a:lnRef>
+          <a:fillRef idx="1">
+            <a:schemeClr val="accent1"/>
+          </a:fillRef>
+          <a:effectRef idx="0">
+            <a:schemeClr val="accent1"/>
+          </a:effectRef>
+          <a:fontRef idx="minor">
+            <a:schemeClr val="lt1"/>
+          </a:fontRef>
+        </p:style>
+        <p:txBody>
+          <a:bodyPr rtlCol="0" anchor="ctr"/>
+          <a:lstStyle/>
+          <a:p>
+            <a:pPr algn="ctr"/>
+            <a:endParaRPr lang="en-US"/>
+          </a:p>
+        </p:txBody>
+      </p:sp>
+      <p:sp>
+        <p:nvSpPr>
+          <p:cNvPr id="128" name="Rectangle 127"/>
+          <p:cNvSpPr/>
+          <p:nvPr/>
+        </p:nvSpPr>
+        <p:spPr>
+          <a:xfrm rot="2700000">
+            <a:off x="8647605" y="6007264"/>
+            <a:ext cx="1676400" cy="76200"/>
+          </a:xfrm>
+          <a:prstGeom prst="rect">
+            <a:avLst/>
+          </a:prstGeom>
+          <a:solidFill>
+            <a:schemeClr val="tx1">
+              <a:lumMod val="75000"/>
+              <a:lumOff val="25000"/>
+            </a:schemeClr>
+          </a:solidFill>
+          <a:ln>
+            <a:noFill/>
+          </a:ln>
+        </p:spPr>
+        <p:style>
+          <a:lnRef idx="2">
+            <a:schemeClr val="accent1">
+              <a:shade val="50000"/>
+            </a:schemeClr>
+          </a:lnRef>
+          <a:fillRef idx="1">
+            <a:schemeClr val="accent1"/>
+          </a:fillRef>
+          <a:effectRef idx="0">
+            <a:schemeClr val="accent1"/>
+          </a:effectRef>
+          <a:fontRef idx="minor">
+            <a:schemeClr val="lt1"/>
+          </a:fontRef>
+        </p:style>
+        <p:txBody>
+          <a:bodyPr rtlCol="0" anchor="ctr"/>
+          <a:lstStyle/>
+          <a:p>
+            <a:pPr algn="ctr"/>
+            <a:endParaRPr lang="en-US"/>
+          </a:p>
+        </p:txBody>
+      </p:sp>
+      <p:sp>
+        <p:nvSpPr>
+          <p:cNvPr id="130" name="Rectangle 129"/>
+          <p:cNvSpPr/>
+          <p:nvPr/>
+        </p:nvSpPr>
+        <p:spPr>
+          <a:xfrm>
+            <a:off x="9055367" y="4853695"/>
+            <a:ext cx="977539" cy="702902"/>
+          </a:xfrm>
+          <a:prstGeom prst="rect">
+            <a:avLst/>
+          </a:prstGeom>
+          <a:solidFill>
+            <a:srgbClr val="FF0000">
+              <a:alpha val="50000"/>
+            </a:srgbClr>
+          </a:solidFill>
+          <a:ln>
+            <a:noFill/>
+          </a:ln>
+        </p:spPr>
+        <p:style>
+          <a:lnRef idx="2">
+            <a:schemeClr val="accent1">
+              <a:shade val="50000"/>
+            </a:schemeClr>
+          </a:lnRef>
+          <a:fillRef idx="1">
+            <a:schemeClr val="accent1"/>
+          </a:fillRef>
+          <a:effectRef idx="0">
+            <a:schemeClr val="accent1"/>
+          </a:effectRef>
+          <a:fontRef idx="minor">
+            <a:schemeClr val="lt1"/>
+          </a:fontRef>
+        </p:style>
+        <p:txBody>
+          <a:bodyPr lIns="91440" tIns="45720" rIns="91440" bIns="45720" rtlCol="0" anchor="ctr"/>
+          <a:lstStyle/>
+          <a:p>
+            <a:pPr algn="ctr"/>
+            <a:endParaRPr lang="en-US"/>
+          </a:p>
+        </p:txBody>
+      </p:sp>
+      <p:grpSp>
+        <p:nvGrpSpPr>
+          <p:cNvPr id="138" name="Group 137"/>
+          <p:cNvGrpSpPr/>
+          <p:nvPr/>
+        </p:nvGrpSpPr>
+        <p:grpSpPr>
+          <a:xfrm>
+            <a:off x="10923644" y="6914636"/>
+            <a:ext cx="1442365" cy="835812"/>
+            <a:chOff x="10816586" y="4631011"/>
+            <a:chExt cx="1442365" cy="835812"/>
+          </a:xfrm>
+        </p:grpSpPr>
+        <p:sp>
+          <p:nvSpPr>
+            <p:cNvPr id="133" name="Rectangle 132"/>
+            <p:cNvSpPr/>
+            <p:nvPr/>
+          </p:nvSpPr>
+          <p:spPr>
+            <a:xfrm>
+              <a:off x="10933603" y="4739391"/>
+              <a:ext cx="1208330" cy="727432"/>
+            </a:xfrm>
+            <a:prstGeom prst="rect">
+              <a:avLst/>
+            </a:prstGeom>
+            <a:solidFill>
+              <a:schemeClr val="tx1">
+                <a:lumMod val="65000"/>
+                <a:lumOff val="35000"/>
+              </a:schemeClr>
+            </a:solidFill>
+            <a:ln>
+              <a:noFill/>
+            </a:ln>
+          </p:spPr>
+          <p:style>
+            <a:lnRef idx="2">
+              <a:schemeClr val="accent1">
+                <a:shade val="50000"/>
+              </a:schemeClr>
+            </a:lnRef>
+            <a:fillRef idx="1">
+              <a:schemeClr val="accent1"/>
+            </a:fillRef>
+            <a:effectRef idx="0">
+              <a:schemeClr val="accent1"/>
+            </a:effectRef>
+            <a:fontRef idx="minor">
+              <a:schemeClr val="lt1"/>
+            </a:fontRef>
+          </p:style>
+          <p:txBody>
+            <a:bodyPr rtlCol="0" anchor="ctr"/>
+            <a:lstStyle/>
+            <a:p>
+              <a:pPr algn="ctr"/>
+              <a:endParaRPr lang="en-US"/>
+            </a:p>
+          </p:txBody>
+        </p:sp>
+        <p:sp>
+          <p:nvSpPr>
+            <p:cNvPr id="134" name="Isosceles Triangle 133"/>
+            <p:cNvSpPr/>
+            <p:nvPr/>
+          </p:nvSpPr>
+          <p:spPr>
+            <a:xfrm rot="10800000">
+              <a:off x="10816586" y="4631011"/>
+              <a:ext cx="1442365" cy="774466"/>
+            </a:xfrm>
+            <a:prstGeom prst="triangle">
+              <a:avLst/>
+            </a:prstGeom>
+            <a:solidFill>
+              <a:schemeClr val="tx1">
+                <a:lumMod val="65000"/>
+                <a:lumOff val="35000"/>
+              </a:schemeClr>
+            </a:solidFill>
+            <a:ln>
+              <a:noFill/>
+            </a:ln>
+          </p:spPr>
+          <p:style>
+            <a:lnRef idx="2">
+              <a:schemeClr val="accent1">
+                <a:shade val="50000"/>
+              </a:schemeClr>
+            </a:lnRef>
+            <a:fillRef idx="1">
+              <a:schemeClr val="accent1"/>
+            </a:fillRef>
+            <a:effectRef idx="0">
+              <a:schemeClr val="accent1"/>
+            </a:effectRef>
+            <a:fontRef idx="minor">
+              <a:schemeClr val="lt1"/>
+            </a:fontRef>
+          </p:style>
+          <p:txBody>
+            <a:bodyPr rtlCol="0" anchor="ctr"/>
+            <a:lstStyle/>
+            <a:p>
+              <a:pPr algn="ctr"/>
+              <a:endParaRPr lang="en-US"/>
+            </a:p>
+          </p:txBody>
+        </p:sp>
+      </p:grpSp>
+      <p:sp>
+        <p:nvSpPr>
+          <p:cNvPr id="135" name="Rectangle 134"/>
+          <p:cNvSpPr/>
+          <p:nvPr/>
+        </p:nvSpPr>
+        <p:spPr>
+          <a:xfrm rot="10800000">
+            <a:off x="8916311" y="3876142"/>
+            <a:ext cx="1208330" cy="1417687"/>
+          </a:xfrm>
+          <a:prstGeom prst="rect">
+            <a:avLst/>
+          </a:prstGeom>
+          <a:solidFill>
+            <a:schemeClr val="tx1">
+              <a:lumMod val="65000"/>
+              <a:lumOff val="35000"/>
+            </a:schemeClr>
+          </a:solidFill>
+          <a:ln>
+            <a:noFill/>
+          </a:ln>
+        </p:spPr>
+        <p:style>
+          <a:lnRef idx="2">
+            <a:schemeClr val="accent1">
+              <a:shade val="50000"/>
+            </a:schemeClr>
+          </a:lnRef>
+          <a:fillRef idx="1">
+            <a:schemeClr val="accent1"/>
+          </a:fillRef>
+          <a:effectRef idx="0">
+            <a:schemeClr val="accent1"/>
+          </a:effectRef>
+          <a:fontRef idx="minor">
+            <a:schemeClr val="lt1"/>
+          </a:fontRef>
+        </p:style>
+        <p:txBody>
+          <a:bodyPr rtlCol="0" anchor="ctr"/>
+          <a:lstStyle/>
+          <a:p>
+            <a:pPr algn="ctr"/>
+            <a:endParaRPr lang="en-US"/>
+          </a:p>
+        </p:txBody>
+      </p:sp>
+      <p:sp>
+        <p:nvSpPr>
+          <p:cNvPr id="136" name="Isosceles Triangle 135"/>
+          <p:cNvSpPr/>
+          <p:nvPr/>
+        </p:nvSpPr>
+        <p:spPr>
+          <a:xfrm>
+            <a:off x="8799293" y="4627743"/>
+            <a:ext cx="1442365" cy="774466"/>
+          </a:xfrm>
+          <a:prstGeom prst="triangle">
+            <a:avLst/>
+          </a:prstGeom>
+          <a:solidFill>
+            <a:schemeClr val="tx1">
+              <a:lumMod val="65000"/>
+              <a:lumOff val="35000"/>
+            </a:schemeClr>
+          </a:solidFill>
+          <a:ln>
+            <a:noFill/>
+          </a:ln>
+        </p:spPr>
+        <p:style>
+          <a:lnRef idx="2">
+            <a:schemeClr val="accent1">
+              <a:shade val="50000"/>
+            </a:schemeClr>
+          </a:lnRef>
+          <a:fillRef idx="1">
+            <a:schemeClr val="accent1"/>
+          </a:fillRef>
+          <a:effectRef idx="0">
+            <a:schemeClr val="accent1"/>
+          </a:effectRef>
+          <a:fontRef idx="minor">
+            <a:schemeClr val="lt1"/>
+          </a:fontRef>
+        </p:style>
+        <p:txBody>
+          <a:bodyPr rtlCol="0" anchor="ctr"/>
+          <a:lstStyle/>
+          <a:p>
+            <a:pPr algn="ctr"/>
+            <a:endParaRPr lang="en-US"/>
+          </a:p>
+        </p:txBody>
+      </p:sp>
+      <p:sp>
+        <p:nvSpPr>
+          <p:cNvPr id="139" name="Rectangle 138"/>
+          <p:cNvSpPr/>
+          <p:nvPr/>
+        </p:nvSpPr>
+        <p:spPr>
+          <a:xfrm>
+            <a:off x="8058186" y="1691446"/>
+            <a:ext cx="2184696" cy="2184696"/>
+          </a:xfrm>
+          <a:prstGeom prst="rect">
+            <a:avLst/>
+          </a:prstGeom>
+          <a:solidFill>
+            <a:schemeClr val="bg1"/>
+          </a:solidFill>
+          <a:ln>
+            <a:solidFill>
+              <a:schemeClr val="tx1"/>
+            </a:solidFill>
+          </a:ln>
+        </p:spPr>
+        <p:style>
+          <a:lnRef idx="2">
+            <a:schemeClr val="accent1">
+              <a:shade val="50000"/>
+            </a:schemeClr>
+          </a:lnRef>
+          <a:fillRef idx="1">
+            <a:schemeClr val="accent1"/>
+          </a:fillRef>
+          <a:effectRef idx="0">
+            <a:schemeClr val="accent1"/>
+          </a:effectRef>
+          <a:fontRef idx="minor">
+            <a:schemeClr val="lt1"/>
+          </a:fontRef>
+        </p:style>
+        <p:txBody>
+          <a:bodyPr rtlCol="0" anchor="ctr"/>
+          <a:lstStyle/>
+          <a:p>
+            <a:pPr algn="ctr"/>
+            <a:endParaRPr lang="en-US"/>
+          </a:p>
+        </p:txBody>
+      </p:sp>
+      <p:sp>
+        <p:nvSpPr>
+          <p:cNvPr id="141" name="Rectangle 140"/>
+          <p:cNvSpPr/>
+          <p:nvPr/>
+        </p:nvSpPr>
+        <p:spPr>
+          <a:xfrm>
+            <a:off x="7588570" y="1775614"/>
+            <a:ext cx="467506" cy="1544114"/>
+          </a:xfrm>
+          <a:prstGeom prst="rect">
+            <a:avLst/>
+          </a:prstGeom>
+          <a:solidFill>
+            <a:schemeClr val="tx1">
+              <a:lumMod val="75000"/>
+              <a:lumOff val="25000"/>
+            </a:schemeClr>
+          </a:solidFill>
+          <a:ln>
+            <a:noFill/>
+          </a:ln>
+        </p:spPr>
+        <p:style>
+          <a:lnRef idx="2">
+            <a:schemeClr val="accent1">
+              <a:shade val="50000"/>
+            </a:schemeClr>
+          </a:lnRef>
+          <a:fillRef idx="1">
+            <a:schemeClr val="accent1"/>
+          </a:fillRef>
+          <a:effectRef idx="0">
+            <a:schemeClr val="accent1"/>
+          </a:effectRef>
+          <a:fontRef idx="minor">
+            <a:schemeClr val="lt1"/>
+          </a:fontRef>
+        </p:style>
+        <p:txBody>
+          <a:bodyPr rtlCol="0" anchor="ctr"/>
+          <a:lstStyle/>
+          <a:p>
+            <a:pPr algn="ctr"/>
+            <a:endParaRPr lang="en-US"/>
+          </a:p>
+        </p:txBody>
+      </p:sp>
+      <p:sp>
+        <p:nvSpPr>
+          <p:cNvPr id="142" name="Oval 141"/>
+          <p:cNvSpPr/>
+          <p:nvPr/>
+        </p:nvSpPr>
+        <p:spPr>
+          <a:xfrm>
+            <a:off x="5590659" y="1371600"/>
+            <a:ext cx="2352142" cy="2352142"/>
+          </a:xfrm>
+          <a:prstGeom prst="ellipse">
+            <a:avLst/>
+          </a:prstGeom>
+          <a:solidFill>
+            <a:schemeClr val="tx1">
+              <a:lumMod val="75000"/>
+              <a:lumOff val="25000"/>
+            </a:schemeClr>
+          </a:solidFill>
+          <a:ln>
+            <a:noFill/>
+          </a:ln>
+        </p:spPr>
+        <p:style>
+          <a:lnRef idx="2">
+            <a:schemeClr val="accent1">
+              <a:shade val="50000"/>
+            </a:schemeClr>
+          </a:lnRef>
+          <a:fillRef idx="1">
+            <a:schemeClr val="accent1"/>
+          </a:fillRef>
+          <a:effectRef idx="0">
+            <a:schemeClr val="accent1"/>
+          </a:effectRef>
+          <a:fontRef idx="minor">
+            <a:schemeClr val="lt1"/>
+          </a:fontRef>
+        </p:style>
+        <p:txBody>
+          <a:bodyPr rtlCol="0" anchor="ctr"/>
+          <a:lstStyle/>
+          <a:p>
+            <a:pPr algn="ctr"/>
+            <a:endParaRPr lang="en-US"/>
+          </a:p>
+        </p:txBody>
+      </p:sp>
+      <p:sp>
+        <p:nvSpPr>
+          <p:cNvPr id="144" name="Rectangle 143"/>
+          <p:cNvSpPr/>
+          <p:nvPr/>
+        </p:nvSpPr>
+        <p:spPr>
+          <a:xfrm>
+            <a:off x="8997049" y="8906646"/>
+            <a:ext cx="1398233" cy="97659"/>
+          </a:xfrm>
+          <a:prstGeom prst="rect">
+            <a:avLst/>
+          </a:prstGeom>
+          <a:solidFill>
+            <a:schemeClr val="bg1">
+              <a:lumMod val="65000"/>
+            </a:schemeClr>
+          </a:solidFill>
+          <a:ln>
+            <a:solidFill>
+              <a:schemeClr val="bg1">
+                <a:lumMod val="65000"/>
+              </a:schemeClr>
+            </a:solidFill>
+          </a:ln>
+        </p:spPr>
+        <p:style>
+          <a:lnRef idx="2">
+            <a:schemeClr val="accent1">
+              <a:shade val="50000"/>
+            </a:schemeClr>
+          </a:lnRef>
+          <a:fillRef idx="1">
+            <a:schemeClr val="accent1"/>
+          </a:fillRef>
+          <a:effectRef idx="0">
+            <a:schemeClr val="accent1"/>
+          </a:effectRef>
+          <a:fontRef idx="minor">
+            <a:schemeClr val="lt1"/>
+          </a:fontRef>
+        </p:style>
+        <p:txBody>
+          <a:bodyPr lIns="91440" tIns="45720" rIns="91440" bIns="45720" rtlCol="0" anchor="ctr"/>
+          <a:lstStyle/>
+          <a:p>
+            <a:pPr algn="ctr"/>
+            <a:endParaRPr lang="en-US"/>
+          </a:p>
+        </p:txBody>
+      </p:sp>
+      <p:sp>
+        <p:nvSpPr>
+          <p:cNvPr id="79" name="Rectangle 78"/>
+          <p:cNvSpPr/>
+          <p:nvPr/>
+        </p:nvSpPr>
+        <p:spPr>
+          <a:xfrm>
+            <a:off x="10771844" y="6791652"/>
+            <a:ext cx="1743072" cy="118872"/>
+          </a:xfrm>
+          <a:prstGeom prst="rect">
+            <a:avLst/>
+          </a:prstGeom>
+          <a:solidFill>
+            <a:srgbClr val="C0504D"/>
+          </a:solidFill>
+          <a:ln w="19050">
+            <a:solidFill>
+              <a:schemeClr val="tx1"/>
+            </a:solidFill>
+          </a:ln>
+        </p:spPr>
+        <p:style>
+          <a:lnRef idx="2">
+            <a:schemeClr val="accent1">
+              <a:shade val="50000"/>
+            </a:schemeClr>
+          </a:lnRef>
+          <a:fillRef idx="1">
+            <a:schemeClr val="accent1"/>
+          </a:fillRef>
+          <a:effectRef idx="0">
+            <a:schemeClr val="accent1"/>
+          </a:effectRef>
+          <a:fontRef idx="minor">
+            <a:schemeClr val="lt1"/>
+          </a:fontRef>
+        </p:style>
+        <p:txBody>
+          <a:bodyPr lIns="91440" tIns="45720" rIns="91440" bIns="45720" rtlCol="0" anchor="ctr"/>
+          <a:lstStyle/>
+          <a:p>
+            <a:pPr algn="ctr"/>
+            <a:endParaRPr lang="en-US"/>
+          </a:p>
+        </p:txBody>
+      </p:sp>
+      <p:sp>
+        <p:nvSpPr>
+          <p:cNvPr id="150" name="Rectangle 149"/>
+          <p:cNvSpPr/>
+          <p:nvPr/>
+        </p:nvSpPr>
+        <p:spPr>
+          <a:xfrm>
+            <a:off x="7092690" y="6534136"/>
+            <a:ext cx="102833" cy="1491735"/>
+          </a:xfrm>
+          <a:prstGeom prst="rect">
+            <a:avLst/>
+          </a:prstGeom>
+          <a:solidFill>
+            <a:schemeClr val="bg1">
+              <a:lumMod val="65000"/>
+            </a:schemeClr>
+          </a:solidFill>
+          <a:ln>
+            <a:solidFill>
+              <a:schemeClr val="bg1">
+                <a:lumMod val="65000"/>
+              </a:schemeClr>
+            </a:solidFill>
+          </a:ln>
+        </p:spPr>
+        <p:style>
+          <a:lnRef idx="2">
+            <a:schemeClr val="accent1">
+              <a:shade val="50000"/>
+            </a:schemeClr>
+          </a:lnRef>
+          <a:fillRef idx="1">
+            <a:schemeClr val="accent1"/>
+          </a:fillRef>
+          <a:effectRef idx="0">
+            <a:schemeClr val="accent1"/>
+          </a:effectRef>
+          <a:fontRef idx="minor">
+            <a:schemeClr val="lt1"/>
+          </a:fontRef>
+        </p:style>
+        <p:txBody>
+          <a:bodyPr lIns="91440" tIns="45720" rIns="91440" bIns="45720" rtlCol="0" anchor="ctr"/>
+          <a:lstStyle/>
+          <a:p>
+            <a:pPr algn="ctr"/>
+            <a:endParaRPr lang="en-US"/>
+          </a:p>
+        </p:txBody>
+      </p:sp>
+      <p:sp>
+        <p:nvSpPr>
+          <p:cNvPr id="151" name="Rectangle 150"/>
+          <p:cNvSpPr/>
+          <p:nvPr/>
+        </p:nvSpPr>
+        <p:spPr>
+          <a:xfrm>
+            <a:off x="2743200" y="7938700"/>
+            <a:ext cx="3124200" cy="102937"/>
+          </a:xfrm>
+          <a:prstGeom prst="rect">
+            <a:avLst/>
+          </a:prstGeom>
+          <a:solidFill>
+            <a:schemeClr val="bg1">
+              <a:lumMod val="65000"/>
+            </a:schemeClr>
+          </a:solidFill>
+          <a:ln>
+            <a:solidFill>
+              <a:schemeClr val="bg1">
+                <a:lumMod val="65000"/>
+              </a:schemeClr>
+            </a:solidFill>
+          </a:ln>
+        </p:spPr>
+        <p:style>
+          <a:lnRef idx="2">
+            <a:schemeClr val="accent1">
+              <a:shade val="50000"/>
+            </a:schemeClr>
+          </a:lnRef>
+          <a:fillRef idx="1">
+            <a:schemeClr val="accent1"/>
+          </a:fillRef>
+          <a:effectRef idx="0">
+            <a:schemeClr val="accent1"/>
+          </a:effectRef>
+          <a:fontRef idx="minor">
+            <a:schemeClr val="lt1"/>
+          </a:fontRef>
+        </p:style>
+        <p:txBody>
+          <a:bodyPr lIns="91440" tIns="45720" rIns="91440" bIns="45720" rtlCol="0" anchor="ctr"/>
+          <a:lstStyle/>
+          <a:p>
+            <a:pPr algn="ctr"/>
+            <a:endParaRPr lang="en-US"/>
+          </a:p>
+        </p:txBody>
+      </p:sp>
+      <p:sp>
+        <p:nvSpPr>
+          <p:cNvPr id="152" name="Rectangle 151"/>
+          <p:cNvSpPr/>
+          <p:nvPr/>
+        </p:nvSpPr>
+        <p:spPr>
+          <a:xfrm>
+            <a:off x="5776463" y="6534136"/>
+            <a:ext cx="102833" cy="1491735"/>
+          </a:xfrm>
+          <a:prstGeom prst="rect">
+            <a:avLst/>
+          </a:prstGeom>
+          <a:solidFill>
+            <a:schemeClr val="bg1">
+              <a:lumMod val="65000"/>
+            </a:schemeClr>
+          </a:solidFill>
+          <a:ln>
+            <a:solidFill>
+              <a:schemeClr val="bg1">
+                <a:lumMod val="65000"/>
+              </a:schemeClr>
+            </a:solidFill>
+          </a:ln>
+        </p:spPr>
+        <p:style>
+          <a:lnRef idx="2">
+            <a:schemeClr val="accent1">
+              <a:shade val="50000"/>
+            </a:schemeClr>
+          </a:lnRef>
+          <a:fillRef idx="1">
+            <a:schemeClr val="accent1"/>
+          </a:fillRef>
+          <a:effectRef idx="0">
+            <a:schemeClr val="accent1"/>
+          </a:effectRef>
+          <a:fontRef idx="minor">
+            <a:schemeClr val="lt1"/>
+          </a:fontRef>
+        </p:style>
+        <p:txBody>
+          <a:bodyPr lIns="91440" tIns="45720" rIns="91440" bIns="45720" rtlCol="0" anchor="ctr"/>
+          <a:lstStyle/>
+          <a:p>
+            <a:pPr algn="ctr"/>
+            <a:endParaRPr lang="en-US"/>
+          </a:p>
+        </p:txBody>
+      </p:sp>
+      <p:sp>
+        <p:nvSpPr>
+          <p:cNvPr id="153" name="Rectangle 152"/>
+          <p:cNvSpPr/>
+          <p:nvPr/>
+        </p:nvSpPr>
+        <p:spPr>
+          <a:xfrm>
+            <a:off x="5848154" y="6534136"/>
+            <a:ext cx="1347369" cy="97659"/>
+          </a:xfrm>
+          <a:prstGeom prst="rect">
+            <a:avLst/>
+          </a:prstGeom>
+          <a:solidFill>
+            <a:schemeClr val="bg1">
+              <a:lumMod val="65000"/>
+            </a:schemeClr>
+          </a:solidFill>
+          <a:ln>
+            <a:solidFill>
+              <a:schemeClr val="bg1">
+                <a:lumMod val="65000"/>
+              </a:schemeClr>
+            </a:solidFill>
+          </a:ln>
+        </p:spPr>
+        <p:style>
+          <a:lnRef idx="2">
+            <a:schemeClr val="accent1">
+              <a:shade val="50000"/>
+            </a:schemeClr>
+          </a:lnRef>
+          <a:fillRef idx="1">
+            <a:schemeClr val="accent1"/>
+          </a:fillRef>
+          <a:effectRef idx="0">
+            <a:schemeClr val="accent1"/>
+          </a:effectRef>
+          <a:fontRef idx="minor">
+            <a:schemeClr val="lt1"/>
+          </a:fontRef>
+        </p:style>
+        <p:txBody>
+          <a:bodyPr lIns="91440" tIns="45720" rIns="91440" bIns="45720" rtlCol="0" anchor="ctr"/>
+          <a:lstStyle/>
+          <a:p>
+            <a:pPr algn="ctr"/>
+            <a:endParaRPr lang="en-US"/>
+          </a:p>
+        </p:txBody>
+      </p:sp>
+      <p:sp>
+        <p:nvSpPr>
+          <p:cNvPr id="154" name="Rectangle 153"/>
+          <p:cNvSpPr/>
+          <p:nvPr/>
+        </p:nvSpPr>
+        <p:spPr>
+          <a:xfrm rot="10800000">
+            <a:off x="5768055" y="11048771"/>
+            <a:ext cx="102833" cy="1491735"/>
+          </a:xfrm>
+          <a:prstGeom prst="rect">
+            <a:avLst/>
+          </a:prstGeom>
+          <a:solidFill>
+            <a:schemeClr val="bg1">
+              <a:lumMod val="65000"/>
+            </a:schemeClr>
+          </a:solidFill>
+          <a:ln>
+            <a:solidFill>
+              <a:schemeClr val="bg1">
+                <a:lumMod val="65000"/>
+              </a:schemeClr>
+            </a:solidFill>
+          </a:ln>
+        </p:spPr>
+        <p:style>
+          <a:lnRef idx="2">
+            <a:schemeClr val="accent1">
+              <a:shade val="50000"/>
+            </a:schemeClr>
+          </a:lnRef>
+          <a:fillRef idx="1">
+            <a:schemeClr val="accent1"/>
+          </a:fillRef>
+          <a:effectRef idx="0">
+            <a:schemeClr val="accent1"/>
+          </a:effectRef>
+          <a:fontRef idx="minor">
+            <a:schemeClr val="lt1"/>
+          </a:fontRef>
+        </p:style>
+        <p:txBody>
+          <a:bodyPr lIns="91440" tIns="45720" rIns="91440" bIns="45720" rtlCol="0" anchor="ctr"/>
+          <a:lstStyle/>
+          <a:p>
+            <a:pPr algn="ctr"/>
+            <a:endParaRPr lang="en-US"/>
+          </a:p>
+        </p:txBody>
+      </p:sp>
+      <p:sp>
+        <p:nvSpPr>
+          <p:cNvPr id="155" name="Rectangle 154"/>
+          <p:cNvSpPr/>
+          <p:nvPr/>
+        </p:nvSpPr>
+        <p:spPr>
+          <a:xfrm rot="10800000">
+            <a:off x="2743200" y="11048770"/>
+            <a:ext cx="3127689" cy="97659"/>
+          </a:xfrm>
+          <a:prstGeom prst="rect">
+            <a:avLst/>
+          </a:prstGeom>
+          <a:solidFill>
+            <a:schemeClr val="bg1">
+              <a:lumMod val="65000"/>
+            </a:schemeClr>
+          </a:solidFill>
+          <a:ln>
+            <a:solidFill>
+              <a:schemeClr val="bg1">
+                <a:lumMod val="65000"/>
+              </a:schemeClr>
+            </a:solidFill>
+          </a:ln>
+        </p:spPr>
+        <p:style>
+          <a:lnRef idx="2">
+            <a:schemeClr val="accent1">
+              <a:shade val="50000"/>
+            </a:schemeClr>
+          </a:lnRef>
+          <a:fillRef idx="1">
+            <a:schemeClr val="accent1"/>
+          </a:fillRef>
+          <a:effectRef idx="0">
+            <a:schemeClr val="accent1"/>
+          </a:effectRef>
+          <a:fontRef idx="minor">
+            <a:schemeClr val="lt1"/>
+          </a:fontRef>
+        </p:style>
+        <p:txBody>
+          <a:bodyPr lIns="91440" tIns="45720" rIns="91440" bIns="45720" rtlCol="0" anchor="ctr"/>
+          <a:lstStyle/>
+          <a:p>
+            <a:pPr algn="ctr"/>
+            <a:endParaRPr lang="en-US"/>
+          </a:p>
+        </p:txBody>
+      </p:sp>
+      <p:sp>
+        <p:nvSpPr>
+          <p:cNvPr id="156" name="Rectangle 155"/>
+          <p:cNvSpPr/>
+          <p:nvPr/>
+        </p:nvSpPr>
+        <p:spPr>
+          <a:xfrm rot="10800000">
+            <a:off x="7084282" y="11048771"/>
+            <a:ext cx="102833" cy="1491735"/>
+          </a:xfrm>
+          <a:prstGeom prst="rect">
+            <a:avLst/>
+          </a:prstGeom>
+          <a:solidFill>
+            <a:schemeClr val="bg1">
+              <a:lumMod val="65000"/>
+            </a:schemeClr>
+          </a:solidFill>
+          <a:ln>
+            <a:solidFill>
+              <a:schemeClr val="bg1">
+                <a:lumMod val="65000"/>
+              </a:schemeClr>
+            </a:solidFill>
+          </a:ln>
+        </p:spPr>
+        <p:style>
+          <a:lnRef idx="2">
+            <a:schemeClr val="accent1">
+              <a:shade val="50000"/>
+            </a:schemeClr>
+          </a:lnRef>
+          <a:fillRef idx="1">
+            <a:schemeClr val="accent1"/>
+          </a:fillRef>
+          <a:effectRef idx="0">
+            <a:schemeClr val="accent1"/>
+          </a:effectRef>
+          <a:fontRef idx="minor">
+            <a:schemeClr val="lt1"/>
+          </a:fontRef>
+        </p:style>
+        <p:txBody>
+          <a:bodyPr lIns="91440" tIns="45720" rIns="91440" bIns="45720" rtlCol="0" anchor="ctr"/>
+          <a:lstStyle/>
+          <a:p>
+            <a:pPr algn="ctr"/>
+            <a:endParaRPr lang="en-US"/>
+          </a:p>
+        </p:txBody>
+      </p:sp>
+      <p:sp>
+        <p:nvSpPr>
+          <p:cNvPr id="157" name="Rectangle 156"/>
+          <p:cNvSpPr/>
+          <p:nvPr/>
+        </p:nvSpPr>
+        <p:spPr>
+          <a:xfrm rot="10800000">
+            <a:off x="5768055" y="12442847"/>
+            <a:ext cx="1347369" cy="97659"/>
+          </a:xfrm>
+          <a:prstGeom prst="rect">
+            <a:avLst/>
+          </a:prstGeom>
+          <a:solidFill>
+            <a:schemeClr val="bg1">
+              <a:lumMod val="65000"/>
+            </a:schemeClr>
+          </a:solidFill>
+          <a:ln>
+            <a:solidFill>
+              <a:schemeClr val="bg1">
+                <a:lumMod val="65000"/>
+              </a:schemeClr>
+            </a:solidFill>
+          </a:ln>
+        </p:spPr>
+        <p:style>
+          <a:lnRef idx="2">
+            <a:schemeClr val="accent1">
+              <a:shade val="50000"/>
+            </a:schemeClr>
+          </a:lnRef>
+          <a:fillRef idx="1">
+            <a:schemeClr val="accent1"/>
+          </a:fillRef>
+          <a:effectRef idx="0">
+            <a:schemeClr val="accent1"/>
+          </a:effectRef>
+          <a:fontRef idx="minor">
+            <a:schemeClr val="lt1"/>
+          </a:fontRef>
+        </p:style>
+        <p:txBody>
+          <a:bodyPr lIns="91440" tIns="45720" rIns="91440" bIns="45720" rtlCol="0" anchor="ctr"/>
+          <a:lstStyle/>
+          <a:p>
+            <a:pPr algn="ctr"/>
+            <a:endParaRPr lang="en-US"/>
+          </a:p>
+        </p:txBody>
+      </p:sp>
+      <p:sp>
+        <p:nvSpPr>
+          <p:cNvPr id="159" name="Rectangle 158"/>
+          <p:cNvSpPr/>
+          <p:nvPr/>
+        </p:nvSpPr>
+        <p:spPr>
+          <a:xfrm rot="2700000">
+            <a:off x="9627520" y="8054779"/>
+            <a:ext cx="1589451" cy="169885"/>
+          </a:xfrm>
+          <a:prstGeom prst="rect">
+            <a:avLst/>
+          </a:prstGeom>
+          <a:solidFill>
+            <a:schemeClr val="bg1"/>
+          </a:solidFill>
+          <a:ln>
+            <a:solidFill>
+              <a:schemeClr val="tx1">
+                <a:lumMod val="65000"/>
+                <a:lumOff val="35000"/>
+              </a:schemeClr>
+            </a:solidFill>
+          </a:ln>
+        </p:spPr>
+        <p:style>
+          <a:lnRef idx="2">
+            <a:schemeClr val="accent1">
+              <a:shade val="50000"/>
+            </a:schemeClr>
+          </a:lnRef>
+          <a:fillRef idx="1">
+            <a:schemeClr val="accent1"/>
+          </a:fillRef>
+          <a:effectRef idx="0">
+            <a:schemeClr val="accent1"/>
+          </a:effectRef>
+          <a:fontRef idx="minor">
+            <a:schemeClr val="lt1"/>
+          </a:fontRef>
+        </p:style>
+        <p:txBody>
+          <a:bodyPr rtlCol="0" anchor="ctr"/>
+          <a:lstStyle/>
+          <a:p>
+            <a:pPr algn="ctr"/>
+            <a:endParaRPr lang="en-US"/>
+          </a:p>
+        </p:txBody>
+      </p:sp>
+      <p:sp>
+        <p:nvSpPr>
+          <p:cNvPr id="160" name="Rectangle 159"/>
+          <p:cNvSpPr/>
+          <p:nvPr/>
+        </p:nvSpPr>
+        <p:spPr>
+          <a:xfrm rot="18900000">
+            <a:off x="9590835" y="7458986"/>
+            <a:ext cx="437341" cy="194531"/>
+          </a:xfrm>
+          <a:prstGeom prst="rect">
+            <a:avLst/>
+          </a:prstGeom>
+          <a:solidFill>
+            <a:schemeClr val="bg1"/>
+          </a:solidFill>
+          <a:ln>
+            <a:solidFill>
+              <a:schemeClr val="bg1"/>
+            </a:solidFill>
+          </a:ln>
+        </p:spPr>
+        <p:style>
+          <a:lnRef idx="2">
+            <a:schemeClr val="accent1">
+              <a:shade val="50000"/>
+            </a:schemeClr>
+          </a:lnRef>
+          <a:fillRef idx="1">
+            <a:schemeClr val="accent1"/>
+          </a:fillRef>
+          <a:effectRef idx="0">
+            <a:schemeClr val="accent1"/>
+          </a:effectRef>
+          <a:fontRef idx="minor">
+            <a:schemeClr val="lt1"/>
+          </a:fontRef>
+        </p:style>
+        <p:txBody>
+          <a:bodyPr rtlCol="0" anchor="ctr"/>
+          <a:lstStyle/>
+          <a:p>
+            <a:pPr algn="ctr"/>
+            <a:endParaRPr lang="en-US"/>
+          </a:p>
+        </p:txBody>
+      </p:sp>
+      <p:sp>
+        <p:nvSpPr>
+          <p:cNvPr id="161" name="Rectangle 160"/>
+          <p:cNvSpPr/>
+          <p:nvPr/>
+        </p:nvSpPr>
+        <p:spPr>
+          <a:xfrm rot="18900000">
+            <a:off x="10759329" y="8737076"/>
+            <a:ext cx="437341" cy="194531"/>
+          </a:xfrm>
+          <a:prstGeom prst="rect">
+            <a:avLst/>
+          </a:prstGeom>
+          <a:solidFill>
+            <a:schemeClr val="bg1"/>
+          </a:solidFill>
+          <a:ln>
+            <a:solidFill>
+              <a:schemeClr val="bg1"/>
+            </a:solidFill>
+          </a:ln>
+        </p:spPr>
+        <p:style>
+          <a:lnRef idx="2">
+            <a:schemeClr val="accent1">
+              <a:shade val="50000"/>
+            </a:schemeClr>
+          </a:lnRef>
+          <a:fillRef idx="1">
+            <a:schemeClr val="accent1"/>
+          </a:fillRef>
+          <a:effectRef idx="0">
+            <a:schemeClr val="accent1"/>
+          </a:effectRef>
+          <a:fontRef idx="minor">
+            <a:schemeClr val="lt1"/>
+          </a:fontRef>
+        </p:style>
+        <p:txBody>
+          <a:bodyPr rtlCol="0" anchor="ctr"/>
+          <a:lstStyle/>
+          <a:p>
+            <a:pPr algn="ctr"/>
+            <a:endParaRPr lang="en-US"/>
+          </a:p>
+        </p:txBody>
+      </p:sp>
+      <p:sp>
+        <p:nvSpPr>
+          <p:cNvPr id="162" name="TextBox 161"/>
+          <p:cNvSpPr txBox="1"/>
+          <p:nvPr/>
+        </p:nvSpPr>
+        <p:spPr>
+          <a:xfrm>
+            <a:off x="12243240" y="7107989"/>
+            <a:ext cx="2622000" cy="461665"/>
+          </a:xfrm>
+          <a:prstGeom prst="rect">
+            <a:avLst/>
+          </a:prstGeom>
+          <a:noFill/>
+        </p:spPr>
+        <p:txBody>
+          <a:bodyPr wrap="none" lIns="91440" tIns="45720" rIns="91440" bIns="45720" rtlCol="0">
+            <a:spAutoFit/>
+          </a:bodyPr>
+          <a:lstStyle/>
+          <a:p>
+            <a:r>
+              <a:rPr lang="en-US" sz="2400" dirty="0" smtClean="0"/>
+              <a:t>50 mm camera lens</a:t>
+            </a:r>
+            <a:endParaRPr lang="en-US" sz="2400" dirty="0"/>
+          </a:p>
+        </p:txBody>
+      </p:sp>
+      <p:sp>
+        <p:nvSpPr>
+          <p:cNvPr id="163" name="TextBox 162"/>
+          <p:cNvSpPr txBox="1"/>
+          <p:nvPr/>
+        </p:nvSpPr>
+        <p:spPr>
+          <a:xfrm>
+            <a:off x="10135868" y="4354153"/>
+            <a:ext cx="2777492" cy="461665"/>
+          </a:xfrm>
+          <a:prstGeom prst="rect">
+            <a:avLst/>
+          </a:prstGeom>
+          <a:noFill/>
+        </p:spPr>
+        <p:txBody>
+          <a:bodyPr wrap="none" lIns="91440" tIns="45720" rIns="91440" bIns="45720" rtlCol="0">
+            <a:spAutoFit/>
+          </a:bodyPr>
+          <a:lstStyle/>
+          <a:p>
+            <a:r>
+              <a:rPr lang="en-US" sz="2400" dirty="0" smtClean="0"/>
+              <a:t>200 mm camera lens</a:t>
+            </a:r>
+            <a:endParaRPr lang="en-US" sz="2400" dirty="0"/>
+          </a:p>
+        </p:txBody>
+      </p:sp>
+      <p:sp>
+        <p:nvSpPr>
+          <p:cNvPr id="164" name="TextBox 163"/>
+          <p:cNvSpPr txBox="1"/>
+          <p:nvPr/>
+        </p:nvSpPr>
+        <p:spPr>
+          <a:xfrm>
+            <a:off x="8259472" y="2516698"/>
+            <a:ext cx="1965282" cy="461665"/>
+          </a:xfrm>
+          <a:prstGeom prst="rect">
+            <a:avLst/>
+          </a:prstGeom>
+          <a:noFill/>
+        </p:spPr>
+        <p:txBody>
+          <a:bodyPr wrap="none" lIns="91440" tIns="45720" rIns="91440" bIns="45720" rtlCol="0">
+            <a:spAutoFit/>
+          </a:bodyPr>
+          <a:lstStyle/>
+          <a:p>
+            <a:r>
+              <a:rPr lang="en-US" sz="2400" dirty="0" smtClean="0"/>
+              <a:t>Spectrometer</a:t>
+            </a:r>
+            <a:endParaRPr lang="en-US" sz="2400" dirty="0"/>
+          </a:p>
+        </p:txBody>
+      </p:sp>
+      <p:sp>
+        <p:nvSpPr>
+          <p:cNvPr id="165" name="TextBox 164"/>
+          <p:cNvSpPr txBox="1"/>
+          <p:nvPr/>
+        </p:nvSpPr>
+        <p:spPr>
+          <a:xfrm>
+            <a:off x="5846894" y="2316838"/>
+            <a:ext cx="2004716" cy="461665"/>
+          </a:xfrm>
+          <a:prstGeom prst="rect">
+            <a:avLst/>
+          </a:prstGeom>
+          <a:noFill/>
+        </p:spPr>
+        <p:txBody>
+          <a:bodyPr wrap="none" lIns="91440" tIns="45720" rIns="91440" bIns="45720" rtlCol="0">
+            <a:spAutoFit/>
+          </a:bodyPr>
+          <a:lstStyle/>
+          <a:p>
+            <a:r>
+              <a:rPr lang="en-US" sz="2400" dirty="0" smtClean="0">
+                <a:solidFill>
+                  <a:schemeClr val="bg1"/>
+                </a:solidFill>
+              </a:rPr>
+              <a:t>LN cooled CCD</a:t>
+            </a:r>
+            <a:endParaRPr lang="en-US" sz="2400" dirty="0">
+              <a:solidFill>
+                <a:schemeClr val="bg1"/>
+              </a:solidFill>
+            </a:endParaRPr>
+          </a:p>
+        </p:txBody>
+      </p:sp>
+      <p:sp>
+        <p:nvSpPr>
+          <p:cNvPr id="166" name="TextBox 165"/>
+          <p:cNvSpPr txBox="1"/>
+          <p:nvPr/>
+        </p:nvSpPr>
+        <p:spPr>
+          <a:xfrm>
+            <a:off x="3307055" y="7155899"/>
+            <a:ext cx="1903663" cy="461665"/>
+          </a:xfrm>
+          <a:prstGeom prst="rect">
+            <a:avLst/>
+          </a:prstGeom>
+          <a:noFill/>
+        </p:spPr>
+        <p:txBody>
+          <a:bodyPr wrap="none" rtlCol="0">
+            <a:spAutoFit/>
+          </a:bodyPr>
+          <a:lstStyle/>
+          <a:p>
+            <a:r>
+              <a:rPr lang="en-US" sz="2400" dirty="0" smtClean="0"/>
+              <a:t>Faraday cup 3</a:t>
+            </a:r>
+            <a:endParaRPr lang="en-US" sz="2400" dirty="0"/>
+          </a:p>
+        </p:txBody>
+      </p:sp>
+      <p:cxnSp>
+        <p:nvCxnSpPr>
+          <p:cNvPr id="167" name="Straight Arrow Connector 166"/>
+          <p:cNvCxnSpPr/>
+          <p:nvPr/>
+        </p:nvCxnSpPr>
+        <p:spPr>
+          <a:xfrm>
+            <a:off x="5198032" y="7517702"/>
+            <a:ext cx="826462" cy="434089"/>
+          </a:xfrm>
+          <a:prstGeom prst="straightConnector1">
+            <a:avLst/>
+          </a:prstGeom>
+          <a:ln w="19050">
+            <a:solidFill>
+              <a:schemeClr val="tx1"/>
+            </a:solidFill>
+            <a:tailEnd type="arrow"/>
+          </a:ln>
+        </p:spPr>
+        <p:style>
+          <a:lnRef idx="1">
+            <a:schemeClr val="accent1"/>
+          </a:lnRef>
+          <a:fillRef idx="0">
+            <a:schemeClr val="accent1"/>
+          </a:fillRef>
+          <a:effectRef idx="0">
+            <a:schemeClr val="accent1"/>
+          </a:effectRef>
+          <a:fontRef idx="minor">
+            <a:schemeClr val="tx1"/>
+          </a:fontRef>
+        </p:style>
+      </p:cxnSp>
+      <p:sp>
+        <p:nvSpPr>
+          <p:cNvPr id="169" name="TextBox 168"/>
+          <p:cNvSpPr txBox="1"/>
+          <p:nvPr/>
+        </p:nvSpPr>
+        <p:spPr>
+          <a:xfrm>
+            <a:off x="12722920" y="11332973"/>
+            <a:ext cx="1654620" cy="461665"/>
+          </a:xfrm>
+          <a:prstGeom prst="rect">
+            <a:avLst/>
+          </a:prstGeom>
+          <a:noFill/>
+        </p:spPr>
+        <p:txBody>
+          <a:bodyPr wrap="none" lIns="91440" tIns="45720" rIns="91440" bIns="45720" rtlCol="0">
+            <a:spAutoFit/>
+          </a:bodyPr>
+          <a:lstStyle/>
+          <a:p>
+            <a:r>
+              <a:rPr lang="en-US" sz="2400" dirty="0" smtClean="0"/>
+              <a:t>Inner shield</a:t>
+            </a:r>
+            <a:endParaRPr lang="en-US" sz="2400" dirty="0"/>
+          </a:p>
+        </p:txBody>
+      </p:sp>
+      <p:cxnSp>
+        <p:nvCxnSpPr>
+          <p:cNvPr id="173" name="Straight Connector 172"/>
+          <p:cNvCxnSpPr/>
+          <p:nvPr/>
+        </p:nvCxnSpPr>
+        <p:spPr>
+          <a:xfrm>
+            <a:off x="6175262" y="10838696"/>
+            <a:ext cx="636625" cy="0"/>
+          </a:xfrm>
+          <a:prstGeom prst="line">
+            <a:avLst/>
+          </a:prstGeom>
+          <a:ln w="38100">
+            <a:solidFill>
+              <a:srgbClr val="C00000"/>
+            </a:solidFill>
+          </a:ln>
+        </p:spPr>
+        <p:style>
+          <a:lnRef idx="1">
+            <a:schemeClr val="accent1"/>
+          </a:lnRef>
+          <a:fillRef idx="0">
+            <a:schemeClr val="accent1"/>
+          </a:fillRef>
+          <a:effectRef idx="0">
+            <a:schemeClr val="accent1"/>
+          </a:effectRef>
+          <a:fontRef idx="minor">
+            <a:schemeClr val="tx1"/>
+          </a:fontRef>
+        </p:style>
+      </p:cxnSp>
+      <p:sp>
+        <p:nvSpPr>
+          <p:cNvPr id="175" name="Rectangle 174"/>
+          <p:cNvSpPr/>
+          <p:nvPr/>
+        </p:nvSpPr>
+        <p:spPr>
+          <a:xfrm>
+            <a:off x="6104986" y="10757388"/>
+            <a:ext cx="176980" cy="589580"/>
+          </a:xfrm>
+          <a:prstGeom prst="rect">
+            <a:avLst/>
+          </a:prstGeom>
+          <a:solidFill>
+            <a:schemeClr val="accent6">
+              <a:lumMod val="50000"/>
+            </a:schemeClr>
+          </a:solidFill>
+          <a:ln>
+            <a:noFill/>
+          </a:ln>
+        </p:spPr>
+        <p:style>
+          <a:lnRef idx="2">
+            <a:schemeClr val="accent1">
+              <a:shade val="50000"/>
+            </a:schemeClr>
+          </a:lnRef>
+          <a:fillRef idx="1">
+            <a:schemeClr val="accent1"/>
+          </a:fillRef>
+          <a:effectRef idx="0">
+            <a:schemeClr val="accent1"/>
+          </a:effectRef>
+          <a:fontRef idx="minor">
+            <a:schemeClr val="lt1"/>
+          </a:fontRef>
+        </p:style>
+        <p:txBody>
+          <a:bodyPr rtlCol="0" anchor="ctr"/>
+          <a:lstStyle/>
+          <a:p>
+            <a:pPr algn="ctr"/>
+            <a:endParaRPr lang="en-US"/>
+          </a:p>
+        </p:txBody>
+      </p:sp>
+      <p:sp>
+        <p:nvSpPr>
+          <p:cNvPr id="176" name="Rectangle 175"/>
+          <p:cNvSpPr/>
+          <p:nvPr/>
+        </p:nvSpPr>
+        <p:spPr>
+          <a:xfrm>
+            <a:off x="6684852" y="10757388"/>
+            <a:ext cx="176980" cy="589580"/>
+          </a:xfrm>
+          <a:prstGeom prst="rect">
+            <a:avLst/>
+          </a:prstGeom>
+          <a:solidFill>
+            <a:schemeClr val="accent6">
+              <a:lumMod val="50000"/>
+            </a:schemeClr>
+          </a:solidFill>
+          <a:ln>
+            <a:noFill/>
+          </a:ln>
+        </p:spPr>
+        <p:style>
+          <a:lnRef idx="2">
+            <a:schemeClr val="accent1">
+              <a:shade val="50000"/>
+            </a:schemeClr>
+          </a:lnRef>
+          <a:fillRef idx="1">
+            <a:schemeClr val="accent1"/>
+          </a:fillRef>
+          <a:effectRef idx="0">
+            <a:schemeClr val="accent1"/>
+          </a:effectRef>
+          <a:fontRef idx="minor">
+            <a:schemeClr val="lt1"/>
+          </a:fontRef>
+        </p:style>
+        <p:txBody>
+          <a:bodyPr rtlCol="0" anchor="ctr"/>
+          <a:lstStyle/>
+          <a:p>
+            <a:pPr algn="ctr"/>
+            <a:endParaRPr lang="en-US"/>
+          </a:p>
+        </p:txBody>
+      </p:sp>
+      <p:sp>
+        <p:nvSpPr>
+          <p:cNvPr id="196" name="TextBox 195"/>
+          <p:cNvSpPr txBox="1"/>
+          <p:nvPr/>
+        </p:nvSpPr>
+        <p:spPr>
+          <a:xfrm>
+            <a:off x="6832910" y="10482493"/>
+            <a:ext cx="1320490" cy="461665"/>
+          </a:xfrm>
+          <a:prstGeom prst="rect">
+            <a:avLst/>
+          </a:prstGeom>
+          <a:noFill/>
+        </p:spPr>
+        <p:txBody>
+          <a:bodyPr wrap="none" rtlCol="0">
+            <a:spAutoFit/>
+          </a:bodyPr>
+          <a:lstStyle/>
+          <a:p>
+            <a:r>
+              <a:rPr lang="en-US" sz="2400" dirty="0" smtClean="0"/>
+              <a:t>Ba getter</a:t>
+            </a:r>
+            <a:endParaRPr lang="en-US" sz="2400" dirty="0"/>
+          </a:p>
+        </p:txBody>
+      </p:sp>
+      <p:cxnSp>
+        <p:nvCxnSpPr>
+          <p:cNvPr id="198" name="Straight Arrow Connector 197"/>
+          <p:cNvCxnSpPr/>
+          <p:nvPr/>
+        </p:nvCxnSpPr>
+        <p:spPr>
+          <a:xfrm flipH="1" flipV="1">
+            <a:off x="12651318" y="10669870"/>
+            <a:ext cx="410027" cy="678889"/>
+          </a:xfrm>
+          <a:prstGeom prst="straightConnector1">
+            <a:avLst/>
+          </a:prstGeom>
+          <a:ln w="19050">
+            <a:solidFill>
+              <a:schemeClr val="tx1"/>
+            </a:solidFill>
+            <a:tailEnd type="arrow"/>
+          </a:ln>
+        </p:spPr>
+        <p:style>
+          <a:lnRef idx="1">
+            <a:schemeClr val="accent1"/>
+          </a:lnRef>
+          <a:fillRef idx="0">
+            <a:schemeClr val="accent1"/>
+          </a:fillRef>
+          <a:effectRef idx="0">
+            <a:schemeClr val="accent1"/>
+          </a:effectRef>
+          <a:fontRef idx="minor">
+            <a:schemeClr val="tx1"/>
+          </a:fontRef>
+        </p:style>
+      </p:cxnSp>
+      <p:cxnSp>
+        <p:nvCxnSpPr>
+          <p:cNvPr id="200" name="Straight Arrow Connector 199"/>
+          <p:cNvCxnSpPr/>
+          <p:nvPr/>
+        </p:nvCxnSpPr>
+        <p:spPr>
+          <a:xfrm>
+            <a:off x="9871354" y="7591153"/>
+            <a:ext cx="415659" cy="427032"/>
+          </a:xfrm>
+          <a:prstGeom prst="straightConnector1">
+            <a:avLst/>
+          </a:prstGeom>
+          <a:ln w="19050">
+            <a:solidFill>
+              <a:schemeClr val="accent1">
+                <a:lumMod val="75000"/>
+              </a:schemeClr>
+            </a:solidFill>
+            <a:tailEnd type="arrow"/>
+          </a:ln>
+        </p:spPr>
+        <p:style>
+          <a:lnRef idx="1">
+            <a:schemeClr val="accent1"/>
+          </a:lnRef>
+          <a:fillRef idx="0">
+            <a:schemeClr val="accent1"/>
+          </a:fillRef>
+          <a:effectRef idx="0">
+            <a:schemeClr val="accent1"/>
+          </a:effectRef>
+          <a:fontRef idx="minor">
+            <a:schemeClr val="tx1"/>
+          </a:fontRef>
+        </p:style>
+      </p:cxnSp>
+      <p:sp>
+        <p:nvSpPr>
+          <p:cNvPr id="202" name="TextBox 201"/>
+          <p:cNvSpPr txBox="1"/>
+          <p:nvPr/>
+        </p:nvSpPr>
+        <p:spPr>
+          <a:xfrm>
+            <a:off x="8916453" y="7155899"/>
+            <a:ext cx="968214" cy="461665"/>
+          </a:xfrm>
+          <a:prstGeom prst="rect">
+            <a:avLst/>
+          </a:prstGeom>
+          <a:noFill/>
+        </p:spPr>
+        <p:txBody>
+          <a:bodyPr wrap="none" lIns="91440" tIns="45720" rIns="91440" bIns="45720" rtlCol="0">
+            <a:spAutoFit/>
+          </a:bodyPr>
+          <a:lstStyle/>
+          <a:p>
+            <a:r>
+              <a:rPr lang="en-US" sz="2400" dirty="0" smtClean="0"/>
+              <a:t>Xe gas</a:t>
+            </a:r>
+            <a:endParaRPr lang="en-US" sz="2400" dirty="0"/>
+          </a:p>
+        </p:txBody>
+      </p:sp>
+      <p:sp>
+        <p:nvSpPr>
+          <p:cNvPr id="203" name="TextBox 202"/>
+          <p:cNvSpPr txBox="1"/>
+          <p:nvPr/>
+        </p:nvSpPr>
+        <p:spPr>
+          <a:xfrm>
+            <a:off x="14951222" y="8909171"/>
+            <a:ext cx="843501" cy="461665"/>
+          </a:xfrm>
+          <a:prstGeom prst="rect">
+            <a:avLst/>
+          </a:prstGeom>
+          <a:noFill/>
+        </p:spPr>
+        <p:txBody>
+          <a:bodyPr wrap="none" lIns="91440" tIns="45720" rIns="91440" bIns="45720" rtlCol="0">
+            <a:spAutoFit/>
+          </a:bodyPr>
+          <a:lstStyle/>
+          <a:p>
+            <a:r>
+              <a:rPr lang="en-US" sz="2400" dirty="0" smtClean="0"/>
+              <a:t>Laser</a:t>
+            </a:r>
+            <a:endParaRPr lang="en-US" sz="2400" dirty="0"/>
+          </a:p>
+        </p:txBody>
+      </p:sp>
+      <p:sp>
+        <p:nvSpPr>
+          <p:cNvPr id="205" name="TextBox 204"/>
+          <p:cNvSpPr txBox="1"/>
+          <p:nvPr/>
+        </p:nvSpPr>
+        <p:spPr>
+          <a:xfrm>
+            <a:off x="11501807" y="9665129"/>
+            <a:ext cx="1233415" cy="830997"/>
+          </a:xfrm>
+          <a:prstGeom prst="rect">
+            <a:avLst/>
+          </a:prstGeom>
+          <a:noFill/>
+        </p:spPr>
+        <p:txBody>
+          <a:bodyPr wrap="none" lIns="91440" tIns="45720" rIns="91440" bIns="45720" rtlCol="0">
+            <a:spAutoFit/>
+          </a:bodyPr>
+          <a:lstStyle/>
+          <a:p>
+            <a:r>
+              <a:rPr lang="en-US" sz="2400" dirty="0" smtClean="0"/>
+              <a:t>Window</a:t>
+            </a:r>
+          </a:p>
+          <a:p>
+            <a:r>
+              <a:rPr lang="en-US" sz="2400" dirty="0" smtClean="0"/>
+              <a:t>11 K</a:t>
+            </a:r>
+            <a:endParaRPr lang="en-US" sz="2400" dirty="0"/>
+          </a:p>
+        </p:txBody>
+      </p:sp>
+      <p:sp>
+        <p:nvSpPr>
+          <p:cNvPr id="121" name="Rectangle 120"/>
+          <p:cNvSpPr/>
+          <p:nvPr/>
+        </p:nvSpPr>
+        <p:spPr>
+          <a:xfrm>
+            <a:off x="6395723" y="11263769"/>
+            <a:ext cx="151707" cy="612530"/>
+          </a:xfrm>
+          <a:prstGeom prst="rect">
+            <a:avLst/>
+          </a:prstGeom>
+          <a:solidFill>
+            <a:schemeClr val="bg1">
+              <a:lumMod val="50000"/>
+            </a:schemeClr>
+          </a:solidFill>
+          <a:ln>
+            <a:solidFill>
+              <a:schemeClr val="tx1">
+                <a:lumMod val="50000"/>
+                <a:lumOff val="50000"/>
+              </a:schemeClr>
+            </a:solidFill>
+          </a:ln>
+        </p:spPr>
+        <p:style>
+          <a:lnRef idx="2">
+            <a:schemeClr val="accent1">
+              <a:shade val="50000"/>
+            </a:schemeClr>
+          </a:lnRef>
+          <a:fillRef idx="1">
+            <a:schemeClr val="accent1"/>
+          </a:fillRef>
+          <a:effectRef idx="0">
+            <a:schemeClr val="accent1"/>
+          </a:effectRef>
+          <a:fontRef idx="minor">
+            <a:schemeClr val="lt1"/>
+          </a:fontRef>
+        </p:style>
+        <p:txBody>
+          <a:bodyPr rtlCol="0" anchor="ctr"/>
+          <a:lstStyle/>
+          <a:p>
+            <a:pPr algn="ctr"/>
+            <a:endParaRPr lang="en-US"/>
+          </a:p>
+        </p:txBody>
+      </p:sp>
+      <p:sp>
+        <p:nvSpPr>
+          <p:cNvPr id="123" name="Double Wave 122"/>
+          <p:cNvSpPr/>
+          <p:nvPr/>
+        </p:nvSpPr>
+        <p:spPr>
+          <a:xfrm rot="5400000">
+            <a:off x="6357813" y="11756355"/>
+            <a:ext cx="217311" cy="304800"/>
+          </a:xfrm>
+          <a:prstGeom prst="doubleWave">
+            <a:avLst/>
+          </a:prstGeom>
+          <a:solidFill>
+            <a:schemeClr val="bg1">
+              <a:lumMod val="65000"/>
+            </a:schemeClr>
+          </a:solidFill>
+          <a:ln>
+            <a:noFill/>
+          </a:ln>
+        </p:spPr>
+        <p:style>
+          <a:lnRef idx="2">
+            <a:schemeClr val="accent1">
+              <a:shade val="50000"/>
+            </a:schemeClr>
+          </a:lnRef>
+          <a:fillRef idx="1">
+            <a:schemeClr val="accent1"/>
+          </a:fillRef>
+          <a:effectRef idx="0">
+            <a:schemeClr val="accent1"/>
+          </a:effectRef>
+          <a:fontRef idx="minor">
+            <a:schemeClr val="lt1"/>
+          </a:fontRef>
+        </p:style>
+        <p:txBody>
+          <a:bodyPr rtlCol="0" anchor="ctr"/>
+          <a:lstStyle/>
+          <a:p>
+            <a:pPr algn="ctr"/>
+            <a:endParaRPr lang="en-US"/>
+          </a:p>
+        </p:txBody>
+      </p:sp>
+      <p:sp>
+        <p:nvSpPr>
+          <p:cNvPr id="124" name="Double Wave 123"/>
+          <p:cNvSpPr/>
+          <p:nvPr/>
+        </p:nvSpPr>
+        <p:spPr>
+          <a:xfrm rot="5400000">
+            <a:off x="6356514" y="11969958"/>
+            <a:ext cx="217311" cy="304800"/>
+          </a:xfrm>
+          <a:prstGeom prst="doubleWave">
+            <a:avLst/>
+          </a:prstGeom>
+          <a:solidFill>
+            <a:schemeClr val="bg1">
+              <a:lumMod val="65000"/>
+            </a:schemeClr>
+          </a:solidFill>
+          <a:ln>
+            <a:noFill/>
+          </a:ln>
+        </p:spPr>
+        <p:style>
+          <a:lnRef idx="2">
+            <a:schemeClr val="accent1">
+              <a:shade val="50000"/>
+            </a:schemeClr>
+          </a:lnRef>
+          <a:fillRef idx="1">
+            <a:schemeClr val="accent1"/>
+          </a:fillRef>
+          <a:effectRef idx="0">
+            <a:schemeClr val="accent1"/>
+          </a:effectRef>
+          <a:fontRef idx="minor">
+            <a:schemeClr val="lt1"/>
+          </a:fontRef>
+        </p:style>
+        <p:txBody>
+          <a:bodyPr rtlCol="0" anchor="ctr"/>
+          <a:lstStyle/>
+          <a:p>
+            <a:pPr algn="ctr"/>
+            <a:endParaRPr lang="en-US"/>
+          </a:p>
+        </p:txBody>
+      </p:sp>
+      <p:sp>
+        <p:nvSpPr>
+          <p:cNvPr id="131" name="Rectangle 130"/>
+          <p:cNvSpPr/>
+          <p:nvPr/>
+        </p:nvSpPr>
+        <p:spPr>
+          <a:xfrm>
+            <a:off x="6280731" y="12231014"/>
+            <a:ext cx="367665" cy="71179"/>
+          </a:xfrm>
+          <a:prstGeom prst="rect">
+            <a:avLst/>
+          </a:prstGeom>
+          <a:solidFill>
+            <a:schemeClr val="bg1">
+              <a:lumMod val="65000"/>
+            </a:schemeClr>
+          </a:solidFill>
+          <a:ln>
+            <a:solidFill>
+              <a:schemeClr val="tx1">
+                <a:lumMod val="50000"/>
+                <a:lumOff val="50000"/>
+              </a:schemeClr>
+            </a:solidFill>
+          </a:ln>
+        </p:spPr>
+        <p:style>
+          <a:lnRef idx="2">
+            <a:schemeClr val="accent1">
+              <a:shade val="50000"/>
+            </a:schemeClr>
+          </a:lnRef>
+          <a:fillRef idx="1">
+            <a:schemeClr val="accent1"/>
+          </a:fillRef>
+          <a:effectRef idx="0">
+            <a:schemeClr val="accent1"/>
+          </a:effectRef>
+          <a:fontRef idx="minor">
+            <a:schemeClr val="lt1"/>
+          </a:fontRef>
+        </p:style>
+        <p:txBody>
+          <a:bodyPr rtlCol="0" anchor="ctr"/>
+          <a:lstStyle/>
+          <a:p>
+            <a:pPr algn="ctr"/>
+            <a:endParaRPr lang="en-US"/>
+          </a:p>
+        </p:txBody>
+      </p:sp>
+      <p:sp>
+        <p:nvSpPr>
+          <p:cNvPr id="132" name="Rectangle 131"/>
+          <p:cNvSpPr/>
+          <p:nvPr/>
+        </p:nvSpPr>
+        <p:spPr>
+          <a:xfrm>
+            <a:off x="6381350" y="12302194"/>
+            <a:ext cx="151707" cy="1261406"/>
+          </a:xfrm>
+          <a:prstGeom prst="rect">
+            <a:avLst/>
+          </a:prstGeom>
+          <a:solidFill>
+            <a:schemeClr val="bg1">
+              <a:lumMod val="50000"/>
+            </a:schemeClr>
+          </a:solidFill>
+          <a:ln>
+            <a:solidFill>
+              <a:schemeClr val="tx1">
+                <a:lumMod val="50000"/>
+                <a:lumOff val="50000"/>
+              </a:schemeClr>
+            </a:solidFill>
+          </a:ln>
+        </p:spPr>
+        <p:style>
+          <a:lnRef idx="2">
+            <a:schemeClr val="accent1">
+              <a:shade val="50000"/>
+            </a:schemeClr>
+          </a:lnRef>
+          <a:fillRef idx="1">
+            <a:schemeClr val="accent1"/>
+          </a:fillRef>
+          <a:effectRef idx="0">
+            <a:schemeClr val="accent1"/>
+          </a:effectRef>
+          <a:fontRef idx="minor">
+            <a:schemeClr val="lt1"/>
+          </a:fontRef>
+        </p:style>
+        <p:txBody>
+          <a:bodyPr rtlCol="0" anchor="ctr"/>
+          <a:lstStyle/>
+          <a:p>
+            <a:pPr algn="ctr"/>
+            <a:endParaRPr lang="en-US"/>
+          </a:p>
+        </p:txBody>
+      </p:sp>
+      <p:sp>
+        <p:nvSpPr>
+          <p:cNvPr id="137" name="Rectangle 136"/>
+          <p:cNvSpPr/>
+          <p:nvPr/>
+        </p:nvSpPr>
+        <p:spPr>
+          <a:xfrm>
+            <a:off x="6324734" y="13146730"/>
+            <a:ext cx="264938" cy="387725"/>
+          </a:xfrm>
+          <a:prstGeom prst="rect">
+            <a:avLst/>
+          </a:prstGeom>
+          <a:solidFill>
+            <a:schemeClr val="tx1">
+              <a:lumMod val="75000"/>
+              <a:lumOff val="25000"/>
+            </a:schemeClr>
+          </a:solidFill>
+          <a:ln>
+            <a:noFill/>
+          </a:ln>
+        </p:spPr>
+        <p:style>
+          <a:lnRef idx="2">
+            <a:schemeClr val="accent1">
+              <a:shade val="50000"/>
+            </a:schemeClr>
+          </a:lnRef>
+          <a:fillRef idx="1">
+            <a:schemeClr val="accent1"/>
+          </a:fillRef>
+          <a:effectRef idx="0">
+            <a:schemeClr val="accent1"/>
+          </a:effectRef>
+          <a:fontRef idx="minor">
+            <a:schemeClr val="lt1"/>
+          </a:fontRef>
+        </p:style>
+        <p:txBody>
+          <a:bodyPr rtlCol="0" anchor="ctr"/>
+          <a:lstStyle/>
+          <a:p>
+            <a:pPr algn="ctr"/>
+            <a:endParaRPr lang="en-US"/>
+          </a:p>
+        </p:txBody>
+      </p:sp>
+      <p:sp>
+        <p:nvSpPr>
+          <p:cNvPr id="140" name="Double Wave 139"/>
+          <p:cNvSpPr/>
+          <p:nvPr/>
+        </p:nvSpPr>
+        <p:spPr>
+          <a:xfrm rot="5400000">
+            <a:off x="6362573" y="11539046"/>
+            <a:ext cx="217311" cy="304800"/>
+          </a:xfrm>
+          <a:prstGeom prst="doubleWave">
+            <a:avLst/>
+          </a:prstGeom>
+          <a:solidFill>
+            <a:schemeClr val="bg1">
+              <a:lumMod val="65000"/>
+            </a:schemeClr>
+          </a:solidFill>
+          <a:ln>
+            <a:noFill/>
+          </a:ln>
+        </p:spPr>
+        <p:style>
+          <a:lnRef idx="2">
+            <a:schemeClr val="accent1">
+              <a:shade val="50000"/>
+            </a:schemeClr>
+          </a:lnRef>
+          <a:fillRef idx="1">
+            <a:schemeClr val="accent1"/>
+          </a:fillRef>
+          <a:effectRef idx="0">
+            <a:schemeClr val="accent1"/>
+          </a:effectRef>
+          <a:fontRef idx="minor">
+            <a:schemeClr val="lt1"/>
+          </a:fontRef>
+        </p:style>
+        <p:txBody>
+          <a:bodyPr rtlCol="0" anchor="ctr"/>
+          <a:lstStyle/>
+          <a:p>
+            <a:pPr algn="ctr"/>
+            <a:endParaRPr lang="en-US"/>
+          </a:p>
+        </p:txBody>
+      </p:sp>
+      <p:sp>
+        <p:nvSpPr>
+          <p:cNvPr id="143" name="Rectangle 142"/>
+          <p:cNvSpPr/>
+          <p:nvPr/>
+        </p:nvSpPr>
+        <p:spPr>
+          <a:xfrm>
+            <a:off x="6287397" y="11545214"/>
+            <a:ext cx="367665" cy="71179"/>
+          </a:xfrm>
+          <a:prstGeom prst="rect">
+            <a:avLst/>
+          </a:prstGeom>
+          <a:solidFill>
+            <a:schemeClr val="bg1">
+              <a:lumMod val="65000"/>
+            </a:schemeClr>
+          </a:solidFill>
+          <a:ln>
+            <a:solidFill>
+              <a:schemeClr val="tx1">
+                <a:lumMod val="50000"/>
+                <a:lumOff val="50000"/>
+              </a:schemeClr>
+            </a:solidFill>
+          </a:ln>
+        </p:spPr>
+        <p:style>
+          <a:lnRef idx="2">
+            <a:schemeClr val="accent1">
+              <a:shade val="50000"/>
+            </a:schemeClr>
+          </a:lnRef>
+          <a:fillRef idx="1">
+            <a:schemeClr val="accent1"/>
+          </a:fillRef>
+          <a:effectRef idx="0">
+            <a:schemeClr val="accent1"/>
+          </a:effectRef>
+          <a:fontRef idx="minor">
+            <a:schemeClr val="lt1"/>
+          </a:fontRef>
+        </p:style>
+        <p:txBody>
+          <a:bodyPr rtlCol="0" anchor="ctr"/>
+          <a:lstStyle/>
+          <a:p>
+            <a:pPr algn="ctr"/>
+            <a:endParaRPr lang="en-US"/>
+          </a:p>
+        </p:txBody>
+      </p:sp>
+      <p:cxnSp>
+        <p:nvCxnSpPr>
+          <p:cNvPr id="158" name="Straight Arrow Connector 157"/>
+          <p:cNvCxnSpPr/>
+          <p:nvPr/>
+        </p:nvCxnSpPr>
+        <p:spPr>
+          <a:xfrm flipH="1" flipV="1">
+            <a:off x="6471228" y="11670726"/>
+            <a:ext cx="1" cy="510618"/>
+          </a:xfrm>
+          <a:prstGeom prst="straightConnector1">
+            <a:avLst/>
+          </a:prstGeom>
+          <a:ln w="38100">
+            <a:solidFill>
+              <a:schemeClr val="tx1"/>
+            </a:solidFill>
+            <a:headEnd type="triangle" w="med" len="med"/>
+            <a:tailEnd type="triangle" w="med" len="med"/>
+          </a:ln>
+        </p:spPr>
+        <p:style>
+          <a:lnRef idx="1">
+            <a:schemeClr val="accent1"/>
+          </a:lnRef>
+          <a:fillRef idx="0">
+            <a:schemeClr val="accent1"/>
+          </a:fillRef>
+          <a:effectRef idx="0">
+            <a:schemeClr val="accent1"/>
+          </a:effectRef>
+          <a:fontRef idx="minor">
+            <a:schemeClr val="tx1"/>
+          </a:fontRef>
+        </p:style>
+      </p:cxnSp>
+      <p:sp>
+        <p:nvSpPr>
+          <p:cNvPr id="179" name="Rectangle 178"/>
+          <p:cNvSpPr/>
+          <p:nvPr/>
+        </p:nvSpPr>
+        <p:spPr>
+          <a:xfrm>
+            <a:off x="6069651" y="11180572"/>
+            <a:ext cx="824758" cy="249428"/>
+          </a:xfrm>
+          <a:prstGeom prst="rect">
+            <a:avLst/>
+          </a:prstGeom>
+          <a:solidFill>
+            <a:schemeClr val="tx1">
+              <a:lumMod val="65000"/>
+              <a:lumOff val="35000"/>
+            </a:schemeClr>
+          </a:solidFill>
+          <a:ln>
+            <a:noFill/>
+          </a:ln>
+        </p:spPr>
+        <p:style>
+          <a:lnRef idx="2">
+            <a:schemeClr val="accent1">
+              <a:shade val="50000"/>
+            </a:schemeClr>
+          </a:lnRef>
+          <a:fillRef idx="1">
+            <a:schemeClr val="accent1"/>
+          </a:fillRef>
+          <a:effectRef idx="0">
+            <a:schemeClr val="accent1"/>
+          </a:effectRef>
+          <a:fontRef idx="minor">
+            <a:schemeClr val="lt1"/>
+          </a:fontRef>
+        </p:style>
+        <p:txBody>
+          <a:bodyPr rtlCol="0" anchor="ctr"/>
+          <a:lstStyle/>
+          <a:p>
+            <a:pPr algn="ctr"/>
+            <a:endParaRPr lang="en-US"/>
+          </a:p>
+        </p:txBody>
+      </p:sp>
+    </p:spTree>
+    <p:extLst>
+      <p:ext uri="{BB962C8B-B14F-4D97-AF65-F5344CB8AC3E}">
+        <p14:creationId xmlns:p14="http://schemas.microsoft.com/office/powerpoint/2010/main" val="270596761"/>
       </p:ext>
     </p:extLst>
   </p:cSld>

--- a/figures/window_etc.pptx
+++ b/figures/window_etc.pptx
@@ -5,13 +5,14 @@
     <p:sldMasterId id="2147483648" r:id="rId1"/>
   </p:sldMasterIdLst>
   <p:notesMasterIdLst>
-    <p:notesMasterId r:id="rId6"/>
+    <p:notesMasterId r:id="rId7"/>
   </p:notesMasterIdLst>
   <p:sldIdLst>
     <p:sldId id="257" r:id="rId2"/>
     <p:sldId id="258" r:id="rId3"/>
     <p:sldId id="260" r:id="rId4"/>
     <p:sldId id="261" r:id="rId5"/>
+    <p:sldId id="262" r:id="rId6"/>
   </p:sldIdLst>
   <p:sldSz cx="18288000" cy="13716000"/>
   <p:notesSz cx="6858000" cy="9144000"/>
@@ -195,7 +196,7 @@
           <a:p>
             <a:fld id="{FED0C8A9-03CA-4326-8249-E74BA2E9C657}" type="datetimeFigureOut">
               <a:rPr lang="en-US" smtClean="0"/>
-              <a:t>9/1/2015</a:t>
+              <a:t>11/23/2015</a:t>
             </a:fld>
             <a:endParaRPr lang="en-US"/>
           </a:p>
@@ -728,7 +729,7 @@
           <a:p>
             <a:fld id="{6DD5E1B7-E334-4178-BD21-05C83850FCAF}" type="datetimeFigureOut">
               <a:rPr lang="en-US" smtClean="0"/>
-              <a:t>9/1/2015</a:t>
+              <a:t>11/23/2015</a:t>
             </a:fld>
             <a:endParaRPr lang="en-US"/>
           </a:p>
@@ -898,7 +899,7 @@
           <a:p>
             <a:fld id="{6DD5E1B7-E334-4178-BD21-05C83850FCAF}" type="datetimeFigureOut">
               <a:rPr lang="en-US" smtClean="0"/>
-              <a:t>9/1/2015</a:t>
+              <a:t>11/23/2015</a:t>
             </a:fld>
             <a:endParaRPr lang="en-US"/>
           </a:p>
@@ -1078,7 +1079,7 @@
           <a:p>
             <a:fld id="{6DD5E1B7-E334-4178-BD21-05C83850FCAF}" type="datetimeFigureOut">
               <a:rPr lang="en-US" smtClean="0"/>
-              <a:t>9/1/2015</a:t>
+              <a:t>11/23/2015</a:t>
             </a:fld>
             <a:endParaRPr lang="en-US"/>
           </a:p>
@@ -1248,7 +1249,7 @@
           <a:p>
             <a:fld id="{6DD5E1B7-E334-4178-BD21-05C83850FCAF}" type="datetimeFigureOut">
               <a:rPr lang="en-US" smtClean="0"/>
-              <a:t>9/1/2015</a:t>
+              <a:t>11/23/2015</a:t>
             </a:fld>
             <a:endParaRPr lang="en-US"/>
           </a:p>
@@ -1494,7 +1495,7 @@
           <a:p>
             <a:fld id="{6DD5E1B7-E334-4178-BD21-05C83850FCAF}" type="datetimeFigureOut">
               <a:rPr lang="en-US" smtClean="0"/>
-              <a:t>9/1/2015</a:t>
+              <a:t>11/23/2015</a:t>
             </a:fld>
             <a:endParaRPr lang="en-US"/>
           </a:p>
@@ -1782,7 +1783,7 @@
           <a:p>
             <a:fld id="{6DD5E1B7-E334-4178-BD21-05C83850FCAF}" type="datetimeFigureOut">
               <a:rPr lang="en-US" smtClean="0"/>
-              <a:t>9/1/2015</a:t>
+              <a:t>11/23/2015</a:t>
             </a:fld>
             <a:endParaRPr lang="en-US"/>
           </a:p>
@@ -2204,7 +2205,7 @@
           <a:p>
             <a:fld id="{6DD5E1B7-E334-4178-BD21-05C83850FCAF}" type="datetimeFigureOut">
               <a:rPr lang="en-US" smtClean="0"/>
-              <a:t>9/1/2015</a:t>
+              <a:t>11/23/2015</a:t>
             </a:fld>
             <a:endParaRPr lang="en-US"/>
           </a:p>
@@ -2322,7 +2323,7 @@
           <a:p>
             <a:fld id="{6DD5E1B7-E334-4178-BD21-05C83850FCAF}" type="datetimeFigureOut">
               <a:rPr lang="en-US" smtClean="0"/>
-              <a:t>9/1/2015</a:t>
+              <a:t>11/23/2015</a:t>
             </a:fld>
             <a:endParaRPr lang="en-US"/>
           </a:p>
@@ -2417,7 +2418,7 @@
           <a:p>
             <a:fld id="{6DD5E1B7-E334-4178-BD21-05C83850FCAF}" type="datetimeFigureOut">
               <a:rPr lang="en-US" smtClean="0"/>
-              <a:t>9/1/2015</a:t>
+              <a:t>11/23/2015</a:t>
             </a:fld>
             <a:endParaRPr lang="en-US"/>
           </a:p>
@@ -2694,7 +2695,7 @@
           <a:p>
             <a:fld id="{6DD5E1B7-E334-4178-BD21-05C83850FCAF}" type="datetimeFigureOut">
               <a:rPr lang="en-US" smtClean="0"/>
-              <a:t>9/1/2015</a:t>
+              <a:t>11/23/2015</a:t>
             </a:fld>
             <a:endParaRPr lang="en-US"/>
           </a:p>
@@ -2947,7 +2948,7 @@
           <a:p>
             <a:fld id="{6DD5E1B7-E334-4178-BD21-05C83850FCAF}" type="datetimeFigureOut">
               <a:rPr lang="en-US" smtClean="0"/>
-              <a:t>9/1/2015</a:t>
+              <a:t>11/23/2015</a:t>
             </a:fld>
             <a:endParaRPr lang="en-US"/>
           </a:p>
@@ -3160,7 +3161,7 @@
           <a:p>
             <a:fld id="{6DD5E1B7-E334-4178-BD21-05C83850FCAF}" type="datetimeFigureOut">
               <a:rPr lang="en-US" smtClean="0"/>
-              <a:t>9/1/2015</a:t>
+              <a:t>11/23/2015</a:t>
             </a:fld>
             <a:endParaRPr lang="en-US"/>
           </a:p>
@@ -25729,6 +25730,6147 @@
     <p:extLst>
       <p:ext uri="{BB962C8B-B14F-4D97-AF65-F5344CB8AC3E}">
         <p14:creationId xmlns:p14="http://schemas.microsoft.com/office/powerpoint/2010/main" val="270596761"/>
+      </p:ext>
+    </p:extLst>
+  </p:cSld>
+  <p:clrMapOvr>
+    <a:masterClrMapping/>
+  </p:clrMapOvr>
+  <p:timing>
+    <p:tnLst>
+      <p:par>
+        <p:cTn id="1" dur="indefinite" restart="never" nodeType="tmRoot">
+          <p:childTnLst>
+            <p:seq concurrent="1" nextAc="seek">
+              <p:cTn id="2" dur="indefinite" nodeType="mainSeq">
+                <p:childTnLst>
+                  <p:par>
+                    <p:cTn id="3" fill="hold">
+                      <p:stCondLst>
+                        <p:cond delay="indefinite"/>
+                        <p:cond evt="onBegin" delay="0">
+                          <p:tn val="2"/>
+                        </p:cond>
+                      </p:stCondLst>
+                      <p:childTnLst>
+                        <p:par>
+                          <p:cTn id="4" fill="hold">
+                            <p:stCondLst>
+                              <p:cond delay="0"/>
+                            </p:stCondLst>
+                            <p:childTnLst>
+                              <p:par>
+                                <p:cTn id="5" presetID="1" presetClass="entr" presetSubtype="0" fill="hold" grpId="0" nodeType="withEffect">
+                                  <p:stCondLst>
+                                    <p:cond delay="0"/>
+                                  </p:stCondLst>
+                                  <p:childTnLst>
+                                    <p:set>
+                                      <p:cBhvr>
+                                        <p:cTn id="6" dur="1" fill="hold">
+                                          <p:stCondLst>
+                                            <p:cond delay="0"/>
+                                          </p:stCondLst>
+                                        </p:cTn>
+                                        <p:tgtEl>
+                                          <p:spTgt spid="70"/>
+                                        </p:tgtEl>
+                                        <p:attrNameLst>
+                                          <p:attrName>style.visibility</p:attrName>
+                                        </p:attrNameLst>
+                                      </p:cBhvr>
+                                      <p:to>
+                                        <p:strVal val="visible"/>
+                                      </p:to>
+                                    </p:set>
+                                  </p:childTnLst>
+                                </p:cTn>
+                              </p:par>
+                              <p:par>
+                                <p:cTn id="7" presetID="1" presetClass="entr" presetSubtype="0" fill="hold" grpId="0" nodeType="withEffect">
+                                  <p:stCondLst>
+                                    <p:cond delay="0"/>
+                                  </p:stCondLst>
+                                  <p:childTnLst>
+                                    <p:set>
+                                      <p:cBhvr>
+                                        <p:cTn id="8" dur="1" fill="hold">
+                                          <p:stCondLst>
+                                            <p:cond delay="0"/>
+                                          </p:stCondLst>
+                                        </p:cTn>
+                                        <p:tgtEl>
+                                          <p:spTgt spid="69"/>
+                                        </p:tgtEl>
+                                        <p:attrNameLst>
+                                          <p:attrName>style.visibility</p:attrName>
+                                        </p:attrNameLst>
+                                      </p:cBhvr>
+                                      <p:to>
+                                        <p:strVal val="visible"/>
+                                      </p:to>
+                                    </p:set>
+                                  </p:childTnLst>
+                                </p:cTn>
+                              </p:par>
+                            </p:childTnLst>
+                          </p:cTn>
+                        </p:par>
+                      </p:childTnLst>
+                    </p:cTn>
+                  </p:par>
+                </p:childTnLst>
+              </p:cTn>
+              <p:prevCondLst>
+                <p:cond evt="onPrev" delay="0">
+                  <p:tgtEl>
+                    <p:sldTgt/>
+                  </p:tgtEl>
+                </p:cond>
+              </p:prevCondLst>
+              <p:nextCondLst>
+                <p:cond evt="onNext" delay="0">
+                  <p:tgtEl>
+                    <p:sldTgt/>
+                  </p:tgtEl>
+                </p:cond>
+              </p:nextCondLst>
+            </p:seq>
+          </p:childTnLst>
+        </p:cTn>
+      </p:par>
+    </p:tnLst>
+    <p:bldLst>
+      <p:bldP spid="69" grpId="0" animBg="1"/>
+      <p:bldP spid="70" grpId="0" animBg="1"/>
+    </p:bldLst>
+  </p:timing>
+</p:sld>
+</file>
+
+<file path=ppt/slides/slide5.xml><?xml version="1.0" encoding="utf-8"?>
+<p:sld xmlns:a="http://schemas.openxmlformats.org/drawingml/2006/main" xmlns:r="http://schemas.openxmlformats.org/officeDocument/2006/relationships" xmlns:p="http://schemas.openxmlformats.org/presentationml/2006/main">
+  <p:cSld>
+    <p:spTree>
+      <p:nvGrpSpPr>
+        <p:cNvPr id="1" name=""/>
+        <p:cNvGrpSpPr/>
+        <p:nvPr/>
+      </p:nvGrpSpPr>
+      <p:grpSpPr>
+        <a:xfrm>
+          <a:off x="0" y="0"/>
+          <a:ext cx="0" cy="0"/>
+          <a:chOff x="0" y="0"/>
+          <a:chExt cx="0" cy="0"/>
+        </a:xfrm>
+      </p:grpSpPr>
+      <p:sp>
+        <p:nvSpPr>
+          <p:cNvPr id="145" name="Oval 144"/>
+          <p:cNvSpPr/>
+          <p:nvPr/>
+        </p:nvSpPr>
+        <p:spPr>
+          <a:xfrm>
+            <a:off x="10348301" y="8139721"/>
+            <a:ext cx="2804437" cy="2804437"/>
+          </a:xfrm>
+          <a:prstGeom prst="ellipse">
+            <a:avLst/>
+          </a:prstGeom>
+          <a:noFill/>
+          <a:ln w="57150">
+            <a:solidFill>
+              <a:schemeClr val="tx1">
+                <a:lumMod val="50000"/>
+                <a:lumOff val="50000"/>
+              </a:schemeClr>
+            </a:solidFill>
+          </a:ln>
+        </p:spPr>
+        <p:style>
+          <a:lnRef idx="2">
+            <a:schemeClr val="accent1">
+              <a:shade val="50000"/>
+            </a:schemeClr>
+          </a:lnRef>
+          <a:fillRef idx="1">
+            <a:schemeClr val="accent1"/>
+          </a:fillRef>
+          <a:effectRef idx="0">
+            <a:schemeClr val="accent1"/>
+          </a:effectRef>
+          <a:fontRef idx="minor">
+            <a:schemeClr val="lt1"/>
+          </a:fontRef>
+        </p:style>
+        <p:txBody>
+          <a:bodyPr rtlCol="0" anchor="ctr"/>
+          <a:lstStyle/>
+          <a:p>
+            <a:pPr algn="ctr"/>
+            <a:endParaRPr lang="en-US"/>
+          </a:p>
+        </p:txBody>
+      </p:sp>
+      <p:sp>
+        <p:nvSpPr>
+          <p:cNvPr id="146" name="Rectangle 145"/>
+          <p:cNvSpPr/>
+          <p:nvPr/>
+        </p:nvSpPr>
+        <p:spPr>
+          <a:xfrm>
+            <a:off x="11098905" y="8052818"/>
+            <a:ext cx="1267104" cy="362982"/>
+          </a:xfrm>
+          <a:prstGeom prst="rect">
+            <a:avLst/>
+          </a:prstGeom>
+          <a:solidFill>
+            <a:schemeClr val="bg1"/>
+          </a:solidFill>
+          <a:ln>
+            <a:noFill/>
+          </a:ln>
+        </p:spPr>
+        <p:style>
+          <a:lnRef idx="2">
+            <a:schemeClr val="accent1">
+              <a:shade val="50000"/>
+            </a:schemeClr>
+          </a:lnRef>
+          <a:fillRef idx="1">
+            <a:schemeClr val="accent1"/>
+          </a:fillRef>
+          <a:effectRef idx="0">
+            <a:schemeClr val="accent1"/>
+          </a:effectRef>
+          <a:fontRef idx="minor">
+            <a:schemeClr val="lt1"/>
+          </a:fontRef>
+        </p:style>
+        <p:txBody>
+          <a:bodyPr rtlCol="0" anchor="ctr"/>
+          <a:lstStyle/>
+          <a:p>
+            <a:pPr algn="ctr"/>
+            <a:endParaRPr lang="en-US"/>
+          </a:p>
+        </p:txBody>
+      </p:sp>
+      <p:sp>
+        <p:nvSpPr>
+          <p:cNvPr id="147" name="Rectangle 146"/>
+          <p:cNvSpPr/>
+          <p:nvPr/>
+        </p:nvSpPr>
+        <p:spPr>
+          <a:xfrm>
+            <a:off x="11123362" y="10668079"/>
+            <a:ext cx="1150086" cy="341235"/>
+          </a:xfrm>
+          <a:prstGeom prst="rect">
+            <a:avLst/>
+          </a:prstGeom>
+          <a:solidFill>
+            <a:schemeClr val="bg1"/>
+          </a:solidFill>
+          <a:ln>
+            <a:noFill/>
+          </a:ln>
+        </p:spPr>
+        <p:style>
+          <a:lnRef idx="2">
+            <a:schemeClr val="accent1">
+              <a:shade val="50000"/>
+            </a:schemeClr>
+          </a:lnRef>
+          <a:fillRef idx="1">
+            <a:schemeClr val="accent1"/>
+          </a:fillRef>
+          <a:effectRef idx="0">
+            <a:schemeClr val="accent1"/>
+          </a:effectRef>
+          <a:fontRef idx="minor">
+            <a:schemeClr val="lt1"/>
+          </a:fontRef>
+        </p:style>
+        <p:txBody>
+          <a:bodyPr rtlCol="0" anchor="ctr"/>
+          <a:lstStyle/>
+          <a:p>
+            <a:pPr algn="ctr"/>
+            <a:endParaRPr lang="en-US"/>
+          </a:p>
+        </p:txBody>
+      </p:sp>
+      <p:sp>
+        <p:nvSpPr>
+          <p:cNvPr id="148" name="Rectangle 147"/>
+          <p:cNvSpPr/>
+          <p:nvPr/>
+        </p:nvSpPr>
+        <p:spPr>
+          <a:xfrm>
+            <a:off x="9948819" y="8817436"/>
+            <a:ext cx="1150086" cy="1301292"/>
+          </a:xfrm>
+          <a:prstGeom prst="rect">
+            <a:avLst/>
+          </a:prstGeom>
+          <a:solidFill>
+            <a:schemeClr val="bg1"/>
+          </a:solidFill>
+          <a:ln>
+            <a:noFill/>
+          </a:ln>
+        </p:spPr>
+        <p:style>
+          <a:lnRef idx="2">
+            <a:schemeClr val="accent1">
+              <a:shade val="50000"/>
+            </a:schemeClr>
+          </a:lnRef>
+          <a:fillRef idx="1">
+            <a:schemeClr val="accent1"/>
+          </a:fillRef>
+          <a:effectRef idx="0">
+            <a:schemeClr val="accent1"/>
+          </a:effectRef>
+          <a:fontRef idx="minor">
+            <a:schemeClr val="lt1"/>
+          </a:fontRef>
+        </p:style>
+        <p:txBody>
+          <a:bodyPr rtlCol="0" anchor="ctr"/>
+          <a:lstStyle/>
+          <a:p>
+            <a:pPr algn="ctr"/>
+            <a:endParaRPr lang="en-US"/>
+          </a:p>
+        </p:txBody>
+      </p:sp>
+      <p:sp>
+        <p:nvSpPr>
+          <p:cNvPr id="149" name="Rectangle 148"/>
+          <p:cNvSpPr/>
+          <p:nvPr/>
+        </p:nvSpPr>
+        <p:spPr>
+          <a:xfrm>
+            <a:off x="12244219" y="8853438"/>
+            <a:ext cx="1150086" cy="1467045"/>
+          </a:xfrm>
+          <a:prstGeom prst="rect">
+            <a:avLst/>
+          </a:prstGeom>
+          <a:solidFill>
+            <a:schemeClr val="bg1"/>
+          </a:solidFill>
+          <a:ln>
+            <a:noFill/>
+          </a:ln>
+        </p:spPr>
+        <p:style>
+          <a:lnRef idx="2">
+            <a:schemeClr val="accent1">
+              <a:shade val="50000"/>
+            </a:schemeClr>
+          </a:lnRef>
+          <a:fillRef idx="1">
+            <a:schemeClr val="accent1"/>
+          </a:fillRef>
+          <a:effectRef idx="0">
+            <a:schemeClr val="accent1"/>
+          </a:effectRef>
+          <a:fontRef idx="minor">
+            <a:schemeClr val="lt1"/>
+          </a:fontRef>
+        </p:style>
+        <p:txBody>
+          <a:bodyPr rtlCol="0" anchor="ctr"/>
+          <a:lstStyle/>
+          <a:p>
+            <a:pPr algn="ctr"/>
+            <a:endParaRPr lang="en-US"/>
+          </a:p>
+        </p:txBody>
+      </p:sp>
+      <p:sp>
+        <p:nvSpPr>
+          <p:cNvPr id="63" name="Rectangle 62"/>
+          <p:cNvSpPr/>
+          <p:nvPr/>
+        </p:nvSpPr>
+        <p:spPr>
+          <a:xfrm>
+            <a:off x="13070582" y="10487427"/>
+            <a:ext cx="93964" cy="607614"/>
+          </a:xfrm>
+          <a:prstGeom prst="rect">
+            <a:avLst/>
+          </a:prstGeom>
+          <a:solidFill>
+            <a:schemeClr val="bg1">
+              <a:lumMod val="65000"/>
+            </a:schemeClr>
+          </a:solidFill>
+          <a:ln>
+            <a:solidFill>
+              <a:schemeClr val="bg1">
+                <a:lumMod val="65000"/>
+              </a:schemeClr>
+            </a:solidFill>
+          </a:ln>
+        </p:spPr>
+        <p:style>
+          <a:lnRef idx="2">
+            <a:schemeClr val="accent1">
+              <a:shade val="50000"/>
+            </a:schemeClr>
+          </a:lnRef>
+          <a:fillRef idx="1">
+            <a:schemeClr val="accent1"/>
+          </a:fillRef>
+          <a:effectRef idx="0">
+            <a:schemeClr val="accent1"/>
+          </a:effectRef>
+          <a:fontRef idx="minor">
+            <a:schemeClr val="lt1"/>
+          </a:fontRef>
+        </p:style>
+        <p:txBody>
+          <a:bodyPr lIns="91440" tIns="45720" rIns="91440" bIns="45720" rtlCol="0" anchor="ctr"/>
+          <a:lstStyle/>
+          <a:p>
+            <a:pPr algn="ctr"/>
+            <a:endParaRPr lang="en-US"/>
+          </a:p>
+        </p:txBody>
+      </p:sp>
+      <p:sp>
+        <p:nvSpPr>
+          <p:cNvPr id="2" name="Rectangle 1"/>
+          <p:cNvSpPr/>
+          <p:nvPr/>
+        </p:nvSpPr>
+        <p:spPr>
+          <a:xfrm>
+            <a:off x="11123362" y="6484542"/>
+            <a:ext cx="977539" cy="702902"/>
+          </a:xfrm>
+          <a:prstGeom prst="rect">
+            <a:avLst/>
+          </a:prstGeom>
+          <a:solidFill>
+            <a:srgbClr val="FF0000">
+              <a:alpha val="50000"/>
+            </a:srgbClr>
+          </a:solidFill>
+          <a:ln>
+            <a:noFill/>
+          </a:ln>
+        </p:spPr>
+        <p:style>
+          <a:lnRef idx="2">
+            <a:schemeClr val="accent1">
+              <a:shade val="50000"/>
+            </a:schemeClr>
+          </a:lnRef>
+          <a:fillRef idx="1">
+            <a:schemeClr val="accent1"/>
+          </a:fillRef>
+          <a:effectRef idx="0">
+            <a:schemeClr val="accent1"/>
+          </a:effectRef>
+          <a:fontRef idx="minor">
+            <a:schemeClr val="lt1"/>
+          </a:fontRef>
+        </p:style>
+        <p:txBody>
+          <a:bodyPr lIns="91440" tIns="45720" rIns="91440" bIns="45720" rtlCol="0" anchor="ctr"/>
+          <a:lstStyle/>
+          <a:p>
+            <a:pPr algn="ctr"/>
+            <a:endParaRPr lang="en-US"/>
+          </a:p>
+        </p:txBody>
+      </p:sp>
+      <p:sp>
+        <p:nvSpPr>
+          <p:cNvPr id="3" name="Rectangle 2"/>
+          <p:cNvSpPr/>
+          <p:nvPr/>
+        </p:nvSpPr>
+        <p:spPr>
+          <a:xfrm>
+            <a:off x="7084282" y="11009315"/>
+            <a:ext cx="1939399" cy="85726"/>
+          </a:xfrm>
+          <a:prstGeom prst="rect">
+            <a:avLst/>
+          </a:prstGeom>
+          <a:solidFill>
+            <a:schemeClr val="bg1">
+              <a:lumMod val="65000"/>
+            </a:schemeClr>
+          </a:solidFill>
+          <a:ln>
+            <a:solidFill>
+              <a:schemeClr val="bg1">
+                <a:lumMod val="65000"/>
+              </a:schemeClr>
+            </a:solidFill>
+          </a:ln>
+        </p:spPr>
+        <p:style>
+          <a:lnRef idx="2">
+            <a:schemeClr val="accent1">
+              <a:shade val="50000"/>
+            </a:schemeClr>
+          </a:lnRef>
+          <a:fillRef idx="1">
+            <a:schemeClr val="accent1"/>
+          </a:fillRef>
+          <a:effectRef idx="0">
+            <a:schemeClr val="accent1"/>
+          </a:effectRef>
+          <a:fontRef idx="minor">
+            <a:schemeClr val="lt1"/>
+          </a:fontRef>
+        </p:style>
+        <p:txBody>
+          <a:bodyPr lIns="91440" tIns="45720" rIns="91440" bIns="45720" rtlCol="0" anchor="ctr"/>
+          <a:lstStyle/>
+          <a:p>
+            <a:pPr algn="ctr"/>
+            <a:endParaRPr lang="en-US"/>
+          </a:p>
+        </p:txBody>
+      </p:sp>
+      <p:sp>
+        <p:nvSpPr>
+          <p:cNvPr id="4" name="Rectangle 3"/>
+          <p:cNvSpPr/>
+          <p:nvPr/>
+        </p:nvSpPr>
+        <p:spPr>
+          <a:xfrm>
+            <a:off x="8997048" y="10042528"/>
+            <a:ext cx="102834" cy="1052514"/>
+          </a:xfrm>
+          <a:prstGeom prst="rect">
+            <a:avLst/>
+          </a:prstGeom>
+          <a:solidFill>
+            <a:schemeClr val="bg1">
+              <a:lumMod val="65000"/>
+            </a:schemeClr>
+          </a:solidFill>
+          <a:ln>
+            <a:solidFill>
+              <a:schemeClr val="bg1">
+                <a:lumMod val="65000"/>
+              </a:schemeClr>
+            </a:solidFill>
+          </a:ln>
+        </p:spPr>
+        <p:style>
+          <a:lnRef idx="2">
+            <a:schemeClr val="accent1">
+              <a:shade val="50000"/>
+            </a:schemeClr>
+          </a:lnRef>
+          <a:fillRef idx="1">
+            <a:schemeClr val="accent1"/>
+          </a:fillRef>
+          <a:effectRef idx="0">
+            <a:schemeClr val="accent1"/>
+          </a:effectRef>
+          <a:fontRef idx="minor">
+            <a:schemeClr val="lt1"/>
+          </a:fontRef>
+        </p:style>
+        <p:txBody>
+          <a:bodyPr lIns="91440" tIns="45720" rIns="91440" bIns="45720" rtlCol="0" anchor="ctr"/>
+          <a:lstStyle/>
+          <a:p>
+            <a:pPr algn="ctr"/>
+            <a:endParaRPr lang="en-US"/>
+          </a:p>
+        </p:txBody>
+      </p:sp>
+      <p:sp>
+        <p:nvSpPr>
+          <p:cNvPr id="5" name="Rectangle 4"/>
+          <p:cNvSpPr/>
+          <p:nvPr/>
+        </p:nvSpPr>
+        <p:spPr>
+          <a:xfrm>
+            <a:off x="9099882" y="10042528"/>
+            <a:ext cx="1295400" cy="76200"/>
+          </a:xfrm>
+          <a:prstGeom prst="rect">
+            <a:avLst/>
+          </a:prstGeom>
+          <a:solidFill>
+            <a:schemeClr val="bg1">
+              <a:lumMod val="65000"/>
+            </a:schemeClr>
+          </a:solidFill>
+          <a:ln>
+            <a:solidFill>
+              <a:schemeClr val="bg1">
+                <a:lumMod val="65000"/>
+              </a:schemeClr>
+            </a:solidFill>
+          </a:ln>
+        </p:spPr>
+        <p:style>
+          <a:lnRef idx="2">
+            <a:schemeClr val="accent1">
+              <a:shade val="50000"/>
+            </a:schemeClr>
+          </a:lnRef>
+          <a:fillRef idx="1">
+            <a:schemeClr val="accent1"/>
+          </a:fillRef>
+          <a:effectRef idx="0">
+            <a:schemeClr val="accent1"/>
+          </a:effectRef>
+          <a:fontRef idx="minor">
+            <a:schemeClr val="lt1"/>
+          </a:fontRef>
+        </p:style>
+        <p:txBody>
+          <a:bodyPr lIns="91440" tIns="45720" rIns="91440" bIns="45720" rtlCol="0" anchor="ctr"/>
+          <a:lstStyle/>
+          <a:p>
+            <a:pPr algn="ctr"/>
+            <a:endParaRPr lang="en-US"/>
+          </a:p>
+        </p:txBody>
+      </p:sp>
+      <p:sp>
+        <p:nvSpPr>
+          <p:cNvPr id="6" name="Rectangle 5"/>
+          <p:cNvSpPr/>
+          <p:nvPr/>
+        </p:nvSpPr>
+        <p:spPr>
+          <a:xfrm>
+            <a:off x="10319083" y="7951791"/>
+            <a:ext cx="693133" cy="101027"/>
+          </a:xfrm>
+          <a:prstGeom prst="rect">
+            <a:avLst/>
+          </a:prstGeom>
+          <a:solidFill>
+            <a:schemeClr val="bg1">
+              <a:lumMod val="65000"/>
+            </a:schemeClr>
+          </a:solidFill>
+          <a:ln>
+            <a:solidFill>
+              <a:schemeClr val="bg1">
+                <a:lumMod val="65000"/>
+              </a:schemeClr>
+            </a:solidFill>
+          </a:ln>
+        </p:spPr>
+        <p:style>
+          <a:lnRef idx="2">
+            <a:schemeClr val="accent1">
+              <a:shade val="50000"/>
+            </a:schemeClr>
+          </a:lnRef>
+          <a:fillRef idx="1">
+            <a:schemeClr val="accent1"/>
+          </a:fillRef>
+          <a:effectRef idx="0">
+            <a:schemeClr val="accent1"/>
+          </a:effectRef>
+          <a:fontRef idx="minor">
+            <a:schemeClr val="lt1"/>
+          </a:fontRef>
+        </p:style>
+        <p:txBody>
+          <a:bodyPr lIns="91440" tIns="45720" rIns="91440" bIns="45720" rtlCol="0" anchor="ctr"/>
+          <a:lstStyle/>
+          <a:p>
+            <a:pPr algn="ctr"/>
+            <a:endParaRPr lang="en-US" dirty="0"/>
+          </a:p>
+        </p:txBody>
+      </p:sp>
+      <p:sp>
+        <p:nvSpPr>
+          <p:cNvPr id="7" name="Rectangle 6"/>
+          <p:cNvSpPr/>
+          <p:nvPr/>
+        </p:nvSpPr>
+        <p:spPr>
+          <a:xfrm>
+            <a:off x="13070582" y="7951791"/>
+            <a:ext cx="105998" cy="783036"/>
+          </a:xfrm>
+          <a:prstGeom prst="rect">
+            <a:avLst/>
+          </a:prstGeom>
+          <a:solidFill>
+            <a:schemeClr val="bg1">
+              <a:lumMod val="65000"/>
+            </a:schemeClr>
+          </a:solidFill>
+          <a:ln>
+            <a:solidFill>
+              <a:schemeClr val="bg1">
+                <a:lumMod val="65000"/>
+              </a:schemeClr>
+            </a:solidFill>
+          </a:ln>
+        </p:spPr>
+        <p:style>
+          <a:lnRef idx="2">
+            <a:schemeClr val="accent1">
+              <a:shade val="50000"/>
+            </a:schemeClr>
+          </a:lnRef>
+          <a:fillRef idx="1">
+            <a:schemeClr val="accent1"/>
+          </a:fillRef>
+          <a:effectRef idx="0">
+            <a:schemeClr val="accent1"/>
+          </a:effectRef>
+          <a:fontRef idx="minor">
+            <a:schemeClr val="lt1"/>
+          </a:fontRef>
+        </p:style>
+        <p:txBody>
+          <a:bodyPr lIns="91440" tIns="45720" rIns="91440" bIns="45720" rtlCol="0" anchor="ctr"/>
+          <a:lstStyle/>
+          <a:p>
+            <a:pPr algn="ctr"/>
+            <a:endParaRPr lang="en-US"/>
+          </a:p>
+        </p:txBody>
+      </p:sp>
+      <p:sp>
+        <p:nvSpPr>
+          <p:cNvPr id="8" name="Rectangle 7"/>
+          <p:cNvSpPr/>
+          <p:nvPr/>
+        </p:nvSpPr>
+        <p:spPr>
+          <a:xfrm>
+            <a:off x="7086600" y="7955159"/>
+            <a:ext cx="1930992" cy="97659"/>
+          </a:xfrm>
+          <a:prstGeom prst="rect">
+            <a:avLst/>
+          </a:prstGeom>
+          <a:solidFill>
+            <a:schemeClr val="bg1">
+              <a:lumMod val="65000"/>
+            </a:schemeClr>
+          </a:solidFill>
+          <a:ln>
+            <a:solidFill>
+              <a:schemeClr val="bg1">
+                <a:lumMod val="65000"/>
+              </a:schemeClr>
+            </a:solidFill>
+          </a:ln>
+        </p:spPr>
+        <p:style>
+          <a:lnRef idx="2">
+            <a:schemeClr val="accent1">
+              <a:shade val="50000"/>
+            </a:schemeClr>
+          </a:lnRef>
+          <a:fillRef idx="1">
+            <a:schemeClr val="accent1"/>
+          </a:fillRef>
+          <a:effectRef idx="0">
+            <a:schemeClr val="accent1"/>
+          </a:effectRef>
+          <a:fontRef idx="minor">
+            <a:schemeClr val="lt1"/>
+          </a:fontRef>
+        </p:style>
+        <p:txBody>
+          <a:bodyPr lIns="91440" tIns="45720" rIns="91440" bIns="45720" rtlCol="0" anchor="ctr"/>
+          <a:lstStyle/>
+          <a:p>
+            <a:pPr algn="ctr"/>
+            <a:endParaRPr lang="en-US"/>
+          </a:p>
+        </p:txBody>
+      </p:sp>
+      <p:sp>
+        <p:nvSpPr>
+          <p:cNvPr id="9" name="Rectangle 8"/>
+          <p:cNvSpPr/>
+          <p:nvPr/>
+        </p:nvSpPr>
+        <p:spPr>
+          <a:xfrm>
+            <a:off x="8997048" y="7951791"/>
+            <a:ext cx="102833" cy="1052514"/>
+          </a:xfrm>
+          <a:prstGeom prst="rect">
+            <a:avLst/>
+          </a:prstGeom>
+          <a:solidFill>
+            <a:schemeClr val="bg1">
+              <a:lumMod val="65000"/>
+            </a:schemeClr>
+          </a:solidFill>
+          <a:ln>
+            <a:solidFill>
+              <a:schemeClr val="bg1">
+                <a:lumMod val="65000"/>
+              </a:schemeClr>
+            </a:solidFill>
+          </a:ln>
+        </p:spPr>
+        <p:style>
+          <a:lnRef idx="2">
+            <a:schemeClr val="accent1">
+              <a:shade val="50000"/>
+            </a:schemeClr>
+          </a:lnRef>
+          <a:fillRef idx="1">
+            <a:schemeClr val="accent1"/>
+          </a:fillRef>
+          <a:effectRef idx="0">
+            <a:schemeClr val="accent1"/>
+          </a:effectRef>
+          <a:fontRef idx="minor">
+            <a:schemeClr val="lt1"/>
+          </a:fontRef>
+        </p:style>
+        <p:txBody>
+          <a:bodyPr lIns="91440" tIns="45720" rIns="91440" bIns="45720" rtlCol="0" anchor="ctr"/>
+          <a:lstStyle/>
+          <a:p>
+            <a:pPr algn="ctr"/>
+            <a:endParaRPr lang="en-US"/>
+          </a:p>
+        </p:txBody>
+      </p:sp>
+      <p:sp>
+        <p:nvSpPr>
+          <p:cNvPr id="11" name="Rectangle 10"/>
+          <p:cNvSpPr/>
+          <p:nvPr/>
+        </p:nvSpPr>
+        <p:spPr>
+          <a:xfrm>
+            <a:off x="10301320" y="7951791"/>
+            <a:ext cx="93962" cy="1052514"/>
+          </a:xfrm>
+          <a:prstGeom prst="rect">
+            <a:avLst/>
+          </a:prstGeom>
+          <a:solidFill>
+            <a:schemeClr val="bg1">
+              <a:lumMod val="65000"/>
+            </a:schemeClr>
+          </a:solidFill>
+          <a:ln>
+            <a:solidFill>
+              <a:schemeClr val="bg1">
+                <a:lumMod val="65000"/>
+              </a:schemeClr>
+            </a:solidFill>
+          </a:ln>
+        </p:spPr>
+        <p:style>
+          <a:lnRef idx="2">
+            <a:schemeClr val="accent1">
+              <a:shade val="50000"/>
+            </a:schemeClr>
+          </a:lnRef>
+          <a:fillRef idx="1">
+            <a:schemeClr val="accent1"/>
+          </a:fillRef>
+          <a:effectRef idx="0">
+            <a:schemeClr val="accent1"/>
+          </a:effectRef>
+          <a:fontRef idx="minor">
+            <a:schemeClr val="lt1"/>
+          </a:fontRef>
+        </p:style>
+        <p:txBody>
+          <a:bodyPr lIns="91440" tIns="45720" rIns="91440" bIns="45720" rtlCol="0" anchor="ctr"/>
+          <a:lstStyle/>
+          <a:p>
+            <a:pPr algn="ctr"/>
+            <a:endParaRPr lang="en-US"/>
+          </a:p>
+        </p:txBody>
+      </p:sp>
+      <p:sp>
+        <p:nvSpPr>
+          <p:cNvPr id="12" name="Rectangle 11"/>
+          <p:cNvSpPr/>
+          <p:nvPr/>
+        </p:nvSpPr>
+        <p:spPr>
+          <a:xfrm>
+            <a:off x="10301320" y="10042527"/>
+            <a:ext cx="93961" cy="1052514"/>
+          </a:xfrm>
+          <a:prstGeom prst="rect">
+            <a:avLst/>
+          </a:prstGeom>
+          <a:solidFill>
+            <a:schemeClr val="bg1">
+              <a:lumMod val="65000"/>
+            </a:schemeClr>
+          </a:solidFill>
+          <a:ln>
+            <a:solidFill>
+              <a:schemeClr val="bg1">
+                <a:lumMod val="65000"/>
+              </a:schemeClr>
+            </a:solidFill>
+          </a:ln>
+        </p:spPr>
+        <p:style>
+          <a:lnRef idx="2">
+            <a:schemeClr val="accent1">
+              <a:shade val="50000"/>
+            </a:schemeClr>
+          </a:lnRef>
+          <a:fillRef idx="1">
+            <a:schemeClr val="accent1"/>
+          </a:fillRef>
+          <a:effectRef idx="0">
+            <a:schemeClr val="accent1"/>
+          </a:effectRef>
+          <a:fontRef idx="minor">
+            <a:schemeClr val="lt1"/>
+          </a:fontRef>
+        </p:style>
+        <p:txBody>
+          <a:bodyPr lIns="91440" tIns="45720" rIns="91440" bIns="45720" rtlCol="0" anchor="ctr"/>
+          <a:lstStyle/>
+          <a:p>
+            <a:pPr algn="ctr"/>
+            <a:endParaRPr lang="en-US"/>
+          </a:p>
+        </p:txBody>
+      </p:sp>
+      <p:pic>
+        <p:nvPicPr>
+          <p:cNvPr id="13" name="Picture 12"/>
+          <p:cNvPicPr>
+            <a:picLocks noChangeAspect="1"/>
+          </p:cNvPicPr>
+          <p:nvPr/>
+        </p:nvPicPr>
+        <p:blipFill>
+          <a:blip r:embed="rId2">
+            <a:extLst>
+              <a:ext uri="{28A0092B-C50C-407E-A947-70E740481C1C}">
+                <a14:useLocalDpi xmlns:a14="http://schemas.microsoft.com/office/drawing/2010/main" val="0"/>
+              </a:ext>
+            </a:extLst>
+          </a:blip>
+          <a:stretch>
+            <a:fillRect/>
+          </a:stretch>
+        </p:blipFill>
+        <p:spPr>
+          <a:xfrm rot="2700000">
+            <a:off x="11580659" y="8188573"/>
+            <a:ext cx="371527" cy="2715004"/>
+          </a:xfrm>
+          <a:prstGeom prst="rect">
+            <a:avLst/>
+          </a:prstGeom>
+        </p:spPr>
+      </p:pic>
+      <p:sp>
+        <p:nvSpPr>
+          <p:cNvPr id="62" name="Rectangle 61"/>
+          <p:cNvSpPr/>
+          <p:nvPr/>
+        </p:nvSpPr>
+        <p:spPr>
+          <a:xfrm>
+            <a:off x="13177640" y="8585203"/>
+            <a:ext cx="109537" cy="1983582"/>
+          </a:xfrm>
+          <a:prstGeom prst="rect">
+            <a:avLst/>
+          </a:prstGeom>
+          <a:solidFill>
+            <a:schemeClr val="bg1"/>
+          </a:solidFill>
+          <a:ln w="19050">
+            <a:solidFill>
+              <a:schemeClr val="tx1"/>
+            </a:solidFill>
+          </a:ln>
+        </p:spPr>
+        <p:style>
+          <a:lnRef idx="2">
+            <a:schemeClr val="accent1">
+              <a:shade val="50000"/>
+            </a:schemeClr>
+          </a:lnRef>
+          <a:fillRef idx="1">
+            <a:schemeClr val="accent1"/>
+          </a:fillRef>
+          <a:effectRef idx="0">
+            <a:schemeClr val="accent1"/>
+          </a:effectRef>
+          <a:fontRef idx="minor">
+            <a:schemeClr val="lt1"/>
+          </a:fontRef>
+        </p:style>
+        <p:txBody>
+          <a:bodyPr lIns="91440" tIns="45720" rIns="91440" bIns="45720" rtlCol="0" anchor="ctr"/>
+          <a:lstStyle/>
+          <a:p>
+            <a:pPr algn="ctr"/>
+            <a:endParaRPr lang="en-US"/>
+          </a:p>
+        </p:txBody>
+      </p:sp>
+      <p:sp>
+        <p:nvSpPr>
+          <p:cNvPr id="64" name="Rectangle 63"/>
+          <p:cNvSpPr/>
+          <p:nvPr/>
+        </p:nvSpPr>
+        <p:spPr>
+          <a:xfrm>
+            <a:off x="12405055" y="7951791"/>
+            <a:ext cx="695324" cy="101027"/>
+          </a:xfrm>
+          <a:prstGeom prst="rect">
+            <a:avLst/>
+          </a:prstGeom>
+          <a:solidFill>
+            <a:schemeClr val="bg1">
+              <a:lumMod val="65000"/>
+            </a:schemeClr>
+          </a:solidFill>
+          <a:ln>
+            <a:solidFill>
+              <a:schemeClr val="bg1">
+                <a:lumMod val="65000"/>
+              </a:schemeClr>
+            </a:solidFill>
+          </a:ln>
+        </p:spPr>
+        <p:style>
+          <a:lnRef idx="2">
+            <a:schemeClr val="accent1">
+              <a:shade val="50000"/>
+            </a:schemeClr>
+          </a:lnRef>
+          <a:fillRef idx="1">
+            <a:schemeClr val="accent1"/>
+          </a:fillRef>
+          <a:effectRef idx="0">
+            <a:schemeClr val="accent1"/>
+          </a:effectRef>
+          <a:fontRef idx="minor">
+            <a:schemeClr val="lt1"/>
+          </a:fontRef>
+        </p:style>
+        <p:txBody>
+          <a:bodyPr lIns="91440" tIns="45720" rIns="91440" bIns="45720" rtlCol="0" anchor="ctr"/>
+          <a:lstStyle/>
+          <a:p>
+            <a:pPr algn="ctr"/>
+            <a:endParaRPr lang="en-US" dirty="0"/>
+          </a:p>
+        </p:txBody>
+      </p:sp>
+      <p:sp>
+        <p:nvSpPr>
+          <p:cNvPr id="65" name="Rectangle 64"/>
+          <p:cNvSpPr/>
+          <p:nvPr/>
+        </p:nvSpPr>
+        <p:spPr>
+          <a:xfrm>
+            <a:off x="10821071" y="7819828"/>
+            <a:ext cx="1743072" cy="118872"/>
+          </a:xfrm>
+          <a:prstGeom prst="rect">
+            <a:avLst/>
+          </a:prstGeom>
+          <a:solidFill>
+            <a:schemeClr val="bg1"/>
+          </a:solidFill>
+          <a:ln w="19050">
+            <a:solidFill>
+              <a:schemeClr val="tx1"/>
+            </a:solidFill>
+          </a:ln>
+        </p:spPr>
+        <p:style>
+          <a:lnRef idx="2">
+            <a:schemeClr val="accent1">
+              <a:shade val="50000"/>
+            </a:schemeClr>
+          </a:lnRef>
+          <a:fillRef idx="1">
+            <a:schemeClr val="accent1"/>
+          </a:fillRef>
+          <a:effectRef idx="0">
+            <a:schemeClr val="accent1"/>
+          </a:effectRef>
+          <a:fontRef idx="minor">
+            <a:schemeClr val="lt1"/>
+          </a:fontRef>
+        </p:style>
+        <p:txBody>
+          <a:bodyPr lIns="91440" tIns="45720" rIns="91440" bIns="45720" rtlCol="0" anchor="ctr"/>
+          <a:lstStyle/>
+          <a:p>
+            <a:pPr algn="ctr"/>
+            <a:endParaRPr lang="en-US"/>
+          </a:p>
+        </p:txBody>
+      </p:sp>
+      <p:sp>
+        <p:nvSpPr>
+          <p:cNvPr id="66" name="Rectangle 65"/>
+          <p:cNvSpPr/>
+          <p:nvPr/>
+        </p:nvSpPr>
+        <p:spPr>
+          <a:xfrm>
+            <a:off x="10834741" y="11100850"/>
+            <a:ext cx="1743072" cy="118872"/>
+          </a:xfrm>
+          <a:prstGeom prst="rect">
+            <a:avLst/>
+          </a:prstGeom>
+          <a:solidFill>
+            <a:schemeClr val="bg1"/>
+          </a:solidFill>
+          <a:ln w="19050">
+            <a:solidFill>
+              <a:schemeClr val="tx1"/>
+            </a:solidFill>
+          </a:ln>
+        </p:spPr>
+        <p:style>
+          <a:lnRef idx="2">
+            <a:schemeClr val="accent1">
+              <a:shade val="50000"/>
+            </a:schemeClr>
+          </a:lnRef>
+          <a:fillRef idx="1">
+            <a:schemeClr val="accent1"/>
+          </a:fillRef>
+          <a:effectRef idx="0">
+            <a:schemeClr val="accent1"/>
+          </a:effectRef>
+          <a:fontRef idx="minor">
+            <a:schemeClr val="lt1"/>
+          </a:fontRef>
+        </p:style>
+        <p:txBody>
+          <a:bodyPr lIns="91440" tIns="45720" rIns="91440" bIns="45720" rtlCol="0" anchor="ctr"/>
+          <a:lstStyle/>
+          <a:p>
+            <a:pPr algn="ctr"/>
+            <a:endParaRPr lang="en-US"/>
+          </a:p>
+        </p:txBody>
+      </p:sp>
+      <p:sp>
+        <p:nvSpPr>
+          <p:cNvPr id="67" name="Rectangle 66"/>
+          <p:cNvSpPr/>
+          <p:nvPr/>
+        </p:nvSpPr>
+        <p:spPr>
+          <a:xfrm>
+            <a:off x="10301320" y="11009315"/>
+            <a:ext cx="693133" cy="85725"/>
+          </a:xfrm>
+          <a:prstGeom prst="rect">
+            <a:avLst/>
+          </a:prstGeom>
+          <a:solidFill>
+            <a:schemeClr val="bg1">
+              <a:lumMod val="65000"/>
+            </a:schemeClr>
+          </a:solidFill>
+          <a:ln>
+            <a:solidFill>
+              <a:schemeClr val="bg1">
+                <a:lumMod val="65000"/>
+              </a:schemeClr>
+            </a:solidFill>
+          </a:ln>
+        </p:spPr>
+        <p:style>
+          <a:lnRef idx="2">
+            <a:schemeClr val="accent1">
+              <a:shade val="50000"/>
+            </a:schemeClr>
+          </a:lnRef>
+          <a:fillRef idx="1">
+            <a:schemeClr val="accent1"/>
+          </a:fillRef>
+          <a:effectRef idx="0">
+            <a:schemeClr val="accent1"/>
+          </a:effectRef>
+          <a:fontRef idx="minor">
+            <a:schemeClr val="lt1"/>
+          </a:fontRef>
+        </p:style>
+        <p:txBody>
+          <a:bodyPr lIns="91440" tIns="45720" rIns="91440" bIns="45720" rtlCol="0" anchor="ctr"/>
+          <a:lstStyle/>
+          <a:p>
+            <a:pPr algn="ctr"/>
+            <a:endParaRPr lang="en-US" dirty="0"/>
+          </a:p>
+        </p:txBody>
+      </p:sp>
+      <p:sp>
+        <p:nvSpPr>
+          <p:cNvPr id="68" name="Rectangle 67"/>
+          <p:cNvSpPr/>
+          <p:nvPr/>
+        </p:nvSpPr>
+        <p:spPr>
+          <a:xfrm>
+            <a:off x="12375258" y="11009315"/>
+            <a:ext cx="695324" cy="85725"/>
+          </a:xfrm>
+          <a:prstGeom prst="rect">
+            <a:avLst/>
+          </a:prstGeom>
+          <a:solidFill>
+            <a:schemeClr val="bg1">
+              <a:lumMod val="65000"/>
+            </a:schemeClr>
+          </a:solidFill>
+          <a:ln>
+            <a:solidFill>
+              <a:schemeClr val="bg1">
+                <a:lumMod val="65000"/>
+              </a:schemeClr>
+            </a:solidFill>
+          </a:ln>
+        </p:spPr>
+        <p:style>
+          <a:lnRef idx="2">
+            <a:schemeClr val="accent1">
+              <a:shade val="50000"/>
+            </a:schemeClr>
+          </a:lnRef>
+          <a:fillRef idx="1">
+            <a:schemeClr val="accent1"/>
+          </a:fillRef>
+          <a:effectRef idx="0">
+            <a:schemeClr val="accent1"/>
+          </a:effectRef>
+          <a:fontRef idx="minor">
+            <a:schemeClr val="lt1"/>
+          </a:fontRef>
+        </p:style>
+        <p:txBody>
+          <a:bodyPr lIns="91440" tIns="45720" rIns="91440" bIns="45720" rtlCol="0" anchor="ctr"/>
+          <a:lstStyle/>
+          <a:p>
+            <a:pPr algn="ctr"/>
+            <a:endParaRPr lang="en-US" dirty="0"/>
+          </a:p>
+        </p:txBody>
+      </p:sp>
+      <p:sp>
+        <p:nvSpPr>
+          <p:cNvPr id="69" name="Rectangle 68"/>
+          <p:cNvSpPr/>
+          <p:nvPr/>
+        </p:nvSpPr>
+        <p:spPr>
+          <a:xfrm>
+            <a:off x="14338984" y="9411988"/>
+            <a:ext cx="1877904" cy="183505"/>
+          </a:xfrm>
+          <a:prstGeom prst="rect">
+            <a:avLst/>
+          </a:prstGeom>
+          <a:solidFill>
+            <a:srgbClr val="33CC33"/>
+          </a:solidFill>
+          <a:ln>
+            <a:solidFill>
+              <a:srgbClr val="33CC33"/>
+            </a:solidFill>
+          </a:ln>
+        </p:spPr>
+        <p:style>
+          <a:lnRef idx="2">
+            <a:schemeClr val="accent1">
+              <a:shade val="50000"/>
+            </a:schemeClr>
+          </a:lnRef>
+          <a:fillRef idx="1">
+            <a:schemeClr val="accent1"/>
+          </a:fillRef>
+          <a:effectRef idx="0">
+            <a:schemeClr val="accent1"/>
+          </a:effectRef>
+          <a:fontRef idx="minor">
+            <a:schemeClr val="lt1"/>
+          </a:fontRef>
+        </p:style>
+        <p:txBody>
+          <a:bodyPr lIns="91440" tIns="45720" rIns="91440" bIns="45720" rtlCol="0" anchor="ctr"/>
+          <a:lstStyle/>
+          <a:p>
+            <a:pPr algn="ctr"/>
+            <a:endParaRPr lang="en-US" dirty="0"/>
+          </a:p>
+        </p:txBody>
+      </p:sp>
+      <p:sp>
+        <p:nvSpPr>
+          <p:cNvPr id="70" name="Isosceles Triangle 69"/>
+          <p:cNvSpPr/>
+          <p:nvPr/>
+        </p:nvSpPr>
+        <p:spPr>
+          <a:xfrm rot="16200000">
+            <a:off x="12921191" y="8179410"/>
+            <a:ext cx="177814" cy="2657772"/>
+          </a:xfrm>
+          <a:prstGeom prst="triangle">
+            <a:avLst/>
+          </a:prstGeom>
+          <a:solidFill>
+            <a:srgbClr val="33CC33"/>
+          </a:solidFill>
+          <a:ln>
+            <a:solidFill>
+              <a:srgbClr val="33CC33"/>
+            </a:solidFill>
+          </a:ln>
+        </p:spPr>
+        <p:style>
+          <a:lnRef idx="2">
+            <a:schemeClr val="accent1">
+              <a:shade val="50000"/>
+            </a:schemeClr>
+          </a:lnRef>
+          <a:fillRef idx="1">
+            <a:schemeClr val="accent1"/>
+          </a:fillRef>
+          <a:effectRef idx="0">
+            <a:schemeClr val="accent1"/>
+          </a:effectRef>
+          <a:fontRef idx="minor">
+            <a:schemeClr val="lt1"/>
+          </a:fontRef>
+        </p:style>
+        <p:txBody>
+          <a:bodyPr lIns="91440" tIns="45720" rIns="91440" bIns="45720" rtlCol="0" anchor="ctr"/>
+          <a:lstStyle/>
+          <a:p>
+            <a:pPr algn="ctr"/>
+            <a:endParaRPr lang="en-US"/>
+          </a:p>
+        </p:txBody>
+      </p:sp>
+      <p:sp>
+        <p:nvSpPr>
+          <p:cNvPr id="71" name="Chord 70"/>
+          <p:cNvSpPr/>
+          <p:nvPr/>
+        </p:nvSpPr>
+        <p:spPr>
+          <a:xfrm rot="10800000">
+            <a:off x="14007087" y="8712811"/>
+            <a:ext cx="432522" cy="1590967"/>
+          </a:xfrm>
+          <a:prstGeom prst="chord">
+            <a:avLst>
+              <a:gd name="adj1" fmla="val 5404137"/>
+              <a:gd name="adj2" fmla="val 16256210"/>
+            </a:avLst>
+          </a:prstGeom>
+          <a:solidFill>
+            <a:schemeClr val="tx2">
+              <a:lumMod val="40000"/>
+              <a:lumOff val="60000"/>
+            </a:schemeClr>
+          </a:solidFill>
+          <a:ln>
+            <a:solidFill>
+              <a:schemeClr val="tx2">
+                <a:lumMod val="40000"/>
+                <a:lumOff val="60000"/>
+              </a:schemeClr>
+            </a:solidFill>
+          </a:ln>
+        </p:spPr>
+        <p:style>
+          <a:lnRef idx="2">
+            <a:schemeClr val="accent1">
+              <a:shade val="50000"/>
+            </a:schemeClr>
+          </a:lnRef>
+          <a:fillRef idx="1">
+            <a:schemeClr val="accent1"/>
+          </a:fillRef>
+          <a:effectRef idx="0">
+            <a:schemeClr val="accent1"/>
+          </a:effectRef>
+          <a:fontRef idx="minor">
+            <a:schemeClr val="lt1"/>
+          </a:fontRef>
+        </p:style>
+        <p:txBody>
+          <a:bodyPr lIns="91440" tIns="45720" rIns="91440" bIns="45720" rtlCol="0" anchor="ctr"/>
+          <a:lstStyle/>
+          <a:p>
+            <a:pPr algn="ctr"/>
+            <a:endParaRPr lang="en-US"/>
+          </a:p>
+        </p:txBody>
+      </p:sp>
+      <p:sp>
+        <p:nvSpPr>
+          <p:cNvPr id="77" name="Isosceles Triangle 76"/>
+          <p:cNvSpPr/>
+          <p:nvPr/>
+        </p:nvSpPr>
+        <p:spPr>
+          <a:xfrm rot="10800000">
+            <a:off x="11156058" y="7471548"/>
+            <a:ext cx="977539" cy="2050072"/>
+          </a:xfrm>
+          <a:prstGeom prst="triangle">
+            <a:avLst/>
+          </a:prstGeom>
+          <a:solidFill>
+            <a:srgbClr val="FF0000">
+              <a:alpha val="50000"/>
+            </a:srgbClr>
+          </a:solidFill>
+          <a:ln>
+            <a:noFill/>
+          </a:ln>
+        </p:spPr>
+        <p:style>
+          <a:lnRef idx="2">
+            <a:schemeClr val="accent1">
+              <a:shade val="50000"/>
+            </a:schemeClr>
+          </a:lnRef>
+          <a:fillRef idx="1">
+            <a:schemeClr val="accent1"/>
+          </a:fillRef>
+          <a:effectRef idx="0">
+            <a:schemeClr val="accent1"/>
+          </a:effectRef>
+          <a:fontRef idx="minor">
+            <a:schemeClr val="lt1"/>
+          </a:fontRef>
+        </p:style>
+        <p:txBody>
+          <a:bodyPr lIns="91440" tIns="45720" rIns="91440" bIns="45720" rtlCol="0" anchor="ctr"/>
+          <a:lstStyle/>
+          <a:p>
+            <a:pPr algn="ctr"/>
+            <a:endParaRPr lang="en-US"/>
+          </a:p>
+        </p:txBody>
+      </p:sp>
+      <p:sp>
+        <p:nvSpPr>
+          <p:cNvPr id="80" name="TextBox 79"/>
+          <p:cNvSpPr txBox="1"/>
+          <p:nvPr/>
+        </p:nvSpPr>
+        <p:spPr>
+          <a:xfrm>
+            <a:off x="12577813" y="6597653"/>
+            <a:ext cx="827342" cy="461665"/>
+          </a:xfrm>
+          <a:prstGeom prst="rect">
+            <a:avLst/>
+          </a:prstGeom>
+          <a:noFill/>
+        </p:spPr>
+        <p:txBody>
+          <a:bodyPr wrap="none" lIns="91440" tIns="45720" rIns="91440" bIns="45720" rtlCol="0">
+            <a:spAutoFit/>
+          </a:bodyPr>
+          <a:lstStyle/>
+          <a:p>
+            <a:r>
+              <a:rPr lang="en-US" sz="2400" dirty="0" smtClean="0"/>
+              <a:t>Filter</a:t>
+            </a:r>
+            <a:endParaRPr lang="en-US" sz="2400" dirty="0"/>
+          </a:p>
+        </p:txBody>
+      </p:sp>
+      <p:cxnSp>
+        <p:nvCxnSpPr>
+          <p:cNvPr id="82" name="Straight Arrow Connector 81"/>
+          <p:cNvCxnSpPr/>
+          <p:nvPr/>
+        </p:nvCxnSpPr>
+        <p:spPr>
+          <a:xfrm>
+            <a:off x="1676400" y="9496326"/>
+            <a:ext cx="7189806" cy="0"/>
+          </a:xfrm>
+          <a:prstGeom prst="straightConnector1">
+            <a:avLst/>
+          </a:prstGeom>
+          <a:ln w="57150">
+            <a:solidFill>
+              <a:srgbClr val="FFC000"/>
+            </a:solidFill>
+            <a:headEnd type="none" w="med" len="med"/>
+            <a:tailEnd type="triangle" w="med" len="med"/>
+          </a:ln>
+        </p:spPr>
+        <p:style>
+          <a:lnRef idx="1">
+            <a:schemeClr val="accent1"/>
+          </a:lnRef>
+          <a:fillRef idx="0">
+            <a:schemeClr val="accent1"/>
+          </a:fillRef>
+          <a:effectRef idx="0">
+            <a:schemeClr val="accent1"/>
+          </a:effectRef>
+          <a:fontRef idx="minor">
+            <a:schemeClr val="tx1"/>
+          </a:fontRef>
+        </p:style>
+      </p:cxnSp>
+      <p:sp>
+        <p:nvSpPr>
+          <p:cNvPr id="84" name="Rectangle 83"/>
+          <p:cNvSpPr/>
+          <p:nvPr/>
+        </p:nvSpPr>
+        <p:spPr>
+          <a:xfrm>
+            <a:off x="5010773" y="8696774"/>
+            <a:ext cx="45719" cy="585488"/>
+          </a:xfrm>
+          <a:prstGeom prst="rect">
+            <a:avLst/>
+          </a:prstGeom>
+          <a:solidFill>
+            <a:schemeClr val="bg1">
+              <a:lumMod val="65000"/>
+            </a:schemeClr>
+          </a:solidFill>
+          <a:ln>
+            <a:solidFill>
+              <a:schemeClr val="bg1">
+                <a:lumMod val="65000"/>
+              </a:schemeClr>
+            </a:solidFill>
+          </a:ln>
+        </p:spPr>
+        <p:style>
+          <a:lnRef idx="2">
+            <a:schemeClr val="accent1">
+              <a:shade val="50000"/>
+            </a:schemeClr>
+          </a:lnRef>
+          <a:fillRef idx="1">
+            <a:schemeClr val="accent1"/>
+          </a:fillRef>
+          <a:effectRef idx="0">
+            <a:schemeClr val="accent1"/>
+          </a:effectRef>
+          <a:fontRef idx="minor">
+            <a:schemeClr val="lt1"/>
+          </a:fontRef>
+        </p:style>
+        <p:txBody>
+          <a:bodyPr rtlCol="0" anchor="ctr"/>
+          <a:lstStyle/>
+          <a:p>
+            <a:pPr algn="ctr"/>
+            <a:endParaRPr lang="en-US"/>
+          </a:p>
+        </p:txBody>
+      </p:sp>
+      <p:sp>
+        <p:nvSpPr>
+          <p:cNvPr id="85" name="Rectangle 84"/>
+          <p:cNvSpPr/>
+          <p:nvPr/>
+        </p:nvSpPr>
+        <p:spPr>
+          <a:xfrm>
+            <a:off x="5140313" y="8696774"/>
+            <a:ext cx="45719" cy="585488"/>
+          </a:xfrm>
+          <a:prstGeom prst="rect">
+            <a:avLst/>
+          </a:prstGeom>
+          <a:solidFill>
+            <a:schemeClr val="bg1">
+              <a:lumMod val="65000"/>
+            </a:schemeClr>
+          </a:solidFill>
+          <a:ln>
+            <a:solidFill>
+              <a:schemeClr val="bg1">
+                <a:lumMod val="65000"/>
+              </a:schemeClr>
+            </a:solidFill>
+          </a:ln>
+        </p:spPr>
+        <p:style>
+          <a:lnRef idx="2">
+            <a:schemeClr val="accent1">
+              <a:shade val="50000"/>
+            </a:schemeClr>
+          </a:lnRef>
+          <a:fillRef idx="1">
+            <a:schemeClr val="accent1"/>
+          </a:fillRef>
+          <a:effectRef idx="0">
+            <a:schemeClr val="accent1"/>
+          </a:effectRef>
+          <a:fontRef idx="minor">
+            <a:schemeClr val="lt1"/>
+          </a:fontRef>
+        </p:style>
+        <p:txBody>
+          <a:bodyPr rtlCol="0" anchor="ctr"/>
+          <a:lstStyle/>
+          <a:p>
+            <a:pPr algn="ctr"/>
+            <a:endParaRPr lang="en-US"/>
+          </a:p>
+        </p:txBody>
+      </p:sp>
+      <p:sp>
+        <p:nvSpPr>
+          <p:cNvPr id="86" name="Rectangle 85"/>
+          <p:cNvSpPr/>
+          <p:nvPr/>
+        </p:nvSpPr>
+        <p:spPr>
+          <a:xfrm>
+            <a:off x="4877423" y="8696774"/>
+            <a:ext cx="45719" cy="585488"/>
+          </a:xfrm>
+          <a:prstGeom prst="rect">
+            <a:avLst/>
+          </a:prstGeom>
+          <a:solidFill>
+            <a:schemeClr val="bg1">
+              <a:lumMod val="65000"/>
+            </a:schemeClr>
+          </a:solidFill>
+          <a:ln>
+            <a:solidFill>
+              <a:schemeClr val="bg1">
+                <a:lumMod val="65000"/>
+              </a:schemeClr>
+            </a:solidFill>
+          </a:ln>
+        </p:spPr>
+        <p:style>
+          <a:lnRef idx="2">
+            <a:schemeClr val="accent1">
+              <a:shade val="50000"/>
+            </a:schemeClr>
+          </a:lnRef>
+          <a:fillRef idx="1">
+            <a:schemeClr val="accent1"/>
+          </a:fillRef>
+          <a:effectRef idx="0">
+            <a:schemeClr val="accent1"/>
+          </a:effectRef>
+          <a:fontRef idx="minor">
+            <a:schemeClr val="lt1"/>
+          </a:fontRef>
+        </p:style>
+        <p:txBody>
+          <a:bodyPr rtlCol="0" anchor="ctr"/>
+          <a:lstStyle/>
+          <a:p>
+            <a:pPr algn="ctr"/>
+            <a:endParaRPr lang="en-US"/>
+          </a:p>
+        </p:txBody>
+      </p:sp>
+      <p:sp>
+        <p:nvSpPr>
+          <p:cNvPr id="87" name="Rectangle 86"/>
+          <p:cNvSpPr/>
+          <p:nvPr/>
+        </p:nvSpPr>
+        <p:spPr>
+          <a:xfrm>
+            <a:off x="5010773" y="9734996"/>
+            <a:ext cx="45719" cy="585488"/>
+          </a:xfrm>
+          <a:prstGeom prst="rect">
+            <a:avLst/>
+          </a:prstGeom>
+          <a:solidFill>
+            <a:schemeClr val="bg1">
+              <a:lumMod val="65000"/>
+            </a:schemeClr>
+          </a:solidFill>
+          <a:ln>
+            <a:solidFill>
+              <a:schemeClr val="bg1">
+                <a:lumMod val="65000"/>
+              </a:schemeClr>
+            </a:solidFill>
+          </a:ln>
+        </p:spPr>
+        <p:style>
+          <a:lnRef idx="2">
+            <a:schemeClr val="accent1">
+              <a:shade val="50000"/>
+            </a:schemeClr>
+          </a:lnRef>
+          <a:fillRef idx="1">
+            <a:schemeClr val="accent1"/>
+          </a:fillRef>
+          <a:effectRef idx="0">
+            <a:schemeClr val="accent1"/>
+          </a:effectRef>
+          <a:fontRef idx="minor">
+            <a:schemeClr val="lt1"/>
+          </a:fontRef>
+        </p:style>
+        <p:txBody>
+          <a:bodyPr rtlCol="0" anchor="ctr"/>
+          <a:lstStyle/>
+          <a:p>
+            <a:pPr algn="ctr"/>
+            <a:endParaRPr lang="en-US"/>
+          </a:p>
+        </p:txBody>
+      </p:sp>
+      <p:sp>
+        <p:nvSpPr>
+          <p:cNvPr id="88" name="Rectangle 87"/>
+          <p:cNvSpPr/>
+          <p:nvPr/>
+        </p:nvSpPr>
+        <p:spPr>
+          <a:xfrm>
+            <a:off x="5140313" y="9734996"/>
+            <a:ext cx="45719" cy="585488"/>
+          </a:xfrm>
+          <a:prstGeom prst="rect">
+            <a:avLst/>
+          </a:prstGeom>
+          <a:solidFill>
+            <a:schemeClr val="bg1">
+              <a:lumMod val="65000"/>
+            </a:schemeClr>
+          </a:solidFill>
+          <a:ln>
+            <a:solidFill>
+              <a:schemeClr val="bg1">
+                <a:lumMod val="65000"/>
+              </a:schemeClr>
+            </a:solidFill>
+          </a:ln>
+        </p:spPr>
+        <p:style>
+          <a:lnRef idx="2">
+            <a:schemeClr val="accent1">
+              <a:shade val="50000"/>
+            </a:schemeClr>
+          </a:lnRef>
+          <a:fillRef idx="1">
+            <a:schemeClr val="accent1"/>
+          </a:fillRef>
+          <a:effectRef idx="0">
+            <a:schemeClr val="accent1"/>
+          </a:effectRef>
+          <a:fontRef idx="minor">
+            <a:schemeClr val="lt1"/>
+          </a:fontRef>
+        </p:style>
+        <p:txBody>
+          <a:bodyPr rtlCol="0" anchor="ctr"/>
+          <a:lstStyle/>
+          <a:p>
+            <a:pPr algn="ctr"/>
+            <a:endParaRPr lang="en-US"/>
+          </a:p>
+        </p:txBody>
+      </p:sp>
+      <p:sp>
+        <p:nvSpPr>
+          <p:cNvPr id="89" name="Rectangle 88"/>
+          <p:cNvSpPr/>
+          <p:nvPr/>
+        </p:nvSpPr>
+        <p:spPr>
+          <a:xfrm>
+            <a:off x="4877423" y="9734996"/>
+            <a:ext cx="45719" cy="585488"/>
+          </a:xfrm>
+          <a:prstGeom prst="rect">
+            <a:avLst/>
+          </a:prstGeom>
+          <a:solidFill>
+            <a:schemeClr val="bg1">
+              <a:lumMod val="65000"/>
+            </a:schemeClr>
+          </a:solidFill>
+          <a:ln>
+            <a:solidFill>
+              <a:schemeClr val="bg1">
+                <a:lumMod val="65000"/>
+              </a:schemeClr>
+            </a:solidFill>
+          </a:ln>
+        </p:spPr>
+        <p:style>
+          <a:lnRef idx="2">
+            <a:schemeClr val="accent1">
+              <a:shade val="50000"/>
+            </a:schemeClr>
+          </a:lnRef>
+          <a:fillRef idx="1">
+            <a:schemeClr val="accent1"/>
+          </a:fillRef>
+          <a:effectRef idx="0">
+            <a:schemeClr val="accent1"/>
+          </a:effectRef>
+          <a:fontRef idx="minor">
+            <a:schemeClr val="lt1"/>
+          </a:fontRef>
+        </p:style>
+        <p:txBody>
+          <a:bodyPr rtlCol="0" anchor="ctr"/>
+          <a:lstStyle/>
+          <a:p>
+            <a:pPr algn="ctr"/>
+            <a:endParaRPr lang="en-US"/>
+          </a:p>
+        </p:txBody>
+      </p:sp>
+      <p:sp>
+        <p:nvSpPr>
+          <p:cNvPr id="90" name="Oval 89"/>
+          <p:cNvSpPr/>
+          <p:nvPr/>
+        </p:nvSpPr>
+        <p:spPr>
+          <a:xfrm>
+            <a:off x="6315959" y="9432429"/>
+            <a:ext cx="76200" cy="76200"/>
+          </a:xfrm>
+          <a:prstGeom prst="ellipse">
+            <a:avLst/>
+          </a:prstGeom>
+          <a:solidFill>
+            <a:srgbClr val="FFCC00"/>
+          </a:solidFill>
+          <a:ln>
+            <a:solidFill>
+              <a:srgbClr val="FF9900"/>
+            </a:solidFill>
+          </a:ln>
+        </p:spPr>
+        <p:style>
+          <a:lnRef idx="2">
+            <a:schemeClr val="accent1">
+              <a:shade val="50000"/>
+            </a:schemeClr>
+          </a:lnRef>
+          <a:fillRef idx="1">
+            <a:schemeClr val="accent1"/>
+          </a:fillRef>
+          <a:effectRef idx="0">
+            <a:schemeClr val="accent1"/>
+          </a:effectRef>
+          <a:fontRef idx="minor">
+            <a:schemeClr val="lt1"/>
+          </a:fontRef>
+        </p:style>
+        <p:txBody>
+          <a:bodyPr rtlCol="0" anchor="ctr"/>
+          <a:lstStyle/>
+          <a:p>
+            <a:pPr algn="ctr"/>
+            <a:endParaRPr lang="en-US"/>
+          </a:p>
+        </p:txBody>
+      </p:sp>
+      <p:sp>
+        <p:nvSpPr>
+          <p:cNvPr id="91" name="Oval 90"/>
+          <p:cNvSpPr/>
+          <p:nvPr/>
+        </p:nvSpPr>
+        <p:spPr>
+          <a:xfrm>
+            <a:off x="4678870" y="9447480"/>
+            <a:ext cx="76200" cy="76200"/>
+          </a:xfrm>
+          <a:prstGeom prst="ellipse">
+            <a:avLst/>
+          </a:prstGeom>
+          <a:solidFill>
+            <a:srgbClr val="FFCC00"/>
+          </a:solidFill>
+          <a:ln>
+            <a:solidFill>
+              <a:srgbClr val="FF9900"/>
+            </a:solidFill>
+          </a:ln>
+        </p:spPr>
+        <p:style>
+          <a:lnRef idx="2">
+            <a:schemeClr val="accent1">
+              <a:shade val="50000"/>
+            </a:schemeClr>
+          </a:lnRef>
+          <a:fillRef idx="1">
+            <a:schemeClr val="accent1"/>
+          </a:fillRef>
+          <a:effectRef idx="0">
+            <a:schemeClr val="accent1"/>
+          </a:effectRef>
+          <a:fontRef idx="minor">
+            <a:schemeClr val="lt1"/>
+          </a:fontRef>
+        </p:style>
+        <p:txBody>
+          <a:bodyPr rtlCol="0" anchor="ctr"/>
+          <a:lstStyle/>
+          <a:p>
+            <a:pPr algn="ctr"/>
+            <a:endParaRPr lang="en-US"/>
+          </a:p>
+        </p:txBody>
+      </p:sp>
+      <p:sp>
+        <p:nvSpPr>
+          <p:cNvPr id="92" name="Oval 91"/>
+          <p:cNvSpPr/>
+          <p:nvPr/>
+        </p:nvSpPr>
+        <p:spPr>
+          <a:xfrm>
+            <a:off x="4927213" y="9447480"/>
+            <a:ext cx="76200" cy="76200"/>
+          </a:xfrm>
+          <a:prstGeom prst="ellipse">
+            <a:avLst/>
+          </a:prstGeom>
+          <a:solidFill>
+            <a:srgbClr val="FFCC00"/>
+          </a:solidFill>
+          <a:ln>
+            <a:solidFill>
+              <a:srgbClr val="FF9900"/>
+            </a:solidFill>
+          </a:ln>
+        </p:spPr>
+        <p:style>
+          <a:lnRef idx="2">
+            <a:schemeClr val="accent1">
+              <a:shade val="50000"/>
+            </a:schemeClr>
+          </a:lnRef>
+          <a:fillRef idx="1">
+            <a:schemeClr val="accent1"/>
+          </a:fillRef>
+          <a:effectRef idx="0">
+            <a:schemeClr val="accent1"/>
+          </a:effectRef>
+          <a:fontRef idx="minor">
+            <a:schemeClr val="lt1"/>
+          </a:fontRef>
+        </p:style>
+        <p:txBody>
+          <a:bodyPr rtlCol="0" anchor="ctr"/>
+          <a:lstStyle/>
+          <a:p>
+            <a:pPr algn="ctr"/>
+            <a:endParaRPr lang="en-US"/>
+          </a:p>
+        </p:txBody>
+      </p:sp>
+      <p:sp>
+        <p:nvSpPr>
+          <p:cNvPr id="93" name="Oval 92"/>
+          <p:cNvSpPr/>
+          <p:nvPr/>
+        </p:nvSpPr>
+        <p:spPr>
+          <a:xfrm>
+            <a:off x="4805294" y="9356448"/>
+            <a:ext cx="76200" cy="76200"/>
+          </a:xfrm>
+          <a:prstGeom prst="ellipse">
+            <a:avLst/>
+          </a:prstGeom>
+          <a:solidFill>
+            <a:srgbClr val="FFCC00"/>
+          </a:solidFill>
+          <a:ln>
+            <a:solidFill>
+              <a:srgbClr val="FF9900"/>
+            </a:solidFill>
+          </a:ln>
+        </p:spPr>
+        <p:style>
+          <a:lnRef idx="2">
+            <a:schemeClr val="accent1">
+              <a:shade val="50000"/>
+            </a:schemeClr>
+          </a:lnRef>
+          <a:fillRef idx="1">
+            <a:schemeClr val="accent1"/>
+          </a:fillRef>
+          <a:effectRef idx="0">
+            <a:schemeClr val="accent1"/>
+          </a:effectRef>
+          <a:fontRef idx="minor">
+            <a:schemeClr val="lt1"/>
+          </a:fontRef>
+        </p:style>
+        <p:txBody>
+          <a:bodyPr rtlCol="0" anchor="ctr"/>
+          <a:lstStyle/>
+          <a:p>
+            <a:pPr algn="ctr"/>
+            <a:endParaRPr lang="en-US"/>
+          </a:p>
+        </p:txBody>
+      </p:sp>
+      <p:sp>
+        <p:nvSpPr>
+          <p:cNvPr id="94" name="Oval 93"/>
+          <p:cNvSpPr/>
+          <p:nvPr/>
+        </p:nvSpPr>
+        <p:spPr>
+          <a:xfrm>
+            <a:off x="5167243" y="9351685"/>
+            <a:ext cx="76200" cy="76200"/>
+          </a:xfrm>
+          <a:prstGeom prst="ellipse">
+            <a:avLst/>
+          </a:prstGeom>
+          <a:solidFill>
+            <a:srgbClr val="FFCC00"/>
+          </a:solidFill>
+          <a:ln>
+            <a:solidFill>
+              <a:srgbClr val="FF9900"/>
+            </a:solidFill>
+          </a:ln>
+        </p:spPr>
+        <p:style>
+          <a:lnRef idx="2">
+            <a:schemeClr val="accent1">
+              <a:shade val="50000"/>
+            </a:schemeClr>
+          </a:lnRef>
+          <a:fillRef idx="1">
+            <a:schemeClr val="accent1"/>
+          </a:fillRef>
+          <a:effectRef idx="0">
+            <a:schemeClr val="accent1"/>
+          </a:effectRef>
+          <a:fontRef idx="minor">
+            <a:schemeClr val="lt1"/>
+          </a:fontRef>
+        </p:style>
+        <p:txBody>
+          <a:bodyPr rtlCol="0" anchor="ctr"/>
+          <a:lstStyle/>
+          <a:p>
+            <a:pPr algn="ctr"/>
+            <a:endParaRPr lang="en-US"/>
+          </a:p>
+        </p:txBody>
+      </p:sp>
+      <p:sp>
+        <p:nvSpPr>
+          <p:cNvPr id="95" name="Oval 94"/>
+          <p:cNvSpPr/>
+          <p:nvPr/>
+        </p:nvSpPr>
+        <p:spPr>
+          <a:xfrm>
+            <a:off x="4866253" y="9542185"/>
+            <a:ext cx="76200" cy="76200"/>
+          </a:xfrm>
+          <a:prstGeom prst="ellipse">
+            <a:avLst/>
+          </a:prstGeom>
+          <a:solidFill>
+            <a:srgbClr val="FFCC00"/>
+          </a:solidFill>
+          <a:ln>
+            <a:solidFill>
+              <a:srgbClr val="FF9900"/>
+            </a:solidFill>
+          </a:ln>
+        </p:spPr>
+        <p:style>
+          <a:lnRef idx="2">
+            <a:schemeClr val="accent1">
+              <a:shade val="50000"/>
+            </a:schemeClr>
+          </a:lnRef>
+          <a:fillRef idx="1">
+            <a:schemeClr val="accent1"/>
+          </a:fillRef>
+          <a:effectRef idx="0">
+            <a:schemeClr val="accent1"/>
+          </a:effectRef>
+          <a:fontRef idx="minor">
+            <a:schemeClr val="lt1"/>
+          </a:fontRef>
+        </p:style>
+        <p:txBody>
+          <a:bodyPr rtlCol="0" anchor="ctr"/>
+          <a:lstStyle/>
+          <a:p>
+            <a:pPr algn="ctr"/>
+            <a:endParaRPr lang="en-US"/>
+          </a:p>
+        </p:txBody>
+      </p:sp>
+      <p:sp>
+        <p:nvSpPr>
+          <p:cNvPr id="96" name="Oval 95"/>
+          <p:cNvSpPr/>
+          <p:nvPr/>
+        </p:nvSpPr>
+        <p:spPr>
+          <a:xfrm>
+            <a:off x="5472044" y="9389240"/>
+            <a:ext cx="76200" cy="76200"/>
+          </a:xfrm>
+          <a:prstGeom prst="ellipse">
+            <a:avLst/>
+          </a:prstGeom>
+          <a:solidFill>
+            <a:srgbClr val="FFCC00"/>
+          </a:solidFill>
+          <a:ln>
+            <a:solidFill>
+              <a:srgbClr val="FF9900"/>
+            </a:solidFill>
+          </a:ln>
+        </p:spPr>
+        <p:style>
+          <a:lnRef idx="2">
+            <a:schemeClr val="accent1">
+              <a:shade val="50000"/>
+            </a:schemeClr>
+          </a:lnRef>
+          <a:fillRef idx="1">
+            <a:schemeClr val="accent1"/>
+          </a:fillRef>
+          <a:effectRef idx="0">
+            <a:schemeClr val="accent1"/>
+          </a:effectRef>
+          <a:fontRef idx="minor">
+            <a:schemeClr val="lt1"/>
+          </a:fontRef>
+        </p:style>
+        <p:txBody>
+          <a:bodyPr rtlCol="0" anchor="ctr"/>
+          <a:lstStyle/>
+          <a:p>
+            <a:pPr algn="ctr"/>
+            <a:endParaRPr lang="en-US"/>
+          </a:p>
+        </p:txBody>
+      </p:sp>
+      <p:sp>
+        <p:nvSpPr>
+          <p:cNvPr id="97" name="Oval 96"/>
+          <p:cNvSpPr/>
+          <p:nvPr/>
+        </p:nvSpPr>
+        <p:spPr>
+          <a:xfrm>
+            <a:off x="5319643" y="9504085"/>
+            <a:ext cx="76200" cy="76200"/>
+          </a:xfrm>
+          <a:prstGeom prst="ellipse">
+            <a:avLst/>
+          </a:prstGeom>
+          <a:solidFill>
+            <a:srgbClr val="FFCC00"/>
+          </a:solidFill>
+          <a:ln>
+            <a:solidFill>
+              <a:srgbClr val="FF9900"/>
+            </a:solidFill>
+          </a:ln>
+        </p:spPr>
+        <p:style>
+          <a:lnRef idx="2">
+            <a:schemeClr val="accent1">
+              <a:shade val="50000"/>
+            </a:schemeClr>
+          </a:lnRef>
+          <a:fillRef idx="1">
+            <a:schemeClr val="accent1"/>
+          </a:fillRef>
+          <a:effectRef idx="0">
+            <a:schemeClr val="accent1"/>
+          </a:effectRef>
+          <a:fontRef idx="minor">
+            <a:schemeClr val="lt1"/>
+          </a:fontRef>
+        </p:style>
+        <p:txBody>
+          <a:bodyPr rtlCol="0" anchor="ctr"/>
+          <a:lstStyle/>
+          <a:p>
+            <a:pPr algn="ctr"/>
+            <a:endParaRPr lang="en-US"/>
+          </a:p>
+        </p:txBody>
+      </p:sp>
+      <p:sp>
+        <p:nvSpPr>
+          <p:cNvPr id="98" name="Oval 97"/>
+          <p:cNvSpPr/>
+          <p:nvPr/>
+        </p:nvSpPr>
+        <p:spPr>
+          <a:xfrm>
+            <a:off x="5865333" y="9397077"/>
+            <a:ext cx="76200" cy="76200"/>
+          </a:xfrm>
+          <a:prstGeom prst="ellipse">
+            <a:avLst/>
+          </a:prstGeom>
+          <a:solidFill>
+            <a:srgbClr val="FFCC00"/>
+          </a:solidFill>
+          <a:ln>
+            <a:solidFill>
+              <a:srgbClr val="FF9900"/>
+            </a:solidFill>
+          </a:ln>
+        </p:spPr>
+        <p:style>
+          <a:lnRef idx="2">
+            <a:schemeClr val="accent1">
+              <a:shade val="50000"/>
+            </a:schemeClr>
+          </a:lnRef>
+          <a:fillRef idx="1">
+            <a:schemeClr val="accent1"/>
+          </a:fillRef>
+          <a:effectRef idx="0">
+            <a:schemeClr val="accent1"/>
+          </a:effectRef>
+          <a:fontRef idx="minor">
+            <a:schemeClr val="lt1"/>
+          </a:fontRef>
+        </p:style>
+        <p:txBody>
+          <a:bodyPr rtlCol="0" anchor="ctr"/>
+          <a:lstStyle/>
+          <a:p>
+            <a:pPr algn="ctr"/>
+            <a:endParaRPr lang="en-US"/>
+          </a:p>
+        </p:txBody>
+      </p:sp>
+      <p:sp>
+        <p:nvSpPr>
+          <p:cNvPr id="99" name="Oval 98"/>
+          <p:cNvSpPr/>
+          <p:nvPr/>
+        </p:nvSpPr>
+        <p:spPr>
+          <a:xfrm>
+            <a:off x="5700644" y="9504085"/>
+            <a:ext cx="76200" cy="76200"/>
+          </a:xfrm>
+          <a:prstGeom prst="ellipse">
+            <a:avLst/>
+          </a:prstGeom>
+          <a:solidFill>
+            <a:srgbClr val="FFCC00"/>
+          </a:solidFill>
+          <a:ln>
+            <a:solidFill>
+              <a:srgbClr val="FF9900"/>
+            </a:solidFill>
+          </a:ln>
+        </p:spPr>
+        <p:style>
+          <a:lnRef idx="2">
+            <a:schemeClr val="accent1">
+              <a:shade val="50000"/>
+            </a:schemeClr>
+          </a:lnRef>
+          <a:fillRef idx="1">
+            <a:schemeClr val="accent1"/>
+          </a:fillRef>
+          <a:effectRef idx="0">
+            <a:schemeClr val="accent1"/>
+          </a:effectRef>
+          <a:fontRef idx="minor">
+            <a:schemeClr val="lt1"/>
+          </a:fontRef>
+        </p:style>
+        <p:txBody>
+          <a:bodyPr rtlCol="0" anchor="ctr"/>
+          <a:lstStyle/>
+          <a:p>
+            <a:pPr algn="ctr"/>
+            <a:endParaRPr lang="en-US"/>
+          </a:p>
+        </p:txBody>
+      </p:sp>
+      <p:sp>
+        <p:nvSpPr>
+          <p:cNvPr id="100" name="Oval 99"/>
+          <p:cNvSpPr/>
+          <p:nvPr/>
+        </p:nvSpPr>
+        <p:spPr>
+          <a:xfrm>
+            <a:off x="6072119" y="9350737"/>
+            <a:ext cx="76200" cy="76200"/>
+          </a:xfrm>
+          <a:prstGeom prst="ellipse">
+            <a:avLst/>
+          </a:prstGeom>
+          <a:solidFill>
+            <a:srgbClr val="FFCC00"/>
+          </a:solidFill>
+          <a:ln>
+            <a:solidFill>
+              <a:srgbClr val="FF9900"/>
+            </a:solidFill>
+          </a:ln>
+        </p:spPr>
+        <p:style>
+          <a:lnRef idx="2">
+            <a:schemeClr val="accent1">
+              <a:shade val="50000"/>
+            </a:schemeClr>
+          </a:lnRef>
+          <a:fillRef idx="1">
+            <a:schemeClr val="accent1"/>
+          </a:fillRef>
+          <a:effectRef idx="0">
+            <a:schemeClr val="accent1"/>
+          </a:effectRef>
+          <a:fontRef idx="minor">
+            <a:schemeClr val="lt1"/>
+          </a:fontRef>
+        </p:style>
+        <p:txBody>
+          <a:bodyPr rtlCol="0" anchor="ctr"/>
+          <a:lstStyle/>
+          <a:p>
+            <a:pPr algn="ctr"/>
+            <a:endParaRPr lang="en-US"/>
+          </a:p>
+        </p:txBody>
+      </p:sp>
+      <p:sp>
+        <p:nvSpPr>
+          <p:cNvPr id="101" name="Oval 100"/>
+          <p:cNvSpPr/>
+          <p:nvPr/>
+        </p:nvSpPr>
+        <p:spPr>
+          <a:xfrm>
+            <a:off x="5986394" y="9480569"/>
+            <a:ext cx="76200" cy="76200"/>
+          </a:xfrm>
+          <a:prstGeom prst="ellipse">
+            <a:avLst/>
+          </a:prstGeom>
+          <a:solidFill>
+            <a:srgbClr val="FFCC00"/>
+          </a:solidFill>
+          <a:ln>
+            <a:solidFill>
+              <a:srgbClr val="FF9900"/>
+            </a:solidFill>
+          </a:ln>
+        </p:spPr>
+        <p:style>
+          <a:lnRef idx="2">
+            <a:schemeClr val="accent1">
+              <a:shade val="50000"/>
+            </a:schemeClr>
+          </a:lnRef>
+          <a:fillRef idx="1">
+            <a:schemeClr val="accent1"/>
+          </a:fillRef>
+          <a:effectRef idx="0">
+            <a:schemeClr val="accent1"/>
+          </a:effectRef>
+          <a:fontRef idx="minor">
+            <a:schemeClr val="lt1"/>
+          </a:fontRef>
+        </p:style>
+        <p:txBody>
+          <a:bodyPr rtlCol="0" anchor="ctr"/>
+          <a:lstStyle/>
+          <a:p>
+            <a:pPr algn="ctr"/>
+            <a:endParaRPr lang="en-US"/>
+          </a:p>
+        </p:txBody>
+      </p:sp>
+      <p:sp>
+        <p:nvSpPr>
+          <p:cNvPr id="102" name="Oval 101"/>
+          <p:cNvSpPr/>
+          <p:nvPr/>
+        </p:nvSpPr>
+        <p:spPr>
+          <a:xfrm>
+            <a:off x="5476805" y="9516436"/>
+            <a:ext cx="76200" cy="76200"/>
+          </a:xfrm>
+          <a:prstGeom prst="ellipse">
+            <a:avLst/>
+          </a:prstGeom>
+          <a:solidFill>
+            <a:srgbClr val="FFCC00"/>
+          </a:solidFill>
+          <a:ln>
+            <a:solidFill>
+              <a:srgbClr val="FF9900"/>
+            </a:solidFill>
+          </a:ln>
+        </p:spPr>
+        <p:style>
+          <a:lnRef idx="2">
+            <a:schemeClr val="accent1">
+              <a:shade val="50000"/>
+            </a:schemeClr>
+          </a:lnRef>
+          <a:fillRef idx="1">
+            <a:schemeClr val="accent1"/>
+          </a:fillRef>
+          <a:effectRef idx="0">
+            <a:schemeClr val="accent1"/>
+          </a:effectRef>
+          <a:fontRef idx="minor">
+            <a:schemeClr val="lt1"/>
+          </a:fontRef>
+        </p:style>
+        <p:txBody>
+          <a:bodyPr rtlCol="0" anchor="ctr"/>
+          <a:lstStyle/>
+          <a:p>
+            <a:pPr algn="ctr"/>
+            <a:endParaRPr lang="en-US"/>
+          </a:p>
+        </p:txBody>
+      </p:sp>
+      <p:sp>
+        <p:nvSpPr>
+          <p:cNvPr id="103" name="Oval 102"/>
+          <p:cNvSpPr/>
+          <p:nvPr/>
+        </p:nvSpPr>
+        <p:spPr>
+          <a:xfrm>
+            <a:off x="6229280" y="9485580"/>
+            <a:ext cx="76200" cy="76200"/>
+          </a:xfrm>
+          <a:prstGeom prst="ellipse">
+            <a:avLst/>
+          </a:prstGeom>
+          <a:solidFill>
+            <a:srgbClr val="FFCC00"/>
+          </a:solidFill>
+          <a:ln>
+            <a:solidFill>
+              <a:srgbClr val="FF9900"/>
+            </a:solidFill>
+          </a:ln>
+        </p:spPr>
+        <p:style>
+          <a:lnRef idx="2">
+            <a:schemeClr val="accent1">
+              <a:shade val="50000"/>
+            </a:schemeClr>
+          </a:lnRef>
+          <a:fillRef idx="1">
+            <a:schemeClr val="accent1"/>
+          </a:fillRef>
+          <a:effectRef idx="0">
+            <a:schemeClr val="accent1"/>
+          </a:effectRef>
+          <a:fontRef idx="minor">
+            <a:schemeClr val="lt1"/>
+          </a:fontRef>
+        </p:style>
+        <p:txBody>
+          <a:bodyPr rtlCol="0" anchor="ctr"/>
+          <a:lstStyle/>
+          <a:p>
+            <a:pPr algn="ctr"/>
+            <a:endParaRPr lang="en-US"/>
+          </a:p>
+        </p:txBody>
+      </p:sp>
+      <p:sp>
+        <p:nvSpPr>
+          <p:cNvPr id="104" name="Oval 103"/>
+          <p:cNvSpPr/>
+          <p:nvPr/>
+        </p:nvSpPr>
+        <p:spPr>
+          <a:xfrm>
+            <a:off x="5624444" y="9404369"/>
+            <a:ext cx="76200" cy="76200"/>
+          </a:xfrm>
+          <a:prstGeom prst="ellipse">
+            <a:avLst/>
+          </a:prstGeom>
+          <a:solidFill>
+            <a:srgbClr val="FFCC00"/>
+          </a:solidFill>
+          <a:ln>
+            <a:solidFill>
+              <a:srgbClr val="FF9900"/>
+            </a:solidFill>
+          </a:ln>
+        </p:spPr>
+        <p:style>
+          <a:lnRef idx="2">
+            <a:schemeClr val="accent1">
+              <a:shade val="50000"/>
+            </a:schemeClr>
+          </a:lnRef>
+          <a:fillRef idx="1">
+            <a:schemeClr val="accent1"/>
+          </a:fillRef>
+          <a:effectRef idx="0">
+            <a:schemeClr val="accent1"/>
+          </a:effectRef>
+          <a:fontRef idx="minor">
+            <a:schemeClr val="lt1"/>
+          </a:fontRef>
+        </p:style>
+        <p:txBody>
+          <a:bodyPr rtlCol="0" anchor="ctr"/>
+          <a:lstStyle/>
+          <a:p>
+            <a:pPr algn="ctr"/>
+            <a:endParaRPr lang="en-US"/>
+          </a:p>
+        </p:txBody>
+      </p:sp>
+      <p:sp>
+        <p:nvSpPr>
+          <p:cNvPr id="105" name="Oval 104"/>
+          <p:cNvSpPr/>
+          <p:nvPr/>
+        </p:nvSpPr>
+        <p:spPr>
+          <a:xfrm>
+            <a:off x="5113903" y="9485580"/>
+            <a:ext cx="76200" cy="76200"/>
+          </a:xfrm>
+          <a:prstGeom prst="ellipse">
+            <a:avLst/>
+          </a:prstGeom>
+          <a:solidFill>
+            <a:srgbClr val="FFCC00"/>
+          </a:solidFill>
+          <a:ln>
+            <a:solidFill>
+              <a:srgbClr val="FF9900"/>
+            </a:solidFill>
+          </a:ln>
+        </p:spPr>
+        <p:style>
+          <a:lnRef idx="2">
+            <a:schemeClr val="accent1">
+              <a:shade val="50000"/>
+            </a:schemeClr>
+          </a:lnRef>
+          <a:fillRef idx="1">
+            <a:schemeClr val="accent1"/>
+          </a:fillRef>
+          <a:effectRef idx="0">
+            <a:schemeClr val="accent1"/>
+          </a:effectRef>
+          <a:fontRef idx="minor">
+            <a:schemeClr val="lt1"/>
+          </a:fontRef>
+        </p:style>
+        <p:txBody>
+          <a:bodyPr rtlCol="0" anchor="ctr"/>
+          <a:lstStyle/>
+          <a:p>
+            <a:pPr algn="ctr"/>
+            <a:endParaRPr lang="en-US"/>
+          </a:p>
+        </p:txBody>
+      </p:sp>
+      <p:sp>
+        <p:nvSpPr>
+          <p:cNvPr id="106" name="TextBox 105"/>
+          <p:cNvSpPr txBox="1"/>
+          <p:nvPr/>
+        </p:nvSpPr>
+        <p:spPr>
+          <a:xfrm>
+            <a:off x="3327943" y="9598111"/>
+            <a:ext cx="1210588" cy="461665"/>
+          </a:xfrm>
+          <a:prstGeom prst="rect">
+            <a:avLst/>
+          </a:prstGeom>
+          <a:solidFill>
+            <a:schemeClr val="bg1"/>
+          </a:solidFill>
+          <a:ln w="28575">
+            <a:noFill/>
+          </a:ln>
+        </p:spPr>
+        <p:txBody>
+          <a:bodyPr wrap="none" rtlCol="0">
+            <a:spAutoFit/>
+          </a:bodyPr>
+          <a:lstStyle/>
+          <a:p>
+            <a:pPr algn="ctr"/>
+            <a:r>
+              <a:rPr lang="en-US" sz="2400" dirty="0" smtClean="0"/>
+              <a:t>Ba</a:t>
+            </a:r>
+            <a:r>
+              <a:rPr lang="en-US" sz="2400" baseline="30000" dirty="0" smtClean="0"/>
+              <a:t>+</a:t>
+            </a:r>
+            <a:r>
+              <a:rPr lang="en-US" sz="2400" dirty="0" smtClean="0"/>
+              <a:t> ions</a:t>
+            </a:r>
+            <a:endParaRPr lang="en-US" sz="2400" dirty="0"/>
+          </a:p>
+        </p:txBody>
+      </p:sp>
+      <p:sp>
+        <p:nvSpPr>
+          <p:cNvPr id="108" name="TextBox 107"/>
+          <p:cNvSpPr txBox="1"/>
+          <p:nvPr/>
+        </p:nvSpPr>
+        <p:spPr>
+          <a:xfrm>
+            <a:off x="3154655" y="8213054"/>
+            <a:ext cx="2190215" cy="461665"/>
+          </a:xfrm>
+          <a:prstGeom prst="rect">
+            <a:avLst/>
+          </a:prstGeom>
+          <a:noFill/>
+        </p:spPr>
+        <p:txBody>
+          <a:bodyPr wrap="none" rtlCol="0">
+            <a:spAutoFit/>
+          </a:bodyPr>
+          <a:lstStyle/>
+          <a:p>
+            <a:r>
+              <a:rPr lang="en-US" sz="2400" dirty="0" smtClean="0"/>
+              <a:t>Induction Plates</a:t>
+            </a:r>
+            <a:endParaRPr lang="en-US" sz="2400" dirty="0"/>
+          </a:p>
+        </p:txBody>
+      </p:sp>
+      <p:sp>
+        <p:nvSpPr>
+          <p:cNvPr id="81" name="Rectangle 80"/>
+          <p:cNvSpPr/>
+          <p:nvPr/>
+        </p:nvSpPr>
+        <p:spPr>
+          <a:xfrm rot="10800000">
+            <a:off x="6405034" y="7168528"/>
+            <a:ext cx="151707" cy="775449"/>
+          </a:xfrm>
+          <a:prstGeom prst="rect">
+            <a:avLst/>
+          </a:prstGeom>
+          <a:solidFill>
+            <a:schemeClr val="bg1">
+              <a:lumMod val="50000"/>
+            </a:schemeClr>
+          </a:solidFill>
+          <a:ln>
+            <a:solidFill>
+              <a:schemeClr val="tx1">
+                <a:lumMod val="50000"/>
+                <a:lumOff val="50000"/>
+              </a:schemeClr>
+            </a:solidFill>
+          </a:ln>
+        </p:spPr>
+        <p:style>
+          <a:lnRef idx="2">
+            <a:schemeClr val="accent1">
+              <a:shade val="50000"/>
+            </a:schemeClr>
+          </a:lnRef>
+          <a:fillRef idx="1">
+            <a:schemeClr val="accent1"/>
+          </a:fillRef>
+          <a:effectRef idx="0">
+            <a:schemeClr val="accent1"/>
+          </a:effectRef>
+          <a:fontRef idx="minor">
+            <a:schemeClr val="lt1"/>
+          </a:fontRef>
+        </p:style>
+        <p:txBody>
+          <a:bodyPr rtlCol="0" anchor="ctr"/>
+          <a:lstStyle/>
+          <a:p>
+            <a:pPr algn="ctr"/>
+            <a:endParaRPr lang="en-US"/>
+          </a:p>
+        </p:txBody>
+      </p:sp>
+      <p:sp>
+        <p:nvSpPr>
+          <p:cNvPr id="83" name="Freeform 82"/>
+          <p:cNvSpPr/>
+          <p:nvPr/>
+        </p:nvSpPr>
+        <p:spPr>
+          <a:xfrm>
+            <a:off x="6111830" y="7817871"/>
+            <a:ext cx="737422" cy="823406"/>
+          </a:xfrm>
+          <a:custGeom>
+            <a:avLst/>
+            <a:gdLst>
+              <a:gd name="connsiteX0" fmla="*/ 0 w 666750"/>
+              <a:gd name="connsiteY0" fmla="*/ 0 h 800100"/>
+              <a:gd name="connsiteX1" fmla="*/ 666750 w 666750"/>
+              <a:gd name="connsiteY1" fmla="*/ 0 h 800100"/>
+              <a:gd name="connsiteX2" fmla="*/ 666750 w 666750"/>
+              <a:gd name="connsiteY2" fmla="*/ 800100 h 800100"/>
+              <a:gd name="connsiteX3" fmla="*/ 9525 w 666750"/>
+              <a:gd name="connsiteY3" fmla="*/ 800100 h 800100"/>
+              <a:gd name="connsiteX4" fmla="*/ 9525 w 666750"/>
+              <a:gd name="connsiteY4" fmla="*/ 619125 h 800100"/>
+              <a:gd name="connsiteX5" fmla="*/ 390525 w 666750"/>
+              <a:gd name="connsiteY5" fmla="*/ 619125 h 800100"/>
+              <a:gd name="connsiteX6" fmla="*/ 485775 w 666750"/>
+              <a:gd name="connsiteY6" fmla="*/ 523875 h 800100"/>
+              <a:gd name="connsiteX7" fmla="*/ 485775 w 666750"/>
+              <a:gd name="connsiteY7" fmla="*/ 295275 h 800100"/>
+              <a:gd name="connsiteX8" fmla="*/ 390525 w 666750"/>
+              <a:gd name="connsiteY8" fmla="*/ 200025 h 800100"/>
+              <a:gd name="connsiteX9" fmla="*/ 9525 w 666750"/>
+              <a:gd name="connsiteY9" fmla="*/ 200025 h 800100"/>
+              <a:gd name="connsiteX10" fmla="*/ 0 w 666750"/>
+              <a:gd name="connsiteY10" fmla="*/ 0 h 800100"/>
+            </a:gdLst>
+            <a:ahLst/>
+            <a:cxnLst>
+              <a:cxn ang="0">
+                <a:pos x="connsiteX0" y="connsiteY0"/>
+              </a:cxn>
+              <a:cxn ang="0">
+                <a:pos x="connsiteX1" y="connsiteY1"/>
+              </a:cxn>
+              <a:cxn ang="0">
+                <a:pos x="connsiteX2" y="connsiteY2"/>
+              </a:cxn>
+              <a:cxn ang="0">
+                <a:pos x="connsiteX3" y="connsiteY3"/>
+              </a:cxn>
+              <a:cxn ang="0">
+                <a:pos x="connsiteX4" y="connsiteY4"/>
+              </a:cxn>
+              <a:cxn ang="0">
+                <a:pos x="connsiteX5" y="connsiteY5"/>
+              </a:cxn>
+              <a:cxn ang="0">
+                <a:pos x="connsiteX6" y="connsiteY6"/>
+              </a:cxn>
+              <a:cxn ang="0">
+                <a:pos x="connsiteX7" y="connsiteY7"/>
+              </a:cxn>
+              <a:cxn ang="0">
+                <a:pos x="connsiteX8" y="connsiteY8"/>
+              </a:cxn>
+              <a:cxn ang="0">
+                <a:pos x="connsiteX9" y="connsiteY9"/>
+              </a:cxn>
+              <a:cxn ang="0">
+                <a:pos x="connsiteX10" y="connsiteY10"/>
+              </a:cxn>
+            </a:cxnLst>
+            <a:rect l="l" t="t" r="r" b="b"/>
+            <a:pathLst>
+              <a:path w="666750" h="800100">
+                <a:moveTo>
+                  <a:pt x="0" y="0"/>
+                </a:moveTo>
+                <a:lnTo>
+                  <a:pt x="666750" y="0"/>
+                </a:lnTo>
+                <a:lnTo>
+                  <a:pt x="666750" y="800100"/>
+                </a:lnTo>
+                <a:lnTo>
+                  <a:pt x="9525" y="800100"/>
+                </a:lnTo>
+                <a:lnTo>
+                  <a:pt x="9525" y="619125"/>
+                </a:lnTo>
+                <a:lnTo>
+                  <a:pt x="390525" y="619125"/>
+                </a:lnTo>
+                <a:lnTo>
+                  <a:pt x="485775" y="523875"/>
+                </a:lnTo>
+                <a:lnTo>
+                  <a:pt x="485775" y="295275"/>
+                </a:lnTo>
+                <a:lnTo>
+                  <a:pt x="390525" y="200025"/>
+                </a:lnTo>
+                <a:lnTo>
+                  <a:pt x="9525" y="200025"/>
+                </a:lnTo>
+                <a:lnTo>
+                  <a:pt x="0" y="0"/>
+                </a:lnTo>
+                <a:close/>
+              </a:path>
+            </a:pathLst>
+          </a:custGeom>
+          <a:solidFill>
+            <a:schemeClr val="bg1">
+              <a:lumMod val="65000"/>
+            </a:schemeClr>
+          </a:solidFill>
+          <a:ln>
+            <a:solidFill>
+              <a:schemeClr val="tx1">
+                <a:lumMod val="50000"/>
+                <a:lumOff val="50000"/>
+              </a:schemeClr>
+            </a:solidFill>
+          </a:ln>
+        </p:spPr>
+        <p:style>
+          <a:lnRef idx="2">
+            <a:schemeClr val="accent1">
+              <a:shade val="50000"/>
+            </a:schemeClr>
+          </a:lnRef>
+          <a:fillRef idx="1">
+            <a:schemeClr val="accent1"/>
+          </a:fillRef>
+          <a:effectRef idx="0">
+            <a:schemeClr val="accent1"/>
+          </a:effectRef>
+          <a:fontRef idx="minor">
+            <a:schemeClr val="lt1"/>
+          </a:fontRef>
+        </p:style>
+        <p:txBody>
+          <a:bodyPr rtlCol="0" anchor="ctr"/>
+          <a:lstStyle/>
+          <a:p>
+            <a:pPr algn="ctr"/>
+            <a:endParaRPr lang="en-US">
+              <a:solidFill>
+                <a:srgbClr val="FF0000"/>
+              </a:solidFill>
+            </a:endParaRPr>
+          </a:p>
+        </p:txBody>
+      </p:sp>
+      <p:sp>
+        <p:nvSpPr>
+          <p:cNvPr id="110" name="Double Wave 109"/>
+          <p:cNvSpPr/>
+          <p:nvPr/>
+        </p:nvSpPr>
+        <p:spPr>
+          <a:xfrm rot="16200000">
+            <a:off x="6377340" y="6983672"/>
+            <a:ext cx="217311" cy="304800"/>
+          </a:xfrm>
+          <a:prstGeom prst="doubleWave">
+            <a:avLst/>
+          </a:prstGeom>
+          <a:solidFill>
+            <a:schemeClr val="bg1">
+              <a:lumMod val="65000"/>
+            </a:schemeClr>
+          </a:solidFill>
+          <a:ln>
+            <a:noFill/>
+          </a:ln>
+        </p:spPr>
+        <p:style>
+          <a:lnRef idx="2">
+            <a:schemeClr val="accent1">
+              <a:shade val="50000"/>
+            </a:schemeClr>
+          </a:lnRef>
+          <a:fillRef idx="1">
+            <a:schemeClr val="accent1"/>
+          </a:fillRef>
+          <a:effectRef idx="0">
+            <a:schemeClr val="accent1"/>
+          </a:effectRef>
+          <a:fontRef idx="minor">
+            <a:schemeClr val="lt1"/>
+          </a:fontRef>
+        </p:style>
+        <p:txBody>
+          <a:bodyPr rtlCol="0" anchor="ctr"/>
+          <a:lstStyle/>
+          <a:p>
+            <a:pPr algn="ctr"/>
+            <a:endParaRPr lang="en-US"/>
+          </a:p>
+        </p:txBody>
+      </p:sp>
+      <p:sp>
+        <p:nvSpPr>
+          <p:cNvPr id="111" name="Double Wave 110"/>
+          <p:cNvSpPr/>
+          <p:nvPr/>
+        </p:nvSpPr>
+        <p:spPr>
+          <a:xfrm rot="16200000">
+            <a:off x="6378639" y="6770069"/>
+            <a:ext cx="217311" cy="304800"/>
+          </a:xfrm>
+          <a:prstGeom prst="doubleWave">
+            <a:avLst/>
+          </a:prstGeom>
+          <a:solidFill>
+            <a:schemeClr val="bg1">
+              <a:lumMod val="65000"/>
+            </a:schemeClr>
+          </a:solidFill>
+          <a:ln>
+            <a:noFill/>
+          </a:ln>
+        </p:spPr>
+        <p:style>
+          <a:lnRef idx="2">
+            <a:schemeClr val="accent1">
+              <a:shade val="50000"/>
+            </a:schemeClr>
+          </a:lnRef>
+          <a:fillRef idx="1">
+            <a:schemeClr val="accent1"/>
+          </a:fillRef>
+          <a:effectRef idx="0">
+            <a:schemeClr val="accent1"/>
+          </a:effectRef>
+          <a:fontRef idx="minor">
+            <a:schemeClr val="lt1"/>
+          </a:fontRef>
+        </p:style>
+        <p:txBody>
+          <a:bodyPr rtlCol="0" anchor="ctr"/>
+          <a:lstStyle/>
+          <a:p>
+            <a:pPr algn="ctr"/>
+            <a:endParaRPr lang="en-US"/>
+          </a:p>
+        </p:txBody>
+      </p:sp>
+      <p:sp>
+        <p:nvSpPr>
+          <p:cNvPr id="112" name="Rectangle 111"/>
+          <p:cNvSpPr/>
+          <p:nvPr/>
+        </p:nvSpPr>
+        <p:spPr>
+          <a:xfrm rot="10800000">
+            <a:off x="6304068" y="6742634"/>
+            <a:ext cx="367665" cy="71179"/>
+          </a:xfrm>
+          <a:prstGeom prst="rect">
+            <a:avLst/>
+          </a:prstGeom>
+          <a:solidFill>
+            <a:schemeClr val="bg1">
+              <a:lumMod val="65000"/>
+            </a:schemeClr>
+          </a:solidFill>
+          <a:ln>
+            <a:solidFill>
+              <a:schemeClr val="tx1">
+                <a:lumMod val="50000"/>
+                <a:lumOff val="50000"/>
+              </a:schemeClr>
+            </a:solidFill>
+          </a:ln>
+        </p:spPr>
+        <p:style>
+          <a:lnRef idx="2">
+            <a:schemeClr val="accent1">
+              <a:shade val="50000"/>
+            </a:schemeClr>
+          </a:lnRef>
+          <a:fillRef idx="1">
+            <a:schemeClr val="accent1"/>
+          </a:fillRef>
+          <a:effectRef idx="0">
+            <a:schemeClr val="accent1"/>
+          </a:effectRef>
+          <a:fontRef idx="minor">
+            <a:schemeClr val="lt1"/>
+          </a:fontRef>
+        </p:style>
+        <p:txBody>
+          <a:bodyPr rtlCol="0" anchor="ctr"/>
+          <a:lstStyle/>
+          <a:p>
+            <a:pPr algn="ctr"/>
+            <a:endParaRPr lang="en-US"/>
+          </a:p>
+        </p:txBody>
+      </p:sp>
+      <p:sp>
+        <p:nvSpPr>
+          <p:cNvPr id="113" name="Rectangle 112"/>
+          <p:cNvSpPr/>
+          <p:nvPr/>
+        </p:nvSpPr>
+        <p:spPr>
+          <a:xfrm rot="10800000">
+            <a:off x="6419406" y="4584986"/>
+            <a:ext cx="151707" cy="2157647"/>
+          </a:xfrm>
+          <a:prstGeom prst="rect">
+            <a:avLst/>
+          </a:prstGeom>
+          <a:solidFill>
+            <a:schemeClr val="bg1">
+              <a:lumMod val="50000"/>
+            </a:schemeClr>
+          </a:solidFill>
+          <a:ln>
+            <a:solidFill>
+              <a:schemeClr val="tx1">
+                <a:lumMod val="50000"/>
+                <a:lumOff val="50000"/>
+              </a:schemeClr>
+            </a:solidFill>
+          </a:ln>
+        </p:spPr>
+        <p:style>
+          <a:lnRef idx="2">
+            <a:schemeClr val="accent1">
+              <a:shade val="50000"/>
+            </a:schemeClr>
+          </a:lnRef>
+          <a:fillRef idx="1">
+            <a:schemeClr val="accent1"/>
+          </a:fillRef>
+          <a:effectRef idx="0">
+            <a:schemeClr val="accent1"/>
+          </a:effectRef>
+          <a:fontRef idx="minor">
+            <a:schemeClr val="lt1"/>
+          </a:fontRef>
+        </p:style>
+        <p:txBody>
+          <a:bodyPr rtlCol="0" anchor="ctr"/>
+          <a:lstStyle/>
+          <a:p>
+            <a:pPr algn="ctr"/>
+            <a:endParaRPr lang="en-US"/>
+          </a:p>
+        </p:txBody>
+      </p:sp>
+      <p:sp>
+        <p:nvSpPr>
+          <p:cNvPr id="114" name="Rectangle 113"/>
+          <p:cNvSpPr/>
+          <p:nvPr/>
+        </p:nvSpPr>
+        <p:spPr>
+          <a:xfrm rot="10800000">
+            <a:off x="6373339" y="4614386"/>
+            <a:ext cx="243840" cy="387725"/>
+          </a:xfrm>
+          <a:prstGeom prst="rect">
+            <a:avLst/>
+          </a:prstGeom>
+          <a:solidFill>
+            <a:schemeClr val="tx1">
+              <a:lumMod val="75000"/>
+              <a:lumOff val="25000"/>
+            </a:schemeClr>
+          </a:solidFill>
+          <a:ln>
+            <a:noFill/>
+          </a:ln>
+        </p:spPr>
+        <p:style>
+          <a:lnRef idx="2">
+            <a:schemeClr val="accent1">
+              <a:shade val="50000"/>
+            </a:schemeClr>
+          </a:lnRef>
+          <a:fillRef idx="1">
+            <a:schemeClr val="accent1"/>
+          </a:fillRef>
+          <a:effectRef idx="0">
+            <a:schemeClr val="accent1"/>
+          </a:effectRef>
+          <a:fontRef idx="minor">
+            <a:schemeClr val="lt1"/>
+          </a:fontRef>
+        </p:style>
+        <p:txBody>
+          <a:bodyPr rtlCol="0" anchor="ctr"/>
+          <a:lstStyle/>
+          <a:p>
+            <a:pPr algn="ctr"/>
+            <a:endParaRPr lang="en-US"/>
+          </a:p>
+        </p:txBody>
+      </p:sp>
+      <p:sp>
+        <p:nvSpPr>
+          <p:cNvPr id="115" name="Double Wave 114"/>
+          <p:cNvSpPr/>
+          <p:nvPr/>
+        </p:nvSpPr>
+        <p:spPr>
+          <a:xfrm rot="16200000">
+            <a:off x="6372580" y="7200981"/>
+            <a:ext cx="217311" cy="304800"/>
+          </a:xfrm>
+          <a:prstGeom prst="doubleWave">
+            <a:avLst/>
+          </a:prstGeom>
+          <a:solidFill>
+            <a:schemeClr val="bg1">
+              <a:lumMod val="65000"/>
+            </a:schemeClr>
+          </a:solidFill>
+          <a:ln>
+            <a:noFill/>
+          </a:ln>
+        </p:spPr>
+        <p:style>
+          <a:lnRef idx="2">
+            <a:schemeClr val="accent1">
+              <a:shade val="50000"/>
+            </a:schemeClr>
+          </a:lnRef>
+          <a:fillRef idx="1">
+            <a:schemeClr val="accent1"/>
+          </a:fillRef>
+          <a:effectRef idx="0">
+            <a:schemeClr val="accent1"/>
+          </a:effectRef>
+          <a:fontRef idx="minor">
+            <a:schemeClr val="lt1"/>
+          </a:fontRef>
+        </p:style>
+        <p:txBody>
+          <a:bodyPr rtlCol="0" anchor="ctr"/>
+          <a:lstStyle/>
+          <a:p>
+            <a:pPr algn="ctr"/>
+            <a:endParaRPr lang="en-US"/>
+          </a:p>
+        </p:txBody>
+      </p:sp>
+      <p:sp>
+        <p:nvSpPr>
+          <p:cNvPr id="116" name="Rectangle 115"/>
+          <p:cNvSpPr/>
+          <p:nvPr/>
+        </p:nvSpPr>
+        <p:spPr>
+          <a:xfrm rot="10800000">
+            <a:off x="6297402" y="7428434"/>
+            <a:ext cx="367665" cy="71179"/>
+          </a:xfrm>
+          <a:prstGeom prst="rect">
+            <a:avLst/>
+          </a:prstGeom>
+          <a:solidFill>
+            <a:schemeClr val="bg1">
+              <a:lumMod val="65000"/>
+            </a:schemeClr>
+          </a:solidFill>
+          <a:ln>
+            <a:solidFill>
+              <a:schemeClr val="tx1">
+                <a:lumMod val="50000"/>
+                <a:lumOff val="50000"/>
+              </a:schemeClr>
+            </a:solidFill>
+          </a:ln>
+        </p:spPr>
+        <p:style>
+          <a:lnRef idx="2">
+            <a:schemeClr val="accent1">
+              <a:shade val="50000"/>
+            </a:schemeClr>
+          </a:lnRef>
+          <a:fillRef idx="1">
+            <a:schemeClr val="accent1"/>
+          </a:fillRef>
+          <a:effectRef idx="0">
+            <a:schemeClr val="accent1"/>
+          </a:effectRef>
+          <a:fontRef idx="minor">
+            <a:schemeClr val="lt1"/>
+          </a:fontRef>
+        </p:style>
+        <p:txBody>
+          <a:bodyPr rtlCol="0" anchor="ctr"/>
+          <a:lstStyle/>
+          <a:p>
+            <a:pPr algn="ctr"/>
+            <a:endParaRPr lang="en-US"/>
+          </a:p>
+        </p:txBody>
+      </p:sp>
+      <p:cxnSp>
+        <p:nvCxnSpPr>
+          <p:cNvPr id="117" name="Straight Arrow Connector 116"/>
+          <p:cNvCxnSpPr/>
+          <p:nvPr/>
+        </p:nvCxnSpPr>
+        <p:spPr>
+          <a:xfrm rot="10800000" flipH="1" flipV="1">
+            <a:off x="6481235" y="6863483"/>
+            <a:ext cx="1" cy="510618"/>
+          </a:xfrm>
+          <a:prstGeom prst="straightConnector1">
+            <a:avLst/>
+          </a:prstGeom>
+          <a:ln w="38100">
+            <a:solidFill>
+              <a:schemeClr val="tx1"/>
+            </a:solidFill>
+            <a:headEnd type="triangle" w="med" len="med"/>
+            <a:tailEnd type="triangle" w="med" len="med"/>
+          </a:ln>
+        </p:spPr>
+        <p:style>
+          <a:lnRef idx="1">
+            <a:schemeClr val="accent1"/>
+          </a:lnRef>
+          <a:fillRef idx="0">
+            <a:schemeClr val="accent1"/>
+          </a:fillRef>
+          <a:effectRef idx="0">
+            <a:schemeClr val="accent1"/>
+          </a:effectRef>
+          <a:fontRef idx="minor">
+            <a:schemeClr val="tx1"/>
+          </a:fontRef>
+        </p:style>
+      </p:cxnSp>
+      <p:sp>
+        <p:nvSpPr>
+          <p:cNvPr id="118" name="Flowchart: Stored Data 117"/>
+          <p:cNvSpPr/>
+          <p:nvPr/>
+        </p:nvSpPr>
+        <p:spPr>
+          <a:xfrm>
+            <a:off x="13499557" y="8450401"/>
+            <a:ext cx="441575" cy="2115786"/>
+          </a:xfrm>
+          <a:prstGeom prst="flowChartOnlineStorage">
+            <a:avLst/>
+          </a:prstGeom>
+          <a:solidFill>
+            <a:schemeClr val="accent1">
+              <a:lumMod val="40000"/>
+              <a:lumOff val="60000"/>
+            </a:schemeClr>
+          </a:solidFill>
+          <a:ln w="19050">
+            <a:solidFill>
+              <a:schemeClr val="accent1">
+                <a:lumMod val="75000"/>
+              </a:schemeClr>
+            </a:solidFill>
+          </a:ln>
+        </p:spPr>
+        <p:style>
+          <a:lnRef idx="2">
+            <a:schemeClr val="accent1">
+              <a:shade val="50000"/>
+            </a:schemeClr>
+          </a:lnRef>
+          <a:fillRef idx="1">
+            <a:schemeClr val="accent1"/>
+          </a:fillRef>
+          <a:effectRef idx="0">
+            <a:schemeClr val="accent1"/>
+          </a:effectRef>
+          <a:fontRef idx="minor">
+            <a:schemeClr val="lt1"/>
+          </a:fontRef>
+        </p:style>
+        <p:txBody>
+          <a:bodyPr rtlCol="0" anchor="ctr"/>
+          <a:lstStyle/>
+          <a:p>
+            <a:pPr algn="ctr"/>
+            <a:endParaRPr lang="en-US"/>
+          </a:p>
+        </p:txBody>
+      </p:sp>
+      <p:sp>
+        <p:nvSpPr>
+          <p:cNvPr id="119" name="Oval 118"/>
+          <p:cNvSpPr/>
+          <p:nvPr/>
+        </p:nvSpPr>
+        <p:spPr>
+          <a:xfrm>
+            <a:off x="13863078" y="8450400"/>
+            <a:ext cx="156110" cy="2115786"/>
+          </a:xfrm>
+          <a:prstGeom prst="ellipse">
+            <a:avLst/>
+          </a:prstGeom>
+          <a:solidFill>
+            <a:schemeClr val="accent1">
+              <a:lumMod val="20000"/>
+              <a:lumOff val="80000"/>
+            </a:schemeClr>
+          </a:solidFill>
+          <a:ln w="19050">
+            <a:solidFill>
+              <a:schemeClr val="accent1">
+                <a:lumMod val="75000"/>
+              </a:schemeClr>
+            </a:solidFill>
+          </a:ln>
+        </p:spPr>
+        <p:style>
+          <a:lnRef idx="2">
+            <a:schemeClr val="accent1">
+              <a:shade val="50000"/>
+            </a:schemeClr>
+          </a:lnRef>
+          <a:fillRef idx="1">
+            <a:schemeClr val="accent1"/>
+          </a:fillRef>
+          <a:effectRef idx="0">
+            <a:schemeClr val="accent1"/>
+          </a:effectRef>
+          <a:fontRef idx="minor">
+            <a:schemeClr val="lt1"/>
+          </a:fontRef>
+        </p:style>
+        <p:txBody>
+          <a:bodyPr rtlCol="0" anchor="ctr"/>
+          <a:lstStyle/>
+          <a:p>
+            <a:pPr algn="ctr"/>
+            <a:endParaRPr lang="en-US"/>
+          </a:p>
+        </p:txBody>
+      </p:sp>
+      <p:sp>
+        <p:nvSpPr>
+          <p:cNvPr id="120" name="TextBox 119"/>
+          <p:cNvSpPr txBox="1"/>
+          <p:nvPr/>
+        </p:nvSpPr>
+        <p:spPr>
+          <a:xfrm>
+            <a:off x="13506244" y="7591153"/>
+            <a:ext cx="1866729" cy="461665"/>
+          </a:xfrm>
+          <a:prstGeom prst="rect">
+            <a:avLst/>
+          </a:prstGeom>
+          <a:noFill/>
+        </p:spPr>
+        <p:txBody>
+          <a:bodyPr wrap="none" rtlCol="0">
+            <a:spAutoFit/>
+          </a:bodyPr>
+          <a:lstStyle/>
+          <a:p>
+            <a:r>
+              <a:rPr lang="en-US" sz="2400" dirty="0" smtClean="0"/>
+              <a:t>Compensator</a:t>
+            </a:r>
+            <a:endParaRPr lang="en-US" sz="2400" dirty="0"/>
+          </a:p>
+        </p:txBody>
+      </p:sp>
+      <p:cxnSp>
+        <p:nvCxnSpPr>
+          <p:cNvPr id="122" name="Straight Arrow Connector 121"/>
+          <p:cNvCxnSpPr/>
+          <p:nvPr/>
+        </p:nvCxnSpPr>
+        <p:spPr>
+          <a:xfrm>
+            <a:off x="13746857" y="7991472"/>
+            <a:ext cx="1" cy="383045"/>
+          </a:xfrm>
+          <a:prstGeom prst="straightConnector1">
+            <a:avLst/>
+          </a:prstGeom>
+          <a:ln w="19050">
+            <a:solidFill>
+              <a:schemeClr val="tx1"/>
+            </a:solidFill>
+            <a:tailEnd type="arrow"/>
+          </a:ln>
+        </p:spPr>
+        <p:style>
+          <a:lnRef idx="1">
+            <a:schemeClr val="accent1"/>
+          </a:lnRef>
+          <a:fillRef idx="0">
+            <a:schemeClr val="accent1"/>
+          </a:fillRef>
+          <a:effectRef idx="0">
+            <a:schemeClr val="accent1"/>
+          </a:effectRef>
+          <a:fontRef idx="minor">
+            <a:schemeClr val="tx1"/>
+          </a:fontRef>
+        </p:style>
+      </p:cxnSp>
+      <p:sp>
+        <p:nvSpPr>
+          <p:cNvPr id="126" name="Right Triangle 125"/>
+          <p:cNvSpPr/>
+          <p:nvPr/>
+        </p:nvSpPr>
+        <p:spPr>
+          <a:xfrm>
+            <a:off x="11123362" y="5495456"/>
+            <a:ext cx="983312" cy="989086"/>
+          </a:xfrm>
+          <a:prstGeom prst="rtTriangle">
+            <a:avLst/>
+          </a:prstGeom>
+          <a:solidFill>
+            <a:srgbClr val="FF0000">
+              <a:alpha val="50000"/>
+            </a:srgbClr>
+          </a:solidFill>
+          <a:ln>
+            <a:noFill/>
+          </a:ln>
+        </p:spPr>
+        <p:style>
+          <a:lnRef idx="2">
+            <a:schemeClr val="accent1">
+              <a:shade val="50000"/>
+            </a:schemeClr>
+          </a:lnRef>
+          <a:fillRef idx="1">
+            <a:schemeClr val="accent1"/>
+          </a:fillRef>
+          <a:effectRef idx="0">
+            <a:schemeClr val="accent1"/>
+          </a:effectRef>
+          <a:fontRef idx="minor">
+            <a:schemeClr val="lt1"/>
+          </a:fontRef>
+        </p:style>
+        <p:txBody>
+          <a:bodyPr rtlCol="0" anchor="ctr"/>
+          <a:lstStyle/>
+          <a:p>
+            <a:pPr algn="ctr"/>
+            <a:endParaRPr lang="en-US"/>
+          </a:p>
+        </p:txBody>
+      </p:sp>
+      <p:sp>
+        <p:nvSpPr>
+          <p:cNvPr id="125" name="Rectangle 124"/>
+          <p:cNvSpPr/>
+          <p:nvPr/>
+        </p:nvSpPr>
+        <p:spPr>
+          <a:xfrm rot="2700000">
+            <a:off x="10821711" y="6007265"/>
+            <a:ext cx="1676400" cy="76200"/>
+          </a:xfrm>
+          <a:prstGeom prst="rect">
+            <a:avLst/>
+          </a:prstGeom>
+          <a:solidFill>
+            <a:schemeClr val="tx1">
+              <a:lumMod val="75000"/>
+              <a:lumOff val="25000"/>
+            </a:schemeClr>
+          </a:solidFill>
+          <a:ln>
+            <a:noFill/>
+          </a:ln>
+        </p:spPr>
+        <p:style>
+          <a:lnRef idx="2">
+            <a:schemeClr val="accent1">
+              <a:shade val="50000"/>
+            </a:schemeClr>
+          </a:lnRef>
+          <a:fillRef idx="1">
+            <a:schemeClr val="accent1"/>
+          </a:fillRef>
+          <a:effectRef idx="0">
+            <a:schemeClr val="accent1"/>
+          </a:effectRef>
+          <a:fontRef idx="minor">
+            <a:schemeClr val="lt1"/>
+          </a:fontRef>
+        </p:style>
+        <p:txBody>
+          <a:bodyPr rtlCol="0" anchor="ctr"/>
+          <a:lstStyle/>
+          <a:p>
+            <a:pPr algn="ctr"/>
+            <a:endParaRPr lang="en-US"/>
+          </a:p>
+        </p:txBody>
+      </p:sp>
+      <p:sp>
+        <p:nvSpPr>
+          <p:cNvPr id="127" name="Rectangle 126"/>
+          <p:cNvSpPr/>
+          <p:nvPr/>
+        </p:nvSpPr>
+        <p:spPr>
+          <a:xfrm rot="5400000">
+            <a:off x="10063092" y="5473866"/>
+            <a:ext cx="977539" cy="1143001"/>
+          </a:xfrm>
+          <a:prstGeom prst="rect">
+            <a:avLst/>
+          </a:prstGeom>
+          <a:solidFill>
+            <a:srgbClr val="FF0000">
+              <a:alpha val="50000"/>
+            </a:srgbClr>
+          </a:solidFill>
+          <a:ln>
+            <a:noFill/>
+          </a:ln>
+        </p:spPr>
+        <p:style>
+          <a:lnRef idx="2">
+            <a:schemeClr val="accent1">
+              <a:shade val="50000"/>
+            </a:schemeClr>
+          </a:lnRef>
+          <a:fillRef idx="1">
+            <a:schemeClr val="accent1"/>
+          </a:fillRef>
+          <a:effectRef idx="0">
+            <a:schemeClr val="accent1"/>
+          </a:effectRef>
+          <a:fontRef idx="minor">
+            <a:schemeClr val="lt1"/>
+          </a:fontRef>
+        </p:style>
+        <p:txBody>
+          <a:bodyPr lIns="91440" tIns="45720" rIns="91440" bIns="45720" rtlCol="0" anchor="ctr"/>
+          <a:lstStyle/>
+          <a:p>
+            <a:pPr algn="ctr"/>
+            <a:endParaRPr lang="en-US"/>
+          </a:p>
+        </p:txBody>
+      </p:sp>
+      <p:sp>
+        <p:nvSpPr>
+          <p:cNvPr id="129" name="Right Triangle 128"/>
+          <p:cNvSpPr/>
+          <p:nvPr/>
+        </p:nvSpPr>
+        <p:spPr>
+          <a:xfrm rot="10800000">
+            <a:off x="8997049" y="5556597"/>
+            <a:ext cx="983312" cy="989086"/>
+          </a:xfrm>
+          <a:prstGeom prst="rtTriangle">
+            <a:avLst/>
+          </a:prstGeom>
+          <a:solidFill>
+            <a:srgbClr val="FF0000">
+              <a:alpha val="50000"/>
+            </a:srgbClr>
+          </a:solidFill>
+          <a:ln>
+            <a:noFill/>
+          </a:ln>
+        </p:spPr>
+        <p:style>
+          <a:lnRef idx="2">
+            <a:schemeClr val="accent1">
+              <a:shade val="50000"/>
+            </a:schemeClr>
+          </a:lnRef>
+          <a:fillRef idx="1">
+            <a:schemeClr val="accent1"/>
+          </a:fillRef>
+          <a:effectRef idx="0">
+            <a:schemeClr val="accent1"/>
+          </a:effectRef>
+          <a:fontRef idx="minor">
+            <a:schemeClr val="lt1"/>
+          </a:fontRef>
+        </p:style>
+        <p:txBody>
+          <a:bodyPr rtlCol="0" anchor="ctr"/>
+          <a:lstStyle/>
+          <a:p>
+            <a:pPr algn="ctr"/>
+            <a:endParaRPr lang="en-US"/>
+          </a:p>
+        </p:txBody>
+      </p:sp>
+      <p:sp>
+        <p:nvSpPr>
+          <p:cNvPr id="128" name="Rectangle 127"/>
+          <p:cNvSpPr/>
+          <p:nvPr/>
+        </p:nvSpPr>
+        <p:spPr>
+          <a:xfrm rot="2700000">
+            <a:off x="8647605" y="6007264"/>
+            <a:ext cx="1676400" cy="76200"/>
+          </a:xfrm>
+          <a:prstGeom prst="rect">
+            <a:avLst/>
+          </a:prstGeom>
+          <a:solidFill>
+            <a:schemeClr val="tx1">
+              <a:lumMod val="75000"/>
+              <a:lumOff val="25000"/>
+            </a:schemeClr>
+          </a:solidFill>
+          <a:ln>
+            <a:noFill/>
+          </a:ln>
+        </p:spPr>
+        <p:style>
+          <a:lnRef idx="2">
+            <a:schemeClr val="accent1">
+              <a:shade val="50000"/>
+            </a:schemeClr>
+          </a:lnRef>
+          <a:fillRef idx="1">
+            <a:schemeClr val="accent1"/>
+          </a:fillRef>
+          <a:effectRef idx="0">
+            <a:schemeClr val="accent1"/>
+          </a:effectRef>
+          <a:fontRef idx="minor">
+            <a:schemeClr val="lt1"/>
+          </a:fontRef>
+        </p:style>
+        <p:txBody>
+          <a:bodyPr rtlCol="0" anchor="ctr"/>
+          <a:lstStyle/>
+          <a:p>
+            <a:pPr algn="ctr"/>
+            <a:endParaRPr lang="en-US"/>
+          </a:p>
+        </p:txBody>
+      </p:sp>
+      <p:sp>
+        <p:nvSpPr>
+          <p:cNvPr id="130" name="Rectangle 129"/>
+          <p:cNvSpPr/>
+          <p:nvPr/>
+        </p:nvSpPr>
+        <p:spPr>
+          <a:xfrm>
+            <a:off x="9055367" y="4853695"/>
+            <a:ext cx="977539" cy="702902"/>
+          </a:xfrm>
+          <a:prstGeom prst="rect">
+            <a:avLst/>
+          </a:prstGeom>
+          <a:solidFill>
+            <a:srgbClr val="FF0000">
+              <a:alpha val="50000"/>
+            </a:srgbClr>
+          </a:solidFill>
+          <a:ln>
+            <a:noFill/>
+          </a:ln>
+        </p:spPr>
+        <p:style>
+          <a:lnRef idx="2">
+            <a:schemeClr val="accent1">
+              <a:shade val="50000"/>
+            </a:schemeClr>
+          </a:lnRef>
+          <a:fillRef idx="1">
+            <a:schemeClr val="accent1"/>
+          </a:fillRef>
+          <a:effectRef idx="0">
+            <a:schemeClr val="accent1"/>
+          </a:effectRef>
+          <a:fontRef idx="minor">
+            <a:schemeClr val="lt1"/>
+          </a:fontRef>
+        </p:style>
+        <p:txBody>
+          <a:bodyPr lIns="91440" tIns="45720" rIns="91440" bIns="45720" rtlCol="0" anchor="ctr"/>
+          <a:lstStyle/>
+          <a:p>
+            <a:pPr algn="ctr"/>
+            <a:endParaRPr lang="en-US"/>
+          </a:p>
+        </p:txBody>
+      </p:sp>
+      <p:grpSp>
+        <p:nvGrpSpPr>
+          <p:cNvPr id="138" name="Group 137"/>
+          <p:cNvGrpSpPr/>
+          <p:nvPr/>
+        </p:nvGrpSpPr>
+        <p:grpSpPr>
+          <a:xfrm>
+            <a:off x="10923644" y="6914636"/>
+            <a:ext cx="1442365" cy="835812"/>
+            <a:chOff x="10816586" y="4631011"/>
+            <a:chExt cx="1442365" cy="835812"/>
+          </a:xfrm>
+        </p:grpSpPr>
+        <p:sp>
+          <p:nvSpPr>
+            <p:cNvPr id="133" name="Rectangle 132"/>
+            <p:cNvSpPr/>
+            <p:nvPr/>
+          </p:nvSpPr>
+          <p:spPr>
+            <a:xfrm>
+              <a:off x="10933603" y="4739391"/>
+              <a:ext cx="1208330" cy="727432"/>
+            </a:xfrm>
+            <a:prstGeom prst="rect">
+              <a:avLst/>
+            </a:prstGeom>
+            <a:solidFill>
+              <a:schemeClr val="tx1">
+                <a:lumMod val="65000"/>
+                <a:lumOff val="35000"/>
+              </a:schemeClr>
+            </a:solidFill>
+            <a:ln>
+              <a:noFill/>
+            </a:ln>
+          </p:spPr>
+          <p:style>
+            <a:lnRef idx="2">
+              <a:schemeClr val="accent1">
+                <a:shade val="50000"/>
+              </a:schemeClr>
+            </a:lnRef>
+            <a:fillRef idx="1">
+              <a:schemeClr val="accent1"/>
+            </a:fillRef>
+            <a:effectRef idx="0">
+              <a:schemeClr val="accent1"/>
+            </a:effectRef>
+            <a:fontRef idx="minor">
+              <a:schemeClr val="lt1"/>
+            </a:fontRef>
+          </p:style>
+          <p:txBody>
+            <a:bodyPr rtlCol="0" anchor="ctr"/>
+            <a:lstStyle/>
+            <a:p>
+              <a:pPr algn="ctr"/>
+              <a:endParaRPr lang="en-US"/>
+            </a:p>
+          </p:txBody>
+        </p:sp>
+        <p:sp>
+          <p:nvSpPr>
+            <p:cNvPr id="134" name="Isosceles Triangle 133"/>
+            <p:cNvSpPr/>
+            <p:nvPr/>
+          </p:nvSpPr>
+          <p:spPr>
+            <a:xfrm rot="10800000">
+              <a:off x="10816586" y="4631011"/>
+              <a:ext cx="1442365" cy="774466"/>
+            </a:xfrm>
+            <a:prstGeom prst="triangle">
+              <a:avLst/>
+            </a:prstGeom>
+            <a:solidFill>
+              <a:schemeClr val="tx1">
+                <a:lumMod val="65000"/>
+                <a:lumOff val="35000"/>
+              </a:schemeClr>
+            </a:solidFill>
+            <a:ln>
+              <a:noFill/>
+            </a:ln>
+          </p:spPr>
+          <p:style>
+            <a:lnRef idx="2">
+              <a:schemeClr val="accent1">
+                <a:shade val="50000"/>
+              </a:schemeClr>
+            </a:lnRef>
+            <a:fillRef idx="1">
+              <a:schemeClr val="accent1"/>
+            </a:fillRef>
+            <a:effectRef idx="0">
+              <a:schemeClr val="accent1"/>
+            </a:effectRef>
+            <a:fontRef idx="minor">
+              <a:schemeClr val="lt1"/>
+            </a:fontRef>
+          </p:style>
+          <p:txBody>
+            <a:bodyPr rtlCol="0" anchor="ctr"/>
+            <a:lstStyle/>
+            <a:p>
+              <a:pPr algn="ctr"/>
+              <a:endParaRPr lang="en-US"/>
+            </a:p>
+          </p:txBody>
+        </p:sp>
+      </p:grpSp>
+      <p:sp>
+        <p:nvSpPr>
+          <p:cNvPr id="135" name="Rectangle 134"/>
+          <p:cNvSpPr/>
+          <p:nvPr/>
+        </p:nvSpPr>
+        <p:spPr>
+          <a:xfrm rot="10800000">
+            <a:off x="8916311" y="3876142"/>
+            <a:ext cx="1208330" cy="1417687"/>
+          </a:xfrm>
+          <a:prstGeom prst="rect">
+            <a:avLst/>
+          </a:prstGeom>
+          <a:solidFill>
+            <a:schemeClr val="tx1">
+              <a:lumMod val="65000"/>
+              <a:lumOff val="35000"/>
+            </a:schemeClr>
+          </a:solidFill>
+          <a:ln>
+            <a:noFill/>
+          </a:ln>
+        </p:spPr>
+        <p:style>
+          <a:lnRef idx="2">
+            <a:schemeClr val="accent1">
+              <a:shade val="50000"/>
+            </a:schemeClr>
+          </a:lnRef>
+          <a:fillRef idx="1">
+            <a:schemeClr val="accent1"/>
+          </a:fillRef>
+          <a:effectRef idx="0">
+            <a:schemeClr val="accent1"/>
+          </a:effectRef>
+          <a:fontRef idx="minor">
+            <a:schemeClr val="lt1"/>
+          </a:fontRef>
+        </p:style>
+        <p:txBody>
+          <a:bodyPr rtlCol="0" anchor="ctr"/>
+          <a:lstStyle/>
+          <a:p>
+            <a:pPr algn="ctr"/>
+            <a:endParaRPr lang="en-US"/>
+          </a:p>
+        </p:txBody>
+      </p:sp>
+      <p:sp>
+        <p:nvSpPr>
+          <p:cNvPr id="136" name="Isosceles Triangle 135"/>
+          <p:cNvSpPr/>
+          <p:nvPr/>
+        </p:nvSpPr>
+        <p:spPr>
+          <a:xfrm>
+            <a:off x="8799293" y="4627743"/>
+            <a:ext cx="1442365" cy="774466"/>
+          </a:xfrm>
+          <a:prstGeom prst="triangle">
+            <a:avLst/>
+          </a:prstGeom>
+          <a:solidFill>
+            <a:schemeClr val="tx1">
+              <a:lumMod val="65000"/>
+              <a:lumOff val="35000"/>
+            </a:schemeClr>
+          </a:solidFill>
+          <a:ln>
+            <a:noFill/>
+          </a:ln>
+        </p:spPr>
+        <p:style>
+          <a:lnRef idx="2">
+            <a:schemeClr val="accent1">
+              <a:shade val="50000"/>
+            </a:schemeClr>
+          </a:lnRef>
+          <a:fillRef idx="1">
+            <a:schemeClr val="accent1"/>
+          </a:fillRef>
+          <a:effectRef idx="0">
+            <a:schemeClr val="accent1"/>
+          </a:effectRef>
+          <a:fontRef idx="minor">
+            <a:schemeClr val="lt1"/>
+          </a:fontRef>
+        </p:style>
+        <p:txBody>
+          <a:bodyPr rtlCol="0" anchor="ctr"/>
+          <a:lstStyle/>
+          <a:p>
+            <a:pPr algn="ctr"/>
+            <a:endParaRPr lang="en-US"/>
+          </a:p>
+        </p:txBody>
+      </p:sp>
+      <p:sp>
+        <p:nvSpPr>
+          <p:cNvPr id="139" name="Rectangle 138"/>
+          <p:cNvSpPr/>
+          <p:nvPr/>
+        </p:nvSpPr>
+        <p:spPr>
+          <a:xfrm>
+            <a:off x="8058186" y="1691446"/>
+            <a:ext cx="2184696" cy="2184696"/>
+          </a:xfrm>
+          <a:prstGeom prst="rect">
+            <a:avLst/>
+          </a:prstGeom>
+          <a:solidFill>
+            <a:schemeClr val="bg1"/>
+          </a:solidFill>
+          <a:ln>
+            <a:solidFill>
+              <a:schemeClr val="tx1"/>
+            </a:solidFill>
+          </a:ln>
+        </p:spPr>
+        <p:style>
+          <a:lnRef idx="2">
+            <a:schemeClr val="accent1">
+              <a:shade val="50000"/>
+            </a:schemeClr>
+          </a:lnRef>
+          <a:fillRef idx="1">
+            <a:schemeClr val="accent1"/>
+          </a:fillRef>
+          <a:effectRef idx="0">
+            <a:schemeClr val="accent1"/>
+          </a:effectRef>
+          <a:fontRef idx="minor">
+            <a:schemeClr val="lt1"/>
+          </a:fontRef>
+        </p:style>
+        <p:txBody>
+          <a:bodyPr rtlCol="0" anchor="ctr"/>
+          <a:lstStyle/>
+          <a:p>
+            <a:pPr algn="ctr"/>
+            <a:endParaRPr lang="en-US"/>
+          </a:p>
+        </p:txBody>
+      </p:sp>
+      <p:sp>
+        <p:nvSpPr>
+          <p:cNvPr id="141" name="Rectangle 140"/>
+          <p:cNvSpPr/>
+          <p:nvPr/>
+        </p:nvSpPr>
+        <p:spPr>
+          <a:xfrm>
+            <a:off x="7588570" y="1775614"/>
+            <a:ext cx="467506" cy="1544114"/>
+          </a:xfrm>
+          <a:prstGeom prst="rect">
+            <a:avLst/>
+          </a:prstGeom>
+          <a:solidFill>
+            <a:schemeClr val="tx1">
+              <a:lumMod val="75000"/>
+              <a:lumOff val="25000"/>
+            </a:schemeClr>
+          </a:solidFill>
+          <a:ln>
+            <a:noFill/>
+          </a:ln>
+        </p:spPr>
+        <p:style>
+          <a:lnRef idx="2">
+            <a:schemeClr val="accent1">
+              <a:shade val="50000"/>
+            </a:schemeClr>
+          </a:lnRef>
+          <a:fillRef idx="1">
+            <a:schemeClr val="accent1"/>
+          </a:fillRef>
+          <a:effectRef idx="0">
+            <a:schemeClr val="accent1"/>
+          </a:effectRef>
+          <a:fontRef idx="minor">
+            <a:schemeClr val="lt1"/>
+          </a:fontRef>
+        </p:style>
+        <p:txBody>
+          <a:bodyPr rtlCol="0" anchor="ctr"/>
+          <a:lstStyle/>
+          <a:p>
+            <a:pPr algn="ctr"/>
+            <a:endParaRPr lang="en-US"/>
+          </a:p>
+        </p:txBody>
+      </p:sp>
+      <p:sp>
+        <p:nvSpPr>
+          <p:cNvPr id="142" name="Oval 141"/>
+          <p:cNvSpPr/>
+          <p:nvPr/>
+        </p:nvSpPr>
+        <p:spPr>
+          <a:xfrm>
+            <a:off x="5590659" y="1371600"/>
+            <a:ext cx="2352142" cy="2352142"/>
+          </a:xfrm>
+          <a:prstGeom prst="ellipse">
+            <a:avLst/>
+          </a:prstGeom>
+          <a:solidFill>
+            <a:schemeClr val="tx1">
+              <a:lumMod val="75000"/>
+              <a:lumOff val="25000"/>
+            </a:schemeClr>
+          </a:solidFill>
+          <a:ln>
+            <a:noFill/>
+          </a:ln>
+        </p:spPr>
+        <p:style>
+          <a:lnRef idx="2">
+            <a:schemeClr val="accent1">
+              <a:shade val="50000"/>
+            </a:schemeClr>
+          </a:lnRef>
+          <a:fillRef idx="1">
+            <a:schemeClr val="accent1"/>
+          </a:fillRef>
+          <a:effectRef idx="0">
+            <a:schemeClr val="accent1"/>
+          </a:effectRef>
+          <a:fontRef idx="minor">
+            <a:schemeClr val="lt1"/>
+          </a:fontRef>
+        </p:style>
+        <p:txBody>
+          <a:bodyPr rtlCol="0" anchor="ctr"/>
+          <a:lstStyle/>
+          <a:p>
+            <a:pPr algn="ctr"/>
+            <a:endParaRPr lang="en-US"/>
+          </a:p>
+        </p:txBody>
+      </p:sp>
+      <p:sp>
+        <p:nvSpPr>
+          <p:cNvPr id="144" name="Rectangle 143"/>
+          <p:cNvSpPr/>
+          <p:nvPr/>
+        </p:nvSpPr>
+        <p:spPr>
+          <a:xfrm>
+            <a:off x="8997049" y="8906646"/>
+            <a:ext cx="1398233" cy="97659"/>
+          </a:xfrm>
+          <a:prstGeom prst="rect">
+            <a:avLst/>
+          </a:prstGeom>
+          <a:solidFill>
+            <a:schemeClr val="bg1">
+              <a:lumMod val="65000"/>
+            </a:schemeClr>
+          </a:solidFill>
+          <a:ln>
+            <a:solidFill>
+              <a:schemeClr val="bg1">
+                <a:lumMod val="65000"/>
+              </a:schemeClr>
+            </a:solidFill>
+          </a:ln>
+        </p:spPr>
+        <p:style>
+          <a:lnRef idx="2">
+            <a:schemeClr val="accent1">
+              <a:shade val="50000"/>
+            </a:schemeClr>
+          </a:lnRef>
+          <a:fillRef idx="1">
+            <a:schemeClr val="accent1"/>
+          </a:fillRef>
+          <a:effectRef idx="0">
+            <a:schemeClr val="accent1"/>
+          </a:effectRef>
+          <a:fontRef idx="minor">
+            <a:schemeClr val="lt1"/>
+          </a:fontRef>
+        </p:style>
+        <p:txBody>
+          <a:bodyPr lIns="91440" tIns="45720" rIns="91440" bIns="45720" rtlCol="0" anchor="ctr"/>
+          <a:lstStyle/>
+          <a:p>
+            <a:pPr algn="ctr"/>
+            <a:endParaRPr lang="en-US"/>
+          </a:p>
+        </p:txBody>
+      </p:sp>
+      <p:sp>
+        <p:nvSpPr>
+          <p:cNvPr id="79" name="Rectangle 78"/>
+          <p:cNvSpPr/>
+          <p:nvPr/>
+        </p:nvSpPr>
+        <p:spPr>
+          <a:xfrm>
+            <a:off x="10771844" y="6791652"/>
+            <a:ext cx="1743072" cy="118872"/>
+          </a:xfrm>
+          <a:prstGeom prst="rect">
+            <a:avLst/>
+          </a:prstGeom>
+          <a:solidFill>
+            <a:srgbClr val="C0504D"/>
+          </a:solidFill>
+          <a:ln w="19050">
+            <a:solidFill>
+              <a:schemeClr val="tx1"/>
+            </a:solidFill>
+          </a:ln>
+        </p:spPr>
+        <p:style>
+          <a:lnRef idx="2">
+            <a:schemeClr val="accent1">
+              <a:shade val="50000"/>
+            </a:schemeClr>
+          </a:lnRef>
+          <a:fillRef idx="1">
+            <a:schemeClr val="accent1"/>
+          </a:fillRef>
+          <a:effectRef idx="0">
+            <a:schemeClr val="accent1"/>
+          </a:effectRef>
+          <a:fontRef idx="minor">
+            <a:schemeClr val="lt1"/>
+          </a:fontRef>
+        </p:style>
+        <p:txBody>
+          <a:bodyPr lIns="91440" tIns="45720" rIns="91440" bIns="45720" rtlCol="0" anchor="ctr"/>
+          <a:lstStyle/>
+          <a:p>
+            <a:pPr algn="ctr"/>
+            <a:endParaRPr lang="en-US"/>
+          </a:p>
+        </p:txBody>
+      </p:sp>
+      <p:sp>
+        <p:nvSpPr>
+          <p:cNvPr id="150" name="Rectangle 149"/>
+          <p:cNvSpPr/>
+          <p:nvPr/>
+        </p:nvSpPr>
+        <p:spPr>
+          <a:xfrm>
+            <a:off x="7092690" y="6534136"/>
+            <a:ext cx="102833" cy="1491735"/>
+          </a:xfrm>
+          <a:prstGeom prst="rect">
+            <a:avLst/>
+          </a:prstGeom>
+          <a:solidFill>
+            <a:schemeClr val="bg1">
+              <a:lumMod val="65000"/>
+            </a:schemeClr>
+          </a:solidFill>
+          <a:ln>
+            <a:solidFill>
+              <a:schemeClr val="bg1">
+                <a:lumMod val="65000"/>
+              </a:schemeClr>
+            </a:solidFill>
+          </a:ln>
+        </p:spPr>
+        <p:style>
+          <a:lnRef idx="2">
+            <a:schemeClr val="accent1">
+              <a:shade val="50000"/>
+            </a:schemeClr>
+          </a:lnRef>
+          <a:fillRef idx="1">
+            <a:schemeClr val="accent1"/>
+          </a:fillRef>
+          <a:effectRef idx="0">
+            <a:schemeClr val="accent1"/>
+          </a:effectRef>
+          <a:fontRef idx="minor">
+            <a:schemeClr val="lt1"/>
+          </a:fontRef>
+        </p:style>
+        <p:txBody>
+          <a:bodyPr lIns="91440" tIns="45720" rIns="91440" bIns="45720" rtlCol="0" anchor="ctr"/>
+          <a:lstStyle/>
+          <a:p>
+            <a:pPr algn="ctr"/>
+            <a:endParaRPr lang="en-US"/>
+          </a:p>
+        </p:txBody>
+      </p:sp>
+      <p:sp>
+        <p:nvSpPr>
+          <p:cNvPr id="151" name="Rectangle 150"/>
+          <p:cNvSpPr/>
+          <p:nvPr/>
+        </p:nvSpPr>
+        <p:spPr>
+          <a:xfrm>
+            <a:off x="2743200" y="7938700"/>
+            <a:ext cx="3124200" cy="102937"/>
+          </a:xfrm>
+          <a:prstGeom prst="rect">
+            <a:avLst/>
+          </a:prstGeom>
+          <a:solidFill>
+            <a:schemeClr val="bg1">
+              <a:lumMod val="65000"/>
+            </a:schemeClr>
+          </a:solidFill>
+          <a:ln>
+            <a:solidFill>
+              <a:schemeClr val="bg1">
+                <a:lumMod val="65000"/>
+              </a:schemeClr>
+            </a:solidFill>
+          </a:ln>
+        </p:spPr>
+        <p:style>
+          <a:lnRef idx="2">
+            <a:schemeClr val="accent1">
+              <a:shade val="50000"/>
+            </a:schemeClr>
+          </a:lnRef>
+          <a:fillRef idx="1">
+            <a:schemeClr val="accent1"/>
+          </a:fillRef>
+          <a:effectRef idx="0">
+            <a:schemeClr val="accent1"/>
+          </a:effectRef>
+          <a:fontRef idx="minor">
+            <a:schemeClr val="lt1"/>
+          </a:fontRef>
+        </p:style>
+        <p:txBody>
+          <a:bodyPr lIns="91440" tIns="45720" rIns="91440" bIns="45720" rtlCol="0" anchor="ctr"/>
+          <a:lstStyle/>
+          <a:p>
+            <a:pPr algn="ctr"/>
+            <a:endParaRPr lang="en-US"/>
+          </a:p>
+        </p:txBody>
+      </p:sp>
+      <p:sp>
+        <p:nvSpPr>
+          <p:cNvPr id="152" name="Rectangle 151"/>
+          <p:cNvSpPr/>
+          <p:nvPr/>
+        </p:nvSpPr>
+        <p:spPr>
+          <a:xfrm>
+            <a:off x="5776463" y="6534136"/>
+            <a:ext cx="102833" cy="1491735"/>
+          </a:xfrm>
+          <a:prstGeom prst="rect">
+            <a:avLst/>
+          </a:prstGeom>
+          <a:solidFill>
+            <a:schemeClr val="bg1">
+              <a:lumMod val="65000"/>
+            </a:schemeClr>
+          </a:solidFill>
+          <a:ln>
+            <a:solidFill>
+              <a:schemeClr val="bg1">
+                <a:lumMod val="65000"/>
+              </a:schemeClr>
+            </a:solidFill>
+          </a:ln>
+        </p:spPr>
+        <p:style>
+          <a:lnRef idx="2">
+            <a:schemeClr val="accent1">
+              <a:shade val="50000"/>
+            </a:schemeClr>
+          </a:lnRef>
+          <a:fillRef idx="1">
+            <a:schemeClr val="accent1"/>
+          </a:fillRef>
+          <a:effectRef idx="0">
+            <a:schemeClr val="accent1"/>
+          </a:effectRef>
+          <a:fontRef idx="minor">
+            <a:schemeClr val="lt1"/>
+          </a:fontRef>
+        </p:style>
+        <p:txBody>
+          <a:bodyPr lIns="91440" tIns="45720" rIns="91440" bIns="45720" rtlCol="0" anchor="ctr"/>
+          <a:lstStyle/>
+          <a:p>
+            <a:pPr algn="ctr"/>
+            <a:endParaRPr lang="en-US"/>
+          </a:p>
+        </p:txBody>
+      </p:sp>
+      <p:sp>
+        <p:nvSpPr>
+          <p:cNvPr id="153" name="Rectangle 152"/>
+          <p:cNvSpPr/>
+          <p:nvPr/>
+        </p:nvSpPr>
+        <p:spPr>
+          <a:xfrm>
+            <a:off x="5848154" y="6534136"/>
+            <a:ext cx="1347369" cy="97659"/>
+          </a:xfrm>
+          <a:prstGeom prst="rect">
+            <a:avLst/>
+          </a:prstGeom>
+          <a:solidFill>
+            <a:schemeClr val="bg1">
+              <a:lumMod val="65000"/>
+            </a:schemeClr>
+          </a:solidFill>
+          <a:ln>
+            <a:solidFill>
+              <a:schemeClr val="bg1">
+                <a:lumMod val="65000"/>
+              </a:schemeClr>
+            </a:solidFill>
+          </a:ln>
+        </p:spPr>
+        <p:style>
+          <a:lnRef idx="2">
+            <a:schemeClr val="accent1">
+              <a:shade val="50000"/>
+            </a:schemeClr>
+          </a:lnRef>
+          <a:fillRef idx="1">
+            <a:schemeClr val="accent1"/>
+          </a:fillRef>
+          <a:effectRef idx="0">
+            <a:schemeClr val="accent1"/>
+          </a:effectRef>
+          <a:fontRef idx="minor">
+            <a:schemeClr val="lt1"/>
+          </a:fontRef>
+        </p:style>
+        <p:txBody>
+          <a:bodyPr lIns="91440" tIns="45720" rIns="91440" bIns="45720" rtlCol="0" anchor="ctr"/>
+          <a:lstStyle/>
+          <a:p>
+            <a:pPr algn="ctr"/>
+            <a:endParaRPr lang="en-US"/>
+          </a:p>
+        </p:txBody>
+      </p:sp>
+      <p:sp>
+        <p:nvSpPr>
+          <p:cNvPr id="154" name="Rectangle 153"/>
+          <p:cNvSpPr/>
+          <p:nvPr/>
+        </p:nvSpPr>
+        <p:spPr>
+          <a:xfrm rot="10800000">
+            <a:off x="5768055" y="11048771"/>
+            <a:ext cx="102833" cy="1491735"/>
+          </a:xfrm>
+          <a:prstGeom prst="rect">
+            <a:avLst/>
+          </a:prstGeom>
+          <a:solidFill>
+            <a:schemeClr val="bg1">
+              <a:lumMod val="65000"/>
+            </a:schemeClr>
+          </a:solidFill>
+          <a:ln>
+            <a:solidFill>
+              <a:schemeClr val="bg1">
+                <a:lumMod val="65000"/>
+              </a:schemeClr>
+            </a:solidFill>
+          </a:ln>
+        </p:spPr>
+        <p:style>
+          <a:lnRef idx="2">
+            <a:schemeClr val="accent1">
+              <a:shade val="50000"/>
+            </a:schemeClr>
+          </a:lnRef>
+          <a:fillRef idx="1">
+            <a:schemeClr val="accent1"/>
+          </a:fillRef>
+          <a:effectRef idx="0">
+            <a:schemeClr val="accent1"/>
+          </a:effectRef>
+          <a:fontRef idx="minor">
+            <a:schemeClr val="lt1"/>
+          </a:fontRef>
+        </p:style>
+        <p:txBody>
+          <a:bodyPr lIns="91440" tIns="45720" rIns="91440" bIns="45720" rtlCol="0" anchor="ctr"/>
+          <a:lstStyle/>
+          <a:p>
+            <a:pPr algn="ctr"/>
+            <a:endParaRPr lang="en-US"/>
+          </a:p>
+        </p:txBody>
+      </p:sp>
+      <p:sp>
+        <p:nvSpPr>
+          <p:cNvPr id="155" name="Rectangle 154"/>
+          <p:cNvSpPr/>
+          <p:nvPr/>
+        </p:nvSpPr>
+        <p:spPr>
+          <a:xfrm rot="10800000">
+            <a:off x="2743200" y="11048770"/>
+            <a:ext cx="3127689" cy="97659"/>
+          </a:xfrm>
+          <a:prstGeom prst="rect">
+            <a:avLst/>
+          </a:prstGeom>
+          <a:solidFill>
+            <a:schemeClr val="bg1">
+              <a:lumMod val="65000"/>
+            </a:schemeClr>
+          </a:solidFill>
+          <a:ln>
+            <a:solidFill>
+              <a:schemeClr val="bg1">
+                <a:lumMod val="65000"/>
+              </a:schemeClr>
+            </a:solidFill>
+          </a:ln>
+        </p:spPr>
+        <p:style>
+          <a:lnRef idx="2">
+            <a:schemeClr val="accent1">
+              <a:shade val="50000"/>
+            </a:schemeClr>
+          </a:lnRef>
+          <a:fillRef idx="1">
+            <a:schemeClr val="accent1"/>
+          </a:fillRef>
+          <a:effectRef idx="0">
+            <a:schemeClr val="accent1"/>
+          </a:effectRef>
+          <a:fontRef idx="minor">
+            <a:schemeClr val="lt1"/>
+          </a:fontRef>
+        </p:style>
+        <p:txBody>
+          <a:bodyPr lIns="91440" tIns="45720" rIns="91440" bIns="45720" rtlCol="0" anchor="ctr"/>
+          <a:lstStyle/>
+          <a:p>
+            <a:pPr algn="ctr"/>
+            <a:endParaRPr lang="en-US"/>
+          </a:p>
+        </p:txBody>
+      </p:sp>
+      <p:sp>
+        <p:nvSpPr>
+          <p:cNvPr id="156" name="Rectangle 155"/>
+          <p:cNvSpPr/>
+          <p:nvPr/>
+        </p:nvSpPr>
+        <p:spPr>
+          <a:xfrm rot="10800000">
+            <a:off x="7084282" y="11048771"/>
+            <a:ext cx="102833" cy="1491735"/>
+          </a:xfrm>
+          <a:prstGeom prst="rect">
+            <a:avLst/>
+          </a:prstGeom>
+          <a:solidFill>
+            <a:schemeClr val="bg1">
+              <a:lumMod val="65000"/>
+            </a:schemeClr>
+          </a:solidFill>
+          <a:ln>
+            <a:solidFill>
+              <a:schemeClr val="bg1">
+                <a:lumMod val="65000"/>
+              </a:schemeClr>
+            </a:solidFill>
+          </a:ln>
+        </p:spPr>
+        <p:style>
+          <a:lnRef idx="2">
+            <a:schemeClr val="accent1">
+              <a:shade val="50000"/>
+            </a:schemeClr>
+          </a:lnRef>
+          <a:fillRef idx="1">
+            <a:schemeClr val="accent1"/>
+          </a:fillRef>
+          <a:effectRef idx="0">
+            <a:schemeClr val="accent1"/>
+          </a:effectRef>
+          <a:fontRef idx="minor">
+            <a:schemeClr val="lt1"/>
+          </a:fontRef>
+        </p:style>
+        <p:txBody>
+          <a:bodyPr lIns="91440" tIns="45720" rIns="91440" bIns="45720" rtlCol="0" anchor="ctr"/>
+          <a:lstStyle/>
+          <a:p>
+            <a:pPr algn="ctr"/>
+            <a:endParaRPr lang="en-US"/>
+          </a:p>
+        </p:txBody>
+      </p:sp>
+      <p:sp>
+        <p:nvSpPr>
+          <p:cNvPr id="157" name="Rectangle 156"/>
+          <p:cNvSpPr/>
+          <p:nvPr/>
+        </p:nvSpPr>
+        <p:spPr>
+          <a:xfrm rot="10800000">
+            <a:off x="5768055" y="12442847"/>
+            <a:ext cx="1347369" cy="97659"/>
+          </a:xfrm>
+          <a:prstGeom prst="rect">
+            <a:avLst/>
+          </a:prstGeom>
+          <a:solidFill>
+            <a:schemeClr val="bg1">
+              <a:lumMod val="65000"/>
+            </a:schemeClr>
+          </a:solidFill>
+          <a:ln>
+            <a:solidFill>
+              <a:schemeClr val="bg1">
+                <a:lumMod val="65000"/>
+              </a:schemeClr>
+            </a:solidFill>
+          </a:ln>
+        </p:spPr>
+        <p:style>
+          <a:lnRef idx="2">
+            <a:schemeClr val="accent1">
+              <a:shade val="50000"/>
+            </a:schemeClr>
+          </a:lnRef>
+          <a:fillRef idx="1">
+            <a:schemeClr val="accent1"/>
+          </a:fillRef>
+          <a:effectRef idx="0">
+            <a:schemeClr val="accent1"/>
+          </a:effectRef>
+          <a:fontRef idx="minor">
+            <a:schemeClr val="lt1"/>
+          </a:fontRef>
+        </p:style>
+        <p:txBody>
+          <a:bodyPr lIns="91440" tIns="45720" rIns="91440" bIns="45720" rtlCol="0" anchor="ctr"/>
+          <a:lstStyle/>
+          <a:p>
+            <a:pPr algn="ctr"/>
+            <a:endParaRPr lang="en-US"/>
+          </a:p>
+        </p:txBody>
+      </p:sp>
+      <p:sp>
+        <p:nvSpPr>
+          <p:cNvPr id="159" name="Rectangle 158"/>
+          <p:cNvSpPr/>
+          <p:nvPr/>
+        </p:nvSpPr>
+        <p:spPr>
+          <a:xfrm rot="2700000">
+            <a:off x="9627520" y="8054779"/>
+            <a:ext cx="1589451" cy="169885"/>
+          </a:xfrm>
+          <a:prstGeom prst="rect">
+            <a:avLst/>
+          </a:prstGeom>
+          <a:solidFill>
+            <a:schemeClr val="bg1"/>
+          </a:solidFill>
+          <a:ln>
+            <a:solidFill>
+              <a:schemeClr val="tx1">
+                <a:lumMod val="65000"/>
+                <a:lumOff val="35000"/>
+              </a:schemeClr>
+            </a:solidFill>
+          </a:ln>
+        </p:spPr>
+        <p:style>
+          <a:lnRef idx="2">
+            <a:schemeClr val="accent1">
+              <a:shade val="50000"/>
+            </a:schemeClr>
+          </a:lnRef>
+          <a:fillRef idx="1">
+            <a:schemeClr val="accent1"/>
+          </a:fillRef>
+          <a:effectRef idx="0">
+            <a:schemeClr val="accent1"/>
+          </a:effectRef>
+          <a:fontRef idx="minor">
+            <a:schemeClr val="lt1"/>
+          </a:fontRef>
+        </p:style>
+        <p:txBody>
+          <a:bodyPr rtlCol="0" anchor="ctr"/>
+          <a:lstStyle/>
+          <a:p>
+            <a:pPr algn="ctr"/>
+            <a:endParaRPr lang="en-US"/>
+          </a:p>
+        </p:txBody>
+      </p:sp>
+      <p:sp>
+        <p:nvSpPr>
+          <p:cNvPr id="160" name="Rectangle 159"/>
+          <p:cNvSpPr/>
+          <p:nvPr/>
+        </p:nvSpPr>
+        <p:spPr>
+          <a:xfrm rot="18900000">
+            <a:off x="9590835" y="7458986"/>
+            <a:ext cx="437341" cy="194531"/>
+          </a:xfrm>
+          <a:prstGeom prst="rect">
+            <a:avLst/>
+          </a:prstGeom>
+          <a:solidFill>
+            <a:schemeClr val="bg1"/>
+          </a:solidFill>
+          <a:ln>
+            <a:solidFill>
+              <a:schemeClr val="bg1"/>
+            </a:solidFill>
+          </a:ln>
+        </p:spPr>
+        <p:style>
+          <a:lnRef idx="2">
+            <a:schemeClr val="accent1">
+              <a:shade val="50000"/>
+            </a:schemeClr>
+          </a:lnRef>
+          <a:fillRef idx="1">
+            <a:schemeClr val="accent1"/>
+          </a:fillRef>
+          <a:effectRef idx="0">
+            <a:schemeClr val="accent1"/>
+          </a:effectRef>
+          <a:fontRef idx="minor">
+            <a:schemeClr val="lt1"/>
+          </a:fontRef>
+        </p:style>
+        <p:txBody>
+          <a:bodyPr rtlCol="0" anchor="ctr"/>
+          <a:lstStyle/>
+          <a:p>
+            <a:pPr algn="ctr"/>
+            <a:endParaRPr lang="en-US"/>
+          </a:p>
+        </p:txBody>
+      </p:sp>
+      <p:sp>
+        <p:nvSpPr>
+          <p:cNvPr id="161" name="Rectangle 160"/>
+          <p:cNvSpPr/>
+          <p:nvPr/>
+        </p:nvSpPr>
+        <p:spPr>
+          <a:xfrm rot="18900000">
+            <a:off x="10759329" y="8737076"/>
+            <a:ext cx="437341" cy="194531"/>
+          </a:xfrm>
+          <a:prstGeom prst="rect">
+            <a:avLst/>
+          </a:prstGeom>
+          <a:solidFill>
+            <a:schemeClr val="bg1"/>
+          </a:solidFill>
+          <a:ln>
+            <a:solidFill>
+              <a:schemeClr val="bg1"/>
+            </a:solidFill>
+          </a:ln>
+        </p:spPr>
+        <p:style>
+          <a:lnRef idx="2">
+            <a:schemeClr val="accent1">
+              <a:shade val="50000"/>
+            </a:schemeClr>
+          </a:lnRef>
+          <a:fillRef idx="1">
+            <a:schemeClr val="accent1"/>
+          </a:fillRef>
+          <a:effectRef idx="0">
+            <a:schemeClr val="accent1"/>
+          </a:effectRef>
+          <a:fontRef idx="minor">
+            <a:schemeClr val="lt1"/>
+          </a:fontRef>
+        </p:style>
+        <p:txBody>
+          <a:bodyPr rtlCol="0" anchor="ctr"/>
+          <a:lstStyle/>
+          <a:p>
+            <a:pPr algn="ctr"/>
+            <a:endParaRPr lang="en-US"/>
+          </a:p>
+        </p:txBody>
+      </p:sp>
+      <p:sp>
+        <p:nvSpPr>
+          <p:cNvPr id="162" name="TextBox 161"/>
+          <p:cNvSpPr txBox="1"/>
+          <p:nvPr/>
+        </p:nvSpPr>
+        <p:spPr>
+          <a:xfrm>
+            <a:off x="12243240" y="7107989"/>
+            <a:ext cx="2622000" cy="461665"/>
+          </a:xfrm>
+          <a:prstGeom prst="rect">
+            <a:avLst/>
+          </a:prstGeom>
+          <a:noFill/>
+        </p:spPr>
+        <p:txBody>
+          <a:bodyPr wrap="none" lIns="91440" tIns="45720" rIns="91440" bIns="45720" rtlCol="0">
+            <a:spAutoFit/>
+          </a:bodyPr>
+          <a:lstStyle/>
+          <a:p>
+            <a:r>
+              <a:rPr lang="en-US" sz="2400" dirty="0" smtClean="0"/>
+              <a:t>50 mm camera lens</a:t>
+            </a:r>
+            <a:endParaRPr lang="en-US" sz="2400" dirty="0"/>
+          </a:p>
+        </p:txBody>
+      </p:sp>
+      <p:sp>
+        <p:nvSpPr>
+          <p:cNvPr id="163" name="TextBox 162"/>
+          <p:cNvSpPr txBox="1"/>
+          <p:nvPr/>
+        </p:nvSpPr>
+        <p:spPr>
+          <a:xfrm>
+            <a:off x="10135868" y="4354153"/>
+            <a:ext cx="2777492" cy="461665"/>
+          </a:xfrm>
+          <a:prstGeom prst="rect">
+            <a:avLst/>
+          </a:prstGeom>
+          <a:noFill/>
+        </p:spPr>
+        <p:txBody>
+          <a:bodyPr wrap="none" lIns="91440" tIns="45720" rIns="91440" bIns="45720" rtlCol="0">
+            <a:spAutoFit/>
+          </a:bodyPr>
+          <a:lstStyle/>
+          <a:p>
+            <a:r>
+              <a:rPr lang="en-US" sz="2400" dirty="0" smtClean="0"/>
+              <a:t>200 mm camera lens</a:t>
+            </a:r>
+            <a:endParaRPr lang="en-US" sz="2400" dirty="0"/>
+          </a:p>
+        </p:txBody>
+      </p:sp>
+      <p:sp>
+        <p:nvSpPr>
+          <p:cNvPr id="164" name="TextBox 163"/>
+          <p:cNvSpPr txBox="1"/>
+          <p:nvPr/>
+        </p:nvSpPr>
+        <p:spPr>
+          <a:xfrm>
+            <a:off x="8259472" y="2516698"/>
+            <a:ext cx="1965282" cy="461665"/>
+          </a:xfrm>
+          <a:prstGeom prst="rect">
+            <a:avLst/>
+          </a:prstGeom>
+          <a:noFill/>
+        </p:spPr>
+        <p:txBody>
+          <a:bodyPr wrap="none" lIns="91440" tIns="45720" rIns="91440" bIns="45720" rtlCol="0">
+            <a:spAutoFit/>
+          </a:bodyPr>
+          <a:lstStyle/>
+          <a:p>
+            <a:r>
+              <a:rPr lang="en-US" sz="2400" dirty="0" smtClean="0"/>
+              <a:t>Spectrometer</a:t>
+            </a:r>
+            <a:endParaRPr lang="en-US" sz="2400" dirty="0"/>
+          </a:p>
+        </p:txBody>
+      </p:sp>
+      <p:sp>
+        <p:nvSpPr>
+          <p:cNvPr id="165" name="TextBox 164"/>
+          <p:cNvSpPr txBox="1"/>
+          <p:nvPr/>
+        </p:nvSpPr>
+        <p:spPr>
+          <a:xfrm>
+            <a:off x="5846894" y="2316838"/>
+            <a:ext cx="2004716" cy="461665"/>
+          </a:xfrm>
+          <a:prstGeom prst="rect">
+            <a:avLst/>
+          </a:prstGeom>
+          <a:noFill/>
+        </p:spPr>
+        <p:txBody>
+          <a:bodyPr wrap="none" lIns="91440" tIns="45720" rIns="91440" bIns="45720" rtlCol="0">
+            <a:spAutoFit/>
+          </a:bodyPr>
+          <a:lstStyle/>
+          <a:p>
+            <a:r>
+              <a:rPr lang="en-US" sz="2400" dirty="0" smtClean="0">
+                <a:solidFill>
+                  <a:schemeClr val="bg1"/>
+                </a:solidFill>
+              </a:rPr>
+              <a:t>LN cooled CCD</a:t>
+            </a:r>
+            <a:endParaRPr lang="en-US" sz="2400" dirty="0">
+              <a:solidFill>
+                <a:schemeClr val="bg1"/>
+              </a:solidFill>
+            </a:endParaRPr>
+          </a:p>
+        </p:txBody>
+      </p:sp>
+      <p:sp>
+        <p:nvSpPr>
+          <p:cNvPr id="166" name="TextBox 165"/>
+          <p:cNvSpPr txBox="1"/>
+          <p:nvPr/>
+        </p:nvSpPr>
+        <p:spPr>
+          <a:xfrm>
+            <a:off x="3307055" y="7155899"/>
+            <a:ext cx="1903663" cy="461665"/>
+          </a:xfrm>
+          <a:prstGeom prst="rect">
+            <a:avLst/>
+          </a:prstGeom>
+          <a:noFill/>
+        </p:spPr>
+        <p:txBody>
+          <a:bodyPr wrap="none" rtlCol="0">
+            <a:spAutoFit/>
+          </a:bodyPr>
+          <a:lstStyle/>
+          <a:p>
+            <a:r>
+              <a:rPr lang="en-US" sz="2400" dirty="0" smtClean="0"/>
+              <a:t>Faraday cup 3</a:t>
+            </a:r>
+            <a:endParaRPr lang="en-US" sz="2400" dirty="0"/>
+          </a:p>
+        </p:txBody>
+      </p:sp>
+      <p:cxnSp>
+        <p:nvCxnSpPr>
+          <p:cNvPr id="167" name="Straight Arrow Connector 166"/>
+          <p:cNvCxnSpPr/>
+          <p:nvPr/>
+        </p:nvCxnSpPr>
+        <p:spPr>
+          <a:xfrm>
+            <a:off x="5198032" y="7517702"/>
+            <a:ext cx="826462" cy="434089"/>
+          </a:xfrm>
+          <a:prstGeom prst="straightConnector1">
+            <a:avLst/>
+          </a:prstGeom>
+          <a:ln w="19050">
+            <a:solidFill>
+              <a:schemeClr val="tx1"/>
+            </a:solidFill>
+            <a:tailEnd type="arrow"/>
+          </a:ln>
+        </p:spPr>
+        <p:style>
+          <a:lnRef idx="1">
+            <a:schemeClr val="accent1"/>
+          </a:lnRef>
+          <a:fillRef idx="0">
+            <a:schemeClr val="accent1"/>
+          </a:fillRef>
+          <a:effectRef idx="0">
+            <a:schemeClr val="accent1"/>
+          </a:effectRef>
+          <a:fontRef idx="minor">
+            <a:schemeClr val="tx1"/>
+          </a:fontRef>
+        </p:style>
+      </p:cxnSp>
+      <p:sp>
+        <p:nvSpPr>
+          <p:cNvPr id="169" name="TextBox 168"/>
+          <p:cNvSpPr txBox="1"/>
+          <p:nvPr/>
+        </p:nvSpPr>
+        <p:spPr>
+          <a:xfrm>
+            <a:off x="12722920" y="11332973"/>
+            <a:ext cx="1654620" cy="461665"/>
+          </a:xfrm>
+          <a:prstGeom prst="rect">
+            <a:avLst/>
+          </a:prstGeom>
+          <a:noFill/>
+        </p:spPr>
+        <p:txBody>
+          <a:bodyPr wrap="none" lIns="91440" tIns="45720" rIns="91440" bIns="45720" rtlCol="0">
+            <a:spAutoFit/>
+          </a:bodyPr>
+          <a:lstStyle/>
+          <a:p>
+            <a:r>
+              <a:rPr lang="en-US" sz="2400" dirty="0" smtClean="0"/>
+              <a:t>Inner shield</a:t>
+            </a:r>
+            <a:endParaRPr lang="en-US" sz="2400" dirty="0"/>
+          </a:p>
+        </p:txBody>
+      </p:sp>
+      <p:sp>
+        <p:nvSpPr>
+          <p:cNvPr id="175" name="Rectangle 174"/>
+          <p:cNvSpPr/>
+          <p:nvPr/>
+        </p:nvSpPr>
+        <p:spPr>
+          <a:xfrm>
+            <a:off x="6376220" y="10757388"/>
+            <a:ext cx="176980" cy="589580"/>
+          </a:xfrm>
+          <a:prstGeom prst="rect">
+            <a:avLst/>
+          </a:prstGeom>
+          <a:solidFill>
+            <a:schemeClr val="accent6">
+              <a:lumMod val="50000"/>
+            </a:schemeClr>
+          </a:solidFill>
+          <a:ln>
+            <a:noFill/>
+          </a:ln>
+        </p:spPr>
+        <p:style>
+          <a:lnRef idx="2">
+            <a:schemeClr val="accent1">
+              <a:shade val="50000"/>
+            </a:schemeClr>
+          </a:lnRef>
+          <a:fillRef idx="1">
+            <a:schemeClr val="accent1"/>
+          </a:fillRef>
+          <a:effectRef idx="0">
+            <a:schemeClr val="accent1"/>
+          </a:effectRef>
+          <a:fontRef idx="minor">
+            <a:schemeClr val="lt1"/>
+          </a:fontRef>
+        </p:style>
+        <p:txBody>
+          <a:bodyPr rtlCol="0" anchor="ctr"/>
+          <a:lstStyle/>
+          <a:p>
+            <a:pPr algn="ctr"/>
+            <a:endParaRPr lang="en-US"/>
+          </a:p>
+        </p:txBody>
+      </p:sp>
+      <p:sp>
+        <p:nvSpPr>
+          <p:cNvPr id="196" name="TextBox 195"/>
+          <p:cNvSpPr txBox="1"/>
+          <p:nvPr/>
+        </p:nvSpPr>
+        <p:spPr>
+          <a:xfrm>
+            <a:off x="6849252" y="10224984"/>
+            <a:ext cx="1320490" cy="461665"/>
+          </a:xfrm>
+          <a:prstGeom prst="rect">
+            <a:avLst/>
+          </a:prstGeom>
+          <a:noFill/>
+        </p:spPr>
+        <p:txBody>
+          <a:bodyPr wrap="none" rtlCol="0">
+            <a:spAutoFit/>
+          </a:bodyPr>
+          <a:lstStyle/>
+          <a:p>
+            <a:r>
+              <a:rPr lang="en-US" sz="2400" dirty="0" smtClean="0"/>
+              <a:t>Ba getter</a:t>
+            </a:r>
+            <a:endParaRPr lang="en-US" sz="2400" dirty="0"/>
+          </a:p>
+        </p:txBody>
+      </p:sp>
+      <p:cxnSp>
+        <p:nvCxnSpPr>
+          <p:cNvPr id="198" name="Straight Arrow Connector 197"/>
+          <p:cNvCxnSpPr/>
+          <p:nvPr/>
+        </p:nvCxnSpPr>
+        <p:spPr>
+          <a:xfrm flipH="1" flipV="1">
+            <a:off x="12651318" y="10669870"/>
+            <a:ext cx="410027" cy="678889"/>
+          </a:xfrm>
+          <a:prstGeom prst="straightConnector1">
+            <a:avLst/>
+          </a:prstGeom>
+          <a:ln w="19050">
+            <a:solidFill>
+              <a:schemeClr val="tx1"/>
+            </a:solidFill>
+            <a:tailEnd type="arrow"/>
+          </a:ln>
+        </p:spPr>
+        <p:style>
+          <a:lnRef idx="1">
+            <a:schemeClr val="accent1"/>
+          </a:lnRef>
+          <a:fillRef idx="0">
+            <a:schemeClr val="accent1"/>
+          </a:fillRef>
+          <a:effectRef idx="0">
+            <a:schemeClr val="accent1"/>
+          </a:effectRef>
+          <a:fontRef idx="minor">
+            <a:schemeClr val="tx1"/>
+          </a:fontRef>
+        </p:style>
+      </p:cxnSp>
+      <p:cxnSp>
+        <p:nvCxnSpPr>
+          <p:cNvPr id="200" name="Straight Arrow Connector 199"/>
+          <p:cNvCxnSpPr/>
+          <p:nvPr/>
+        </p:nvCxnSpPr>
+        <p:spPr>
+          <a:xfrm>
+            <a:off x="9871354" y="7591153"/>
+            <a:ext cx="415659" cy="427032"/>
+          </a:xfrm>
+          <a:prstGeom prst="straightConnector1">
+            <a:avLst/>
+          </a:prstGeom>
+          <a:ln w="19050">
+            <a:solidFill>
+              <a:schemeClr val="accent1">
+                <a:lumMod val="75000"/>
+              </a:schemeClr>
+            </a:solidFill>
+            <a:tailEnd type="arrow"/>
+          </a:ln>
+        </p:spPr>
+        <p:style>
+          <a:lnRef idx="1">
+            <a:schemeClr val="accent1"/>
+          </a:lnRef>
+          <a:fillRef idx="0">
+            <a:schemeClr val="accent1"/>
+          </a:fillRef>
+          <a:effectRef idx="0">
+            <a:schemeClr val="accent1"/>
+          </a:effectRef>
+          <a:fontRef idx="minor">
+            <a:schemeClr val="tx1"/>
+          </a:fontRef>
+        </p:style>
+      </p:cxnSp>
+      <p:sp>
+        <p:nvSpPr>
+          <p:cNvPr id="202" name="TextBox 201"/>
+          <p:cNvSpPr txBox="1"/>
+          <p:nvPr/>
+        </p:nvSpPr>
+        <p:spPr>
+          <a:xfrm>
+            <a:off x="8916453" y="7155899"/>
+            <a:ext cx="968214" cy="461665"/>
+          </a:xfrm>
+          <a:prstGeom prst="rect">
+            <a:avLst/>
+          </a:prstGeom>
+          <a:noFill/>
+        </p:spPr>
+        <p:txBody>
+          <a:bodyPr wrap="none" lIns="91440" tIns="45720" rIns="91440" bIns="45720" rtlCol="0">
+            <a:spAutoFit/>
+          </a:bodyPr>
+          <a:lstStyle/>
+          <a:p>
+            <a:r>
+              <a:rPr lang="en-US" sz="2400" dirty="0" smtClean="0"/>
+              <a:t>Xe gas</a:t>
+            </a:r>
+            <a:endParaRPr lang="en-US" sz="2400" dirty="0"/>
+          </a:p>
+        </p:txBody>
+      </p:sp>
+      <p:sp>
+        <p:nvSpPr>
+          <p:cNvPr id="203" name="TextBox 202"/>
+          <p:cNvSpPr txBox="1"/>
+          <p:nvPr/>
+        </p:nvSpPr>
+        <p:spPr>
+          <a:xfrm>
+            <a:off x="14951222" y="8909171"/>
+            <a:ext cx="843501" cy="461665"/>
+          </a:xfrm>
+          <a:prstGeom prst="rect">
+            <a:avLst/>
+          </a:prstGeom>
+          <a:noFill/>
+        </p:spPr>
+        <p:txBody>
+          <a:bodyPr wrap="none" lIns="91440" tIns="45720" rIns="91440" bIns="45720" rtlCol="0">
+            <a:spAutoFit/>
+          </a:bodyPr>
+          <a:lstStyle/>
+          <a:p>
+            <a:r>
+              <a:rPr lang="en-US" sz="2400" dirty="0" smtClean="0"/>
+              <a:t>Laser</a:t>
+            </a:r>
+            <a:endParaRPr lang="en-US" sz="2400" dirty="0"/>
+          </a:p>
+        </p:txBody>
+      </p:sp>
+      <p:sp>
+        <p:nvSpPr>
+          <p:cNvPr id="205" name="TextBox 204"/>
+          <p:cNvSpPr txBox="1"/>
+          <p:nvPr/>
+        </p:nvSpPr>
+        <p:spPr>
+          <a:xfrm>
+            <a:off x="11501807" y="9665129"/>
+            <a:ext cx="1233415" cy="830997"/>
+          </a:xfrm>
+          <a:prstGeom prst="rect">
+            <a:avLst/>
+          </a:prstGeom>
+          <a:noFill/>
+        </p:spPr>
+        <p:txBody>
+          <a:bodyPr wrap="none" lIns="91440" tIns="45720" rIns="91440" bIns="45720" rtlCol="0">
+            <a:spAutoFit/>
+          </a:bodyPr>
+          <a:lstStyle/>
+          <a:p>
+            <a:r>
+              <a:rPr lang="en-US" sz="2400" dirty="0" smtClean="0"/>
+              <a:t>Window</a:t>
+            </a:r>
+          </a:p>
+          <a:p>
+            <a:r>
+              <a:rPr lang="en-US" sz="2400" dirty="0" smtClean="0"/>
+              <a:t>11 K</a:t>
+            </a:r>
+            <a:endParaRPr lang="en-US" sz="2400" dirty="0"/>
+          </a:p>
+        </p:txBody>
+      </p:sp>
+      <p:sp>
+        <p:nvSpPr>
+          <p:cNvPr id="121" name="Rectangle 120"/>
+          <p:cNvSpPr/>
+          <p:nvPr/>
+        </p:nvSpPr>
+        <p:spPr>
+          <a:xfrm>
+            <a:off x="6395723" y="11263769"/>
+            <a:ext cx="151707" cy="612530"/>
+          </a:xfrm>
+          <a:prstGeom prst="rect">
+            <a:avLst/>
+          </a:prstGeom>
+          <a:solidFill>
+            <a:schemeClr val="bg1">
+              <a:lumMod val="50000"/>
+            </a:schemeClr>
+          </a:solidFill>
+          <a:ln>
+            <a:solidFill>
+              <a:schemeClr val="tx1">
+                <a:lumMod val="50000"/>
+                <a:lumOff val="50000"/>
+              </a:schemeClr>
+            </a:solidFill>
+          </a:ln>
+        </p:spPr>
+        <p:style>
+          <a:lnRef idx="2">
+            <a:schemeClr val="accent1">
+              <a:shade val="50000"/>
+            </a:schemeClr>
+          </a:lnRef>
+          <a:fillRef idx="1">
+            <a:schemeClr val="accent1"/>
+          </a:fillRef>
+          <a:effectRef idx="0">
+            <a:schemeClr val="accent1"/>
+          </a:effectRef>
+          <a:fontRef idx="minor">
+            <a:schemeClr val="lt1"/>
+          </a:fontRef>
+        </p:style>
+        <p:txBody>
+          <a:bodyPr rtlCol="0" anchor="ctr"/>
+          <a:lstStyle/>
+          <a:p>
+            <a:pPr algn="ctr"/>
+            <a:endParaRPr lang="en-US"/>
+          </a:p>
+        </p:txBody>
+      </p:sp>
+      <p:sp>
+        <p:nvSpPr>
+          <p:cNvPr id="123" name="Double Wave 122"/>
+          <p:cNvSpPr/>
+          <p:nvPr/>
+        </p:nvSpPr>
+        <p:spPr>
+          <a:xfrm rot="5400000">
+            <a:off x="6357813" y="11756355"/>
+            <a:ext cx="217311" cy="304800"/>
+          </a:xfrm>
+          <a:prstGeom prst="doubleWave">
+            <a:avLst/>
+          </a:prstGeom>
+          <a:solidFill>
+            <a:schemeClr val="bg1">
+              <a:lumMod val="65000"/>
+            </a:schemeClr>
+          </a:solidFill>
+          <a:ln>
+            <a:noFill/>
+          </a:ln>
+        </p:spPr>
+        <p:style>
+          <a:lnRef idx="2">
+            <a:schemeClr val="accent1">
+              <a:shade val="50000"/>
+            </a:schemeClr>
+          </a:lnRef>
+          <a:fillRef idx="1">
+            <a:schemeClr val="accent1"/>
+          </a:fillRef>
+          <a:effectRef idx="0">
+            <a:schemeClr val="accent1"/>
+          </a:effectRef>
+          <a:fontRef idx="minor">
+            <a:schemeClr val="lt1"/>
+          </a:fontRef>
+        </p:style>
+        <p:txBody>
+          <a:bodyPr rtlCol="0" anchor="ctr"/>
+          <a:lstStyle/>
+          <a:p>
+            <a:pPr algn="ctr"/>
+            <a:endParaRPr lang="en-US"/>
+          </a:p>
+        </p:txBody>
+      </p:sp>
+      <p:sp>
+        <p:nvSpPr>
+          <p:cNvPr id="124" name="Double Wave 123"/>
+          <p:cNvSpPr/>
+          <p:nvPr/>
+        </p:nvSpPr>
+        <p:spPr>
+          <a:xfrm rot="5400000">
+            <a:off x="6356514" y="11969958"/>
+            <a:ext cx="217311" cy="304800"/>
+          </a:xfrm>
+          <a:prstGeom prst="doubleWave">
+            <a:avLst/>
+          </a:prstGeom>
+          <a:solidFill>
+            <a:schemeClr val="bg1">
+              <a:lumMod val="65000"/>
+            </a:schemeClr>
+          </a:solidFill>
+          <a:ln>
+            <a:noFill/>
+          </a:ln>
+        </p:spPr>
+        <p:style>
+          <a:lnRef idx="2">
+            <a:schemeClr val="accent1">
+              <a:shade val="50000"/>
+            </a:schemeClr>
+          </a:lnRef>
+          <a:fillRef idx="1">
+            <a:schemeClr val="accent1"/>
+          </a:fillRef>
+          <a:effectRef idx="0">
+            <a:schemeClr val="accent1"/>
+          </a:effectRef>
+          <a:fontRef idx="minor">
+            <a:schemeClr val="lt1"/>
+          </a:fontRef>
+        </p:style>
+        <p:txBody>
+          <a:bodyPr rtlCol="0" anchor="ctr"/>
+          <a:lstStyle/>
+          <a:p>
+            <a:pPr algn="ctr"/>
+            <a:endParaRPr lang="en-US"/>
+          </a:p>
+        </p:txBody>
+      </p:sp>
+      <p:sp>
+        <p:nvSpPr>
+          <p:cNvPr id="131" name="Rectangle 130"/>
+          <p:cNvSpPr/>
+          <p:nvPr/>
+        </p:nvSpPr>
+        <p:spPr>
+          <a:xfrm>
+            <a:off x="6280731" y="12231014"/>
+            <a:ext cx="367665" cy="71179"/>
+          </a:xfrm>
+          <a:prstGeom prst="rect">
+            <a:avLst/>
+          </a:prstGeom>
+          <a:solidFill>
+            <a:schemeClr val="bg1">
+              <a:lumMod val="65000"/>
+            </a:schemeClr>
+          </a:solidFill>
+          <a:ln>
+            <a:solidFill>
+              <a:schemeClr val="tx1">
+                <a:lumMod val="50000"/>
+                <a:lumOff val="50000"/>
+              </a:schemeClr>
+            </a:solidFill>
+          </a:ln>
+        </p:spPr>
+        <p:style>
+          <a:lnRef idx="2">
+            <a:schemeClr val="accent1">
+              <a:shade val="50000"/>
+            </a:schemeClr>
+          </a:lnRef>
+          <a:fillRef idx="1">
+            <a:schemeClr val="accent1"/>
+          </a:fillRef>
+          <a:effectRef idx="0">
+            <a:schemeClr val="accent1"/>
+          </a:effectRef>
+          <a:fontRef idx="minor">
+            <a:schemeClr val="lt1"/>
+          </a:fontRef>
+        </p:style>
+        <p:txBody>
+          <a:bodyPr rtlCol="0" anchor="ctr"/>
+          <a:lstStyle/>
+          <a:p>
+            <a:pPr algn="ctr"/>
+            <a:endParaRPr lang="en-US"/>
+          </a:p>
+        </p:txBody>
+      </p:sp>
+      <p:sp>
+        <p:nvSpPr>
+          <p:cNvPr id="132" name="Rectangle 131"/>
+          <p:cNvSpPr/>
+          <p:nvPr/>
+        </p:nvSpPr>
+        <p:spPr>
+          <a:xfrm>
+            <a:off x="6381350" y="12302194"/>
+            <a:ext cx="151707" cy="1261406"/>
+          </a:xfrm>
+          <a:prstGeom prst="rect">
+            <a:avLst/>
+          </a:prstGeom>
+          <a:solidFill>
+            <a:schemeClr val="bg1">
+              <a:lumMod val="50000"/>
+            </a:schemeClr>
+          </a:solidFill>
+          <a:ln>
+            <a:solidFill>
+              <a:schemeClr val="tx1">
+                <a:lumMod val="50000"/>
+                <a:lumOff val="50000"/>
+              </a:schemeClr>
+            </a:solidFill>
+          </a:ln>
+        </p:spPr>
+        <p:style>
+          <a:lnRef idx="2">
+            <a:schemeClr val="accent1">
+              <a:shade val="50000"/>
+            </a:schemeClr>
+          </a:lnRef>
+          <a:fillRef idx="1">
+            <a:schemeClr val="accent1"/>
+          </a:fillRef>
+          <a:effectRef idx="0">
+            <a:schemeClr val="accent1"/>
+          </a:effectRef>
+          <a:fontRef idx="minor">
+            <a:schemeClr val="lt1"/>
+          </a:fontRef>
+        </p:style>
+        <p:txBody>
+          <a:bodyPr rtlCol="0" anchor="ctr"/>
+          <a:lstStyle/>
+          <a:p>
+            <a:pPr algn="ctr"/>
+            <a:endParaRPr lang="en-US"/>
+          </a:p>
+        </p:txBody>
+      </p:sp>
+      <p:sp>
+        <p:nvSpPr>
+          <p:cNvPr id="137" name="Rectangle 136"/>
+          <p:cNvSpPr/>
+          <p:nvPr/>
+        </p:nvSpPr>
+        <p:spPr>
+          <a:xfrm>
+            <a:off x="6324734" y="13146730"/>
+            <a:ext cx="264938" cy="387725"/>
+          </a:xfrm>
+          <a:prstGeom prst="rect">
+            <a:avLst/>
+          </a:prstGeom>
+          <a:solidFill>
+            <a:schemeClr val="tx1">
+              <a:lumMod val="75000"/>
+              <a:lumOff val="25000"/>
+            </a:schemeClr>
+          </a:solidFill>
+          <a:ln>
+            <a:noFill/>
+          </a:ln>
+        </p:spPr>
+        <p:style>
+          <a:lnRef idx="2">
+            <a:schemeClr val="accent1">
+              <a:shade val="50000"/>
+            </a:schemeClr>
+          </a:lnRef>
+          <a:fillRef idx="1">
+            <a:schemeClr val="accent1"/>
+          </a:fillRef>
+          <a:effectRef idx="0">
+            <a:schemeClr val="accent1"/>
+          </a:effectRef>
+          <a:fontRef idx="minor">
+            <a:schemeClr val="lt1"/>
+          </a:fontRef>
+        </p:style>
+        <p:txBody>
+          <a:bodyPr rtlCol="0" anchor="ctr"/>
+          <a:lstStyle/>
+          <a:p>
+            <a:pPr algn="ctr"/>
+            <a:endParaRPr lang="en-US"/>
+          </a:p>
+        </p:txBody>
+      </p:sp>
+      <p:sp>
+        <p:nvSpPr>
+          <p:cNvPr id="140" name="Double Wave 139"/>
+          <p:cNvSpPr/>
+          <p:nvPr/>
+        </p:nvSpPr>
+        <p:spPr>
+          <a:xfrm rot="5400000">
+            <a:off x="6362573" y="11539046"/>
+            <a:ext cx="217311" cy="304800"/>
+          </a:xfrm>
+          <a:prstGeom prst="doubleWave">
+            <a:avLst/>
+          </a:prstGeom>
+          <a:solidFill>
+            <a:schemeClr val="bg1">
+              <a:lumMod val="65000"/>
+            </a:schemeClr>
+          </a:solidFill>
+          <a:ln>
+            <a:noFill/>
+          </a:ln>
+        </p:spPr>
+        <p:style>
+          <a:lnRef idx="2">
+            <a:schemeClr val="accent1">
+              <a:shade val="50000"/>
+            </a:schemeClr>
+          </a:lnRef>
+          <a:fillRef idx="1">
+            <a:schemeClr val="accent1"/>
+          </a:fillRef>
+          <a:effectRef idx="0">
+            <a:schemeClr val="accent1"/>
+          </a:effectRef>
+          <a:fontRef idx="minor">
+            <a:schemeClr val="lt1"/>
+          </a:fontRef>
+        </p:style>
+        <p:txBody>
+          <a:bodyPr rtlCol="0" anchor="ctr"/>
+          <a:lstStyle/>
+          <a:p>
+            <a:pPr algn="ctr"/>
+            <a:endParaRPr lang="en-US"/>
+          </a:p>
+        </p:txBody>
+      </p:sp>
+      <p:sp>
+        <p:nvSpPr>
+          <p:cNvPr id="143" name="Rectangle 142"/>
+          <p:cNvSpPr/>
+          <p:nvPr/>
+        </p:nvSpPr>
+        <p:spPr>
+          <a:xfrm>
+            <a:off x="6287397" y="11545214"/>
+            <a:ext cx="367665" cy="71179"/>
+          </a:xfrm>
+          <a:prstGeom prst="rect">
+            <a:avLst/>
+          </a:prstGeom>
+          <a:solidFill>
+            <a:schemeClr val="bg1">
+              <a:lumMod val="65000"/>
+            </a:schemeClr>
+          </a:solidFill>
+          <a:ln>
+            <a:solidFill>
+              <a:schemeClr val="tx1">
+                <a:lumMod val="50000"/>
+                <a:lumOff val="50000"/>
+              </a:schemeClr>
+            </a:solidFill>
+          </a:ln>
+        </p:spPr>
+        <p:style>
+          <a:lnRef idx="2">
+            <a:schemeClr val="accent1">
+              <a:shade val="50000"/>
+            </a:schemeClr>
+          </a:lnRef>
+          <a:fillRef idx="1">
+            <a:schemeClr val="accent1"/>
+          </a:fillRef>
+          <a:effectRef idx="0">
+            <a:schemeClr val="accent1"/>
+          </a:effectRef>
+          <a:fontRef idx="minor">
+            <a:schemeClr val="lt1"/>
+          </a:fontRef>
+        </p:style>
+        <p:txBody>
+          <a:bodyPr rtlCol="0" anchor="ctr"/>
+          <a:lstStyle/>
+          <a:p>
+            <a:pPr algn="ctr"/>
+            <a:endParaRPr lang="en-US"/>
+          </a:p>
+        </p:txBody>
+      </p:sp>
+      <p:cxnSp>
+        <p:nvCxnSpPr>
+          <p:cNvPr id="158" name="Straight Arrow Connector 157"/>
+          <p:cNvCxnSpPr/>
+          <p:nvPr/>
+        </p:nvCxnSpPr>
+        <p:spPr>
+          <a:xfrm flipH="1" flipV="1">
+            <a:off x="6471228" y="11670726"/>
+            <a:ext cx="1" cy="510618"/>
+          </a:xfrm>
+          <a:prstGeom prst="straightConnector1">
+            <a:avLst/>
+          </a:prstGeom>
+          <a:ln w="38100">
+            <a:solidFill>
+              <a:schemeClr val="tx1"/>
+            </a:solidFill>
+            <a:headEnd type="triangle" w="med" len="med"/>
+            <a:tailEnd type="triangle" w="med" len="med"/>
+          </a:ln>
+        </p:spPr>
+        <p:style>
+          <a:lnRef idx="1">
+            <a:schemeClr val="accent1"/>
+          </a:lnRef>
+          <a:fillRef idx="0">
+            <a:schemeClr val="accent1"/>
+          </a:fillRef>
+          <a:effectRef idx="0">
+            <a:schemeClr val="accent1"/>
+          </a:effectRef>
+          <a:fontRef idx="minor">
+            <a:schemeClr val="tx1"/>
+          </a:fontRef>
+        </p:style>
+      </p:cxnSp>
+      <p:sp>
+        <p:nvSpPr>
+          <p:cNvPr id="179" name="Rectangle 178"/>
+          <p:cNvSpPr/>
+          <p:nvPr/>
+        </p:nvSpPr>
+        <p:spPr>
+          <a:xfrm>
+            <a:off x="6272819" y="11180572"/>
+            <a:ext cx="396817" cy="249428"/>
+          </a:xfrm>
+          <a:prstGeom prst="rect">
+            <a:avLst/>
+          </a:prstGeom>
+          <a:solidFill>
+            <a:schemeClr val="tx1">
+              <a:lumMod val="65000"/>
+              <a:lumOff val="35000"/>
+            </a:schemeClr>
+          </a:solidFill>
+          <a:ln>
+            <a:noFill/>
+          </a:ln>
+        </p:spPr>
+        <p:style>
+          <a:lnRef idx="2">
+            <a:schemeClr val="accent1">
+              <a:shade val="50000"/>
+            </a:schemeClr>
+          </a:lnRef>
+          <a:fillRef idx="1">
+            <a:schemeClr val="accent1"/>
+          </a:fillRef>
+          <a:effectRef idx="0">
+            <a:schemeClr val="accent1"/>
+          </a:effectRef>
+          <a:fontRef idx="minor">
+            <a:schemeClr val="lt1"/>
+          </a:fontRef>
+        </p:style>
+        <p:txBody>
+          <a:bodyPr rtlCol="0" anchor="ctr"/>
+          <a:lstStyle/>
+          <a:p>
+            <a:pPr algn="ctr"/>
+            <a:endParaRPr lang="en-US"/>
+          </a:p>
+        </p:txBody>
+      </p:sp>
+      <p:cxnSp>
+        <p:nvCxnSpPr>
+          <p:cNvPr id="168" name="Straight Connector 167"/>
+          <p:cNvCxnSpPr/>
+          <p:nvPr/>
+        </p:nvCxnSpPr>
+        <p:spPr>
+          <a:xfrm>
+            <a:off x="8522966" y="12302797"/>
+            <a:ext cx="636625" cy="0"/>
+          </a:xfrm>
+          <a:prstGeom prst="line">
+            <a:avLst/>
+          </a:prstGeom>
+          <a:ln w="38100">
+            <a:solidFill>
+              <a:srgbClr val="C00000"/>
+            </a:solidFill>
+          </a:ln>
+        </p:spPr>
+        <p:style>
+          <a:lnRef idx="1">
+            <a:schemeClr val="accent1"/>
+          </a:lnRef>
+          <a:fillRef idx="0">
+            <a:schemeClr val="accent1"/>
+          </a:fillRef>
+          <a:effectRef idx="0">
+            <a:schemeClr val="accent1"/>
+          </a:effectRef>
+          <a:fontRef idx="minor">
+            <a:schemeClr val="tx1"/>
+          </a:fontRef>
+        </p:style>
+      </p:cxnSp>
+      <p:sp>
+        <p:nvSpPr>
+          <p:cNvPr id="170" name="Rectangle 169"/>
+          <p:cNvSpPr/>
+          <p:nvPr/>
+        </p:nvSpPr>
+        <p:spPr>
+          <a:xfrm>
+            <a:off x="8452690" y="12221489"/>
+            <a:ext cx="176980" cy="589580"/>
+          </a:xfrm>
+          <a:prstGeom prst="rect">
+            <a:avLst/>
+          </a:prstGeom>
+          <a:solidFill>
+            <a:schemeClr val="accent6">
+              <a:lumMod val="50000"/>
+            </a:schemeClr>
+          </a:solidFill>
+          <a:ln>
+            <a:noFill/>
+          </a:ln>
+        </p:spPr>
+        <p:style>
+          <a:lnRef idx="2">
+            <a:schemeClr val="accent1">
+              <a:shade val="50000"/>
+            </a:schemeClr>
+          </a:lnRef>
+          <a:fillRef idx="1">
+            <a:schemeClr val="accent1"/>
+          </a:fillRef>
+          <a:effectRef idx="0">
+            <a:schemeClr val="accent1"/>
+          </a:effectRef>
+          <a:fontRef idx="minor">
+            <a:schemeClr val="lt1"/>
+          </a:fontRef>
+        </p:style>
+        <p:txBody>
+          <a:bodyPr rtlCol="0" anchor="ctr"/>
+          <a:lstStyle/>
+          <a:p>
+            <a:pPr algn="ctr"/>
+            <a:endParaRPr lang="en-US"/>
+          </a:p>
+        </p:txBody>
+      </p:sp>
+      <p:sp>
+        <p:nvSpPr>
+          <p:cNvPr id="171" name="Rectangle 170"/>
+          <p:cNvSpPr/>
+          <p:nvPr/>
+        </p:nvSpPr>
+        <p:spPr>
+          <a:xfrm>
+            <a:off x="9032556" y="12221489"/>
+            <a:ext cx="176980" cy="589580"/>
+          </a:xfrm>
+          <a:prstGeom prst="rect">
+            <a:avLst/>
+          </a:prstGeom>
+          <a:solidFill>
+            <a:schemeClr val="accent6">
+              <a:lumMod val="50000"/>
+            </a:schemeClr>
+          </a:solidFill>
+          <a:ln>
+            <a:noFill/>
+          </a:ln>
+        </p:spPr>
+        <p:style>
+          <a:lnRef idx="2">
+            <a:schemeClr val="accent1">
+              <a:shade val="50000"/>
+            </a:schemeClr>
+          </a:lnRef>
+          <a:fillRef idx="1">
+            <a:schemeClr val="accent1"/>
+          </a:fillRef>
+          <a:effectRef idx="0">
+            <a:schemeClr val="accent1"/>
+          </a:effectRef>
+          <a:fontRef idx="minor">
+            <a:schemeClr val="lt1"/>
+          </a:fontRef>
+        </p:style>
+        <p:txBody>
+          <a:bodyPr rtlCol="0" anchor="ctr"/>
+          <a:lstStyle/>
+          <a:p>
+            <a:pPr algn="ctr"/>
+            <a:endParaRPr lang="en-US"/>
+          </a:p>
+        </p:txBody>
+      </p:sp>
+      <p:sp>
+        <p:nvSpPr>
+          <p:cNvPr id="172" name="Rectangle 171"/>
+          <p:cNvSpPr/>
+          <p:nvPr/>
+        </p:nvSpPr>
+        <p:spPr>
+          <a:xfrm>
+            <a:off x="8417355" y="12644673"/>
+            <a:ext cx="824758" cy="249428"/>
+          </a:xfrm>
+          <a:prstGeom prst="rect">
+            <a:avLst/>
+          </a:prstGeom>
+          <a:solidFill>
+            <a:schemeClr val="tx1">
+              <a:lumMod val="65000"/>
+              <a:lumOff val="35000"/>
+            </a:schemeClr>
+          </a:solidFill>
+          <a:ln>
+            <a:noFill/>
+          </a:ln>
+        </p:spPr>
+        <p:style>
+          <a:lnRef idx="2">
+            <a:schemeClr val="accent1">
+              <a:shade val="50000"/>
+            </a:schemeClr>
+          </a:lnRef>
+          <a:fillRef idx="1">
+            <a:schemeClr val="accent1"/>
+          </a:fillRef>
+          <a:effectRef idx="0">
+            <a:schemeClr val="accent1"/>
+          </a:effectRef>
+          <a:fontRef idx="minor">
+            <a:schemeClr val="lt1"/>
+          </a:fontRef>
+        </p:style>
+        <p:txBody>
+          <a:bodyPr rtlCol="0" anchor="ctr"/>
+          <a:lstStyle/>
+          <a:p>
+            <a:pPr algn="ctr"/>
+            <a:endParaRPr lang="en-US"/>
+          </a:p>
+        </p:txBody>
+      </p:sp>
+      <p:sp>
+        <p:nvSpPr>
+          <p:cNvPr id="10" name="Oval 9"/>
+          <p:cNvSpPr/>
+          <p:nvPr/>
+        </p:nvSpPr>
+        <p:spPr>
+          <a:xfrm>
+            <a:off x="5923803" y="10386959"/>
+            <a:ext cx="1066799" cy="1066799"/>
+          </a:xfrm>
+          <a:prstGeom prst="ellipse">
+            <a:avLst/>
+          </a:prstGeom>
+          <a:noFill/>
+          <a:ln>
+            <a:solidFill>
+              <a:schemeClr val="tx1"/>
+            </a:solidFill>
+            <a:prstDash val="sysDash"/>
+          </a:ln>
+        </p:spPr>
+        <p:style>
+          <a:lnRef idx="2">
+            <a:schemeClr val="accent1">
+              <a:shade val="50000"/>
+            </a:schemeClr>
+          </a:lnRef>
+          <a:fillRef idx="1">
+            <a:schemeClr val="accent1"/>
+          </a:fillRef>
+          <a:effectRef idx="0">
+            <a:schemeClr val="accent1"/>
+          </a:effectRef>
+          <a:fontRef idx="minor">
+            <a:schemeClr val="lt1"/>
+          </a:fontRef>
+        </p:style>
+        <p:txBody>
+          <a:bodyPr rtlCol="0" anchor="ctr"/>
+          <a:lstStyle/>
+          <a:p>
+            <a:pPr algn="ctr"/>
+            <a:endParaRPr lang="en-US"/>
+          </a:p>
+        </p:txBody>
+      </p:sp>
+      <p:cxnSp>
+        <p:nvCxnSpPr>
+          <p:cNvPr id="15" name="Straight Arrow Connector 14"/>
+          <p:cNvCxnSpPr/>
+          <p:nvPr/>
+        </p:nvCxnSpPr>
+        <p:spPr>
+          <a:xfrm>
+            <a:off x="6954135" y="11165075"/>
+            <a:ext cx="1268870" cy="902636"/>
+          </a:xfrm>
+          <a:prstGeom prst="straightConnector1">
+            <a:avLst/>
+          </a:prstGeom>
+          <a:ln w="28575">
+            <a:solidFill>
+              <a:schemeClr val="tx1"/>
+            </a:solidFill>
+            <a:tailEnd type="arrow"/>
+          </a:ln>
+        </p:spPr>
+        <p:style>
+          <a:lnRef idx="1">
+            <a:schemeClr val="accent1"/>
+          </a:lnRef>
+          <a:fillRef idx="0">
+            <a:schemeClr val="accent1"/>
+          </a:fillRef>
+          <a:effectRef idx="0">
+            <a:schemeClr val="accent1"/>
+          </a:effectRef>
+          <a:fontRef idx="minor">
+            <a:schemeClr val="tx1"/>
+          </a:fontRef>
+        </p:style>
+      </p:cxnSp>
+      <p:sp>
+        <p:nvSpPr>
+          <p:cNvPr id="177" name="TextBox 176"/>
+          <p:cNvSpPr txBox="1"/>
+          <p:nvPr/>
+        </p:nvSpPr>
+        <p:spPr>
+          <a:xfrm>
+            <a:off x="8078405" y="11360175"/>
+            <a:ext cx="1502655" cy="461665"/>
+          </a:xfrm>
+          <a:prstGeom prst="rect">
+            <a:avLst/>
+          </a:prstGeom>
+          <a:noFill/>
+        </p:spPr>
+        <p:txBody>
+          <a:bodyPr wrap="none" rtlCol="0">
+            <a:spAutoFit/>
+          </a:bodyPr>
+          <a:lstStyle/>
+          <a:p>
+            <a:r>
+              <a:rPr lang="en-US" sz="2400" dirty="0" smtClean="0"/>
+              <a:t>Front view</a:t>
+            </a:r>
+            <a:endParaRPr lang="en-US" sz="2400" dirty="0"/>
+          </a:p>
+        </p:txBody>
+      </p:sp>
+      <p:sp>
+        <p:nvSpPr>
+          <p:cNvPr id="174" name="Oval 173"/>
+          <p:cNvSpPr/>
+          <p:nvPr/>
+        </p:nvSpPr>
+        <p:spPr>
+          <a:xfrm>
+            <a:off x="8296334" y="11883729"/>
+            <a:ext cx="1066799" cy="1066799"/>
+          </a:xfrm>
+          <a:prstGeom prst="ellipse">
+            <a:avLst/>
+          </a:prstGeom>
+          <a:noFill/>
+          <a:ln>
+            <a:solidFill>
+              <a:schemeClr val="tx1"/>
+            </a:solidFill>
+            <a:prstDash val="sysDash"/>
+          </a:ln>
+        </p:spPr>
+        <p:style>
+          <a:lnRef idx="2">
+            <a:schemeClr val="accent1">
+              <a:shade val="50000"/>
+            </a:schemeClr>
+          </a:lnRef>
+          <a:fillRef idx="1">
+            <a:schemeClr val="accent1"/>
+          </a:fillRef>
+          <a:effectRef idx="0">
+            <a:schemeClr val="accent1"/>
+          </a:effectRef>
+          <a:fontRef idx="minor">
+            <a:schemeClr val="lt1"/>
+          </a:fontRef>
+        </p:style>
+        <p:txBody>
+          <a:bodyPr rtlCol="0" anchor="ctr"/>
+          <a:lstStyle/>
+          <a:p>
+            <a:pPr algn="ctr"/>
+            <a:endParaRPr lang="en-US"/>
+          </a:p>
+        </p:txBody>
+      </p:sp>
+      <p:sp>
+        <p:nvSpPr>
+          <p:cNvPr id="181" name="TextBox 180"/>
+          <p:cNvSpPr txBox="1"/>
+          <p:nvPr/>
+        </p:nvSpPr>
+        <p:spPr>
+          <a:xfrm>
+            <a:off x="9321665" y="12762991"/>
+            <a:ext cx="1605952" cy="461665"/>
+          </a:xfrm>
+          <a:prstGeom prst="rect">
+            <a:avLst/>
+          </a:prstGeom>
+          <a:noFill/>
+        </p:spPr>
+        <p:txBody>
+          <a:bodyPr wrap="none" rtlCol="0">
+            <a:spAutoFit/>
+          </a:bodyPr>
+          <a:lstStyle/>
+          <a:p>
+            <a:r>
+              <a:rPr lang="en-US" sz="2400" dirty="0" smtClean="0"/>
+              <a:t>Getter wire</a:t>
+            </a:r>
+            <a:endParaRPr lang="en-US" sz="2400" dirty="0"/>
+          </a:p>
+        </p:txBody>
+      </p:sp>
+      <p:cxnSp>
+        <p:nvCxnSpPr>
+          <p:cNvPr id="182" name="Straight Arrow Connector 181"/>
+          <p:cNvCxnSpPr/>
+          <p:nvPr/>
+        </p:nvCxnSpPr>
+        <p:spPr>
+          <a:xfrm flipH="1" flipV="1">
+            <a:off x="8866168" y="12336048"/>
+            <a:ext cx="534392" cy="558053"/>
+          </a:xfrm>
+          <a:prstGeom prst="straightConnector1">
+            <a:avLst/>
+          </a:prstGeom>
+          <a:ln w="28575">
+            <a:solidFill>
+              <a:schemeClr val="tx1"/>
+            </a:solidFill>
+            <a:tailEnd type="arrow"/>
+          </a:ln>
+        </p:spPr>
+        <p:style>
+          <a:lnRef idx="1">
+            <a:schemeClr val="accent1"/>
+          </a:lnRef>
+          <a:fillRef idx="0">
+            <a:schemeClr val="accent1"/>
+          </a:fillRef>
+          <a:effectRef idx="0">
+            <a:schemeClr val="accent1"/>
+          </a:effectRef>
+          <a:fontRef idx="minor">
+            <a:schemeClr val="tx1"/>
+          </a:fontRef>
+        </p:style>
+      </p:cxnSp>
+    </p:spTree>
+    <p:extLst>
+      <p:ext uri="{BB962C8B-B14F-4D97-AF65-F5344CB8AC3E}">
+        <p14:creationId xmlns:p14="http://schemas.microsoft.com/office/powerpoint/2010/main" val="1038947594"/>
       </p:ext>
     </p:extLst>
   </p:cSld>
